--- a/03设计文档/【宁波银行】雅拓信息机器学习平台总体规划.pptx
+++ b/03设计文档/【宁波银行】雅拓信息机器学习平台总体规划.pptx
@@ -8334,8 +8334,8 @@
     <dgm:cxn modelId="{FE194F61-BA40-44BD-AF99-264E76331747}" srcId="{4EB69F67-BCE2-4ECF-885A-E2B07992C7DF}" destId="{DB64B9F9-3FC0-44E6-A69E-C36300B17ACA}" srcOrd="0" destOrd="0" parTransId="{49CABE7F-DE07-44BC-AD1F-0345757EA3B2}" sibTransId="{A87E4287-1673-4690-ACAD-084F763E1F3A}"/>
     <dgm:cxn modelId="{C6405FD7-8AED-41E4-9E2B-A4F7CCC25642}" type="presOf" srcId="{153A3477-7A95-42DD-BE48-7ABF96B7464E}" destId="{7236045B-5900-473E-A178-AF20923747E2}" srcOrd="0" destOrd="0" presId="urn:microsoft.com/office/officeart/2005/8/layout/vList2"/>
     <dgm:cxn modelId="{1C6C6676-1C04-49A2-BAC0-F144C66889A1}" srcId="{E2CAAFA2-254B-4DEA-AF9E-AACC035F0948}" destId="{E78CD1CF-010B-4CE1-87E6-D15422BFE501}" srcOrd="2" destOrd="0" parTransId="{8F21A6F9-6333-4E11-8474-AF6D2C950A15}" sibTransId="{2E854F10-245C-4E7E-B3EA-D8C6452F6DC3}"/>
+    <dgm:cxn modelId="{473930D6-460D-44CF-990E-09B77225FDC8}" type="presOf" srcId="{15D63427-2345-4382-839A-12363023B59F}" destId="{04CA0C98-292D-40AD-91C8-A4D443DDB8CD}" srcOrd="0" destOrd="0" presId="urn:microsoft.com/office/officeart/2005/8/layout/vList2"/>
     <dgm:cxn modelId="{71B879E7-C802-4EBF-A596-EF432397D72D}" srcId="{F6E8CA1C-0178-45B3-A8F4-6B27EE4B2246}" destId="{4D08FF69-FBB4-433E-898D-205E546AA305}" srcOrd="0" destOrd="0" parTransId="{69494B0F-0F9B-486F-926D-2E9BD408F447}" sibTransId="{75F8553F-04D5-4192-9C01-DDCFB7562805}"/>
-    <dgm:cxn modelId="{473930D6-460D-44CF-990E-09B77225FDC8}" type="presOf" srcId="{15D63427-2345-4382-839A-12363023B59F}" destId="{04CA0C98-292D-40AD-91C8-A4D443DDB8CD}" srcOrd="0" destOrd="0" presId="urn:microsoft.com/office/officeart/2005/8/layout/vList2"/>
     <dgm:cxn modelId="{077F925D-FF61-4FE7-A113-A70B995F09F3}" type="presOf" srcId="{E78CD1CF-010B-4CE1-87E6-D15422BFE501}" destId="{20520C1B-3CEB-451C-92C9-94F7F19E94E8}" srcOrd="0" destOrd="0" presId="urn:microsoft.com/office/officeart/2005/8/layout/vList2"/>
     <dgm:cxn modelId="{01A3ADAC-9779-417A-9C52-4B7DADF3E72C}" type="presOf" srcId="{E2CAAFA2-254B-4DEA-AF9E-AACC035F0948}" destId="{A6E97539-5596-4DF9-BD39-C2D64A537652}" srcOrd="0" destOrd="0" presId="urn:microsoft.com/office/officeart/2005/8/layout/vList2"/>
     <dgm:cxn modelId="{F75F4391-D26E-46B6-901B-B3AE37A075D2}" type="presParOf" srcId="{A6E97539-5596-4DF9-BD39-C2D64A537652}" destId="{04CA0C98-292D-40AD-91C8-A4D443DDB8CD}" srcOrd="0" destOrd="0" presId="urn:microsoft.com/office/officeart/2005/8/layout/vList2"/>
@@ -11019,8 +11019,8 @@
   </dgm:ptLst>
   <dgm:cxnLst>
     <dgm:cxn modelId="{257F7218-6BB9-4F60-878D-0C6988B2A809}" srcId="{E2CAAFA2-254B-4DEA-AF9E-AACC035F0948}" destId="{91F11B5A-8EC8-46A8-8357-271637F77443}" srcOrd="0" destOrd="0" parTransId="{6D4C3D69-AF04-4591-8C46-D5D8D02EDACD}" sibTransId="{04A27346-37FC-4810-B32D-2A71C6689080}"/>
+    <dgm:cxn modelId="{55821F86-EE98-45D8-900B-E204E66601A4}" type="presOf" srcId="{91F11B5A-8EC8-46A8-8357-271637F77443}" destId="{4959577E-695B-4EF2-AAD4-0E4D69510312}" srcOrd="0" destOrd="0" presId="urn:microsoft.com/office/officeart/2005/8/layout/vList2"/>
     <dgm:cxn modelId="{01A3ADAC-9779-417A-9C52-4B7DADF3E72C}" type="presOf" srcId="{E2CAAFA2-254B-4DEA-AF9E-AACC035F0948}" destId="{A6E97539-5596-4DF9-BD39-C2D64A537652}" srcOrd="0" destOrd="0" presId="urn:microsoft.com/office/officeart/2005/8/layout/vList2"/>
-    <dgm:cxn modelId="{55821F86-EE98-45D8-900B-E204E66601A4}" type="presOf" srcId="{91F11B5A-8EC8-46A8-8357-271637F77443}" destId="{4959577E-695B-4EF2-AAD4-0E4D69510312}" srcOrd="0" destOrd="0" presId="urn:microsoft.com/office/officeart/2005/8/layout/vList2"/>
     <dgm:cxn modelId="{A77D4447-DD4D-4B38-B56F-A8C5935B3DB0}" type="presParOf" srcId="{A6E97539-5596-4DF9-BD39-C2D64A537652}" destId="{4959577E-695B-4EF2-AAD4-0E4D69510312}" srcOrd="0" destOrd="0" presId="urn:microsoft.com/office/officeart/2005/8/layout/vList2"/>
   </dgm:cxnLst>
   <dgm:bg/>
@@ -12375,27 +12375,27 @@
     </dgm:pt>
   </dgm:ptLst>
   <dgm:cxnLst>
-    <dgm:cxn modelId="{45990A2E-420B-411F-B25F-D6BF9DCAAD73}" srcId="{003B04E1-4094-41A8-B9B3-686DF7D69C95}" destId="{153A3477-7A95-42DD-BE48-7ABF96B7464E}" srcOrd="0" destOrd="0" parTransId="{3A09380E-030C-4F03-852B-6C9F6C47EA92}" sibTransId="{35C89C4B-3D28-4C45-B71A-0C008F51C63D}"/>
+    <dgm:cxn modelId="{692CC589-1F75-4110-92B8-EE724BDB946E}" type="presOf" srcId="{8F4DF43B-EE22-4944-97CB-FB12B6F448F4}" destId="{34C7D9B9-DA42-4CF4-8018-A884B18D1A43}" srcOrd="0" destOrd="0" presId="urn:microsoft.com/office/officeart/2005/8/layout/vList2"/>
+    <dgm:cxn modelId="{46C1E0D9-EA9D-489B-BCA2-47CB3E82B228}" type="presOf" srcId="{91F11B5A-8EC8-46A8-8357-271637F77443}" destId="{302B382D-9D79-4876-B0FB-6E61C05D653F}" srcOrd="0" destOrd="0" presId="urn:microsoft.com/office/officeart/2005/8/layout/vList2"/>
+    <dgm:cxn modelId="{01A3ADAC-9779-417A-9C52-4B7DADF3E72C}" type="presOf" srcId="{E2CAAFA2-254B-4DEA-AF9E-AACC035F0948}" destId="{A6E97539-5596-4DF9-BD39-C2D64A537652}" srcOrd="0" destOrd="0" presId="urn:microsoft.com/office/officeart/2005/8/layout/vList2"/>
+    <dgm:cxn modelId="{E9BDD477-A96E-45F5-AE30-95E0FCAC3219}" type="presOf" srcId="{4EB69F67-BCE2-4ECF-885A-E2B07992C7DF}" destId="{FD347E0A-6B82-4B0C-995D-51C23A141C9F}" srcOrd="0" destOrd="0" presId="urn:microsoft.com/office/officeart/2005/8/layout/vList2"/>
+    <dgm:cxn modelId="{257F7218-6BB9-4F60-878D-0C6988B2A809}" srcId="{15D63427-2345-4382-839A-12363023B59F}" destId="{91F11B5A-8EC8-46A8-8357-271637F77443}" srcOrd="0" destOrd="0" parTransId="{6D4C3D69-AF04-4591-8C46-D5D8D02EDACD}" sibTransId="{04A27346-37FC-4810-B32D-2A71C6689080}"/>
+    <dgm:cxn modelId="{8F89E1A2-EDB8-4F3C-A85A-EC22A261348E}" type="presOf" srcId="{003B04E1-4094-41A8-B9B3-686DF7D69C95}" destId="{9F264BE6-77D3-4778-98FC-1AFD0BD537B3}" srcOrd="0" destOrd="0" presId="urn:microsoft.com/office/officeart/2005/8/layout/vList2"/>
+    <dgm:cxn modelId="{D21476AF-3920-46FE-BD32-C4E9E1415525}" srcId="{E2CAAFA2-254B-4DEA-AF9E-AACC035F0948}" destId="{4EB69F67-BCE2-4ECF-885A-E2B07992C7DF}" srcOrd="1" destOrd="0" parTransId="{F05F7388-5305-48EE-9409-9084F2C41013}" sibTransId="{D1B3F939-6EC8-4462-B5D8-CB4CFB823B54}"/>
+    <dgm:cxn modelId="{39A3CA55-35DF-4D86-9045-F011BFFC032D}" srcId="{E2CAAFA2-254B-4DEA-AF9E-AACC035F0948}" destId="{003B04E1-4094-41A8-B9B3-686DF7D69C95}" srcOrd="3" destOrd="0" parTransId="{604DC87C-84CD-4C38-96D1-98E4A29EDE91}" sibTransId="{66E29971-F29B-49B5-AEA1-F559A796D57D}"/>
+    <dgm:cxn modelId="{7518DA06-1C6E-4A4B-AFD5-6123ACAE1C86}" type="presOf" srcId="{C11254F3-8021-4DB8-8F31-65B10CEADCB4}" destId="{CECA9D39-BB3C-425D-88EA-A1C32AF09186}" srcOrd="0" destOrd="0" presId="urn:microsoft.com/office/officeart/2005/8/layout/vList2"/>
+    <dgm:cxn modelId="{8551DCB5-C70F-446F-A0F6-641E7F0A3C6E}" srcId="{E2CAAFA2-254B-4DEA-AF9E-AACC035F0948}" destId="{C11254F3-8021-4DB8-8F31-65B10CEADCB4}" srcOrd="4" destOrd="0" parTransId="{009694E2-FA32-47AC-9DFB-B14AA08FE67B}" sibTransId="{7F5F62B2-8B62-4F36-B21E-211893E587F4}"/>
+    <dgm:cxn modelId="{AB4CFF24-5782-401E-AF6D-CE3AE1776418}" type="presOf" srcId="{E78CD1CF-010B-4CE1-87E6-D15422BFE501}" destId="{20520C1B-3CEB-451C-92C9-94F7F19E94E8}" srcOrd="0" destOrd="0" presId="urn:microsoft.com/office/officeart/2005/8/layout/vList2"/>
+    <dgm:cxn modelId="{E78DDCF9-7577-423F-8F5F-4DD8071576CE}" type="presOf" srcId="{153A3477-7A95-42DD-BE48-7ABF96B7464E}" destId="{7236045B-5900-473E-A178-AF20923747E2}" srcOrd="0" destOrd="0" presId="urn:microsoft.com/office/officeart/2005/8/layout/vList2"/>
     <dgm:cxn modelId="{68CCFDDF-797D-4CDA-8B39-70D2AD4B5277}" srcId="{E78CD1CF-010B-4CE1-87E6-D15422BFE501}" destId="{8F4DF43B-EE22-4944-97CB-FB12B6F448F4}" srcOrd="0" destOrd="0" parTransId="{F7D1646A-3039-4EF5-A47E-9E366FC97A61}" sibTransId="{C3B9F71E-B25E-498D-880D-1C9F8FC96227}"/>
-    <dgm:cxn modelId="{E9BDD477-A96E-45F5-AE30-95E0FCAC3219}" type="presOf" srcId="{4EB69F67-BCE2-4ECF-885A-E2B07992C7DF}" destId="{FD347E0A-6B82-4B0C-995D-51C23A141C9F}" srcOrd="0" destOrd="0" presId="urn:microsoft.com/office/officeart/2005/8/layout/vList2"/>
-    <dgm:cxn modelId="{39A3CA55-35DF-4D86-9045-F011BFFC032D}" srcId="{E2CAAFA2-254B-4DEA-AF9E-AACC035F0948}" destId="{003B04E1-4094-41A8-B9B3-686DF7D69C95}" srcOrd="3" destOrd="0" parTransId="{604DC87C-84CD-4C38-96D1-98E4A29EDE91}" sibTransId="{66E29971-F29B-49B5-AEA1-F559A796D57D}"/>
+    <dgm:cxn modelId="{1AEF826C-9398-4C31-85A3-EF5FFC62800E}" type="presOf" srcId="{15D63427-2345-4382-839A-12363023B59F}" destId="{04CA0C98-292D-40AD-91C8-A4D443DDB8CD}" srcOrd="0" destOrd="0" presId="urn:microsoft.com/office/officeart/2005/8/layout/vList2"/>
     <dgm:cxn modelId="{E4D8153F-DAB2-4144-9CDD-7C181B5EFDDF}" srcId="{E2CAAFA2-254B-4DEA-AF9E-AACC035F0948}" destId="{15D63427-2345-4382-839A-12363023B59F}" srcOrd="0" destOrd="0" parTransId="{3C78BFB0-C14D-4469-878E-79ED9E048167}" sibTransId="{CC61C90A-C359-490D-83D5-D9527440E610}"/>
-    <dgm:cxn modelId="{257F7218-6BB9-4F60-878D-0C6988B2A809}" srcId="{15D63427-2345-4382-839A-12363023B59F}" destId="{91F11B5A-8EC8-46A8-8357-271637F77443}" srcOrd="0" destOrd="0" parTransId="{6D4C3D69-AF04-4591-8C46-D5D8D02EDACD}" sibTransId="{04A27346-37FC-4810-B32D-2A71C6689080}"/>
-    <dgm:cxn modelId="{AB4CFF24-5782-401E-AF6D-CE3AE1776418}" type="presOf" srcId="{E78CD1CF-010B-4CE1-87E6-D15422BFE501}" destId="{20520C1B-3CEB-451C-92C9-94F7F19E94E8}" srcOrd="0" destOrd="0" presId="urn:microsoft.com/office/officeart/2005/8/layout/vList2"/>
-    <dgm:cxn modelId="{D21476AF-3920-46FE-BD32-C4E9E1415525}" srcId="{E2CAAFA2-254B-4DEA-AF9E-AACC035F0948}" destId="{4EB69F67-BCE2-4ECF-885A-E2B07992C7DF}" srcOrd="1" destOrd="0" parTransId="{F05F7388-5305-48EE-9409-9084F2C41013}" sibTransId="{D1B3F939-6EC8-4462-B5D8-CB4CFB823B54}"/>
-    <dgm:cxn modelId="{8F89E1A2-EDB8-4F3C-A85A-EC22A261348E}" type="presOf" srcId="{003B04E1-4094-41A8-B9B3-686DF7D69C95}" destId="{9F264BE6-77D3-4778-98FC-1AFD0BD537B3}" srcOrd="0" destOrd="0" presId="urn:microsoft.com/office/officeart/2005/8/layout/vList2"/>
-    <dgm:cxn modelId="{7518DA06-1C6E-4A4B-AFD5-6123ACAE1C86}" type="presOf" srcId="{C11254F3-8021-4DB8-8F31-65B10CEADCB4}" destId="{CECA9D39-BB3C-425D-88EA-A1C32AF09186}" srcOrd="0" destOrd="0" presId="urn:microsoft.com/office/officeart/2005/8/layout/vList2"/>
-    <dgm:cxn modelId="{46C1E0D9-EA9D-489B-BCA2-47CB3E82B228}" type="presOf" srcId="{91F11B5A-8EC8-46A8-8357-271637F77443}" destId="{302B382D-9D79-4876-B0FB-6E61C05D653F}" srcOrd="0" destOrd="0" presId="urn:microsoft.com/office/officeart/2005/8/layout/vList2"/>
-    <dgm:cxn modelId="{692CC589-1F75-4110-92B8-EE724BDB946E}" type="presOf" srcId="{8F4DF43B-EE22-4944-97CB-FB12B6F448F4}" destId="{34C7D9B9-DA42-4CF4-8018-A884B18D1A43}" srcOrd="0" destOrd="0" presId="urn:microsoft.com/office/officeart/2005/8/layout/vList2"/>
-    <dgm:cxn modelId="{FE194F61-BA40-44BD-AF99-264E76331747}" srcId="{4EB69F67-BCE2-4ECF-885A-E2B07992C7DF}" destId="{DB64B9F9-3FC0-44E6-A69E-C36300B17ACA}" srcOrd="0" destOrd="0" parTransId="{49CABE7F-DE07-44BC-AD1F-0345757EA3B2}" sibTransId="{A87E4287-1673-4690-ACAD-084F763E1F3A}"/>
-    <dgm:cxn modelId="{E78DDCF9-7577-423F-8F5F-4DD8071576CE}" type="presOf" srcId="{153A3477-7A95-42DD-BE48-7ABF96B7464E}" destId="{7236045B-5900-473E-A178-AF20923747E2}" srcOrd="0" destOrd="0" presId="urn:microsoft.com/office/officeart/2005/8/layout/vList2"/>
-    <dgm:cxn modelId="{8551DCB5-C70F-446F-A0F6-641E7F0A3C6E}" srcId="{E2CAAFA2-254B-4DEA-AF9E-AACC035F0948}" destId="{C11254F3-8021-4DB8-8F31-65B10CEADCB4}" srcOrd="4" destOrd="0" parTransId="{009694E2-FA32-47AC-9DFB-B14AA08FE67B}" sibTransId="{7F5F62B2-8B62-4F36-B21E-211893E587F4}"/>
+    <dgm:cxn modelId="{8FCA370B-12F5-46C7-93A0-CAAF7935E3A8}" type="presOf" srcId="{DB64B9F9-3FC0-44E6-A69E-C36300B17ACA}" destId="{1423AC30-531D-4610-BE3C-9F2ADA4C5CCD}" srcOrd="0" destOrd="0" presId="urn:microsoft.com/office/officeart/2005/8/layout/vList2"/>
+    <dgm:cxn modelId="{2AB9A3B3-2D9C-4B66-AAE3-01100EC586D5}" type="presOf" srcId="{FBFB4E7D-1783-4861-9BE7-A4FD1BAEDF48}" destId="{E19D7773-B72F-494D-9F87-C6D6F6C7EE11}" srcOrd="0" destOrd="0" presId="urn:microsoft.com/office/officeart/2005/8/layout/vList2"/>
     <dgm:cxn modelId="{20D9E25B-BEBD-4EF1-A0A6-6D93099EC801}" srcId="{C11254F3-8021-4DB8-8F31-65B10CEADCB4}" destId="{FBFB4E7D-1783-4861-9BE7-A4FD1BAEDF48}" srcOrd="0" destOrd="0" parTransId="{EFF3AF77-607D-46B9-892B-2CE63FCF67ED}" sibTransId="{70F1E548-BFE6-4AEE-908E-380F85ADECA3}"/>
     <dgm:cxn modelId="{1C6C6676-1C04-49A2-BAC0-F144C66889A1}" srcId="{E2CAAFA2-254B-4DEA-AF9E-AACC035F0948}" destId="{E78CD1CF-010B-4CE1-87E6-D15422BFE501}" srcOrd="2" destOrd="0" parTransId="{8F21A6F9-6333-4E11-8474-AF6D2C950A15}" sibTransId="{2E854F10-245C-4E7E-B3EA-D8C6452F6DC3}"/>
-    <dgm:cxn modelId="{1AEF826C-9398-4C31-85A3-EF5FFC62800E}" type="presOf" srcId="{15D63427-2345-4382-839A-12363023B59F}" destId="{04CA0C98-292D-40AD-91C8-A4D443DDB8CD}" srcOrd="0" destOrd="0" presId="urn:microsoft.com/office/officeart/2005/8/layout/vList2"/>
-    <dgm:cxn modelId="{8FCA370B-12F5-46C7-93A0-CAAF7935E3A8}" type="presOf" srcId="{DB64B9F9-3FC0-44E6-A69E-C36300B17ACA}" destId="{1423AC30-531D-4610-BE3C-9F2ADA4C5CCD}" srcOrd="0" destOrd="0" presId="urn:microsoft.com/office/officeart/2005/8/layout/vList2"/>
-    <dgm:cxn modelId="{01A3ADAC-9779-417A-9C52-4B7DADF3E72C}" type="presOf" srcId="{E2CAAFA2-254B-4DEA-AF9E-AACC035F0948}" destId="{A6E97539-5596-4DF9-BD39-C2D64A537652}" srcOrd="0" destOrd="0" presId="urn:microsoft.com/office/officeart/2005/8/layout/vList2"/>
-    <dgm:cxn modelId="{2AB9A3B3-2D9C-4B66-AAE3-01100EC586D5}" type="presOf" srcId="{FBFB4E7D-1783-4861-9BE7-A4FD1BAEDF48}" destId="{E19D7773-B72F-494D-9F87-C6D6F6C7EE11}" srcOrd="0" destOrd="0" presId="urn:microsoft.com/office/officeart/2005/8/layout/vList2"/>
+    <dgm:cxn modelId="{45990A2E-420B-411F-B25F-D6BF9DCAAD73}" srcId="{003B04E1-4094-41A8-B9B3-686DF7D69C95}" destId="{153A3477-7A95-42DD-BE48-7ABF96B7464E}" srcOrd="0" destOrd="0" parTransId="{3A09380E-030C-4F03-852B-6C9F6C47EA92}" sibTransId="{35C89C4B-3D28-4C45-B71A-0C008F51C63D}"/>
+    <dgm:cxn modelId="{FE194F61-BA40-44BD-AF99-264E76331747}" srcId="{4EB69F67-BCE2-4ECF-885A-E2B07992C7DF}" destId="{DB64B9F9-3FC0-44E6-A69E-C36300B17ACA}" srcOrd="0" destOrd="0" parTransId="{49CABE7F-DE07-44BC-AD1F-0345757EA3B2}" sibTransId="{A87E4287-1673-4690-ACAD-084F763E1F3A}"/>
     <dgm:cxn modelId="{AB86E5B8-F688-4548-B186-F43E244EE88A}" type="presParOf" srcId="{A6E97539-5596-4DF9-BD39-C2D64A537652}" destId="{04CA0C98-292D-40AD-91C8-A4D443DDB8CD}" srcOrd="0" destOrd="0" presId="urn:microsoft.com/office/officeart/2005/8/layout/vList2"/>
     <dgm:cxn modelId="{A21E2725-89F6-4024-948E-5DBE14B05BED}" type="presParOf" srcId="{A6E97539-5596-4DF9-BD39-C2D64A537652}" destId="{302B382D-9D79-4876-B0FB-6E61C05D653F}" srcOrd="1" destOrd="0" presId="urn:microsoft.com/office/officeart/2005/8/layout/vList2"/>
     <dgm:cxn modelId="{FDE9442C-728C-4DB1-8BE9-F95EA514504C}" type="presParOf" srcId="{A6E97539-5596-4DF9-BD39-C2D64A537652}" destId="{FD347E0A-6B82-4B0C-995D-51C23A141C9F}" srcOrd="2" destOrd="0" presId="urn:microsoft.com/office/officeart/2005/8/layout/vList2"/>
@@ -13148,27 +13148,27 @@
     </dgm:pt>
   </dgm:ptLst>
   <dgm:cxnLst>
+    <dgm:cxn modelId="{45990A2E-420B-411F-B25F-D6BF9DCAAD73}" srcId="{003B04E1-4094-41A8-B9B3-686DF7D69C95}" destId="{153A3477-7A95-42DD-BE48-7ABF96B7464E}" srcOrd="0" destOrd="0" parTransId="{3A09380E-030C-4F03-852B-6C9F6C47EA92}" sibTransId="{35C89C4B-3D28-4C45-B71A-0C008F51C63D}"/>
+    <dgm:cxn modelId="{68CCFDDF-797D-4CDA-8B39-70D2AD4B5277}" srcId="{E78CD1CF-010B-4CE1-87E6-D15422BFE501}" destId="{8F4DF43B-EE22-4944-97CB-FB12B6F448F4}" srcOrd="0" destOrd="0" parTransId="{F7D1646A-3039-4EF5-A47E-9E366FC97A61}" sibTransId="{C3B9F71E-B25E-498D-880D-1C9F8FC96227}"/>
+    <dgm:cxn modelId="{E9BDD477-A96E-45F5-AE30-95E0FCAC3219}" type="presOf" srcId="{4EB69F67-BCE2-4ECF-885A-E2B07992C7DF}" destId="{FD347E0A-6B82-4B0C-995D-51C23A141C9F}" srcOrd="0" destOrd="0" presId="urn:microsoft.com/office/officeart/2005/8/layout/vList2"/>
+    <dgm:cxn modelId="{39A3CA55-35DF-4D86-9045-F011BFFC032D}" srcId="{E2CAAFA2-254B-4DEA-AF9E-AACC035F0948}" destId="{003B04E1-4094-41A8-B9B3-686DF7D69C95}" srcOrd="3" destOrd="0" parTransId="{604DC87C-84CD-4C38-96D1-98E4A29EDE91}" sibTransId="{66E29971-F29B-49B5-AEA1-F559A796D57D}"/>
+    <dgm:cxn modelId="{E4D8153F-DAB2-4144-9CDD-7C181B5EFDDF}" srcId="{E2CAAFA2-254B-4DEA-AF9E-AACC035F0948}" destId="{15D63427-2345-4382-839A-12363023B59F}" srcOrd="0" destOrd="0" parTransId="{3C78BFB0-C14D-4469-878E-79ED9E048167}" sibTransId="{CC61C90A-C359-490D-83D5-D9527440E610}"/>
+    <dgm:cxn modelId="{257F7218-6BB9-4F60-878D-0C6988B2A809}" srcId="{15D63427-2345-4382-839A-12363023B59F}" destId="{91F11B5A-8EC8-46A8-8357-271637F77443}" srcOrd="0" destOrd="0" parTransId="{6D4C3D69-AF04-4591-8C46-D5D8D02EDACD}" sibTransId="{04A27346-37FC-4810-B32D-2A71C6689080}"/>
+    <dgm:cxn modelId="{AB4CFF24-5782-401E-AF6D-CE3AE1776418}" type="presOf" srcId="{E78CD1CF-010B-4CE1-87E6-D15422BFE501}" destId="{20520C1B-3CEB-451C-92C9-94F7F19E94E8}" srcOrd="0" destOrd="0" presId="urn:microsoft.com/office/officeart/2005/8/layout/vList2"/>
+    <dgm:cxn modelId="{D21476AF-3920-46FE-BD32-C4E9E1415525}" srcId="{E2CAAFA2-254B-4DEA-AF9E-AACC035F0948}" destId="{4EB69F67-BCE2-4ECF-885A-E2B07992C7DF}" srcOrd="1" destOrd="0" parTransId="{F05F7388-5305-48EE-9409-9084F2C41013}" sibTransId="{D1B3F939-6EC8-4462-B5D8-CB4CFB823B54}"/>
+    <dgm:cxn modelId="{8F89E1A2-EDB8-4F3C-A85A-EC22A261348E}" type="presOf" srcId="{003B04E1-4094-41A8-B9B3-686DF7D69C95}" destId="{9F264BE6-77D3-4778-98FC-1AFD0BD537B3}" srcOrd="0" destOrd="0" presId="urn:microsoft.com/office/officeart/2005/8/layout/vList2"/>
+    <dgm:cxn modelId="{7518DA06-1C6E-4A4B-AFD5-6123ACAE1C86}" type="presOf" srcId="{C11254F3-8021-4DB8-8F31-65B10CEADCB4}" destId="{CECA9D39-BB3C-425D-88EA-A1C32AF09186}" srcOrd="0" destOrd="0" presId="urn:microsoft.com/office/officeart/2005/8/layout/vList2"/>
+    <dgm:cxn modelId="{46C1E0D9-EA9D-489B-BCA2-47CB3E82B228}" type="presOf" srcId="{91F11B5A-8EC8-46A8-8357-271637F77443}" destId="{302B382D-9D79-4876-B0FB-6E61C05D653F}" srcOrd="0" destOrd="0" presId="urn:microsoft.com/office/officeart/2005/8/layout/vList2"/>
     <dgm:cxn modelId="{692CC589-1F75-4110-92B8-EE724BDB946E}" type="presOf" srcId="{8F4DF43B-EE22-4944-97CB-FB12B6F448F4}" destId="{34C7D9B9-DA42-4CF4-8018-A884B18D1A43}" srcOrd="0" destOrd="0" presId="urn:microsoft.com/office/officeart/2005/8/layout/vList2"/>
-    <dgm:cxn modelId="{46C1E0D9-EA9D-489B-BCA2-47CB3E82B228}" type="presOf" srcId="{91F11B5A-8EC8-46A8-8357-271637F77443}" destId="{302B382D-9D79-4876-B0FB-6E61C05D653F}" srcOrd="0" destOrd="0" presId="urn:microsoft.com/office/officeart/2005/8/layout/vList2"/>
-    <dgm:cxn modelId="{01A3ADAC-9779-417A-9C52-4B7DADF3E72C}" type="presOf" srcId="{E2CAAFA2-254B-4DEA-AF9E-AACC035F0948}" destId="{A6E97539-5596-4DF9-BD39-C2D64A537652}" srcOrd="0" destOrd="0" presId="urn:microsoft.com/office/officeart/2005/8/layout/vList2"/>
-    <dgm:cxn modelId="{E9BDD477-A96E-45F5-AE30-95E0FCAC3219}" type="presOf" srcId="{4EB69F67-BCE2-4ECF-885A-E2B07992C7DF}" destId="{FD347E0A-6B82-4B0C-995D-51C23A141C9F}" srcOrd="0" destOrd="0" presId="urn:microsoft.com/office/officeart/2005/8/layout/vList2"/>
-    <dgm:cxn modelId="{257F7218-6BB9-4F60-878D-0C6988B2A809}" srcId="{15D63427-2345-4382-839A-12363023B59F}" destId="{91F11B5A-8EC8-46A8-8357-271637F77443}" srcOrd="0" destOrd="0" parTransId="{6D4C3D69-AF04-4591-8C46-D5D8D02EDACD}" sibTransId="{04A27346-37FC-4810-B32D-2A71C6689080}"/>
-    <dgm:cxn modelId="{8F89E1A2-EDB8-4F3C-A85A-EC22A261348E}" type="presOf" srcId="{003B04E1-4094-41A8-B9B3-686DF7D69C95}" destId="{9F264BE6-77D3-4778-98FC-1AFD0BD537B3}" srcOrd="0" destOrd="0" presId="urn:microsoft.com/office/officeart/2005/8/layout/vList2"/>
-    <dgm:cxn modelId="{D21476AF-3920-46FE-BD32-C4E9E1415525}" srcId="{E2CAAFA2-254B-4DEA-AF9E-AACC035F0948}" destId="{4EB69F67-BCE2-4ECF-885A-E2B07992C7DF}" srcOrd="1" destOrd="0" parTransId="{F05F7388-5305-48EE-9409-9084F2C41013}" sibTransId="{D1B3F939-6EC8-4462-B5D8-CB4CFB823B54}"/>
-    <dgm:cxn modelId="{39A3CA55-35DF-4D86-9045-F011BFFC032D}" srcId="{E2CAAFA2-254B-4DEA-AF9E-AACC035F0948}" destId="{003B04E1-4094-41A8-B9B3-686DF7D69C95}" srcOrd="3" destOrd="0" parTransId="{604DC87C-84CD-4C38-96D1-98E4A29EDE91}" sibTransId="{66E29971-F29B-49B5-AEA1-F559A796D57D}"/>
-    <dgm:cxn modelId="{7518DA06-1C6E-4A4B-AFD5-6123ACAE1C86}" type="presOf" srcId="{C11254F3-8021-4DB8-8F31-65B10CEADCB4}" destId="{CECA9D39-BB3C-425D-88EA-A1C32AF09186}" srcOrd="0" destOrd="0" presId="urn:microsoft.com/office/officeart/2005/8/layout/vList2"/>
+    <dgm:cxn modelId="{FE194F61-BA40-44BD-AF99-264E76331747}" srcId="{4EB69F67-BCE2-4ECF-885A-E2B07992C7DF}" destId="{DB64B9F9-3FC0-44E6-A69E-C36300B17ACA}" srcOrd="0" destOrd="0" parTransId="{49CABE7F-DE07-44BC-AD1F-0345757EA3B2}" sibTransId="{A87E4287-1673-4690-ACAD-084F763E1F3A}"/>
+    <dgm:cxn modelId="{E78DDCF9-7577-423F-8F5F-4DD8071576CE}" type="presOf" srcId="{153A3477-7A95-42DD-BE48-7ABF96B7464E}" destId="{7236045B-5900-473E-A178-AF20923747E2}" srcOrd="0" destOrd="0" presId="urn:microsoft.com/office/officeart/2005/8/layout/vList2"/>
     <dgm:cxn modelId="{8551DCB5-C70F-446F-A0F6-641E7F0A3C6E}" srcId="{E2CAAFA2-254B-4DEA-AF9E-AACC035F0948}" destId="{C11254F3-8021-4DB8-8F31-65B10CEADCB4}" srcOrd="4" destOrd="0" parTransId="{009694E2-FA32-47AC-9DFB-B14AA08FE67B}" sibTransId="{7F5F62B2-8B62-4F36-B21E-211893E587F4}"/>
-    <dgm:cxn modelId="{AB4CFF24-5782-401E-AF6D-CE3AE1776418}" type="presOf" srcId="{E78CD1CF-010B-4CE1-87E6-D15422BFE501}" destId="{20520C1B-3CEB-451C-92C9-94F7F19E94E8}" srcOrd="0" destOrd="0" presId="urn:microsoft.com/office/officeart/2005/8/layout/vList2"/>
-    <dgm:cxn modelId="{E78DDCF9-7577-423F-8F5F-4DD8071576CE}" type="presOf" srcId="{153A3477-7A95-42DD-BE48-7ABF96B7464E}" destId="{7236045B-5900-473E-A178-AF20923747E2}" srcOrd="0" destOrd="0" presId="urn:microsoft.com/office/officeart/2005/8/layout/vList2"/>
-    <dgm:cxn modelId="{68CCFDDF-797D-4CDA-8B39-70D2AD4B5277}" srcId="{E78CD1CF-010B-4CE1-87E6-D15422BFE501}" destId="{8F4DF43B-EE22-4944-97CB-FB12B6F448F4}" srcOrd="0" destOrd="0" parTransId="{F7D1646A-3039-4EF5-A47E-9E366FC97A61}" sibTransId="{C3B9F71E-B25E-498D-880D-1C9F8FC96227}"/>
-    <dgm:cxn modelId="{1AEF826C-9398-4C31-85A3-EF5FFC62800E}" type="presOf" srcId="{15D63427-2345-4382-839A-12363023B59F}" destId="{04CA0C98-292D-40AD-91C8-A4D443DDB8CD}" srcOrd="0" destOrd="0" presId="urn:microsoft.com/office/officeart/2005/8/layout/vList2"/>
-    <dgm:cxn modelId="{E4D8153F-DAB2-4144-9CDD-7C181B5EFDDF}" srcId="{E2CAAFA2-254B-4DEA-AF9E-AACC035F0948}" destId="{15D63427-2345-4382-839A-12363023B59F}" srcOrd="0" destOrd="0" parTransId="{3C78BFB0-C14D-4469-878E-79ED9E048167}" sibTransId="{CC61C90A-C359-490D-83D5-D9527440E610}"/>
-    <dgm:cxn modelId="{8FCA370B-12F5-46C7-93A0-CAAF7935E3A8}" type="presOf" srcId="{DB64B9F9-3FC0-44E6-A69E-C36300B17ACA}" destId="{1423AC30-531D-4610-BE3C-9F2ADA4C5CCD}" srcOrd="0" destOrd="0" presId="urn:microsoft.com/office/officeart/2005/8/layout/vList2"/>
-    <dgm:cxn modelId="{2AB9A3B3-2D9C-4B66-AAE3-01100EC586D5}" type="presOf" srcId="{FBFB4E7D-1783-4861-9BE7-A4FD1BAEDF48}" destId="{E19D7773-B72F-494D-9F87-C6D6F6C7EE11}" srcOrd="0" destOrd="0" presId="urn:microsoft.com/office/officeart/2005/8/layout/vList2"/>
     <dgm:cxn modelId="{20D9E25B-BEBD-4EF1-A0A6-6D93099EC801}" srcId="{C11254F3-8021-4DB8-8F31-65B10CEADCB4}" destId="{FBFB4E7D-1783-4861-9BE7-A4FD1BAEDF48}" srcOrd="0" destOrd="0" parTransId="{EFF3AF77-607D-46B9-892B-2CE63FCF67ED}" sibTransId="{70F1E548-BFE6-4AEE-908E-380F85ADECA3}"/>
     <dgm:cxn modelId="{1C6C6676-1C04-49A2-BAC0-F144C66889A1}" srcId="{E2CAAFA2-254B-4DEA-AF9E-AACC035F0948}" destId="{E78CD1CF-010B-4CE1-87E6-D15422BFE501}" srcOrd="2" destOrd="0" parTransId="{8F21A6F9-6333-4E11-8474-AF6D2C950A15}" sibTransId="{2E854F10-245C-4E7E-B3EA-D8C6452F6DC3}"/>
-    <dgm:cxn modelId="{45990A2E-420B-411F-B25F-D6BF9DCAAD73}" srcId="{003B04E1-4094-41A8-B9B3-686DF7D69C95}" destId="{153A3477-7A95-42DD-BE48-7ABF96B7464E}" srcOrd="0" destOrd="0" parTransId="{3A09380E-030C-4F03-852B-6C9F6C47EA92}" sibTransId="{35C89C4B-3D28-4C45-B71A-0C008F51C63D}"/>
-    <dgm:cxn modelId="{FE194F61-BA40-44BD-AF99-264E76331747}" srcId="{4EB69F67-BCE2-4ECF-885A-E2B07992C7DF}" destId="{DB64B9F9-3FC0-44E6-A69E-C36300B17ACA}" srcOrd="0" destOrd="0" parTransId="{49CABE7F-DE07-44BC-AD1F-0345757EA3B2}" sibTransId="{A87E4287-1673-4690-ACAD-084F763E1F3A}"/>
+    <dgm:cxn modelId="{1AEF826C-9398-4C31-85A3-EF5FFC62800E}" type="presOf" srcId="{15D63427-2345-4382-839A-12363023B59F}" destId="{04CA0C98-292D-40AD-91C8-A4D443DDB8CD}" srcOrd="0" destOrd="0" presId="urn:microsoft.com/office/officeart/2005/8/layout/vList2"/>
+    <dgm:cxn modelId="{8FCA370B-12F5-46C7-93A0-CAAF7935E3A8}" type="presOf" srcId="{DB64B9F9-3FC0-44E6-A69E-C36300B17ACA}" destId="{1423AC30-531D-4610-BE3C-9F2ADA4C5CCD}" srcOrd="0" destOrd="0" presId="urn:microsoft.com/office/officeart/2005/8/layout/vList2"/>
+    <dgm:cxn modelId="{01A3ADAC-9779-417A-9C52-4B7DADF3E72C}" type="presOf" srcId="{E2CAAFA2-254B-4DEA-AF9E-AACC035F0948}" destId="{A6E97539-5596-4DF9-BD39-C2D64A537652}" srcOrd="0" destOrd="0" presId="urn:microsoft.com/office/officeart/2005/8/layout/vList2"/>
+    <dgm:cxn modelId="{2AB9A3B3-2D9C-4B66-AAE3-01100EC586D5}" type="presOf" srcId="{FBFB4E7D-1783-4861-9BE7-A4FD1BAEDF48}" destId="{E19D7773-B72F-494D-9F87-C6D6F6C7EE11}" srcOrd="0" destOrd="0" presId="urn:microsoft.com/office/officeart/2005/8/layout/vList2"/>
     <dgm:cxn modelId="{AB86E5B8-F688-4548-B186-F43E244EE88A}" type="presParOf" srcId="{A6E97539-5596-4DF9-BD39-C2D64A537652}" destId="{04CA0C98-292D-40AD-91C8-A4D443DDB8CD}" srcOrd="0" destOrd="0" presId="urn:microsoft.com/office/officeart/2005/8/layout/vList2"/>
     <dgm:cxn modelId="{A21E2725-89F6-4024-948E-5DBE14B05BED}" type="presParOf" srcId="{A6E97539-5596-4DF9-BD39-C2D64A537652}" destId="{302B382D-9D79-4876-B0FB-6E61C05D653F}" srcOrd="1" destOrd="0" presId="urn:microsoft.com/office/officeart/2005/8/layout/vList2"/>
     <dgm:cxn modelId="{FDE9442C-728C-4DB1-8BE9-F95EA514504C}" type="presParOf" srcId="{A6E97539-5596-4DF9-BD39-C2D64A537652}" destId="{FD347E0A-6B82-4B0C-995D-51C23A141C9F}" srcOrd="2" destOrd="0" presId="urn:microsoft.com/office/officeart/2005/8/layout/vList2"/>
@@ -13817,8 +13817,8 @@
       </dsp:nvSpPr>
       <dsp:spPr>
         <a:xfrm>
-          <a:off x="0" y="169"/>
-          <a:ext cx="8369300" cy="589707"/>
+          <a:off x="0" y="912"/>
+          <a:ext cx="8369300" cy="594140"/>
         </a:xfrm>
         <a:prstGeom prst="roundRect">
           <a:avLst/>
@@ -13907,8 +13907,8 @@
         </a:p>
       </dsp:txBody>
       <dsp:txXfrm>
-        <a:off x="28787" y="28956"/>
-        <a:ext cx="8311726" cy="532133"/>
+        <a:off x="29004" y="29916"/>
+        <a:ext cx="8311292" cy="536132"/>
       </dsp:txXfrm>
     </dsp:sp>
     <dsp:sp modelId="{302B382D-9D79-4876-B0FB-6E61C05D653F}">
@@ -13918,8 +13918,8 @@
       </dsp:nvSpPr>
       <dsp:spPr>
         <a:xfrm>
-          <a:off x="0" y="589877"/>
-          <a:ext cx="8369300" cy="398919"/>
+          <a:off x="0" y="595052"/>
+          <a:ext cx="8369300" cy="394189"/>
         </a:xfrm>
         <a:prstGeom prst="rect">
           <a:avLst/>
@@ -13974,8 +13974,8 @@
         </a:p>
       </dsp:txBody>
       <dsp:txXfrm>
-        <a:off x="0" y="589877"/>
-        <a:ext cx="8369300" cy="398919"/>
+        <a:off x="0" y="595052"/>
+        <a:ext cx="8369300" cy="394189"/>
       </dsp:txXfrm>
     </dsp:sp>
     <dsp:sp modelId="{FD347E0A-6B82-4B0C-995D-51C23A141C9F}">
@@ -13985,8 +13985,8 @@
       </dsp:nvSpPr>
       <dsp:spPr>
         <a:xfrm>
-          <a:off x="0" y="988796"/>
-          <a:ext cx="8369300" cy="589707"/>
+          <a:off x="0" y="989242"/>
+          <a:ext cx="8369300" cy="594140"/>
         </a:xfrm>
         <a:prstGeom prst="roundRect">
           <a:avLst/>
@@ -14075,8 +14075,8 @@
         </a:p>
       </dsp:txBody>
       <dsp:txXfrm>
-        <a:off x="28787" y="1017583"/>
-        <a:ext cx="8311726" cy="532133"/>
+        <a:off x="29004" y="1018246"/>
+        <a:ext cx="8311292" cy="536132"/>
       </dsp:txXfrm>
     </dsp:sp>
     <dsp:sp modelId="{1423AC30-531D-4610-BE3C-9F2ADA4C5CCD}">
@@ -14086,8 +14086,8 @@
       </dsp:nvSpPr>
       <dsp:spPr>
         <a:xfrm>
-          <a:off x="0" y="1578504"/>
-          <a:ext cx="8369300" cy="398919"/>
+          <a:off x="0" y="1583383"/>
+          <a:ext cx="8369300" cy="394189"/>
         </a:xfrm>
         <a:prstGeom prst="rect">
           <a:avLst/>
@@ -14142,8 +14142,8 @@
         </a:p>
       </dsp:txBody>
       <dsp:txXfrm>
-        <a:off x="0" y="1578504"/>
-        <a:ext cx="8369300" cy="398919"/>
+        <a:off x="0" y="1583383"/>
+        <a:ext cx="8369300" cy="394189"/>
       </dsp:txXfrm>
     </dsp:sp>
     <dsp:sp modelId="{20520C1B-3CEB-451C-92C9-94F7F19E94E8}">
@@ -14153,8 +14153,8 @@
       </dsp:nvSpPr>
       <dsp:spPr>
         <a:xfrm>
-          <a:off x="0" y="1977423"/>
-          <a:ext cx="8369300" cy="589707"/>
+          <a:off x="0" y="1977572"/>
+          <a:ext cx="8369300" cy="594140"/>
         </a:xfrm>
         <a:prstGeom prst="roundRect">
           <a:avLst/>
@@ -14243,8 +14243,8 @@
         </a:p>
       </dsp:txBody>
       <dsp:txXfrm>
-        <a:off x="28787" y="2006210"/>
-        <a:ext cx="8311726" cy="532133"/>
+        <a:off x="29004" y="2006576"/>
+        <a:ext cx="8311292" cy="536132"/>
       </dsp:txXfrm>
     </dsp:sp>
     <dsp:sp modelId="{34C7D9B9-DA42-4CF4-8018-A884B18D1A43}">
@@ -14254,8 +14254,8 @@
       </dsp:nvSpPr>
       <dsp:spPr>
         <a:xfrm>
-          <a:off x="0" y="2567131"/>
-          <a:ext cx="8369300" cy="398919"/>
+          <a:off x="0" y="2571713"/>
+          <a:ext cx="8369300" cy="394189"/>
         </a:xfrm>
         <a:prstGeom prst="rect">
           <a:avLst/>
@@ -14324,8 +14324,8 @@
         </a:p>
       </dsp:txBody>
       <dsp:txXfrm>
-        <a:off x="0" y="2567131"/>
-        <a:ext cx="8369300" cy="398919"/>
+        <a:off x="0" y="2571713"/>
+        <a:ext cx="8369300" cy="394189"/>
       </dsp:txXfrm>
     </dsp:sp>
     <dsp:sp modelId="{9F264BE6-77D3-4778-98FC-1AFD0BD537B3}">
@@ -14335,8 +14335,8 @@
       </dsp:nvSpPr>
       <dsp:spPr>
         <a:xfrm>
-          <a:off x="0" y="2966051"/>
-          <a:ext cx="8369300" cy="589707"/>
+          <a:off x="0" y="2965902"/>
+          <a:ext cx="8369300" cy="594140"/>
         </a:xfrm>
         <a:prstGeom prst="roundRect">
           <a:avLst/>
@@ -14425,8 +14425,8 @@
         </a:p>
       </dsp:txBody>
       <dsp:txXfrm>
-        <a:off x="28787" y="2994838"/>
-        <a:ext cx="8311726" cy="532133"/>
+        <a:off x="29004" y="2994906"/>
+        <a:ext cx="8311292" cy="536132"/>
       </dsp:txXfrm>
     </dsp:sp>
     <dsp:sp modelId="{7236045B-5900-473E-A178-AF20923747E2}">
@@ -14436,8 +14436,8 @@
       </dsp:nvSpPr>
       <dsp:spPr>
         <a:xfrm>
-          <a:off x="0" y="3555758"/>
-          <a:ext cx="8369300" cy="398919"/>
+          <a:off x="0" y="3560043"/>
+          <a:ext cx="8369300" cy="394189"/>
         </a:xfrm>
         <a:prstGeom prst="rect">
           <a:avLst/>
@@ -14492,8 +14492,8 @@
         </a:p>
       </dsp:txBody>
       <dsp:txXfrm>
-        <a:off x="0" y="3555758"/>
-        <a:ext cx="8369300" cy="398919"/>
+        <a:off x="0" y="3560043"/>
+        <a:ext cx="8369300" cy="394189"/>
       </dsp:txXfrm>
     </dsp:sp>
     <dsp:sp modelId="{1FA6D9FC-B8A0-401E-B415-FB863807E538}">
@@ -14503,8 +14503,8 @@
       </dsp:nvSpPr>
       <dsp:spPr>
         <a:xfrm>
-          <a:off x="0" y="3954678"/>
-          <a:ext cx="8369300" cy="589707"/>
+          <a:off x="0" y="3954232"/>
+          <a:ext cx="8369300" cy="594140"/>
         </a:xfrm>
         <a:prstGeom prst="roundRect">
           <a:avLst/>
@@ -14593,8 +14593,8 @@
         </a:p>
       </dsp:txBody>
       <dsp:txXfrm>
-        <a:off x="28787" y="3983465"/>
-        <a:ext cx="8311726" cy="532133"/>
+        <a:off x="29004" y="3983236"/>
+        <a:ext cx="8311292" cy="536132"/>
       </dsp:txXfrm>
     </dsp:sp>
     <dsp:sp modelId="{4CF8504A-BB5E-42A7-AF90-4BCAD73EB18C}">
@@ -14604,8 +14604,8 @@
       </dsp:nvSpPr>
       <dsp:spPr>
         <a:xfrm>
-          <a:off x="0" y="4544385"/>
-          <a:ext cx="8369300" cy="398919"/>
+          <a:off x="0" y="4548373"/>
+          <a:ext cx="8369300" cy="394189"/>
         </a:xfrm>
         <a:prstGeom prst="rect">
           <a:avLst/>
@@ -14660,8 +14660,8 @@
         </a:p>
       </dsp:txBody>
       <dsp:txXfrm>
-        <a:off x="0" y="4544385"/>
-        <a:ext cx="8369300" cy="398919"/>
+        <a:off x="0" y="4548373"/>
+        <a:ext cx="8369300" cy="394189"/>
       </dsp:txXfrm>
     </dsp:sp>
   </dsp:spTree>
@@ -32923,7 +32923,7 @@
           <a:p>
             <a:fld id="{32D43B61-ADD0-7448-9BC3-F70BFA1F8529}" type="datetimeFigureOut">
               <a:rPr kumimoji="1" lang="zh-CN" altLang="en-US" smtClean="0"/>
-              <a:t>2018/11/20</a:t>
+              <a:t>2019/1/11</a:t>
             </a:fld>
             <a:endParaRPr kumimoji="1" lang="zh-CN" altLang="en-US"/>
           </a:p>
@@ -34263,7 +34263,7 @@
           <a:p>
             <a:fld id="{1681B6C6-8419-6843-AAC7-3C6571B722FB}" type="datetimeFigureOut">
               <a:rPr kumimoji="1" lang="zh-CN" altLang="en-US" smtClean="0"/>
-              <a:t>2018/11/20</a:t>
+              <a:t>2019/1/11</a:t>
             </a:fld>
             <a:endParaRPr kumimoji="1" lang="zh-CN" altLang="en-US"/>
           </a:p>
@@ -34458,7 +34458,7 @@
           <a:p>
             <a:fld id="{1681B6C6-8419-6843-AAC7-3C6571B722FB}" type="datetimeFigureOut">
               <a:rPr kumimoji="1" lang="zh-CN" altLang="en-US" smtClean="0"/>
-              <a:t>2018/11/20</a:t>
+              <a:t>2019/1/11</a:t>
             </a:fld>
             <a:endParaRPr kumimoji="1" lang="zh-CN" altLang="en-US"/>
           </a:p>
@@ -34633,7 +34633,7 @@
           <a:p>
             <a:fld id="{1681B6C6-8419-6843-AAC7-3C6571B722FB}" type="datetimeFigureOut">
               <a:rPr kumimoji="1" lang="zh-CN" altLang="en-US" smtClean="0"/>
-              <a:t>2018/11/20</a:t>
+              <a:t>2019/1/11</a:t>
             </a:fld>
             <a:endParaRPr kumimoji="1" lang="zh-CN" altLang="en-US"/>
           </a:p>
@@ -34820,7 +34820,7 @@
           <a:p>
             <a:fld id="{BB2C7420-5CB8-0342-A8E8-0E3754D5D583}" type="datetimeFigureOut">
               <a:rPr kumimoji="1" lang="zh-CN" altLang="en-US" smtClean="0"/>
-              <a:t>2018/11/20</a:t>
+              <a:t>2019/1/11</a:t>
             </a:fld>
             <a:endParaRPr kumimoji="1" lang="zh-CN" altLang="en-US"/>
           </a:p>
@@ -34985,7 +34985,7 @@
           <a:p>
             <a:fld id="{BB2C7420-5CB8-0342-A8E8-0E3754D5D583}" type="datetimeFigureOut">
               <a:rPr kumimoji="1" lang="zh-CN" altLang="en-US" smtClean="0"/>
-              <a:t>2018/11/20</a:t>
+              <a:t>2019/1/11</a:t>
             </a:fld>
             <a:endParaRPr kumimoji="1" lang="zh-CN" altLang="en-US"/>
           </a:p>
@@ -35226,7 +35226,7 @@
           <a:p>
             <a:fld id="{BB2C7420-5CB8-0342-A8E8-0E3754D5D583}" type="datetimeFigureOut">
               <a:rPr kumimoji="1" lang="zh-CN" altLang="en-US" smtClean="0"/>
-              <a:t>2018/11/20</a:t>
+              <a:t>2019/1/11</a:t>
             </a:fld>
             <a:endParaRPr kumimoji="1" lang="zh-CN" altLang="en-US"/>
           </a:p>
@@ -35453,7 +35453,7 @@
           <a:p>
             <a:fld id="{BB2C7420-5CB8-0342-A8E8-0E3754D5D583}" type="datetimeFigureOut">
               <a:rPr kumimoji="1" lang="zh-CN" altLang="en-US" smtClean="0"/>
-              <a:t>2018/11/20</a:t>
+              <a:t>2019/1/11</a:t>
             </a:fld>
             <a:endParaRPr kumimoji="1" lang="zh-CN" altLang="en-US"/>
           </a:p>
@@ -35815,7 +35815,7 @@
           <a:p>
             <a:fld id="{BB2C7420-5CB8-0342-A8E8-0E3754D5D583}" type="datetimeFigureOut">
               <a:rPr kumimoji="1" lang="zh-CN" altLang="en-US" smtClean="0"/>
-              <a:t>2018/11/20</a:t>
+              <a:t>2019/1/11</a:t>
             </a:fld>
             <a:endParaRPr kumimoji="1" lang="zh-CN" altLang="en-US"/>
           </a:p>
@@ -35928,7 +35928,7 @@
           <a:p>
             <a:fld id="{BB2C7420-5CB8-0342-A8E8-0E3754D5D583}" type="datetimeFigureOut">
               <a:rPr kumimoji="1" lang="zh-CN" altLang="en-US" smtClean="0"/>
-              <a:t>2018/11/20</a:t>
+              <a:t>2019/1/11</a:t>
             </a:fld>
             <a:endParaRPr kumimoji="1" lang="zh-CN" altLang="en-US"/>
           </a:p>
@@ -36018,7 +36018,7 @@
           <a:p>
             <a:fld id="{BB2C7420-5CB8-0342-A8E8-0E3754D5D583}" type="datetimeFigureOut">
               <a:rPr kumimoji="1" lang="zh-CN" altLang="en-US" smtClean="0"/>
-              <a:t>2018/11/20</a:t>
+              <a:t>2019/1/11</a:t>
             </a:fld>
             <a:endParaRPr kumimoji="1" lang="zh-CN" altLang="en-US"/>
           </a:p>
@@ -36320,7 +36320,7 @@
           <a:p>
             <a:fld id="{BB2C7420-5CB8-0342-A8E8-0E3754D5D583}" type="datetimeFigureOut">
               <a:rPr kumimoji="1" lang="zh-CN" altLang="en-US" smtClean="0"/>
-              <a:t>2018/11/20</a:t>
+              <a:t>2019/1/11</a:t>
             </a:fld>
             <a:endParaRPr kumimoji="1" lang="zh-CN" altLang="en-US"/>
           </a:p>
@@ -36485,7 +36485,7 @@
           <a:p>
             <a:fld id="{1681B6C6-8419-6843-AAC7-3C6571B722FB}" type="datetimeFigureOut">
               <a:rPr kumimoji="1" lang="zh-CN" altLang="en-US" smtClean="0"/>
-              <a:t>2018/11/20</a:t>
+              <a:t>2019/1/11</a:t>
             </a:fld>
             <a:endParaRPr kumimoji="1" lang="zh-CN" altLang="en-US"/>
           </a:p>
@@ -36733,7 +36733,7 @@
           <a:p>
             <a:fld id="{BB2C7420-5CB8-0342-A8E8-0E3754D5D583}" type="datetimeFigureOut">
               <a:rPr kumimoji="1" lang="zh-CN" altLang="en-US" smtClean="0"/>
-              <a:t>2018/11/20</a:t>
+              <a:t>2019/1/11</a:t>
             </a:fld>
             <a:endParaRPr kumimoji="1" lang="zh-CN" altLang="en-US"/>
           </a:p>
@@ -36898,7 +36898,7 @@
           <a:p>
             <a:fld id="{BB2C7420-5CB8-0342-A8E8-0E3754D5D583}" type="datetimeFigureOut">
               <a:rPr kumimoji="1" lang="zh-CN" altLang="en-US" smtClean="0"/>
-              <a:t>2018/11/20</a:t>
+              <a:t>2019/1/11</a:t>
             </a:fld>
             <a:endParaRPr kumimoji="1" lang="zh-CN" altLang="en-US"/>
           </a:p>
@@ -37073,7 +37073,7 @@
           <a:p>
             <a:fld id="{BB2C7420-5CB8-0342-A8E8-0E3754D5D583}" type="datetimeFigureOut">
               <a:rPr kumimoji="1" lang="zh-CN" altLang="en-US" smtClean="0"/>
-              <a:t>2018/11/20</a:t>
+              <a:t>2019/1/11</a:t>
             </a:fld>
             <a:endParaRPr kumimoji="1" lang="zh-CN" altLang="en-US"/>
           </a:p>
@@ -37314,7 +37314,7 @@
           <a:p>
             <a:fld id="{1681B6C6-8419-6843-AAC7-3C6571B722FB}" type="datetimeFigureOut">
               <a:rPr kumimoji="1" lang="zh-CN" altLang="en-US" smtClean="0"/>
-              <a:t>2018/11/20</a:t>
+              <a:t>2019/1/11</a:t>
             </a:fld>
             <a:endParaRPr kumimoji="1" lang="zh-CN" altLang="en-US"/>
           </a:p>
@@ -37541,7 +37541,7 @@
           <a:p>
             <a:fld id="{1681B6C6-8419-6843-AAC7-3C6571B722FB}" type="datetimeFigureOut">
               <a:rPr kumimoji="1" lang="zh-CN" altLang="en-US" smtClean="0"/>
-              <a:t>2018/11/20</a:t>
+              <a:t>2019/1/11</a:t>
             </a:fld>
             <a:endParaRPr kumimoji="1" lang="zh-CN" altLang="en-US"/>
           </a:p>
@@ -37903,7 +37903,7 @@
           <a:p>
             <a:fld id="{1681B6C6-8419-6843-AAC7-3C6571B722FB}" type="datetimeFigureOut">
               <a:rPr kumimoji="1" lang="zh-CN" altLang="en-US" smtClean="0"/>
-              <a:t>2018/11/20</a:t>
+              <a:t>2019/1/11</a:t>
             </a:fld>
             <a:endParaRPr kumimoji="1" lang="zh-CN" altLang="en-US"/>
           </a:p>
@@ -38034,7 +38034,7 @@
           <a:p>
             <a:fld id="{1681B6C6-8419-6843-AAC7-3C6571B722FB}" type="datetimeFigureOut">
               <a:rPr kumimoji="1" lang="zh-CN" altLang="en-US" smtClean="0"/>
-              <a:t>2018/11/20</a:t>
+              <a:t>2019/1/11</a:t>
             </a:fld>
             <a:endParaRPr kumimoji="1" lang="zh-CN" altLang="en-US"/>
           </a:p>
@@ -38124,7 +38124,7 @@
           <a:p>
             <a:fld id="{1681B6C6-8419-6843-AAC7-3C6571B722FB}" type="datetimeFigureOut">
               <a:rPr kumimoji="1" lang="zh-CN" altLang="en-US" smtClean="0"/>
-              <a:t>2018/11/20</a:t>
+              <a:t>2019/1/11</a:t>
             </a:fld>
             <a:endParaRPr kumimoji="1" lang="zh-CN" altLang="en-US"/>
           </a:p>
@@ -38396,7 +38396,7 @@
           <a:p>
             <a:fld id="{1681B6C6-8419-6843-AAC7-3C6571B722FB}" type="datetimeFigureOut">
               <a:rPr kumimoji="1" lang="zh-CN" altLang="en-US" smtClean="0"/>
-              <a:t>2018/11/20</a:t>
+              <a:t>2019/1/11</a:t>
             </a:fld>
             <a:endParaRPr kumimoji="1" lang="zh-CN" altLang="en-US"/>
           </a:p>
@@ -38644,7 +38644,7 @@
           <a:p>
             <a:fld id="{1681B6C6-8419-6843-AAC7-3C6571B722FB}" type="datetimeFigureOut">
               <a:rPr kumimoji="1" lang="zh-CN" altLang="en-US" smtClean="0"/>
-              <a:t>2018/11/20</a:t>
+              <a:t>2019/1/11</a:t>
             </a:fld>
             <a:endParaRPr kumimoji="1" lang="zh-CN" altLang="en-US"/>
           </a:p>
@@ -38852,7 +38852,7 @@
           <a:p>
             <a:fld id="{1681B6C6-8419-6843-AAC7-3C6571B722FB}" type="datetimeFigureOut">
               <a:rPr kumimoji="1" lang="zh-CN" altLang="en-US" smtClean="0"/>
-              <a:t>2018/11/20</a:t>
+              <a:t>2019/1/11</a:t>
             </a:fld>
             <a:endParaRPr kumimoji="1" lang="zh-CN" altLang="en-US"/>
           </a:p>
@@ -39461,7 +39461,7 @@
           <a:p>
             <a:fld id="{BB2C7420-5CB8-0342-A8E8-0E3754D5D583}" type="datetimeFigureOut">
               <a:rPr kumimoji="1" lang="zh-CN" altLang="en-US" smtClean="0"/>
-              <a:t>2018/11/20</a:t>
+              <a:t>2019/1/11</a:t>
             </a:fld>
             <a:endParaRPr kumimoji="1" lang="zh-CN" altLang="en-US"/>
           </a:p>
@@ -45409,2928 +45409,3670 @@
           </a:p>
         </p:txBody>
       </p:sp>
-      <p:grpSp>
-        <p:nvGrpSpPr>
-          <p:cNvPr id="5" name="组合 4"/>
-          <p:cNvGrpSpPr/>
+      <p:sp>
+        <p:nvSpPr>
+          <p:cNvPr id="66" name="文本框 65"/>
+          <p:cNvSpPr txBox="1"/>
           <p:nvPr/>
-        </p:nvGrpSpPr>
-        <p:grpSpPr>
+        </p:nvSpPr>
+        <p:spPr>
           <a:xfrm>
-            <a:off x="1476807" y="1109230"/>
-            <a:ext cx="8361788" cy="5111911"/>
-            <a:chOff x="1476807" y="1109230"/>
-            <a:chExt cx="8361788" cy="5111911"/>
+            <a:off x="213419" y="2266787"/>
+            <a:ext cx="766395" cy="184666"/>
           </a:xfrm>
-        </p:grpSpPr>
-        <p:sp>
-          <p:nvSpPr>
-            <p:cNvPr id="66" name="文本框 65"/>
-            <p:cNvSpPr txBox="1"/>
-            <p:nvPr/>
-          </p:nvSpPr>
-          <p:spPr>
-            <a:xfrm>
-              <a:off x="1477862" y="2266787"/>
-              <a:ext cx="1291164" cy="184666"/>
-            </a:xfrm>
-            <a:prstGeom prst="rect">
-              <a:avLst/>
-            </a:prstGeom>
+          <a:prstGeom prst="rect">
+            <a:avLst/>
+          </a:prstGeom>
+          <a:noFill/>
+        </p:spPr>
+        <p:txBody>
+          <a:bodyPr wrap="square" lIns="0" tIns="0" rIns="0" bIns="0" rtlCol="0">
+            <a:spAutoFit/>
+          </a:bodyPr>
+          <a:lstStyle/>
+          <a:p>
+            <a:r>
+              <a:rPr lang="zh-CN" altLang="en-US" sz="1200" b="1" dirty="0" smtClean="0">
+                <a:latin typeface="微软雅黑" panose="020B0503020204020204" pitchFamily="34" charset="-122"/>
+                <a:ea typeface="微软雅黑" panose="020B0503020204020204" pitchFamily="34" charset="-122"/>
+              </a:rPr>
+              <a:t>工作流引擎</a:t>
+            </a:r>
+          </a:p>
+        </p:txBody>
+      </p:sp>
+      <p:sp>
+        <p:nvSpPr>
+          <p:cNvPr id="67" name="圆角矩形 66"/>
+          <p:cNvSpPr/>
+          <p:nvPr/>
+        </p:nvSpPr>
+        <p:spPr>
+          <a:xfrm>
+            <a:off x="2724096" y="1109230"/>
+            <a:ext cx="1225572" cy="309708"/>
+          </a:xfrm>
+          <a:prstGeom prst="roundRect">
+            <a:avLst>
+              <a:gd name="adj" fmla="val 8880"/>
+            </a:avLst>
+          </a:prstGeom>
+          <a:solidFill>
+            <a:srgbClr val="58A6E4"/>
+          </a:solidFill>
+          <a:ln w="0">
             <a:noFill/>
-          </p:spPr>
-          <p:txBody>
-            <a:bodyPr wrap="square" lIns="0" tIns="0" rIns="0" bIns="0" rtlCol="0">
-              <a:spAutoFit/>
-            </a:bodyPr>
-            <a:lstStyle/>
-            <a:p>
-              <a:r>
-                <a:rPr lang="zh-CN" altLang="en-US" sz="1200" b="1" dirty="0" smtClean="0">
-                  <a:latin typeface="微软雅黑" panose="020B0503020204020204" pitchFamily="34" charset="-122"/>
-                  <a:ea typeface="微软雅黑" panose="020B0503020204020204" pitchFamily="34" charset="-122"/>
-                </a:rPr>
-                <a:t>工作流引擎</a:t>
-              </a:r>
-            </a:p>
-          </p:txBody>
-        </p:sp>
-        <p:sp>
-          <p:nvSpPr>
-            <p:cNvPr id="67" name="圆角矩形 66"/>
-            <p:cNvSpPr/>
-            <p:nvPr/>
-          </p:nvSpPr>
-          <p:spPr>
-            <a:xfrm>
-              <a:off x="4395737" y="1109230"/>
-              <a:ext cx="1225572" cy="309708"/>
-            </a:xfrm>
-            <a:prstGeom prst="roundRect">
-              <a:avLst>
-                <a:gd name="adj" fmla="val 8880"/>
-              </a:avLst>
-            </a:prstGeom>
-            <a:solidFill>
-              <a:srgbClr val="58A6E4"/>
-            </a:solidFill>
-            <a:ln w="0">
-              <a:noFill/>
-              <a:prstDash val="sysDash"/>
-            </a:ln>
-          </p:spPr>
-          <p:style>
-            <a:lnRef idx="2">
-              <a:schemeClr val="accent1">
-                <a:shade val="50000"/>
-              </a:schemeClr>
-            </a:lnRef>
-            <a:fillRef idx="1">
-              <a:schemeClr val="accent1"/>
-            </a:fillRef>
-            <a:effectRef idx="0">
-              <a:schemeClr val="accent1"/>
-            </a:effectRef>
-            <a:fontRef idx="minor">
-              <a:schemeClr val="lt1"/>
-            </a:fontRef>
-          </p:style>
-          <p:txBody>
-            <a:bodyPr rtlCol="0" anchor="ctr"/>
-            <a:lstStyle/>
-            <a:p>
-              <a:pPr algn="ctr"/>
-              <a:r>
-                <a:rPr lang="zh-CN" altLang="en-US" sz="1000" dirty="0" smtClean="0">
-                  <a:solidFill>
-                    <a:schemeClr val="tx1"/>
-                  </a:solidFill>
-                  <a:latin typeface="微软雅黑" panose="020B0503020204020204" pitchFamily="34" charset="-122"/>
-                  <a:ea typeface="微软雅黑" panose="020B0503020204020204" pitchFamily="34" charset="-122"/>
-                </a:rPr>
-                <a:t>数据管理</a:t>
-              </a:r>
-              <a:endParaRPr lang="zh-CN" altLang="en-US" sz="1000" dirty="0">
+            <a:prstDash val="sysDash"/>
+          </a:ln>
+        </p:spPr>
+        <p:style>
+          <a:lnRef idx="2">
+            <a:schemeClr val="accent1">
+              <a:shade val="50000"/>
+            </a:schemeClr>
+          </a:lnRef>
+          <a:fillRef idx="1">
+            <a:schemeClr val="accent1"/>
+          </a:fillRef>
+          <a:effectRef idx="0">
+            <a:schemeClr val="accent1"/>
+          </a:effectRef>
+          <a:fontRef idx="minor">
+            <a:schemeClr val="lt1"/>
+          </a:fontRef>
+        </p:style>
+        <p:txBody>
+          <a:bodyPr rtlCol="0" anchor="ctr"/>
+          <a:lstStyle/>
+          <a:p>
+            <a:pPr algn="ctr"/>
+            <a:r>
+              <a:rPr lang="zh-CN" altLang="en-US" sz="1000" dirty="0" smtClean="0">
                 <a:solidFill>
                   <a:schemeClr val="tx1"/>
                 </a:solidFill>
                 <a:latin typeface="微软雅黑" panose="020B0503020204020204" pitchFamily="34" charset="-122"/>
                 <a:ea typeface="微软雅黑" panose="020B0503020204020204" pitchFamily="34" charset="-122"/>
-              </a:endParaRPr>
-            </a:p>
-          </p:txBody>
-        </p:sp>
-        <p:sp>
-          <p:nvSpPr>
-            <p:cNvPr id="68" name="文本框 67"/>
-            <p:cNvSpPr txBox="1"/>
-            <p:nvPr/>
-          </p:nvSpPr>
-          <p:spPr>
-            <a:xfrm>
-              <a:off x="1477861" y="5775562"/>
-              <a:ext cx="1227773" cy="184666"/>
-            </a:xfrm>
-            <a:prstGeom prst="rect">
-              <a:avLst/>
-            </a:prstGeom>
+              </a:rPr>
+              <a:t>数据管理</a:t>
+            </a:r>
+            <a:endParaRPr lang="zh-CN" altLang="en-US" sz="1000" dirty="0">
+              <a:solidFill>
+                <a:schemeClr val="tx1"/>
+              </a:solidFill>
+              <a:latin typeface="微软雅黑" panose="020B0503020204020204" pitchFamily="34" charset="-122"/>
+              <a:ea typeface="微软雅黑" panose="020B0503020204020204" pitchFamily="34" charset="-122"/>
+            </a:endParaRPr>
+          </a:p>
+        </p:txBody>
+      </p:sp>
+      <p:sp>
+        <p:nvSpPr>
+          <p:cNvPr id="68" name="文本框 67"/>
+          <p:cNvSpPr txBox="1"/>
+          <p:nvPr/>
+        </p:nvSpPr>
+        <p:spPr>
+          <a:xfrm>
+            <a:off x="213418" y="5775562"/>
+            <a:ext cx="766397" cy="184666"/>
+          </a:xfrm>
+          <a:prstGeom prst="rect">
+            <a:avLst/>
+          </a:prstGeom>
+          <a:noFill/>
+        </p:spPr>
+        <p:txBody>
+          <a:bodyPr wrap="square" lIns="0" tIns="0" rIns="0" bIns="0" rtlCol="0">
+            <a:spAutoFit/>
+          </a:bodyPr>
+          <a:lstStyle/>
+          <a:p>
+            <a:r>
+              <a:rPr lang="zh-CN" altLang="en-US" sz="1200" b="1" dirty="0" smtClean="0">
+                <a:latin typeface="微软雅黑" panose="020B0503020204020204" pitchFamily="34" charset="-122"/>
+                <a:ea typeface="微软雅黑" panose="020B0503020204020204" pitchFamily="34" charset="-122"/>
+              </a:rPr>
+              <a:t>基础服务层</a:t>
+            </a:r>
+          </a:p>
+        </p:txBody>
+      </p:sp>
+      <p:sp>
+        <p:nvSpPr>
+          <p:cNvPr id="69" name="文本框 68"/>
+          <p:cNvSpPr txBox="1"/>
+          <p:nvPr/>
+        </p:nvSpPr>
+        <p:spPr>
+          <a:xfrm>
+            <a:off x="212365" y="4758982"/>
+            <a:ext cx="767450" cy="184666"/>
+          </a:xfrm>
+          <a:prstGeom prst="rect">
+            <a:avLst/>
+          </a:prstGeom>
+          <a:noFill/>
+        </p:spPr>
+        <p:txBody>
+          <a:bodyPr wrap="square" lIns="0" tIns="0" rIns="0" bIns="0" rtlCol="0">
+            <a:spAutoFit/>
+          </a:bodyPr>
+          <a:lstStyle/>
+          <a:p>
+            <a:r>
+              <a:rPr lang="zh-CN" altLang="en-US" sz="1200" b="1" dirty="0" smtClean="0">
+                <a:latin typeface="微软雅黑" panose="020B0503020204020204" pitchFamily="34" charset="-122"/>
+                <a:ea typeface="微软雅黑" panose="020B0503020204020204" pitchFamily="34" charset="-122"/>
+              </a:rPr>
+              <a:t>计算框架层</a:t>
+            </a:r>
+          </a:p>
+        </p:txBody>
+      </p:sp>
+      <p:sp>
+        <p:nvSpPr>
+          <p:cNvPr id="70" name="圆角矩形 69"/>
+          <p:cNvSpPr/>
+          <p:nvPr/>
+        </p:nvSpPr>
+        <p:spPr>
+          <a:xfrm>
+            <a:off x="2724095" y="1495138"/>
+            <a:ext cx="1225572" cy="304782"/>
+          </a:xfrm>
+          <a:prstGeom prst="roundRect">
+            <a:avLst>
+              <a:gd name="adj" fmla="val 8880"/>
+            </a:avLst>
+          </a:prstGeom>
+          <a:solidFill>
+            <a:srgbClr val="58A6E4"/>
+          </a:solidFill>
+          <a:ln w="0">
             <a:noFill/>
-          </p:spPr>
-          <p:txBody>
-            <a:bodyPr wrap="square" lIns="0" tIns="0" rIns="0" bIns="0" rtlCol="0">
-              <a:spAutoFit/>
-            </a:bodyPr>
-            <a:lstStyle/>
-            <a:p>
-              <a:r>
-                <a:rPr lang="zh-CN" altLang="en-US" sz="1200" b="1" dirty="0" smtClean="0">
-                  <a:latin typeface="微软雅黑" panose="020B0503020204020204" pitchFamily="34" charset="-122"/>
-                  <a:ea typeface="微软雅黑" panose="020B0503020204020204" pitchFamily="34" charset="-122"/>
-                </a:rPr>
-                <a:t>基础服务层</a:t>
-              </a:r>
-            </a:p>
-          </p:txBody>
-        </p:sp>
-        <p:sp>
-          <p:nvSpPr>
-            <p:cNvPr id="69" name="文本框 68"/>
-            <p:cNvSpPr txBox="1"/>
-            <p:nvPr/>
-          </p:nvSpPr>
-          <p:spPr>
-            <a:xfrm>
-              <a:off x="1476807" y="4758982"/>
-              <a:ext cx="1227773" cy="184666"/>
-            </a:xfrm>
-            <a:prstGeom prst="rect">
-              <a:avLst/>
-            </a:prstGeom>
-            <a:noFill/>
-          </p:spPr>
-          <p:txBody>
-            <a:bodyPr wrap="square" lIns="0" tIns="0" rIns="0" bIns="0" rtlCol="0">
-              <a:spAutoFit/>
-            </a:bodyPr>
-            <a:lstStyle/>
-            <a:p>
-              <a:r>
-                <a:rPr lang="zh-CN" altLang="en-US" sz="1200" b="1" dirty="0" smtClean="0">
-                  <a:latin typeface="微软雅黑" panose="020B0503020204020204" pitchFamily="34" charset="-122"/>
-                  <a:ea typeface="微软雅黑" panose="020B0503020204020204" pitchFamily="34" charset="-122"/>
-                </a:rPr>
-                <a:t>计算框架层</a:t>
-              </a:r>
-            </a:p>
-          </p:txBody>
-        </p:sp>
-        <p:sp>
-          <p:nvSpPr>
-            <p:cNvPr id="70" name="圆角矩形 69"/>
-            <p:cNvSpPr/>
-            <p:nvPr/>
-          </p:nvSpPr>
-          <p:spPr>
-            <a:xfrm>
-              <a:off x="4395736" y="1495138"/>
-              <a:ext cx="1225572" cy="304782"/>
-            </a:xfrm>
-            <a:prstGeom prst="roundRect">
-              <a:avLst>
-                <a:gd name="adj" fmla="val 8880"/>
-              </a:avLst>
-            </a:prstGeom>
-            <a:solidFill>
-              <a:srgbClr val="58A6E4"/>
-            </a:solidFill>
-            <a:ln w="0">
-              <a:noFill/>
-              <a:prstDash val="sysDash"/>
-            </a:ln>
-          </p:spPr>
-          <p:style>
-            <a:lnRef idx="2">
-              <a:schemeClr val="accent1">
-                <a:shade val="50000"/>
-              </a:schemeClr>
-            </a:lnRef>
-            <a:fillRef idx="1">
-              <a:schemeClr val="accent1"/>
-            </a:fillRef>
-            <a:effectRef idx="0">
-              <a:schemeClr val="accent1"/>
-            </a:effectRef>
-            <a:fontRef idx="minor">
-              <a:schemeClr val="lt1"/>
-            </a:fontRef>
-          </p:style>
-          <p:txBody>
-            <a:bodyPr rtlCol="0" anchor="ctr"/>
-            <a:lstStyle/>
-            <a:p>
-              <a:pPr algn="ctr"/>
-              <a:r>
-                <a:rPr lang="zh-CN" altLang="en-US" sz="1000" dirty="0" smtClean="0">
-                  <a:solidFill>
-                    <a:schemeClr val="tx1"/>
-                  </a:solidFill>
-                  <a:latin typeface="微软雅黑" panose="020B0503020204020204" pitchFamily="34" charset="-122"/>
-                  <a:ea typeface="微软雅黑" panose="020B0503020204020204" pitchFamily="34" charset="-122"/>
-                </a:rPr>
-                <a:t>模型管理</a:t>
-              </a:r>
-              <a:endParaRPr lang="zh-CN" altLang="en-US" sz="1000" dirty="0">
+            <a:prstDash val="sysDash"/>
+          </a:ln>
+        </p:spPr>
+        <p:style>
+          <a:lnRef idx="2">
+            <a:schemeClr val="accent1">
+              <a:shade val="50000"/>
+            </a:schemeClr>
+          </a:lnRef>
+          <a:fillRef idx="1">
+            <a:schemeClr val="accent1"/>
+          </a:fillRef>
+          <a:effectRef idx="0">
+            <a:schemeClr val="accent1"/>
+          </a:effectRef>
+          <a:fontRef idx="minor">
+            <a:schemeClr val="lt1"/>
+          </a:fontRef>
+        </p:style>
+        <p:txBody>
+          <a:bodyPr rtlCol="0" anchor="ctr"/>
+          <a:lstStyle/>
+          <a:p>
+            <a:pPr algn="ctr"/>
+            <a:r>
+              <a:rPr lang="zh-CN" altLang="en-US" sz="1000" dirty="0" smtClean="0">
                 <a:solidFill>
                   <a:schemeClr val="tx1"/>
                 </a:solidFill>
                 <a:latin typeface="微软雅黑" panose="020B0503020204020204" pitchFamily="34" charset="-122"/>
                 <a:ea typeface="微软雅黑" panose="020B0503020204020204" pitchFamily="34" charset="-122"/>
-              </a:endParaRPr>
-            </a:p>
-          </p:txBody>
-        </p:sp>
-        <p:sp>
-          <p:nvSpPr>
-            <p:cNvPr id="71" name="文本框 70"/>
-            <p:cNvSpPr txBox="1"/>
-            <p:nvPr/>
-          </p:nvSpPr>
-          <p:spPr>
-            <a:xfrm>
-              <a:off x="1477862" y="1342911"/>
-              <a:ext cx="1291164" cy="184666"/>
-            </a:xfrm>
-            <a:prstGeom prst="rect">
-              <a:avLst/>
-            </a:prstGeom>
-            <a:noFill/>
-          </p:spPr>
-          <p:txBody>
-            <a:bodyPr wrap="square" lIns="0" tIns="0" rIns="0" bIns="0" rtlCol="0">
-              <a:spAutoFit/>
-            </a:bodyPr>
-            <a:lstStyle/>
-            <a:p>
-              <a:r>
-                <a:rPr lang="zh-CN" altLang="en-US" sz="1200" b="1" dirty="0" smtClean="0">
-                  <a:latin typeface="微软雅黑" panose="020B0503020204020204" pitchFamily="34" charset="-122"/>
-                  <a:ea typeface="微软雅黑" panose="020B0503020204020204" pitchFamily="34" charset="-122"/>
-                </a:rPr>
-                <a:t>平台应用层</a:t>
-              </a:r>
-            </a:p>
-          </p:txBody>
-        </p:sp>
-        <p:sp>
-          <p:nvSpPr>
-            <p:cNvPr id="72" name="圆角矩形 71"/>
-            <p:cNvSpPr/>
-            <p:nvPr/>
-          </p:nvSpPr>
-          <p:spPr>
-            <a:xfrm>
-              <a:off x="2780781" y="1914530"/>
-              <a:ext cx="2284513" cy="432000"/>
-            </a:xfrm>
-            <a:prstGeom prst="roundRect">
-              <a:avLst>
-                <a:gd name="adj" fmla="val 8880"/>
-              </a:avLst>
-            </a:prstGeom>
-            <a:solidFill>
-              <a:schemeClr val="bg2">
-                <a:lumMod val="65000"/>
-              </a:schemeClr>
-            </a:solidFill>
-            <a:ln>
-              <a:noFill/>
-            </a:ln>
-          </p:spPr>
-          <p:style>
-            <a:lnRef idx="2">
-              <a:schemeClr val="accent1">
-                <a:shade val="50000"/>
-              </a:schemeClr>
-            </a:lnRef>
-            <a:fillRef idx="1">
-              <a:schemeClr val="accent1"/>
-            </a:fillRef>
-            <a:effectRef idx="0">
-              <a:schemeClr val="accent1"/>
-            </a:effectRef>
-            <a:fontRef idx="minor">
-              <a:schemeClr val="lt1"/>
-            </a:fontRef>
-          </p:style>
-          <p:txBody>
-            <a:bodyPr rtlCol="0" anchor="ctr"/>
-            <a:lstStyle/>
-            <a:p>
-              <a:pPr algn="ctr"/>
-              <a:r>
-                <a:rPr lang="zh-CN" altLang="en-US" sz="1000" dirty="0" smtClean="0">
-                  <a:latin typeface="微软雅黑" panose="020B0503020204020204" pitchFamily="34" charset="-122"/>
-                  <a:ea typeface="微软雅黑" panose="020B0503020204020204" pitchFamily="34" charset="-122"/>
-                </a:rPr>
-                <a:t>工作流编辑</a:t>
-              </a:r>
-              <a:endParaRPr lang="zh-CN" altLang="en-US" sz="1000" dirty="0">
+              </a:rPr>
+              <a:t>模型管理</a:t>
+            </a:r>
+            <a:endParaRPr lang="zh-CN" altLang="en-US" sz="1000" dirty="0">
+              <a:solidFill>
+                <a:schemeClr val="tx1"/>
+              </a:solidFill>
+              <a:latin typeface="微软雅黑" panose="020B0503020204020204" pitchFamily="34" charset="-122"/>
+              <a:ea typeface="微软雅黑" panose="020B0503020204020204" pitchFamily="34" charset="-122"/>
+            </a:endParaRPr>
+          </a:p>
+        </p:txBody>
+      </p:sp>
+      <p:sp>
+        <p:nvSpPr>
+          <p:cNvPr id="71" name="文本框 70"/>
+          <p:cNvSpPr txBox="1"/>
+          <p:nvPr/>
+        </p:nvSpPr>
+        <p:spPr>
+          <a:xfrm>
+            <a:off x="213419" y="1342911"/>
+            <a:ext cx="766395" cy="184666"/>
+          </a:xfrm>
+          <a:prstGeom prst="rect">
+            <a:avLst/>
+          </a:prstGeom>
+          <a:noFill/>
+        </p:spPr>
+        <p:txBody>
+          <a:bodyPr wrap="square" lIns="0" tIns="0" rIns="0" bIns="0" rtlCol="0">
+            <a:spAutoFit/>
+          </a:bodyPr>
+          <a:lstStyle/>
+          <a:p>
+            <a:r>
+              <a:rPr lang="zh-CN" altLang="en-US" sz="1200" b="1" dirty="0" smtClean="0">
                 <a:latin typeface="微软雅黑" panose="020B0503020204020204" pitchFamily="34" charset="-122"/>
                 <a:ea typeface="微软雅黑" panose="020B0503020204020204" pitchFamily="34" charset="-122"/>
-              </a:endParaRPr>
-            </a:p>
-          </p:txBody>
-        </p:sp>
-        <p:sp>
-          <p:nvSpPr>
-            <p:cNvPr id="73" name="圆角矩形 72"/>
-            <p:cNvSpPr/>
-            <p:nvPr/>
-          </p:nvSpPr>
-          <p:spPr>
-            <a:xfrm>
-              <a:off x="8377306" y="1113570"/>
-              <a:ext cx="1461288" cy="695181"/>
-            </a:xfrm>
-            <a:prstGeom prst="roundRect">
-              <a:avLst>
-                <a:gd name="adj" fmla="val 8880"/>
-              </a:avLst>
-            </a:prstGeom>
-            <a:solidFill>
-              <a:srgbClr val="58A6E4"/>
-            </a:solidFill>
-            <a:ln w="0">
-              <a:noFill/>
-              <a:prstDash val="sysDash"/>
-            </a:ln>
-          </p:spPr>
-          <p:style>
-            <a:lnRef idx="2">
-              <a:schemeClr val="accent1">
-                <a:shade val="50000"/>
-              </a:schemeClr>
-            </a:lnRef>
-            <a:fillRef idx="1">
-              <a:schemeClr val="accent1"/>
-            </a:fillRef>
-            <a:effectRef idx="0">
-              <a:schemeClr val="accent1"/>
-            </a:effectRef>
-            <a:fontRef idx="minor">
-              <a:schemeClr val="lt1"/>
-            </a:fontRef>
-          </p:style>
-          <p:txBody>
-            <a:bodyPr rtlCol="0" anchor="ctr"/>
-            <a:lstStyle/>
-            <a:p>
-              <a:pPr algn="ctr"/>
-              <a:r>
-                <a:rPr lang="zh-CN" altLang="en-US" sz="1000" dirty="0" smtClean="0">
-                  <a:solidFill>
-                    <a:schemeClr val="tx1"/>
-                  </a:solidFill>
-                  <a:latin typeface="微软雅黑" panose="020B0503020204020204" pitchFamily="34" charset="-122"/>
-                  <a:ea typeface="微软雅黑" panose="020B0503020204020204" pitchFamily="34" charset="-122"/>
-                </a:rPr>
-                <a:t>开放平台</a:t>
-              </a:r>
-              <a:endParaRPr lang="zh-CN" altLang="en-US" sz="1000" dirty="0">
+              </a:rPr>
+              <a:t>平台应用层</a:t>
+            </a:r>
+            <a:endParaRPr lang="zh-CN" altLang="en-US" sz="1200" b="1" dirty="0" smtClean="0">
+              <a:latin typeface="微软雅黑" panose="020B0503020204020204" pitchFamily="34" charset="-122"/>
+              <a:ea typeface="微软雅黑" panose="020B0503020204020204" pitchFamily="34" charset="-122"/>
+            </a:endParaRPr>
+          </a:p>
+        </p:txBody>
+      </p:sp>
+      <p:sp>
+        <p:nvSpPr>
+          <p:cNvPr id="72" name="圆角矩形 71"/>
+          <p:cNvSpPr/>
+          <p:nvPr/>
+        </p:nvSpPr>
+        <p:spPr>
+          <a:xfrm>
+            <a:off x="1109140" y="1914530"/>
+            <a:ext cx="2284513" cy="432000"/>
+          </a:xfrm>
+          <a:prstGeom prst="roundRect">
+            <a:avLst>
+              <a:gd name="adj" fmla="val 8880"/>
+            </a:avLst>
+          </a:prstGeom>
+          <a:solidFill>
+            <a:schemeClr val="bg2">
+              <a:lumMod val="65000"/>
+            </a:schemeClr>
+          </a:solidFill>
+          <a:ln>
+            <a:noFill/>
+          </a:ln>
+        </p:spPr>
+        <p:style>
+          <a:lnRef idx="2">
+            <a:schemeClr val="accent1">
+              <a:shade val="50000"/>
+            </a:schemeClr>
+          </a:lnRef>
+          <a:fillRef idx="1">
+            <a:schemeClr val="accent1"/>
+          </a:fillRef>
+          <a:effectRef idx="0">
+            <a:schemeClr val="accent1"/>
+          </a:effectRef>
+          <a:fontRef idx="minor">
+            <a:schemeClr val="lt1"/>
+          </a:fontRef>
+        </p:style>
+        <p:txBody>
+          <a:bodyPr rtlCol="0" anchor="ctr"/>
+          <a:lstStyle/>
+          <a:p>
+            <a:pPr algn="ctr"/>
+            <a:r>
+              <a:rPr lang="zh-CN" altLang="en-US" sz="1000" dirty="0" smtClean="0">
+                <a:latin typeface="微软雅黑" panose="020B0503020204020204" pitchFamily="34" charset="-122"/>
+                <a:ea typeface="微软雅黑" panose="020B0503020204020204" pitchFamily="34" charset="-122"/>
+              </a:rPr>
+              <a:t>工作流编辑</a:t>
+            </a:r>
+            <a:endParaRPr lang="zh-CN" altLang="en-US" sz="1000" dirty="0">
+              <a:latin typeface="微软雅黑" panose="020B0503020204020204" pitchFamily="34" charset="-122"/>
+              <a:ea typeface="微软雅黑" panose="020B0503020204020204" pitchFamily="34" charset="-122"/>
+            </a:endParaRPr>
+          </a:p>
+        </p:txBody>
+      </p:sp>
+      <p:sp>
+        <p:nvSpPr>
+          <p:cNvPr id="73" name="圆角矩形 72"/>
+          <p:cNvSpPr/>
+          <p:nvPr/>
+        </p:nvSpPr>
+        <p:spPr>
+          <a:xfrm>
+            <a:off x="6705665" y="1113570"/>
+            <a:ext cx="1461288" cy="695181"/>
+          </a:xfrm>
+          <a:prstGeom prst="roundRect">
+            <a:avLst>
+              <a:gd name="adj" fmla="val 8880"/>
+            </a:avLst>
+          </a:prstGeom>
+          <a:solidFill>
+            <a:srgbClr val="58A6E4"/>
+          </a:solidFill>
+          <a:ln w="0">
+            <a:noFill/>
+            <a:prstDash val="sysDash"/>
+          </a:ln>
+        </p:spPr>
+        <p:style>
+          <a:lnRef idx="2">
+            <a:schemeClr val="accent1">
+              <a:shade val="50000"/>
+            </a:schemeClr>
+          </a:lnRef>
+          <a:fillRef idx="1">
+            <a:schemeClr val="accent1"/>
+          </a:fillRef>
+          <a:effectRef idx="0">
+            <a:schemeClr val="accent1"/>
+          </a:effectRef>
+          <a:fontRef idx="minor">
+            <a:schemeClr val="lt1"/>
+          </a:fontRef>
+        </p:style>
+        <p:txBody>
+          <a:bodyPr rtlCol="0" anchor="ctr"/>
+          <a:lstStyle/>
+          <a:p>
+            <a:pPr algn="ctr"/>
+            <a:r>
+              <a:rPr lang="zh-CN" altLang="en-US" sz="1000" dirty="0" smtClean="0">
                 <a:solidFill>
                   <a:schemeClr val="tx1"/>
                 </a:solidFill>
                 <a:latin typeface="微软雅黑" panose="020B0503020204020204" pitchFamily="34" charset="-122"/>
                 <a:ea typeface="微软雅黑" panose="020B0503020204020204" pitchFamily="34" charset="-122"/>
-              </a:endParaRPr>
-            </a:p>
-          </p:txBody>
-        </p:sp>
-        <p:sp>
-          <p:nvSpPr>
-            <p:cNvPr id="78" name="圆角矩形 77"/>
-            <p:cNvSpPr/>
-            <p:nvPr/>
-          </p:nvSpPr>
-          <p:spPr>
-            <a:xfrm>
-              <a:off x="2785410" y="4320502"/>
-              <a:ext cx="919725" cy="525523"/>
-            </a:xfrm>
-            <a:prstGeom prst="roundRect">
-              <a:avLst>
-                <a:gd name="adj" fmla="val 8880"/>
-              </a:avLst>
-            </a:prstGeom>
-            <a:solidFill>
-              <a:schemeClr val="accent5">
-                <a:lumMod val="60000"/>
-                <a:lumOff val="40000"/>
-              </a:schemeClr>
-            </a:solidFill>
-            <a:ln>
-              <a:noFill/>
-              <a:prstDash val="sysDash"/>
-            </a:ln>
-          </p:spPr>
-          <p:style>
-            <a:lnRef idx="2">
-              <a:schemeClr val="accent1">
-                <a:shade val="50000"/>
-              </a:schemeClr>
-            </a:lnRef>
-            <a:fillRef idx="1">
-              <a:schemeClr val="accent1"/>
-            </a:fillRef>
-            <a:effectRef idx="0">
-              <a:schemeClr val="accent1"/>
-            </a:effectRef>
-            <a:fontRef idx="minor">
-              <a:schemeClr val="lt1"/>
-            </a:fontRef>
-          </p:style>
-          <p:txBody>
-            <a:bodyPr rtlCol="0" anchor="ctr"/>
-            <a:lstStyle/>
-            <a:p>
-              <a:pPr algn="ctr"/>
-              <a:r>
-                <a:rPr lang="en-US" altLang="zh-CN" sz="1000" dirty="0" smtClean="0">
-                  <a:solidFill>
-                    <a:schemeClr val="tx1"/>
-                  </a:solidFill>
-                  <a:latin typeface="微软雅黑" panose="020B0503020204020204" pitchFamily="34" charset="-122"/>
-                  <a:ea typeface="微软雅黑" panose="020B0503020204020204" pitchFamily="34" charset="-122"/>
-                </a:rPr>
-                <a:t>Spark SQL</a:t>
-              </a:r>
-              <a:endParaRPr lang="zh-CN" altLang="en-US" sz="1000" dirty="0">
+              </a:rPr>
+              <a:t>开放平台</a:t>
+            </a:r>
+            <a:endParaRPr lang="zh-CN" altLang="en-US" sz="1000" dirty="0">
+              <a:solidFill>
+                <a:schemeClr val="tx1"/>
+              </a:solidFill>
+              <a:latin typeface="微软雅黑" panose="020B0503020204020204" pitchFamily="34" charset="-122"/>
+              <a:ea typeface="微软雅黑" panose="020B0503020204020204" pitchFamily="34" charset="-122"/>
+            </a:endParaRPr>
+          </a:p>
+        </p:txBody>
+      </p:sp>
+      <p:sp>
+        <p:nvSpPr>
+          <p:cNvPr id="78" name="圆角矩形 77"/>
+          <p:cNvSpPr/>
+          <p:nvPr/>
+        </p:nvSpPr>
+        <p:spPr>
+          <a:xfrm>
+            <a:off x="1113769" y="4320502"/>
+            <a:ext cx="919725" cy="525523"/>
+          </a:xfrm>
+          <a:prstGeom prst="roundRect">
+            <a:avLst>
+              <a:gd name="adj" fmla="val 8880"/>
+            </a:avLst>
+          </a:prstGeom>
+          <a:solidFill>
+            <a:schemeClr val="accent5">
+              <a:lumMod val="60000"/>
+              <a:lumOff val="40000"/>
+            </a:schemeClr>
+          </a:solidFill>
+          <a:ln>
+            <a:noFill/>
+            <a:prstDash val="sysDash"/>
+          </a:ln>
+        </p:spPr>
+        <p:style>
+          <a:lnRef idx="2">
+            <a:schemeClr val="accent1">
+              <a:shade val="50000"/>
+            </a:schemeClr>
+          </a:lnRef>
+          <a:fillRef idx="1">
+            <a:schemeClr val="accent1"/>
+          </a:fillRef>
+          <a:effectRef idx="0">
+            <a:schemeClr val="accent1"/>
+          </a:effectRef>
+          <a:fontRef idx="minor">
+            <a:schemeClr val="lt1"/>
+          </a:fontRef>
+        </p:style>
+        <p:txBody>
+          <a:bodyPr rtlCol="0" anchor="ctr"/>
+          <a:lstStyle/>
+          <a:p>
+            <a:pPr algn="ctr"/>
+            <a:r>
+              <a:rPr lang="en-US" altLang="zh-CN" sz="1000" dirty="0" smtClean="0">
                 <a:solidFill>
                   <a:schemeClr val="tx1"/>
                 </a:solidFill>
                 <a:latin typeface="微软雅黑" panose="020B0503020204020204" pitchFamily="34" charset="-122"/>
                 <a:ea typeface="微软雅黑" panose="020B0503020204020204" pitchFamily="34" charset="-122"/>
-              </a:endParaRPr>
-            </a:p>
-          </p:txBody>
-        </p:sp>
-        <p:sp>
-          <p:nvSpPr>
-            <p:cNvPr id="80" name="圆角矩形 79"/>
-            <p:cNvSpPr/>
-            <p:nvPr/>
-          </p:nvSpPr>
-          <p:spPr>
-            <a:xfrm>
-              <a:off x="3788092" y="4320502"/>
-              <a:ext cx="811026" cy="520048"/>
-            </a:xfrm>
-            <a:prstGeom prst="roundRect">
-              <a:avLst>
-                <a:gd name="adj" fmla="val 8880"/>
-              </a:avLst>
-            </a:prstGeom>
-            <a:solidFill>
-              <a:schemeClr val="accent5">
-                <a:lumMod val="60000"/>
-                <a:lumOff val="40000"/>
-              </a:schemeClr>
-            </a:solidFill>
-            <a:ln>
-              <a:noFill/>
-              <a:prstDash val="sysDash"/>
-            </a:ln>
-          </p:spPr>
-          <p:style>
-            <a:lnRef idx="2">
-              <a:schemeClr val="accent1">
-                <a:shade val="50000"/>
-              </a:schemeClr>
-            </a:lnRef>
-            <a:fillRef idx="1">
-              <a:schemeClr val="accent1"/>
-            </a:fillRef>
-            <a:effectRef idx="0">
-              <a:schemeClr val="accent1"/>
-            </a:effectRef>
-            <a:fontRef idx="minor">
-              <a:schemeClr val="lt1"/>
-            </a:fontRef>
-          </p:style>
-          <p:txBody>
-            <a:bodyPr rtlCol="0" anchor="ctr"/>
-            <a:lstStyle/>
-            <a:p>
-              <a:pPr algn="ctr"/>
-              <a:r>
-                <a:rPr lang="en-US" altLang="zh-CN" sz="1000" dirty="0" smtClean="0">
-                  <a:solidFill>
-                    <a:schemeClr val="tx1"/>
-                  </a:solidFill>
-                  <a:latin typeface="微软雅黑" panose="020B0503020204020204" pitchFamily="34" charset="-122"/>
-                  <a:ea typeface="微软雅黑" panose="020B0503020204020204" pitchFamily="34" charset="-122"/>
-                </a:rPr>
-                <a:t>Spark </a:t>
-              </a:r>
-              <a:r>
-                <a:rPr lang="en-US" altLang="zh-CN" sz="1000" dirty="0" err="1" smtClean="0">
-                  <a:solidFill>
-                    <a:schemeClr val="tx1"/>
-                  </a:solidFill>
-                  <a:latin typeface="微软雅黑" panose="020B0503020204020204" pitchFamily="34" charset="-122"/>
-                  <a:ea typeface="微软雅黑" panose="020B0503020204020204" pitchFamily="34" charset="-122"/>
-                </a:rPr>
-                <a:t>MLlib</a:t>
-              </a:r>
-              <a:endParaRPr lang="zh-CN" altLang="en-US" sz="1000" dirty="0">
+              </a:rPr>
+              <a:t>Spark SQL</a:t>
+            </a:r>
+            <a:endParaRPr lang="zh-CN" altLang="en-US" sz="1000" dirty="0">
+              <a:solidFill>
+                <a:schemeClr val="tx1"/>
+              </a:solidFill>
+              <a:latin typeface="微软雅黑" panose="020B0503020204020204" pitchFamily="34" charset="-122"/>
+              <a:ea typeface="微软雅黑" panose="020B0503020204020204" pitchFamily="34" charset="-122"/>
+            </a:endParaRPr>
+          </a:p>
+        </p:txBody>
+      </p:sp>
+      <p:sp>
+        <p:nvSpPr>
+          <p:cNvPr id="80" name="圆角矩形 79"/>
+          <p:cNvSpPr/>
+          <p:nvPr/>
+        </p:nvSpPr>
+        <p:spPr>
+          <a:xfrm>
+            <a:off x="2116451" y="4320502"/>
+            <a:ext cx="811026" cy="520048"/>
+          </a:xfrm>
+          <a:prstGeom prst="roundRect">
+            <a:avLst>
+              <a:gd name="adj" fmla="val 8880"/>
+            </a:avLst>
+          </a:prstGeom>
+          <a:solidFill>
+            <a:schemeClr val="accent5">
+              <a:lumMod val="60000"/>
+              <a:lumOff val="40000"/>
+            </a:schemeClr>
+          </a:solidFill>
+          <a:ln>
+            <a:noFill/>
+            <a:prstDash val="sysDash"/>
+          </a:ln>
+        </p:spPr>
+        <p:style>
+          <a:lnRef idx="2">
+            <a:schemeClr val="accent1">
+              <a:shade val="50000"/>
+            </a:schemeClr>
+          </a:lnRef>
+          <a:fillRef idx="1">
+            <a:schemeClr val="accent1"/>
+          </a:fillRef>
+          <a:effectRef idx="0">
+            <a:schemeClr val="accent1"/>
+          </a:effectRef>
+          <a:fontRef idx="minor">
+            <a:schemeClr val="lt1"/>
+          </a:fontRef>
+        </p:style>
+        <p:txBody>
+          <a:bodyPr rtlCol="0" anchor="ctr"/>
+          <a:lstStyle/>
+          <a:p>
+            <a:pPr algn="ctr"/>
+            <a:r>
+              <a:rPr lang="en-US" altLang="zh-CN" sz="1000" dirty="0" smtClean="0">
                 <a:solidFill>
                   <a:schemeClr val="tx1"/>
                 </a:solidFill>
                 <a:latin typeface="微软雅黑" panose="020B0503020204020204" pitchFamily="34" charset="-122"/>
                 <a:ea typeface="微软雅黑" panose="020B0503020204020204" pitchFamily="34" charset="-122"/>
-              </a:endParaRPr>
-            </a:p>
-          </p:txBody>
-        </p:sp>
-        <p:sp>
-          <p:nvSpPr>
-            <p:cNvPr id="81" name="圆角矩形 80"/>
-            <p:cNvSpPr/>
-            <p:nvPr/>
-          </p:nvSpPr>
-          <p:spPr>
-            <a:xfrm>
-              <a:off x="4679948" y="4320502"/>
-              <a:ext cx="835013" cy="513373"/>
-            </a:xfrm>
-            <a:prstGeom prst="roundRect">
-              <a:avLst>
-                <a:gd name="adj" fmla="val 8880"/>
-              </a:avLst>
-            </a:prstGeom>
-            <a:solidFill>
-              <a:schemeClr val="accent5">
-                <a:lumMod val="60000"/>
-                <a:lumOff val="40000"/>
-              </a:schemeClr>
-            </a:solidFill>
-            <a:ln>
-              <a:noFill/>
-              <a:prstDash val="sysDash"/>
-            </a:ln>
-          </p:spPr>
-          <p:style>
-            <a:lnRef idx="2">
-              <a:schemeClr val="accent1">
-                <a:shade val="50000"/>
-              </a:schemeClr>
-            </a:lnRef>
-            <a:fillRef idx="1">
-              <a:schemeClr val="accent1"/>
-            </a:fillRef>
-            <a:effectRef idx="0">
-              <a:schemeClr val="accent1"/>
-            </a:effectRef>
-            <a:fontRef idx="minor">
-              <a:schemeClr val="lt1"/>
-            </a:fontRef>
-          </p:style>
-          <p:txBody>
-            <a:bodyPr rtlCol="0" anchor="ctr"/>
-            <a:lstStyle/>
-            <a:p>
-              <a:pPr algn="ctr"/>
-              <a:r>
-                <a:rPr lang="en-US" altLang="zh-CN" sz="1000" dirty="0" smtClean="0">
-                  <a:solidFill>
-                    <a:schemeClr val="tx1"/>
-                  </a:solidFill>
-                  <a:latin typeface="微软雅黑" panose="020B0503020204020204" pitchFamily="34" charset="-122"/>
-                  <a:ea typeface="微软雅黑" panose="020B0503020204020204" pitchFamily="34" charset="-122"/>
-                </a:rPr>
-                <a:t>Spark </a:t>
-              </a:r>
-              <a:r>
-                <a:rPr lang="en-US" altLang="zh-CN" sz="1000" dirty="0" err="1" smtClean="0">
-                  <a:solidFill>
-                    <a:schemeClr val="tx1"/>
-                  </a:solidFill>
-                  <a:latin typeface="微软雅黑" panose="020B0503020204020204" pitchFamily="34" charset="-122"/>
-                  <a:ea typeface="微软雅黑" panose="020B0503020204020204" pitchFamily="34" charset="-122"/>
-                </a:rPr>
-                <a:t>GraphX</a:t>
-              </a:r>
-              <a:endParaRPr lang="zh-CN" altLang="en-US" sz="1000" dirty="0">
+              </a:rPr>
+              <a:t>Spark </a:t>
+            </a:r>
+            <a:r>
+              <a:rPr lang="en-US" altLang="zh-CN" sz="1000" dirty="0" err="1" smtClean="0">
                 <a:solidFill>
                   <a:schemeClr val="tx1"/>
                 </a:solidFill>
                 <a:latin typeface="微软雅黑" panose="020B0503020204020204" pitchFamily="34" charset="-122"/>
                 <a:ea typeface="微软雅黑" panose="020B0503020204020204" pitchFamily="34" charset="-122"/>
-              </a:endParaRPr>
-            </a:p>
-          </p:txBody>
-        </p:sp>
-        <p:sp>
-          <p:nvSpPr>
-            <p:cNvPr id="82" name="圆角矩形 81"/>
-            <p:cNvSpPr/>
-            <p:nvPr/>
-          </p:nvSpPr>
-          <p:spPr>
-            <a:xfrm>
-              <a:off x="6577649" y="4320502"/>
-              <a:ext cx="1029051" cy="530813"/>
-            </a:xfrm>
-            <a:prstGeom prst="roundRect">
-              <a:avLst>
-                <a:gd name="adj" fmla="val 8880"/>
-              </a:avLst>
-            </a:prstGeom>
-            <a:solidFill>
-              <a:schemeClr val="accent5">
-                <a:lumMod val="60000"/>
-                <a:lumOff val="40000"/>
-              </a:schemeClr>
-            </a:solidFill>
-            <a:ln>
-              <a:noFill/>
-              <a:prstDash val="sysDash"/>
-            </a:ln>
-          </p:spPr>
-          <p:style>
-            <a:lnRef idx="2">
-              <a:schemeClr val="accent1">
-                <a:shade val="50000"/>
-              </a:schemeClr>
-            </a:lnRef>
-            <a:fillRef idx="1">
-              <a:schemeClr val="accent1"/>
-            </a:fillRef>
-            <a:effectRef idx="0">
-              <a:schemeClr val="accent1"/>
-            </a:effectRef>
-            <a:fontRef idx="minor">
-              <a:schemeClr val="lt1"/>
-            </a:fontRef>
-          </p:style>
-          <p:txBody>
-            <a:bodyPr rtlCol="0" anchor="ctr"/>
-            <a:lstStyle/>
-            <a:p>
-              <a:pPr algn="ctr"/>
-              <a:r>
-                <a:rPr lang="en-US" altLang="zh-CN" sz="1000" dirty="0" err="1" smtClean="0">
-                  <a:solidFill>
-                    <a:schemeClr val="tx1"/>
-                  </a:solidFill>
-                  <a:latin typeface="微软雅黑" panose="020B0503020204020204" pitchFamily="34" charset="-122"/>
-                  <a:ea typeface="微软雅黑" panose="020B0503020204020204" pitchFamily="34" charset="-122"/>
-                </a:rPr>
-                <a:t>Tensorflow</a:t>
-              </a:r>
-              <a:endParaRPr lang="zh-CN" altLang="en-US" sz="1000" dirty="0">
+              </a:rPr>
+              <a:t>MLlib</a:t>
+            </a:r>
+            <a:endParaRPr lang="zh-CN" altLang="en-US" sz="1000" dirty="0">
+              <a:solidFill>
+                <a:schemeClr val="tx1"/>
+              </a:solidFill>
+              <a:latin typeface="微软雅黑" panose="020B0503020204020204" pitchFamily="34" charset="-122"/>
+              <a:ea typeface="微软雅黑" panose="020B0503020204020204" pitchFamily="34" charset="-122"/>
+            </a:endParaRPr>
+          </a:p>
+        </p:txBody>
+      </p:sp>
+      <p:sp>
+        <p:nvSpPr>
+          <p:cNvPr id="81" name="圆角矩形 80"/>
+          <p:cNvSpPr/>
+          <p:nvPr/>
+        </p:nvSpPr>
+        <p:spPr>
+          <a:xfrm>
+            <a:off x="3008307" y="4320502"/>
+            <a:ext cx="835013" cy="513373"/>
+          </a:xfrm>
+          <a:prstGeom prst="roundRect">
+            <a:avLst>
+              <a:gd name="adj" fmla="val 8880"/>
+            </a:avLst>
+          </a:prstGeom>
+          <a:solidFill>
+            <a:schemeClr val="accent5">
+              <a:lumMod val="60000"/>
+              <a:lumOff val="40000"/>
+            </a:schemeClr>
+          </a:solidFill>
+          <a:ln>
+            <a:noFill/>
+            <a:prstDash val="sysDash"/>
+          </a:ln>
+        </p:spPr>
+        <p:style>
+          <a:lnRef idx="2">
+            <a:schemeClr val="accent1">
+              <a:shade val="50000"/>
+            </a:schemeClr>
+          </a:lnRef>
+          <a:fillRef idx="1">
+            <a:schemeClr val="accent1"/>
+          </a:fillRef>
+          <a:effectRef idx="0">
+            <a:schemeClr val="accent1"/>
+          </a:effectRef>
+          <a:fontRef idx="minor">
+            <a:schemeClr val="lt1"/>
+          </a:fontRef>
+        </p:style>
+        <p:txBody>
+          <a:bodyPr rtlCol="0" anchor="ctr"/>
+          <a:lstStyle/>
+          <a:p>
+            <a:pPr algn="ctr"/>
+            <a:r>
+              <a:rPr lang="en-US" altLang="zh-CN" sz="1000" dirty="0" smtClean="0">
                 <a:solidFill>
                   <a:schemeClr val="tx1"/>
                 </a:solidFill>
                 <a:latin typeface="微软雅黑" panose="020B0503020204020204" pitchFamily="34" charset="-122"/>
                 <a:ea typeface="微软雅黑" panose="020B0503020204020204" pitchFamily="34" charset="-122"/>
-              </a:endParaRPr>
-            </a:p>
-          </p:txBody>
-        </p:sp>
-        <p:sp>
-          <p:nvSpPr>
-            <p:cNvPr id="84" name="圆角矩形 83"/>
-            <p:cNvSpPr/>
-            <p:nvPr/>
-          </p:nvSpPr>
-          <p:spPr>
-            <a:xfrm>
-              <a:off x="2785410" y="4938842"/>
-              <a:ext cx="4163089" cy="525600"/>
-            </a:xfrm>
-            <a:prstGeom prst="roundRect">
-              <a:avLst>
-                <a:gd name="adj" fmla="val 8880"/>
-              </a:avLst>
-            </a:prstGeom>
-            <a:solidFill>
-              <a:schemeClr val="accent5">
-                <a:lumMod val="60000"/>
-                <a:lumOff val="40000"/>
-              </a:schemeClr>
-            </a:solidFill>
-            <a:ln>
-              <a:noFill/>
-              <a:prstDash val="sysDash"/>
-            </a:ln>
-          </p:spPr>
-          <p:style>
-            <a:lnRef idx="2">
-              <a:schemeClr val="accent1">
-                <a:shade val="50000"/>
-              </a:schemeClr>
-            </a:lnRef>
-            <a:fillRef idx="1">
-              <a:schemeClr val="accent1"/>
-            </a:fillRef>
-            <a:effectRef idx="0">
-              <a:schemeClr val="accent1"/>
-            </a:effectRef>
-            <a:fontRef idx="minor">
-              <a:schemeClr val="lt1"/>
-            </a:fontRef>
-          </p:style>
-          <p:txBody>
-            <a:bodyPr rtlCol="0" anchor="ctr"/>
-            <a:lstStyle/>
-            <a:p>
-              <a:pPr algn="ctr"/>
-              <a:r>
-                <a:rPr lang="en-US" altLang="zh-CN" sz="1000" dirty="0" smtClean="0">
-                  <a:solidFill>
-                    <a:schemeClr val="tx1"/>
-                  </a:solidFill>
-                  <a:latin typeface="微软雅黑" panose="020B0503020204020204" pitchFamily="34" charset="-122"/>
-                  <a:ea typeface="微软雅黑" panose="020B0503020204020204" pitchFamily="34" charset="-122"/>
-                </a:rPr>
-                <a:t>Spark</a:t>
-              </a:r>
-              <a:endParaRPr lang="zh-CN" altLang="en-US" sz="1000" dirty="0">
+              </a:rPr>
+              <a:t>Spark </a:t>
+            </a:r>
+            <a:r>
+              <a:rPr lang="en-US" altLang="zh-CN" sz="1000" dirty="0" err="1" smtClean="0">
                 <a:solidFill>
                   <a:schemeClr val="tx1"/>
                 </a:solidFill>
                 <a:latin typeface="微软雅黑" panose="020B0503020204020204" pitchFamily="34" charset="-122"/>
                 <a:ea typeface="微软雅黑" panose="020B0503020204020204" pitchFamily="34" charset="-122"/>
-              </a:endParaRPr>
-            </a:p>
-          </p:txBody>
-        </p:sp>
-        <p:sp>
-          <p:nvSpPr>
-            <p:cNvPr id="85" name="圆角矩形 84"/>
-            <p:cNvSpPr/>
-            <p:nvPr/>
-          </p:nvSpPr>
-          <p:spPr>
-            <a:xfrm>
-              <a:off x="7029329" y="4936424"/>
-              <a:ext cx="2809266" cy="525600"/>
-            </a:xfrm>
-            <a:prstGeom prst="roundRect">
-              <a:avLst>
-                <a:gd name="adj" fmla="val 8880"/>
-              </a:avLst>
-            </a:prstGeom>
-            <a:solidFill>
-              <a:schemeClr val="accent5">
-                <a:lumMod val="60000"/>
-                <a:lumOff val="40000"/>
-              </a:schemeClr>
-            </a:solidFill>
-            <a:ln>
-              <a:noFill/>
-              <a:prstDash val="sysDash"/>
-            </a:ln>
-          </p:spPr>
-          <p:style>
-            <a:lnRef idx="2">
-              <a:schemeClr val="accent1">
-                <a:shade val="50000"/>
-              </a:schemeClr>
-            </a:lnRef>
-            <a:fillRef idx="1">
-              <a:schemeClr val="accent1"/>
-            </a:fillRef>
-            <a:effectRef idx="0">
-              <a:schemeClr val="accent1"/>
-            </a:effectRef>
-            <a:fontRef idx="minor">
-              <a:schemeClr val="lt1"/>
-            </a:fontRef>
-          </p:style>
-          <p:txBody>
-            <a:bodyPr rtlCol="0" anchor="ctr"/>
-            <a:lstStyle/>
-            <a:p>
-              <a:pPr algn="ctr"/>
-              <a:r>
-                <a:rPr lang="en-US" altLang="zh-CN" sz="1000" dirty="0" err="1" smtClean="0">
-                  <a:solidFill>
-                    <a:schemeClr val="tx1"/>
-                  </a:solidFill>
-                  <a:latin typeface="微软雅黑" panose="020B0503020204020204" pitchFamily="34" charset="-122"/>
-                  <a:ea typeface="微软雅黑" panose="020B0503020204020204" pitchFamily="34" charset="-122"/>
-                </a:rPr>
-                <a:t>MapReduce</a:t>
-              </a:r>
-              <a:r>
-                <a:rPr lang="en-US" altLang="zh-CN" sz="1000" dirty="0" smtClean="0">
-                  <a:solidFill>
-                    <a:schemeClr val="tx1"/>
-                  </a:solidFill>
-                  <a:latin typeface="微软雅黑" panose="020B0503020204020204" pitchFamily="34" charset="-122"/>
-                  <a:ea typeface="微软雅黑" panose="020B0503020204020204" pitchFamily="34" charset="-122"/>
-                </a:rPr>
-                <a:t>/</a:t>
-              </a:r>
-              <a:r>
-                <a:rPr lang="en-US" altLang="zh-CN" sz="1000" dirty="0" err="1" smtClean="0">
-                  <a:solidFill>
-                    <a:schemeClr val="tx1"/>
-                  </a:solidFill>
-                  <a:latin typeface="微软雅黑" panose="020B0503020204020204" pitchFamily="34" charset="-122"/>
-                  <a:ea typeface="微软雅黑" panose="020B0503020204020204" pitchFamily="34" charset="-122"/>
-                </a:rPr>
-                <a:t>Tez</a:t>
-              </a:r>
-              <a:endParaRPr lang="zh-CN" altLang="en-US" sz="1000" dirty="0">
+              </a:rPr>
+              <a:t>GraphX</a:t>
+            </a:r>
+            <a:endParaRPr lang="zh-CN" altLang="en-US" sz="1000" dirty="0">
+              <a:solidFill>
+                <a:schemeClr val="tx1"/>
+              </a:solidFill>
+              <a:latin typeface="微软雅黑" panose="020B0503020204020204" pitchFamily="34" charset="-122"/>
+              <a:ea typeface="微软雅黑" panose="020B0503020204020204" pitchFamily="34" charset="-122"/>
+            </a:endParaRPr>
+          </a:p>
+        </p:txBody>
+      </p:sp>
+      <p:sp>
+        <p:nvSpPr>
+          <p:cNvPr id="82" name="圆角矩形 81"/>
+          <p:cNvSpPr/>
+          <p:nvPr/>
+        </p:nvSpPr>
+        <p:spPr>
+          <a:xfrm>
+            <a:off x="4906008" y="4320502"/>
+            <a:ext cx="1029051" cy="530813"/>
+          </a:xfrm>
+          <a:prstGeom prst="roundRect">
+            <a:avLst>
+              <a:gd name="adj" fmla="val 8880"/>
+            </a:avLst>
+          </a:prstGeom>
+          <a:solidFill>
+            <a:schemeClr val="accent5">
+              <a:lumMod val="60000"/>
+              <a:lumOff val="40000"/>
+            </a:schemeClr>
+          </a:solidFill>
+          <a:ln>
+            <a:noFill/>
+            <a:prstDash val="sysDash"/>
+          </a:ln>
+        </p:spPr>
+        <p:style>
+          <a:lnRef idx="2">
+            <a:schemeClr val="accent1">
+              <a:shade val="50000"/>
+            </a:schemeClr>
+          </a:lnRef>
+          <a:fillRef idx="1">
+            <a:schemeClr val="accent1"/>
+          </a:fillRef>
+          <a:effectRef idx="0">
+            <a:schemeClr val="accent1"/>
+          </a:effectRef>
+          <a:fontRef idx="minor">
+            <a:schemeClr val="lt1"/>
+          </a:fontRef>
+        </p:style>
+        <p:txBody>
+          <a:bodyPr rtlCol="0" anchor="ctr"/>
+          <a:lstStyle/>
+          <a:p>
+            <a:pPr algn="ctr"/>
+            <a:r>
+              <a:rPr lang="en-US" altLang="zh-CN" sz="1000" dirty="0" err="1">
                 <a:solidFill>
                   <a:schemeClr val="tx1"/>
                 </a:solidFill>
                 <a:latin typeface="微软雅黑" panose="020B0503020204020204" pitchFamily="34" charset="-122"/>
                 <a:ea typeface="微软雅黑" panose="020B0503020204020204" pitchFamily="34" charset="-122"/>
-              </a:endParaRPr>
-            </a:p>
-          </p:txBody>
-        </p:sp>
-        <p:sp>
-          <p:nvSpPr>
-            <p:cNvPr id="86" name="圆角矩形 85"/>
-            <p:cNvSpPr/>
-            <p:nvPr/>
-          </p:nvSpPr>
-          <p:spPr>
-            <a:xfrm>
-              <a:off x="2768041" y="5566483"/>
-              <a:ext cx="1817369" cy="654658"/>
-            </a:xfrm>
-            <a:prstGeom prst="roundRect">
-              <a:avLst>
-                <a:gd name="adj" fmla="val 8880"/>
-              </a:avLst>
-            </a:prstGeom>
-            <a:solidFill>
-              <a:schemeClr val="accent4">
-                <a:lumMod val="60000"/>
-                <a:lumOff val="40000"/>
-              </a:schemeClr>
-            </a:solidFill>
-            <a:ln>
-              <a:noFill/>
-              <a:prstDash val="sysDash"/>
-            </a:ln>
-          </p:spPr>
-          <p:style>
-            <a:lnRef idx="2">
-              <a:schemeClr val="accent1">
-                <a:shade val="50000"/>
-              </a:schemeClr>
-            </a:lnRef>
-            <a:fillRef idx="1">
-              <a:schemeClr val="accent1"/>
-            </a:fillRef>
-            <a:effectRef idx="0">
-              <a:schemeClr val="accent1"/>
-            </a:effectRef>
-            <a:fontRef idx="minor">
-              <a:schemeClr val="lt1"/>
-            </a:fontRef>
-          </p:style>
-          <p:txBody>
-            <a:bodyPr rtlCol="0" anchor="ctr"/>
-            <a:lstStyle/>
-            <a:p>
-              <a:pPr algn="ctr"/>
-              <a:r>
-                <a:rPr lang="en-US" altLang="zh-CN" sz="1000" dirty="0" smtClean="0">
-                  <a:solidFill>
-                    <a:schemeClr val="tx1"/>
-                  </a:solidFill>
-                  <a:latin typeface="微软雅黑" panose="020B0503020204020204" pitchFamily="34" charset="-122"/>
-                  <a:ea typeface="微软雅黑" panose="020B0503020204020204" pitchFamily="34" charset="-122"/>
-                </a:rPr>
-                <a:t>HDFS</a:t>
-              </a:r>
-              <a:endParaRPr lang="zh-CN" altLang="en-US" sz="1000" dirty="0">
+              </a:rPr>
+              <a:t>MXNet</a:t>
+            </a:r>
+            <a:endParaRPr lang="zh-CN" altLang="en-US" sz="1000" dirty="0">
+              <a:solidFill>
+                <a:schemeClr val="tx1"/>
+              </a:solidFill>
+              <a:latin typeface="微软雅黑" panose="020B0503020204020204" pitchFamily="34" charset="-122"/>
+              <a:ea typeface="微软雅黑" panose="020B0503020204020204" pitchFamily="34" charset="-122"/>
+            </a:endParaRPr>
+          </a:p>
+        </p:txBody>
+      </p:sp>
+      <p:sp>
+        <p:nvSpPr>
+          <p:cNvPr id="84" name="圆角矩形 83"/>
+          <p:cNvSpPr/>
+          <p:nvPr/>
+        </p:nvSpPr>
+        <p:spPr>
+          <a:xfrm>
+            <a:off x="1113770" y="4938842"/>
+            <a:ext cx="2729550" cy="525600"/>
+          </a:xfrm>
+          <a:prstGeom prst="roundRect">
+            <a:avLst>
+              <a:gd name="adj" fmla="val 8880"/>
+            </a:avLst>
+          </a:prstGeom>
+          <a:solidFill>
+            <a:schemeClr val="accent5">
+              <a:lumMod val="60000"/>
+              <a:lumOff val="40000"/>
+            </a:schemeClr>
+          </a:solidFill>
+          <a:ln>
+            <a:noFill/>
+            <a:prstDash val="sysDash"/>
+          </a:ln>
+        </p:spPr>
+        <p:style>
+          <a:lnRef idx="2">
+            <a:schemeClr val="accent1">
+              <a:shade val="50000"/>
+            </a:schemeClr>
+          </a:lnRef>
+          <a:fillRef idx="1">
+            <a:schemeClr val="accent1"/>
+          </a:fillRef>
+          <a:effectRef idx="0">
+            <a:schemeClr val="accent1"/>
+          </a:effectRef>
+          <a:fontRef idx="minor">
+            <a:schemeClr val="lt1"/>
+          </a:fontRef>
+        </p:style>
+        <p:txBody>
+          <a:bodyPr rtlCol="0" anchor="ctr"/>
+          <a:lstStyle/>
+          <a:p>
+            <a:pPr algn="ctr"/>
+            <a:r>
+              <a:rPr lang="en-US" altLang="zh-CN" sz="1000" dirty="0" smtClean="0">
                 <a:solidFill>
                   <a:schemeClr val="tx1"/>
                 </a:solidFill>
                 <a:latin typeface="微软雅黑" panose="020B0503020204020204" pitchFamily="34" charset="-122"/>
                 <a:ea typeface="微软雅黑" panose="020B0503020204020204" pitchFamily="34" charset="-122"/>
-              </a:endParaRPr>
-            </a:p>
-          </p:txBody>
-        </p:sp>
-        <p:sp>
-          <p:nvSpPr>
-            <p:cNvPr id="87" name="圆角矩形 86"/>
-            <p:cNvSpPr/>
-            <p:nvPr/>
-          </p:nvSpPr>
-          <p:spPr>
-            <a:xfrm>
-              <a:off x="6559724" y="5566483"/>
-              <a:ext cx="3278871" cy="648000"/>
-            </a:xfrm>
-            <a:prstGeom prst="roundRect">
-              <a:avLst>
-                <a:gd name="adj" fmla="val 8880"/>
-              </a:avLst>
-            </a:prstGeom>
-            <a:solidFill>
-              <a:schemeClr val="accent4">
-                <a:lumMod val="60000"/>
-                <a:lumOff val="40000"/>
-              </a:schemeClr>
-            </a:solidFill>
-            <a:ln>
-              <a:noFill/>
-              <a:prstDash val="sysDash"/>
-            </a:ln>
-          </p:spPr>
-          <p:style>
-            <a:lnRef idx="2">
-              <a:schemeClr val="accent1">
-                <a:shade val="50000"/>
-              </a:schemeClr>
-            </a:lnRef>
-            <a:fillRef idx="1">
-              <a:schemeClr val="accent1"/>
-            </a:fillRef>
-            <a:effectRef idx="0">
-              <a:schemeClr val="accent1"/>
-            </a:effectRef>
-            <a:fontRef idx="minor">
-              <a:schemeClr val="lt1"/>
-            </a:fontRef>
-          </p:style>
-          <p:txBody>
-            <a:bodyPr rtlCol="0" anchor="ctr"/>
-            <a:lstStyle/>
-            <a:p>
-              <a:pPr algn="ctr"/>
-              <a:r>
-                <a:rPr lang="en-US" altLang="zh-CN" sz="1000" dirty="0" smtClean="0">
-                  <a:solidFill>
-                    <a:schemeClr val="tx1"/>
-                  </a:solidFill>
-                  <a:latin typeface="微软雅黑" panose="020B0503020204020204" pitchFamily="34" charset="-122"/>
-                  <a:ea typeface="微软雅黑" panose="020B0503020204020204" pitchFamily="34" charset="-122"/>
-                </a:rPr>
-                <a:t>Yarn/</a:t>
-              </a:r>
-              <a:r>
-                <a:rPr lang="en-US" altLang="zh-CN" sz="1000" dirty="0" err="1" smtClean="0">
-                  <a:solidFill>
-                    <a:schemeClr val="tx1"/>
-                  </a:solidFill>
-                  <a:latin typeface="微软雅黑" panose="020B0503020204020204" pitchFamily="34" charset="-122"/>
-                  <a:ea typeface="微软雅黑" panose="020B0503020204020204" pitchFamily="34" charset="-122"/>
-                </a:rPr>
-                <a:t>Mesos</a:t>
-              </a:r>
-              <a:endParaRPr lang="zh-CN" altLang="en-US" sz="1000" dirty="0">
+              </a:rPr>
+              <a:t>Spark</a:t>
+            </a:r>
+            <a:endParaRPr lang="zh-CN" altLang="en-US" sz="1000" dirty="0">
+              <a:solidFill>
+                <a:schemeClr val="tx1"/>
+              </a:solidFill>
+              <a:latin typeface="微软雅黑" panose="020B0503020204020204" pitchFamily="34" charset="-122"/>
+              <a:ea typeface="微软雅黑" panose="020B0503020204020204" pitchFamily="34" charset="-122"/>
+            </a:endParaRPr>
+          </a:p>
+        </p:txBody>
+      </p:sp>
+      <p:sp>
+        <p:nvSpPr>
+          <p:cNvPr id="85" name="圆角矩形 84"/>
+          <p:cNvSpPr/>
+          <p:nvPr/>
+        </p:nvSpPr>
+        <p:spPr>
+          <a:xfrm>
+            <a:off x="3923014" y="4936424"/>
+            <a:ext cx="2012046" cy="525600"/>
+          </a:xfrm>
+          <a:prstGeom prst="roundRect">
+            <a:avLst>
+              <a:gd name="adj" fmla="val 8880"/>
+            </a:avLst>
+          </a:prstGeom>
+          <a:solidFill>
+            <a:schemeClr val="accent5">
+              <a:lumMod val="60000"/>
+              <a:lumOff val="40000"/>
+            </a:schemeClr>
+          </a:solidFill>
+          <a:ln>
+            <a:noFill/>
+            <a:prstDash val="sysDash"/>
+          </a:ln>
+        </p:spPr>
+        <p:style>
+          <a:lnRef idx="2">
+            <a:schemeClr val="accent1">
+              <a:shade val="50000"/>
+            </a:schemeClr>
+          </a:lnRef>
+          <a:fillRef idx="1">
+            <a:schemeClr val="accent1"/>
+          </a:fillRef>
+          <a:effectRef idx="0">
+            <a:schemeClr val="accent1"/>
+          </a:effectRef>
+          <a:fontRef idx="minor">
+            <a:schemeClr val="lt1"/>
+          </a:fontRef>
+        </p:style>
+        <p:txBody>
+          <a:bodyPr rtlCol="0" anchor="ctr"/>
+          <a:lstStyle/>
+          <a:p>
+            <a:pPr algn="ctr"/>
+            <a:r>
+              <a:rPr lang="en-US" altLang="zh-CN" sz="1000" dirty="0" err="1" smtClean="0">
                 <a:solidFill>
                   <a:schemeClr val="tx1"/>
                 </a:solidFill>
                 <a:latin typeface="微软雅黑" panose="020B0503020204020204" pitchFamily="34" charset="-122"/>
                 <a:ea typeface="微软雅黑" panose="020B0503020204020204" pitchFamily="34" charset="-122"/>
-              </a:endParaRPr>
-            </a:p>
-          </p:txBody>
-        </p:sp>
-        <p:sp>
-          <p:nvSpPr>
-            <p:cNvPr id="88" name="圆角矩形 87"/>
-            <p:cNvSpPr/>
-            <p:nvPr/>
-          </p:nvSpPr>
-          <p:spPr>
-            <a:xfrm>
-              <a:off x="4665186" y="5566482"/>
-              <a:ext cx="1814762" cy="648000"/>
-            </a:xfrm>
-            <a:prstGeom prst="roundRect">
-              <a:avLst>
-                <a:gd name="adj" fmla="val 8880"/>
-              </a:avLst>
-            </a:prstGeom>
-            <a:solidFill>
-              <a:schemeClr val="accent4">
-                <a:lumMod val="60000"/>
-                <a:lumOff val="40000"/>
-              </a:schemeClr>
-            </a:solidFill>
-            <a:ln>
-              <a:noFill/>
-              <a:prstDash val="sysDash"/>
-            </a:ln>
-          </p:spPr>
-          <p:style>
-            <a:lnRef idx="2">
-              <a:schemeClr val="accent1">
-                <a:shade val="50000"/>
-              </a:schemeClr>
-            </a:lnRef>
-            <a:fillRef idx="1">
-              <a:schemeClr val="accent1"/>
-            </a:fillRef>
-            <a:effectRef idx="0">
-              <a:schemeClr val="accent1"/>
-            </a:effectRef>
-            <a:fontRef idx="minor">
-              <a:schemeClr val="lt1"/>
-            </a:fontRef>
-          </p:style>
-          <p:txBody>
-            <a:bodyPr rtlCol="0" anchor="ctr"/>
-            <a:lstStyle/>
-            <a:p>
-              <a:pPr algn="ctr"/>
-              <a:r>
-                <a:rPr lang="en-US" altLang="zh-CN" sz="1000" dirty="0" err="1" smtClean="0">
-                  <a:solidFill>
-                    <a:schemeClr val="tx1"/>
-                  </a:solidFill>
-                  <a:latin typeface="微软雅黑" panose="020B0503020204020204" pitchFamily="34" charset="-122"/>
-                  <a:ea typeface="微软雅黑" panose="020B0503020204020204" pitchFamily="34" charset="-122"/>
-                </a:rPr>
-                <a:t>Alluxio</a:t>
-              </a:r>
-              <a:endParaRPr lang="zh-CN" altLang="en-US" sz="1000" dirty="0">
+              </a:rPr>
+              <a:t>MapReduce</a:t>
+            </a:r>
+            <a:r>
+              <a:rPr lang="en-US" altLang="zh-CN" sz="1000" dirty="0" smtClean="0">
                 <a:solidFill>
                   <a:schemeClr val="tx1"/>
                 </a:solidFill>
                 <a:latin typeface="微软雅黑" panose="020B0503020204020204" pitchFamily="34" charset="-122"/>
                 <a:ea typeface="微软雅黑" panose="020B0503020204020204" pitchFamily="34" charset="-122"/>
-              </a:endParaRPr>
-            </a:p>
-          </p:txBody>
-        </p:sp>
-        <p:sp>
-          <p:nvSpPr>
-            <p:cNvPr id="89" name="圆角矩形 88"/>
-            <p:cNvSpPr/>
-            <p:nvPr/>
-          </p:nvSpPr>
-          <p:spPr>
-            <a:xfrm>
-              <a:off x="5594654" y="4320502"/>
-              <a:ext cx="894937" cy="520047"/>
-            </a:xfrm>
-            <a:prstGeom prst="roundRect">
-              <a:avLst>
-                <a:gd name="adj" fmla="val 8880"/>
-              </a:avLst>
-            </a:prstGeom>
-            <a:solidFill>
-              <a:schemeClr val="accent5">
-                <a:lumMod val="60000"/>
-                <a:lumOff val="40000"/>
-              </a:schemeClr>
-            </a:solidFill>
-            <a:ln>
-              <a:noFill/>
-              <a:prstDash val="sysDash"/>
-            </a:ln>
-          </p:spPr>
-          <p:style>
-            <a:lnRef idx="2">
-              <a:schemeClr val="accent1">
-                <a:shade val="50000"/>
-              </a:schemeClr>
-            </a:lnRef>
-            <a:fillRef idx="1">
-              <a:schemeClr val="accent1"/>
-            </a:fillRef>
-            <a:effectRef idx="0">
-              <a:schemeClr val="accent1"/>
-            </a:effectRef>
-            <a:fontRef idx="minor">
-              <a:schemeClr val="lt1"/>
-            </a:fontRef>
-          </p:style>
-          <p:txBody>
-            <a:bodyPr rtlCol="0" anchor="ctr"/>
-            <a:lstStyle/>
-            <a:p>
-              <a:pPr algn="ctr"/>
-              <a:r>
-                <a:rPr lang="en-US" altLang="zh-CN" sz="1000" dirty="0" err="1" smtClean="0">
-                  <a:solidFill>
-                    <a:schemeClr val="tx1"/>
-                  </a:solidFill>
-                  <a:latin typeface="微软雅黑" panose="020B0503020204020204" pitchFamily="34" charset="-122"/>
-                  <a:ea typeface="微软雅黑" panose="020B0503020204020204" pitchFamily="34" charset="-122"/>
-                </a:rPr>
-                <a:t>XGBoost</a:t>
-              </a:r>
-              <a:endParaRPr lang="zh-CN" altLang="en-US" sz="1000" dirty="0">
+              </a:rPr>
+              <a:t>/</a:t>
+            </a:r>
+            <a:r>
+              <a:rPr lang="en-US" altLang="zh-CN" sz="1000" dirty="0" err="1" smtClean="0">
                 <a:solidFill>
                   <a:schemeClr val="tx1"/>
                 </a:solidFill>
                 <a:latin typeface="微软雅黑" panose="020B0503020204020204" pitchFamily="34" charset="-122"/>
                 <a:ea typeface="微软雅黑" panose="020B0503020204020204" pitchFamily="34" charset="-122"/>
-              </a:endParaRPr>
-            </a:p>
-          </p:txBody>
-        </p:sp>
-        <p:sp>
-          <p:nvSpPr>
-            <p:cNvPr id="91" name="圆角矩形 90"/>
-            <p:cNvSpPr/>
-            <p:nvPr/>
-          </p:nvSpPr>
-          <p:spPr>
-            <a:xfrm>
-              <a:off x="7694759" y="4320502"/>
-              <a:ext cx="1029051" cy="530813"/>
-            </a:xfrm>
-            <a:prstGeom prst="roundRect">
-              <a:avLst>
-                <a:gd name="adj" fmla="val 8880"/>
-              </a:avLst>
-            </a:prstGeom>
-            <a:solidFill>
-              <a:schemeClr val="accent5">
-                <a:lumMod val="60000"/>
-                <a:lumOff val="40000"/>
-              </a:schemeClr>
-            </a:solidFill>
-            <a:ln>
-              <a:noFill/>
-              <a:prstDash val="sysDash"/>
-            </a:ln>
-          </p:spPr>
-          <p:style>
-            <a:lnRef idx="2">
-              <a:schemeClr val="accent1">
-                <a:shade val="50000"/>
-              </a:schemeClr>
-            </a:lnRef>
-            <a:fillRef idx="1">
-              <a:schemeClr val="accent1"/>
-            </a:fillRef>
-            <a:effectRef idx="0">
-              <a:schemeClr val="accent1"/>
-            </a:effectRef>
-            <a:fontRef idx="minor">
-              <a:schemeClr val="lt1"/>
-            </a:fontRef>
-          </p:style>
-          <p:txBody>
-            <a:bodyPr rtlCol="0" anchor="ctr"/>
-            <a:lstStyle/>
-            <a:p>
-              <a:pPr algn="ctr"/>
-              <a:r>
-                <a:rPr lang="en-US" altLang="zh-CN" sz="1000">
-                  <a:solidFill>
-                    <a:schemeClr val="tx1"/>
-                  </a:solidFill>
-                  <a:latin typeface="微软雅黑" panose="020B0503020204020204" pitchFamily="34" charset="-122"/>
-                  <a:ea typeface="微软雅黑" panose="020B0503020204020204" pitchFamily="34" charset="-122"/>
-                </a:rPr>
-                <a:t>MXNet</a:t>
-              </a:r>
-              <a:endParaRPr lang="zh-CN" altLang="en-US" sz="1000" dirty="0">
+              </a:rPr>
+              <a:t>Tez</a:t>
+            </a:r>
+            <a:endParaRPr lang="zh-CN" altLang="en-US" sz="1000" dirty="0">
+              <a:solidFill>
+                <a:schemeClr val="tx1"/>
+              </a:solidFill>
+              <a:latin typeface="微软雅黑" panose="020B0503020204020204" pitchFamily="34" charset="-122"/>
+              <a:ea typeface="微软雅黑" panose="020B0503020204020204" pitchFamily="34" charset="-122"/>
+            </a:endParaRPr>
+          </a:p>
+        </p:txBody>
+      </p:sp>
+      <p:sp>
+        <p:nvSpPr>
+          <p:cNvPr id="86" name="圆角矩形 85"/>
+          <p:cNvSpPr/>
+          <p:nvPr/>
+        </p:nvSpPr>
+        <p:spPr>
+          <a:xfrm>
+            <a:off x="1096401" y="5566483"/>
+            <a:ext cx="1584008" cy="654658"/>
+          </a:xfrm>
+          <a:prstGeom prst="roundRect">
+            <a:avLst>
+              <a:gd name="adj" fmla="val 8880"/>
+            </a:avLst>
+          </a:prstGeom>
+          <a:solidFill>
+            <a:schemeClr val="accent4">
+              <a:lumMod val="60000"/>
+              <a:lumOff val="40000"/>
+            </a:schemeClr>
+          </a:solidFill>
+          <a:ln>
+            <a:noFill/>
+            <a:prstDash val="sysDash"/>
+          </a:ln>
+        </p:spPr>
+        <p:style>
+          <a:lnRef idx="2">
+            <a:schemeClr val="accent1">
+              <a:shade val="50000"/>
+            </a:schemeClr>
+          </a:lnRef>
+          <a:fillRef idx="1">
+            <a:schemeClr val="accent1"/>
+          </a:fillRef>
+          <a:effectRef idx="0">
+            <a:schemeClr val="accent1"/>
+          </a:effectRef>
+          <a:fontRef idx="minor">
+            <a:schemeClr val="lt1"/>
+          </a:fontRef>
+        </p:style>
+        <p:txBody>
+          <a:bodyPr rtlCol="0" anchor="ctr"/>
+          <a:lstStyle/>
+          <a:p>
+            <a:pPr algn="ctr"/>
+            <a:r>
+              <a:rPr lang="en-US" altLang="zh-CN" sz="1000" dirty="0" smtClean="0">
                 <a:solidFill>
                   <a:schemeClr val="tx1"/>
                 </a:solidFill>
                 <a:latin typeface="微软雅黑" panose="020B0503020204020204" pitchFamily="34" charset="-122"/>
                 <a:ea typeface="微软雅黑" panose="020B0503020204020204" pitchFamily="34" charset="-122"/>
-              </a:endParaRPr>
-            </a:p>
-          </p:txBody>
-        </p:sp>
-        <p:sp>
-          <p:nvSpPr>
-            <p:cNvPr id="92" name="圆角矩形 91"/>
-            <p:cNvSpPr/>
-            <p:nvPr/>
-          </p:nvSpPr>
-          <p:spPr>
-            <a:xfrm>
-              <a:off x="8809543" y="4320502"/>
-              <a:ext cx="1029051" cy="530813"/>
-            </a:xfrm>
-            <a:prstGeom prst="roundRect">
-              <a:avLst>
-                <a:gd name="adj" fmla="val 8880"/>
-              </a:avLst>
-            </a:prstGeom>
-            <a:solidFill>
-              <a:schemeClr val="accent5">
-                <a:lumMod val="60000"/>
-                <a:lumOff val="40000"/>
-              </a:schemeClr>
-            </a:solidFill>
-            <a:ln>
-              <a:noFill/>
-              <a:prstDash val="sysDash"/>
-            </a:ln>
-          </p:spPr>
-          <p:style>
-            <a:lnRef idx="2">
-              <a:schemeClr val="accent1">
-                <a:shade val="50000"/>
-              </a:schemeClr>
-            </a:lnRef>
-            <a:fillRef idx="1">
-              <a:schemeClr val="accent1"/>
-            </a:fillRef>
-            <a:effectRef idx="0">
-              <a:schemeClr val="accent1"/>
-            </a:effectRef>
-            <a:fontRef idx="minor">
-              <a:schemeClr val="lt1"/>
-            </a:fontRef>
-          </p:style>
-          <p:txBody>
-            <a:bodyPr rtlCol="0" anchor="ctr"/>
-            <a:lstStyle/>
-            <a:p>
-              <a:pPr algn="ctr"/>
-              <a:r>
-                <a:rPr lang="en-US" altLang="zh-CN" sz="1000" dirty="0" err="1" smtClean="0">
-                  <a:solidFill>
-                    <a:schemeClr val="tx1"/>
-                  </a:solidFill>
-                  <a:latin typeface="微软雅黑" panose="020B0503020204020204" pitchFamily="34" charset="-122"/>
-                  <a:ea typeface="微软雅黑" panose="020B0503020204020204" pitchFamily="34" charset="-122"/>
-                </a:rPr>
-                <a:t>Caffe</a:t>
-              </a:r>
-              <a:endParaRPr lang="zh-CN" altLang="en-US" sz="1000" dirty="0">
+              </a:rPr>
+              <a:t>HDFS</a:t>
+            </a:r>
+            <a:endParaRPr lang="zh-CN" altLang="en-US" sz="1000" dirty="0">
+              <a:solidFill>
+                <a:schemeClr val="tx1"/>
+              </a:solidFill>
+              <a:latin typeface="微软雅黑" panose="020B0503020204020204" pitchFamily="34" charset="-122"/>
+              <a:ea typeface="微软雅黑" panose="020B0503020204020204" pitchFamily="34" charset="-122"/>
+            </a:endParaRPr>
+          </a:p>
+        </p:txBody>
+      </p:sp>
+      <p:sp>
+        <p:nvSpPr>
+          <p:cNvPr id="87" name="圆角矩形 86"/>
+          <p:cNvSpPr/>
+          <p:nvPr/>
+        </p:nvSpPr>
+        <p:spPr>
+          <a:xfrm>
+            <a:off x="4358516" y="5573141"/>
+            <a:ext cx="1413103" cy="648000"/>
+          </a:xfrm>
+          <a:prstGeom prst="roundRect">
+            <a:avLst>
+              <a:gd name="adj" fmla="val 8880"/>
+            </a:avLst>
+          </a:prstGeom>
+          <a:solidFill>
+            <a:schemeClr val="accent4">
+              <a:lumMod val="60000"/>
+              <a:lumOff val="40000"/>
+            </a:schemeClr>
+          </a:solidFill>
+          <a:ln>
+            <a:noFill/>
+            <a:prstDash val="sysDash"/>
+          </a:ln>
+        </p:spPr>
+        <p:style>
+          <a:lnRef idx="2">
+            <a:schemeClr val="accent1">
+              <a:shade val="50000"/>
+            </a:schemeClr>
+          </a:lnRef>
+          <a:fillRef idx="1">
+            <a:schemeClr val="accent1"/>
+          </a:fillRef>
+          <a:effectRef idx="0">
+            <a:schemeClr val="accent1"/>
+          </a:effectRef>
+          <a:fontRef idx="minor">
+            <a:schemeClr val="lt1"/>
+          </a:fontRef>
+        </p:style>
+        <p:txBody>
+          <a:bodyPr rtlCol="0" anchor="ctr"/>
+          <a:lstStyle/>
+          <a:p>
+            <a:pPr algn="ctr"/>
+            <a:r>
+              <a:rPr lang="en-US" altLang="zh-CN" sz="1000" dirty="0" smtClean="0">
                 <a:solidFill>
                   <a:schemeClr val="tx1"/>
                 </a:solidFill>
                 <a:latin typeface="微软雅黑" panose="020B0503020204020204" pitchFamily="34" charset="-122"/>
                 <a:ea typeface="微软雅黑" panose="020B0503020204020204" pitchFamily="34" charset="-122"/>
-              </a:endParaRPr>
-            </a:p>
-          </p:txBody>
-        </p:sp>
-        <p:sp>
-          <p:nvSpPr>
-            <p:cNvPr id="93" name="圆角矩形 92"/>
-            <p:cNvSpPr/>
-            <p:nvPr/>
-          </p:nvSpPr>
-          <p:spPr>
-            <a:xfrm>
-              <a:off x="2793441" y="1109230"/>
-              <a:ext cx="1500678" cy="695181"/>
-            </a:xfrm>
-            <a:prstGeom prst="roundRect">
-              <a:avLst>
-                <a:gd name="adj" fmla="val 8880"/>
-              </a:avLst>
-            </a:prstGeom>
-            <a:solidFill>
-              <a:srgbClr val="58A6E4"/>
-            </a:solidFill>
-            <a:ln w="0">
-              <a:noFill/>
-              <a:prstDash val="sysDash"/>
-            </a:ln>
-          </p:spPr>
-          <p:style>
-            <a:lnRef idx="2">
-              <a:schemeClr val="accent1">
-                <a:shade val="50000"/>
-              </a:schemeClr>
-            </a:lnRef>
-            <a:fillRef idx="1">
-              <a:schemeClr val="accent1"/>
-            </a:fillRef>
-            <a:effectRef idx="0">
-              <a:schemeClr val="accent1"/>
-            </a:effectRef>
-            <a:fontRef idx="minor">
-              <a:schemeClr val="lt1"/>
-            </a:fontRef>
-          </p:style>
-          <p:txBody>
-            <a:bodyPr rtlCol="0" anchor="ctr"/>
-            <a:lstStyle/>
-            <a:p>
-              <a:pPr algn="ctr"/>
-              <a:r>
-                <a:rPr lang="zh-CN" altLang="en-US" sz="1000" dirty="0" smtClean="0">
-                  <a:solidFill>
-                    <a:schemeClr val="tx1"/>
-                  </a:solidFill>
-                  <a:latin typeface="微软雅黑" panose="020B0503020204020204" pitchFamily="34" charset="-122"/>
-                  <a:ea typeface="微软雅黑" panose="020B0503020204020204" pitchFamily="34" charset="-122"/>
-                </a:rPr>
-                <a:t>实验工作台</a:t>
-              </a:r>
-              <a:endParaRPr lang="zh-CN" altLang="en-US" sz="1000" dirty="0">
+              </a:rPr>
+              <a:t>Yarn/</a:t>
+            </a:r>
+            <a:r>
+              <a:rPr lang="en-US" altLang="zh-CN" sz="1000" dirty="0" err="1" smtClean="0">
                 <a:solidFill>
                   <a:schemeClr val="tx1"/>
                 </a:solidFill>
                 <a:latin typeface="微软雅黑" panose="020B0503020204020204" pitchFamily="34" charset="-122"/>
                 <a:ea typeface="微软雅黑" panose="020B0503020204020204" pitchFamily="34" charset="-122"/>
-              </a:endParaRPr>
-            </a:p>
-          </p:txBody>
-        </p:sp>
-        <p:sp>
-          <p:nvSpPr>
-            <p:cNvPr id="97" name="圆角矩形 96"/>
-            <p:cNvSpPr/>
-            <p:nvPr/>
-          </p:nvSpPr>
-          <p:spPr>
-            <a:xfrm>
-              <a:off x="5722927" y="1113574"/>
-              <a:ext cx="1225572" cy="305364"/>
-            </a:xfrm>
-            <a:prstGeom prst="roundRect">
-              <a:avLst>
-                <a:gd name="adj" fmla="val 8880"/>
-              </a:avLst>
-            </a:prstGeom>
-            <a:solidFill>
-              <a:srgbClr val="58A6E4"/>
-            </a:solidFill>
-            <a:ln w="0">
-              <a:noFill/>
-              <a:prstDash val="sysDash"/>
-            </a:ln>
-          </p:spPr>
-          <p:style>
-            <a:lnRef idx="2">
-              <a:schemeClr val="accent1">
-                <a:shade val="50000"/>
-              </a:schemeClr>
-            </a:lnRef>
-            <a:fillRef idx="1">
-              <a:schemeClr val="accent1"/>
-            </a:fillRef>
-            <a:effectRef idx="0">
-              <a:schemeClr val="accent1"/>
-            </a:effectRef>
-            <a:fontRef idx="minor">
-              <a:schemeClr val="lt1"/>
-            </a:fontRef>
-          </p:style>
-          <p:txBody>
-            <a:bodyPr rtlCol="0" anchor="ctr"/>
-            <a:lstStyle/>
-            <a:p>
-              <a:pPr algn="ctr"/>
-              <a:r>
-                <a:rPr lang="zh-CN" altLang="en-US" sz="1000" dirty="0" smtClean="0">
-                  <a:solidFill>
-                    <a:schemeClr val="tx1"/>
-                  </a:solidFill>
-                  <a:latin typeface="微软雅黑" panose="020B0503020204020204" pitchFamily="34" charset="-122"/>
-                  <a:ea typeface="微软雅黑" panose="020B0503020204020204" pitchFamily="34" charset="-122"/>
-                </a:rPr>
-                <a:t>报告查询</a:t>
-              </a:r>
-              <a:endParaRPr lang="zh-CN" altLang="en-US" sz="1000" dirty="0">
+              </a:rPr>
+              <a:t>Mesos</a:t>
+            </a:r>
+            <a:endParaRPr lang="zh-CN" altLang="en-US" sz="1000" dirty="0">
+              <a:solidFill>
+                <a:schemeClr val="tx1"/>
+              </a:solidFill>
+              <a:latin typeface="微软雅黑" panose="020B0503020204020204" pitchFamily="34" charset="-122"/>
+              <a:ea typeface="微软雅黑" panose="020B0503020204020204" pitchFamily="34" charset="-122"/>
+            </a:endParaRPr>
+          </a:p>
+        </p:txBody>
+      </p:sp>
+      <p:sp>
+        <p:nvSpPr>
+          <p:cNvPr id="88" name="圆角矩形 87"/>
+          <p:cNvSpPr/>
+          <p:nvPr/>
+        </p:nvSpPr>
+        <p:spPr>
+          <a:xfrm>
+            <a:off x="2752671" y="5562734"/>
+            <a:ext cx="1533583" cy="648000"/>
+          </a:xfrm>
+          <a:prstGeom prst="roundRect">
+            <a:avLst>
+              <a:gd name="adj" fmla="val 8880"/>
+            </a:avLst>
+          </a:prstGeom>
+          <a:solidFill>
+            <a:schemeClr val="accent4">
+              <a:lumMod val="60000"/>
+              <a:lumOff val="40000"/>
+            </a:schemeClr>
+          </a:solidFill>
+          <a:ln>
+            <a:noFill/>
+            <a:prstDash val="sysDash"/>
+          </a:ln>
+        </p:spPr>
+        <p:style>
+          <a:lnRef idx="2">
+            <a:schemeClr val="accent1">
+              <a:shade val="50000"/>
+            </a:schemeClr>
+          </a:lnRef>
+          <a:fillRef idx="1">
+            <a:schemeClr val="accent1"/>
+          </a:fillRef>
+          <a:effectRef idx="0">
+            <a:schemeClr val="accent1"/>
+          </a:effectRef>
+          <a:fontRef idx="minor">
+            <a:schemeClr val="lt1"/>
+          </a:fontRef>
+        </p:style>
+        <p:txBody>
+          <a:bodyPr rtlCol="0" anchor="ctr"/>
+          <a:lstStyle/>
+          <a:p>
+            <a:pPr algn="ctr"/>
+            <a:r>
+              <a:rPr lang="en-US" altLang="zh-CN" sz="1000" dirty="0" err="1" smtClean="0">
                 <a:solidFill>
                   <a:schemeClr val="tx1"/>
                 </a:solidFill>
                 <a:latin typeface="微软雅黑" panose="020B0503020204020204" pitchFamily="34" charset="-122"/>
                 <a:ea typeface="微软雅黑" panose="020B0503020204020204" pitchFamily="34" charset="-122"/>
-              </a:endParaRPr>
-            </a:p>
-          </p:txBody>
-        </p:sp>
-        <p:sp>
-          <p:nvSpPr>
-            <p:cNvPr id="98" name="圆角矩形 97"/>
-            <p:cNvSpPr/>
-            <p:nvPr/>
-          </p:nvSpPr>
-          <p:spPr>
-            <a:xfrm>
-              <a:off x="5722926" y="1495118"/>
-              <a:ext cx="1225572" cy="304896"/>
-            </a:xfrm>
-            <a:prstGeom prst="roundRect">
-              <a:avLst>
-                <a:gd name="adj" fmla="val 8880"/>
-              </a:avLst>
-            </a:prstGeom>
-            <a:solidFill>
-              <a:srgbClr val="58A6E4"/>
-            </a:solidFill>
-            <a:ln w="0">
-              <a:noFill/>
-              <a:prstDash val="sysDash"/>
-            </a:ln>
-          </p:spPr>
-          <p:style>
-            <a:lnRef idx="2">
-              <a:schemeClr val="accent1">
-                <a:shade val="50000"/>
-              </a:schemeClr>
-            </a:lnRef>
-            <a:fillRef idx="1">
-              <a:schemeClr val="accent1"/>
-            </a:fillRef>
-            <a:effectRef idx="0">
-              <a:schemeClr val="accent1"/>
-            </a:effectRef>
-            <a:fontRef idx="minor">
-              <a:schemeClr val="lt1"/>
-            </a:fontRef>
-          </p:style>
-          <p:txBody>
-            <a:bodyPr rtlCol="0" anchor="ctr"/>
-            <a:lstStyle/>
-            <a:p>
-              <a:pPr algn="ctr"/>
-              <a:r>
-                <a:rPr lang="zh-CN" altLang="en-US" sz="1000" dirty="0" smtClean="0">
-                  <a:solidFill>
-                    <a:schemeClr val="tx1"/>
-                  </a:solidFill>
-                  <a:latin typeface="微软雅黑" panose="020B0503020204020204" pitchFamily="34" charset="-122"/>
-                  <a:ea typeface="微软雅黑" panose="020B0503020204020204" pitchFamily="34" charset="-122"/>
-                </a:rPr>
-                <a:t>日志查询</a:t>
-              </a:r>
-              <a:endParaRPr lang="zh-CN" altLang="en-US" sz="1000" dirty="0">
+              </a:rPr>
+              <a:t>Alluxio</a:t>
+            </a:r>
+            <a:endParaRPr lang="zh-CN" altLang="en-US" sz="1000" dirty="0">
+              <a:solidFill>
+                <a:schemeClr val="tx1"/>
+              </a:solidFill>
+              <a:latin typeface="微软雅黑" panose="020B0503020204020204" pitchFamily="34" charset="-122"/>
+              <a:ea typeface="微软雅黑" panose="020B0503020204020204" pitchFamily="34" charset="-122"/>
+            </a:endParaRPr>
+          </a:p>
+        </p:txBody>
+      </p:sp>
+      <p:sp>
+        <p:nvSpPr>
+          <p:cNvPr id="89" name="圆角矩形 88"/>
+          <p:cNvSpPr/>
+          <p:nvPr/>
+        </p:nvSpPr>
+        <p:spPr>
+          <a:xfrm>
+            <a:off x="3923013" y="4320502"/>
+            <a:ext cx="894937" cy="520047"/>
+          </a:xfrm>
+          <a:prstGeom prst="roundRect">
+            <a:avLst>
+              <a:gd name="adj" fmla="val 8880"/>
+            </a:avLst>
+          </a:prstGeom>
+          <a:solidFill>
+            <a:schemeClr val="accent5">
+              <a:lumMod val="60000"/>
+              <a:lumOff val="40000"/>
+            </a:schemeClr>
+          </a:solidFill>
+          <a:ln>
+            <a:noFill/>
+            <a:prstDash val="sysDash"/>
+          </a:ln>
+        </p:spPr>
+        <p:style>
+          <a:lnRef idx="2">
+            <a:schemeClr val="accent1">
+              <a:shade val="50000"/>
+            </a:schemeClr>
+          </a:lnRef>
+          <a:fillRef idx="1">
+            <a:schemeClr val="accent1"/>
+          </a:fillRef>
+          <a:effectRef idx="0">
+            <a:schemeClr val="accent1"/>
+          </a:effectRef>
+          <a:fontRef idx="minor">
+            <a:schemeClr val="lt1"/>
+          </a:fontRef>
+        </p:style>
+        <p:txBody>
+          <a:bodyPr rtlCol="0" anchor="ctr"/>
+          <a:lstStyle/>
+          <a:p>
+            <a:pPr algn="ctr"/>
+            <a:r>
+              <a:rPr lang="en-US" altLang="zh-CN" sz="1000">
                 <a:solidFill>
                   <a:schemeClr val="tx1"/>
                 </a:solidFill>
                 <a:latin typeface="微软雅黑" panose="020B0503020204020204" pitchFamily="34" charset="-122"/>
                 <a:ea typeface="微软雅黑" panose="020B0503020204020204" pitchFamily="34" charset="-122"/>
-              </a:endParaRPr>
-            </a:p>
-          </p:txBody>
-        </p:sp>
-        <p:sp>
-          <p:nvSpPr>
-            <p:cNvPr id="99" name="圆角矩形 98"/>
-            <p:cNvSpPr/>
-            <p:nvPr/>
-          </p:nvSpPr>
-          <p:spPr>
-            <a:xfrm>
-              <a:off x="7050117" y="1113574"/>
-              <a:ext cx="1225572" cy="305364"/>
-            </a:xfrm>
-            <a:prstGeom prst="roundRect">
-              <a:avLst>
-                <a:gd name="adj" fmla="val 8880"/>
-              </a:avLst>
-            </a:prstGeom>
-            <a:solidFill>
-              <a:srgbClr val="58A6E4"/>
-            </a:solidFill>
-            <a:ln w="0">
-              <a:noFill/>
-              <a:prstDash val="sysDash"/>
-            </a:ln>
-          </p:spPr>
-          <p:style>
-            <a:lnRef idx="2">
-              <a:schemeClr val="accent1">
-                <a:shade val="50000"/>
-              </a:schemeClr>
-            </a:lnRef>
-            <a:fillRef idx="1">
-              <a:schemeClr val="accent1"/>
-            </a:fillRef>
-            <a:effectRef idx="0">
-              <a:schemeClr val="accent1"/>
-            </a:effectRef>
-            <a:fontRef idx="minor">
-              <a:schemeClr val="lt1"/>
-            </a:fontRef>
-          </p:style>
-          <p:txBody>
-            <a:bodyPr rtlCol="0" anchor="ctr"/>
-            <a:lstStyle/>
-            <a:p>
-              <a:pPr algn="ctr"/>
-              <a:r>
-                <a:rPr lang="zh-CN" altLang="en-US" sz="1000" dirty="0" smtClean="0">
-                  <a:solidFill>
-                    <a:schemeClr val="tx1"/>
-                  </a:solidFill>
-                  <a:latin typeface="微软雅黑" panose="020B0503020204020204" pitchFamily="34" charset="-122"/>
-                  <a:ea typeface="微软雅黑" panose="020B0503020204020204" pitchFamily="34" charset="-122"/>
-                </a:rPr>
-                <a:t>定时调度</a:t>
-              </a:r>
-              <a:endParaRPr lang="zh-CN" altLang="en-US" sz="1000" dirty="0">
+              </a:rPr>
+              <a:t>Tensorflow</a:t>
+            </a:r>
+            <a:endParaRPr lang="zh-CN" altLang="en-US" sz="1000" dirty="0">
+              <a:solidFill>
+                <a:schemeClr val="tx1"/>
+              </a:solidFill>
+              <a:latin typeface="微软雅黑" panose="020B0503020204020204" pitchFamily="34" charset="-122"/>
+              <a:ea typeface="微软雅黑" panose="020B0503020204020204" pitchFamily="34" charset="-122"/>
+            </a:endParaRPr>
+          </a:p>
+        </p:txBody>
+      </p:sp>
+      <p:sp>
+        <p:nvSpPr>
+          <p:cNvPr id="91" name="圆角矩形 90"/>
+          <p:cNvSpPr/>
+          <p:nvPr/>
+        </p:nvSpPr>
+        <p:spPr>
+          <a:xfrm>
+            <a:off x="6023118" y="4320502"/>
+            <a:ext cx="1029051" cy="530813"/>
+          </a:xfrm>
+          <a:prstGeom prst="roundRect">
+            <a:avLst>
+              <a:gd name="adj" fmla="val 8880"/>
+            </a:avLst>
+          </a:prstGeom>
+          <a:solidFill>
+            <a:schemeClr val="accent5">
+              <a:lumMod val="60000"/>
+              <a:lumOff val="40000"/>
+            </a:schemeClr>
+          </a:solidFill>
+          <a:ln>
+            <a:noFill/>
+            <a:prstDash val="sysDash"/>
+          </a:ln>
+        </p:spPr>
+        <p:style>
+          <a:lnRef idx="2">
+            <a:schemeClr val="accent1">
+              <a:shade val="50000"/>
+            </a:schemeClr>
+          </a:lnRef>
+          <a:fillRef idx="1">
+            <a:schemeClr val="accent1"/>
+          </a:fillRef>
+          <a:effectRef idx="0">
+            <a:schemeClr val="accent1"/>
+          </a:effectRef>
+          <a:fontRef idx="minor">
+            <a:schemeClr val="lt1"/>
+          </a:fontRef>
+        </p:style>
+        <p:txBody>
+          <a:bodyPr rtlCol="0" anchor="ctr"/>
+          <a:lstStyle/>
+          <a:p>
+            <a:pPr algn="ctr"/>
+            <a:r>
+              <a:rPr lang="en-US" altLang="zh-CN" sz="1000" dirty="0" err="1" smtClean="0">
                 <a:solidFill>
                   <a:schemeClr val="tx1"/>
                 </a:solidFill>
                 <a:latin typeface="微软雅黑" panose="020B0503020204020204" pitchFamily="34" charset="-122"/>
                 <a:ea typeface="微软雅黑" panose="020B0503020204020204" pitchFamily="34" charset="-122"/>
-              </a:endParaRPr>
-            </a:p>
-          </p:txBody>
-        </p:sp>
-        <p:sp>
-          <p:nvSpPr>
-            <p:cNvPr id="100" name="圆角矩形 99"/>
-            <p:cNvSpPr/>
-            <p:nvPr/>
-          </p:nvSpPr>
-          <p:spPr>
-            <a:xfrm>
-              <a:off x="7050116" y="1493920"/>
-              <a:ext cx="1225572" cy="306000"/>
-            </a:xfrm>
-            <a:prstGeom prst="roundRect">
-              <a:avLst>
-                <a:gd name="adj" fmla="val 8880"/>
-              </a:avLst>
-            </a:prstGeom>
-            <a:solidFill>
-              <a:srgbClr val="58A6E4"/>
-            </a:solidFill>
-            <a:ln w="0">
-              <a:noFill/>
-              <a:prstDash val="sysDash"/>
-            </a:ln>
-          </p:spPr>
-          <p:style>
-            <a:lnRef idx="2">
-              <a:schemeClr val="accent1">
-                <a:shade val="50000"/>
-              </a:schemeClr>
-            </a:lnRef>
-            <a:fillRef idx="1">
-              <a:schemeClr val="accent1"/>
-            </a:fillRef>
-            <a:effectRef idx="0">
-              <a:schemeClr val="accent1"/>
-            </a:effectRef>
-            <a:fontRef idx="minor">
-              <a:schemeClr val="lt1"/>
-            </a:fontRef>
-          </p:style>
-          <p:txBody>
-            <a:bodyPr rtlCol="0" anchor="ctr"/>
-            <a:lstStyle/>
-            <a:p>
-              <a:pPr algn="ctr"/>
-              <a:r>
-                <a:rPr lang="zh-CN" altLang="en-US" sz="1000" dirty="0" smtClean="0">
-                  <a:solidFill>
-                    <a:schemeClr val="tx1"/>
-                  </a:solidFill>
-                  <a:latin typeface="微软雅黑" panose="020B0503020204020204" pitchFamily="34" charset="-122"/>
-                  <a:ea typeface="微软雅黑" panose="020B0503020204020204" pitchFamily="34" charset="-122"/>
-                </a:rPr>
-                <a:t>模型发布</a:t>
-              </a:r>
-              <a:endParaRPr lang="zh-CN" altLang="en-US" sz="1000" dirty="0">
+              </a:rPr>
+              <a:t>Flink</a:t>
+            </a:r>
+            <a:r>
+              <a:rPr lang="en-US" altLang="zh-CN" sz="1000" dirty="0" smtClean="0">
                 <a:solidFill>
                   <a:schemeClr val="tx1"/>
                 </a:solidFill>
                 <a:latin typeface="微软雅黑" panose="020B0503020204020204" pitchFamily="34" charset="-122"/>
                 <a:ea typeface="微软雅黑" panose="020B0503020204020204" pitchFamily="34" charset="-122"/>
-              </a:endParaRPr>
-            </a:p>
-          </p:txBody>
-        </p:sp>
-        <p:sp>
-          <p:nvSpPr>
-            <p:cNvPr id="108" name="圆角矩形 107"/>
-            <p:cNvSpPr/>
-            <p:nvPr/>
-          </p:nvSpPr>
-          <p:spPr>
-            <a:xfrm>
-              <a:off x="5158747" y="1918727"/>
-              <a:ext cx="2284513" cy="432000"/>
-            </a:xfrm>
-            <a:prstGeom prst="roundRect">
-              <a:avLst>
-                <a:gd name="adj" fmla="val 8880"/>
-              </a:avLst>
-            </a:prstGeom>
-            <a:solidFill>
-              <a:schemeClr val="bg2">
-                <a:lumMod val="65000"/>
-              </a:schemeClr>
-            </a:solidFill>
-            <a:ln>
-              <a:noFill/>
-            </a:ln>
-          </p:spPr>
-          <p:style>
-            <a:lnRef idx="2">
-              <a:schemeClr val="accent1">
-                <a:shade val="50000"/>
-              </a:schemeClr>
-            </a:lnRef>
-            <a:fillRef idx="1">
-              <a:schemeClr val="accent1"/>
-            </a:fillRef>
-            <a:effectRef idx="0">
-              <a:schemeClr val="accent1"/>
-            </a:effectRef>
-            <a:fontRef idx="minor">
-              <a:schemeClr val="lt1"/>
-            </a:fontRef>
-          </p:style>
-          <p:txBody>
-            <a:bodyPr rtlCol="0" anchor="ctr"/>
-            <a:lstStyle/>
-            <a:p>
-              <a:pPr algn="ctr"/>
-              <a:r>
-                <a:rPr lang="zh-CN" altLang="en-US" sz="1000" dirty="0">
-                  <a:latin typeface="微软雅黑" panose="020B0503020204020204" pitchFamily="34" charset="-122"/>
-                  <a:ea typeface="微软雅黑" panose="020B0503020204020204" pitchFamily="34" charset="-122"/>
-                </a:rPr>
-                <a:t>工作</a:t>
-              </a:r>
-              <a:r>
-                <a:rPr lang="zh-CN" altLang="en-US" sz="1000" dirty="0" smtClean="0">
-                  <a:latin typeface="微软雅黑" panose="020B0503020204020204" pitchFamily="34" charset="-122"/>
-                  <a:ea typeface="微软雅黑" panose="020B0503020204020204" pitchFamily="34" charset="-122"/>
-                </a:rPr>
-                <a:t>流作业</a:t>
-              </a:r>
-              <a:endParaRPr lang="zh-CN" altLang="en-US" sz="1000" dirty="0">
-                <a:latin typeface="微软雅黑" panose="020B0503020204020204" pitchFamily="34" charset="-122"/>
-                <a:ea typeface="微软雅黑" panose="020B0503020204020204" pitchFamily="34" charset="-122"/>
-              </a:endParaRPr>
-            </a:p>
-          </p:txBody>
-        </p:sp>
-        <p:sp>
-          <p:nvSpPr>
-            <p:cNvPr id="109" name="圆角矩形 108"/>
-            <p:cNvSpPr/>
-            <p:nvPr/>
-          </p:nvSpPr>
-          <p:spPr>
-            <a:xfrm>
-              <a:off x="7536712" y="1914530"/>
-              <a:ext cx="2284513" cy="432000"/>
-            </a:xfrm>
-            <a:prstGeom prst="roundRect">
-              <a:avLst>
-                <a:gd name="adj" fmla="val 8880"/>
-              </a:avLst>
-            </a:prstGeom>
-            <a:solidFill>
-              <a:schemeClr val="bg2">
-                <a:lumMod val="65000"/>
-              </a:schemeClr>
-            </a:solidFill>
-            <a:ln>
-              <a:noFill/>
-            </a:ln>
-          </p:spPr>
-          <p:style>
-            <a:lnRef idx="2">
-              <a:schemeClr val="accent1">
-                <a:shade val="50000"/>
-              </a:schemeClr>
-            </a:lnRef>
-            <a:fillRef idx="1">
-              <a:schemeClr val="accent1"/>
-            </a:fillRef>
-            <a:effectRef idx="0">
-              <a:schemeClr val="accent1"/>
-            </a:effectRef>
-            <a:fontRef idx="minor">
-              <a:schemeClr val="lt1"/>
-            </a:fontRef>
-          </p:style>
-          <p:txBody>
-            <a:bodyPr rtlCol="0" anchor="ctr"/>
-            <a:lstStyle/>
-            <a:p>
-              <a:pPr algn="ctr"/>
-              <a:r>
-                <a:rPr lang="zh-CN" altLang="en-US" sz="1000" dirty="0">
-                  <a:latin typeface="微软雅黑" panose="020B0503020204020204" pitchFamily="34" charset="-122"/>
-                  <a:ea typeface="微软雅黑" panose="020B0503020204020204" pitchFamily="34" charset="-122"/>
-                </a:rPr>
-                <a:t>工作流快照</a:t>
-              </a:r>
-            </a:p>
-          </p:txBody>
-        </p:sp>
-        <p:sp>
-          <p:nvSpPr>
-            <p:cNvPr id="110" name="圆角矩形 109"/>
-            <p:cNvSpPr/>
-            <p:nvPr/>
-          </p:nvSpPr>
-          <p:spPr>
-            <a:xfrm>
-              <a:off x="2780781" y="2422730"/>
-              <a:ext cx="2284513" cy="432000"/>
-            </a:xfrm>
-            <a:prstGeom prst="roundRect">
-              <a:avLst>
-                <a:gd name="adj" fmla="val 8880"/>
-              </a:avLst>
-            </a:prstGeom>
-            <a:solidFill>
-              <a:schemeClr val="bg2">
-                <a:lumMod val="65000"/>
-              </a:schemeClr>
-            </a:solidFill>
-            <a:ln>
-              <a:noFill/>
-            </a:ln>
-          </p:spPr>
-          <p:style>
-            <a:lnRef idx="2">
-              <a:schemeClr val="accent1">
-                <a:shade val="50000"/>
-              </a:schemeClr>
-            </a:lnRef>
-            <a:fillRef idx="1">
-              <a:schemeClr val="accent1"/>
-            </a:fillRef>
-            <a:effectRef idx="0">
-              <a:schemeClr val="accent1"/>
-            </a:effectRef>
-            <a:fontRef idx="minor">
-              <a:schemeClr val="lt1"/>
-            </a:fontRef>
-          </p:style>
-          <p:txBody>
-            <a:bodyPr rtlCol="0" anchor="ctr"/>
-            <a:lstStyle/>
-            <a:p>
-              <a:pPr algn="ctr"/>
-              <a:r>
-                <a:rPr lang="zh-CN" altLang="en-US" sz="1000" dirty="0">
-                  <a:latin typeface="微软雅黑" panose="020B0503020204020204" pitchFamily="34" charset="-122"/>
-                  <a:ea typeface="微软雅黑" panose="020B0503020204020204" pitchFamily="34" charset="-122"/>
-                </a:rPr>
-                <a:t>运行动态模拟</a:t>
-              </a:r>
-            </a:p>
-          </p:txBody>
-        </p:sp>
-        <p:sp>
-          <p:nvSpPr>
-            <p:cNvPr id="111" name="圆角矩形 110"/>
-            <p:cNvSpPr/>
-            <p:nvPr/>
-          </p:nvSpPr>
-          <p:spPr>
-            <a:xfrm>
-              <a:off x="5158747" y="2426927"/>
-              <a:ext cx="2284513" cy="432000"/>
-            </a:xfrm>
-            <a:prstGeom prst="roundRect">
-              <a:avLst>
-                <a:gd name="adj" fmla="val 8880"/>
-              </a:avLst>
-            </a:prstGeom>
-            <a:solidFill>
-              <a:schemeClr val="bg2">
-                <a:lumMod val="65000"/>
-              </a:schemeClr>
-            </a:solidFill>
-            <a:ln>
-              <a:noFill/>
-            </a:ln>
-          </p:spPr>
-          <p:style>
-            <a:lnRef idx="2">
-              <a:schemeClr val="accent1">
-                <a:shade val="50000"/>
-              </a:schemeClr>
-            </a:lnRef>
-            <a:fillRef idx="1">
-              <a:schemeClr val="accent1"/>
-            </a:fillRef>
-            <a:effectRef idx="0">
-              <a:schemeClr val="accent1"/>
-            </a:effectRef>
-            <a:fontRef idx="minor">
-              <a:schemeClr val="lt1"/>
-            </a:fontRef>
-          </p:style>
-          <p:txBody>
-            <a:bodyPr rtlCol="0" anchor="ctr"/>
-            <a:lstStyle/>
-            <a:p>
-              <a:pPr algn="ctr"/>
-              <a:r>
-                <a:rPr lang="zh-CN" altLang="en-US" sz="1000" dirty="0" smtClean="0">
-                  <a:latin typeface="微软雅黑" panose="020B0503020204020204" pitchFamily="34" charset="-122"/>
-                  <a:ea typeface="微软雅黑" panose="020B0503020204020204" pitchFamily="34" charset="-122"/>
-                </a:rPr>
-                <a:t>运行作业分解</a:t>
-              </a:r>
-              <a:endParaRPr lang="zh-CN" altLang="en-US" sz="1000" dirty="0">
-                <a:latin typeface="微软雅黑" panose="020B0503020204020204" pitchFamily="34" charset="-122"/>
-                <a:ea typeface="微软雅黑" panose="020B0503020204020204" pitchFamily="34" charset="-122"/>
-              </a:endParaRPr>
-            </a:p>
-          </p:txBody>
-        </p:sp>
-        <p:sp>
-          <p:nvSpPr>
-            <p:cNvPr id="112" name="圆角矩形 111"/>
-            <p:cNvSpPr/>
-            <p:nvPr/>
-          </p:nvSpPr>
-          <p:spPr>
-            <a:xfrm>
-              <a:off x="7536712" y="2422730"/>
-              <a:ext cx="2284513" cy="432000"/>
-            </a:xfrm>
-            <a:prstGeom prst="roundRect">
-              <a:avLst>
-                <a:gd name="adj" fmla="val 8880"/>
-              </a:avLst>
-            </a:prstGeom>
-            <a:solidFill>
-              <a:schemeClr val="bg2">
-                <a:lumMod val="65000"/>
-              </a:schemeClr>
-            </a:solidFill>
-            <a:ln>
-              <a:noFill/>
-            </a:ln>
-          </p:spPr>
-          <p:style>
-            <a:lnRef idx="2">
-              <a:schemeClr val="accent1">
-                <a:shade val="50000"/>
-              </a:schemeClr>
-            </a:lnRef>
-            <a:fillRef idx="1">
-              <a:schemeClr val="accent1"/>
-            </a:fillRef>
-            <a:effectRef idx="0">
-              <a:schemeClr val="accent1"/>
-            </a:effectRef>
-            <a:fontRef idx="minor">
-              <a:schemeClr val="lt1"/>
-            </a:fontRef>
-          </p:style>
-          <p:txBody>
-            <a:bodyPr rtlCol="0" anchor="ctr"/>
-            <a:lstStyle/>
-            <a:p>
-              <a:pPr algn="ctr"/>
-              <a:r>
-                <a:rPr lang="zh-CN" altLang="en-US" sz="1000" dirty="0">
-                  <a:latin typeface="微软雅黑" panose="020B0503020204020204" pitchFamily="34" charset="-122"/>
-                  <a:ea typeface="微软雅黑" panose="020B0503020204020204" pitchFamily="34" charset="-122"/>
-                </a:rPr>
-                <a:t>任务提交监控</a:t>
-              </a:r>
-            </a:p>
-          </p:txBody>
-        </p:sp>
-        <p:sp>
-          <p:nvSpPr>
-            <p:cNvPr id="35" name="圆角矩形 34"/>
-            <p:cNvSpPr/>
-            <p:nvPr/>
-          </p:nvSpPr>
-          <p:spPr>
-            <a:xfrm>
-              <a:off x="2768041" y="3020975"/>
-              <a:ext cx="919725" cy="525523"/>
-            </a:xfrm>
-            <a:prstGeom prst="roundRect">
-              <a:avLst>
-                <a:gd name="adj" fmla="val 8880"/>
-              </a:avLst>
-            </a:prstGeom>
-            <a:solidFill>
-              <a:schemeClr val="accent6">
-                <a:lumMod val="60000"/>
-                <a:lumOff val="40000"/>
-              </a:schemeClr>
-            </a:solidFill>
-            <a:ln>
-              <a:noFill/>
-              <a:prstDash val="sysDash"/>
-            </a:ln>
-          </p:spPr>
-          <p:style>
-            <a:lnRef idx="2">
-              <a:schemeClr val="accent1">
-                <a:shade val="50000"/>
-              </a:schemeClr>
-            </a:lnRef>
-            <a:fillRef idx="1">
-              <a:schemeClr val="accent1"/>
-            </a:fillRef>
-            <a:effectRef idx="0">
-              <a:schemeClr val="accent1"/>
-            </a:effectRef>
-            <a:fontRef idx="minor">
-              <a:schemeClr val="lt1"/>
-            </a:fontRef>
-          </p:style>
-          <p:txBody>
-            <a:bodyPr rtlCol="0" anchor="ctr"/>
-            <a:lstStyle/>
-            <a:p>
-              <a:pPr algn="ctr"/>
-              <a:r>
-                <a:rPr lang="zh-CN" altLang="en-US" sz="1000" dirty="0" smtClean="0">
-                  <a:solidFill>
-                    <a:schemeClr val="tx1"/>
-                  </a:solidFill>
-                  <a:latin typeface="微软雅黑" panose="020B0503020204020204" pitchFamily="34" charset="-122"/>
-                  <a:ea typeface="微软雅黑" panose="020B0503020204020204" pitchFamily="34" charset="-122"/>
-                </a:rPr>
-                <a:t>数据预处理</a:t>
-              </a:r>
-              <a:endParaRPr lang="zh-CN" altLang="en-US" sz="1000" dirty="0">
+              </a:rPr>
+              <a:t> SQL</a:t>
+            </a:r>
+            <a:endParaRPr lang="zh-CN" altLang="en-US" sz="1000" dirty="0">
+              <a:solidFill>
+                <a:schemeClr val="tx1"/>
+              </a:solidFill>
+              <a:latin typeface="微软雅黑" panose="020B0503020204020204" pitchFamily="34" charset="-122"/>
+              <a:ea typeface="微软雅黑" panose="020B0503020204020204" pitchFamily="34" charset="-122"/>
+            </a:endParaRPr>
+          </a:p>
+        </p:txBody>
+      </p:sp>
+      <p:sp>
+        <p:nvSpPr>
+          <p:cNvPr id="92" name="圆角矩形 91"/>
+          <p:cNvSpPr/>
+          <p:nvPr/>
+        </p:nvSpPr>
+        <p:spPr>
+          <a:xfrm>
+            <a:off x="7137902" y="4320502"/>
+            <a:ext cx="1029051" cy="530813"/>
+          </a:xfrm>
+          <a:prstGeom prst="roundRect">
+            <a:avLst>
+              <a:gd name="adj" fmla="val 8880"/>
+            </a:avLst>
+          </a:prstGeom>
+          <a:solidFill>
+            <a:schemeClr val="accent5">
+              <a:lumMod val="60000"/>
+              <a:lumOff val="40000"/>
+            </a:schemeClr>
+          </a:solidFill>
+          <a:ln>
+            <a:noFill/>
+            <a:prstDash val="sysDash"/>
+          </a:ln>
+        </p:spPr>
+        <p:style>
+          <a:lnRef idx="2">
+            <a:schemeClr val="accent1">
+              <a:shade val="50000"/>
+            </a:schemeClr>
+          </a:lnRef>
+          <a:fillRef idx="1">
+            <a:schemeClr val="accent1"/>
+          </a:fillRef>
+          <a:effectRef idx="0">
+            <a:schemeClr val="accent1"/>
+          </a:effectRef>
+          <a:fontRef idx="minor">
+            <a:schemeClr val="lt1"/>
+          </a:fontRef>
+        </p:style>
+        <p:txBody>
+          <a:bodyPr rtlCol="0" anchor="ctr"/>
+          <a:lstStyle/>
+          <a:p>
+            <a:pPr algn="ctr"/>
+            <a:r>
+              <a:rPr lang="en-US" altLang="zh-CN" sz="1000" dirty="0" err="1" smtClean="0">
                 <a:solidFill>
                   <a:schemeClr val="tx1"/>
                 </a:solidFill>
                 <a:latin typeface="微软雅黑" panose="020B0503020204020204" pitchFamily="34" charset="-122"/>
                 <a:ea typeface="微软雅黑" panose="020B0503020204020204" pitchFamily="34" charset="-122"/>
-              </a:endParaRPr>
-            </a:p>
-          </p:txBody>
-        </p:sp>
-        <p:sp>
-          <p:nvSpPr>
-            <p:cNvPr id="42" name="圆角矩形 41"/>
-            <p:cNvSpPr/>
-            <p:nvPr/>
-          </p:nvSpPr>
-          <p:spPr>
-            <a:xfrm>
-              <a:off x="3760223" y="3020975"/>
-              <a:ext cx="919725" cy="525523"/>
-            </a:xfrm>
-            <a:prstGeom prst="roundRect">
-              <a:avLst>
-                <a:gd name="adj" fmla="val 8880"/>
-              </a:avLst>
-            </a:prstGeom>
-            <a:solidFill>
-              <a:schemeClr val="accent6">
-                <a:lumMod val="60000"/>
-                <a:lumOff val="40000"/>
-              </a:schemeClr>
-            </a:solidFill>
-            <a:ln>
-              <a:noFill/>
-              <a:prstDash val="sysDash"/>
-            </a:ln>
-          </p:spPr>
-          <p:style>
-            <a:lnRef idx="2">
-              <a:schemeClr val="accent1">
-                <a:shade val="50000"/>
-              </a:schemeClr>
-            </a:lnRef>
-            <a:fillRef idx="1">
-              <a:schemeClr val="accent1"/>
-            </a:fillRef>
-            <a:effectRef idx="0">
-              <a:schemeClr val="accent1"/>
-            </a:effectRef>
-            <a:fontRef idx="minor">
-              <a:schemeClr val="lt1"/>
-            </a:fontRef>
-          </p:style>
-          <p:txBody>
-            <a:bodyPr rtlCol="0" anchor="ctr"/>
-            <a:lstStyle/>
-            <a:p>
-              <a:pPr algn="ctr"/>
-              <a:r>
-                <a:rPr lang="zh-CN" altLang="en-US" sz="1000" dirty="0" smtClean="0">
-                  <a:solidFill>
-                    <a:schemeClr val="tx1"/>
-                  </a:solidFill>
-                  <a:latin typeface="微软雅黑" panose="020B0503020204020204" pitchFamily="34" charset="-122"/>
-                  <a:ea typeface="微软雅黑" panose="020B0503020204020204" pitchFamily="34" charset="-122"/>
-                </a:rPr>
-                <a:t>统计分析</a:t>
-              </a:r>
-              <a:endParaRPr lang="zh-CN" altLang="en-US" sz="1000" dirty="0">
+              </a:rPr>
+              <a:t>Flink</a:t>
+            </a:r>
+            <a:r>
+              <a:rPr lang="en-US" altLang="zh-CN" sz="1000" dirty="0" smtClean="0">
                 <a:solidFill>
                   <a:schemeClr val="tx1"/>
                 </a:solidFill>
                 <a:latin typeface="微软雅黑" panose="020B0503020204020204" pitchFamily="34" charset="-122"/>
                 <a:ea typeface="微软雅黑" panose="020B0503020204020204" pitchFamily="34" charset="-122"/>
-              </a:endParaRPr>
-            </a:p>
-          </p:txBody>
-        </p:sp>
-        <p:sp>
-          <p:nvSpPr>
-            <p:cNvPr id="44" name="圆角矩形 43"/>
-            <p:cNvSpPr/>
-            <p:nvPr/>
-          </p:nvSpPr>
-          <p:spPr>
-            <a:xfrm>
-              <a:off x="4752405" y="3017868"/>
-              <a:ext cx="919725" cy="525523"/>
-            </a:xfrm>
-            <a:prstGeom prst="roundRect">
-              <a:avLst>
-                <a:gd name="adj" fmla="val 8880"/>
-              </a:avLst>
-            </a:prstGeom>
-            <a:solidFill>
-              <a:schemeClr val="accent6">
-                <a:lumMod val="60000"/>
-                <a:lumOff val="40000"/>
-              </a:schemeClr>
-            </a:solidFill>
-            <a:ln>
-              <a:noFill/>
-              <a:prstDash val="sysDash"/>
-            </a:ln>
-          </p:spPr>
-          <p:style>
-            <a:lnRef idx="2">
-              <a:schemeClr val="accent1">
-                <a:shade val="50000"/>
-              </a:schemeClr>
-            </a:lnRef>
-            <a:fillRef idx="1">
-              <a:schemeClr val="accent1"/>
-            </a:fillRef>
-            <a:effectRef idx="0">
-              <a:schemeClr val="accent1"/>
-            </a:effectRef>
-            <a:fontRef idx="minor">
-              <a:schemeClr val="lt1"/>
-            </a:fontRef>
-          </p:style>
-          <p:txBody>
-            <a:bodyPr rtlCol="0" anchor="ctr"/>
-            <a:lstStyle/>
-            <a:p>
-              <a:pPr algn="ctr"/>
-              <a:r>
-                <a:rPr lang="zh-CN" altLang="en-US" sz="1000">
-                  <a:solidFill>
-                    <a:schemeClr val="tx1"/>
-                  </a:solidFill>
-                  <a:latin typeface="微软雅黑" panose="020B0503020204020204" pitchFamily="34" charset="-122"/>
-                  <a:ea typeface="微软雅黑" panose="020B0503020204020204" pitchFamily="34" charset="-122"/>
-                </a:rPr>
-                <a:t>特征工程</a:t>
-              </a:r>
-              <a:endParaRPr lang="zh-CN" altLang="en-US" sz="1000" dirty="0">
+              </a:rPr>
+              <a:t> ML</a:t>
+            </a:r>
+            <a:endParaRPr lang="zh-CN" altLang="en-US" sz="1000" dirty="0">
+              <a:solidFill>
+                <a:schemeClr val="tx1"/>
+              </a:solidFill>
+              <a:latin typeface="微软雅黑" panose="020B0503020204020204" pitchFamily="34" charset="-122"/>
+              <a:ea typeface="微软雅黑" panose="020B0503020204020204" pitchFamily="34" charset="-122"/>
+            </a:endParaRPr>
+          </a:p>
+        </p:txBody>
+      </p:sp>
+      <p:sp>
+        <p:nvSpPr>
+          <p:cNvPr id="93" name="圆角矩形 92"/>
+          <p:cNvSpPr/>
+          <p:nvPr/>
+        </p:nvSpPr>
+        <p:spPr>
+          <a:xfrm>
+            <a:off x="1121800" y="1109230"/>
+            <a:ext cx="1500678" cy="695181"/>
+          </a:xfrm>
+          <a:prstGeom prst="roundRect">
+            <a:avLst>
+              <a:gd name="adj" fmla="val 8880"/>
+            </a:avLst>
+          </a:prstGeom>
+          <a:solidFill>
+            <a:srgbClr val="58A6E4"/>
+          </a:solidFill>
+          <a:ln w="0">
+            <a:noFill/>
+            <a:prstDash val="sysDash"/>
+          </a:ln>
+        </p:spPr>
+        <p:style>
+          <a:lnRef idx="2">
+            <a:schemeClr val="accent1">
+              <a:shade val="50000"/>
+            </a:schemeClr>
+          </a:lnRef>
+          <a:fillRef idx="1">
+            <a:schemeClr val="accent1"/>
+          </a:fillRef>
+          <a:effectRef idx="0">
+            <a:schemeClr val="accent1"/>
+          </a:effectRef>
+          <a:fontRef idx="minor">
+            <a:schemeClr val="lt1"/>
+          </a:fontRef>
+        </p:style>
+        <p:txBody>
+          <a:bodyPr rtlCol="0" anchor="ctr"/>
+          <a:lstStyle/>
+          <a:p>
+            <a:pPr algn="ctr"/>
+            <a:r>
+              <a:rPr lang="zh-CN" altLang="en-US" sz="1000" dirty="0" smtClean="0">
                 <a:solidFill>
                   <a:schemeClr val="tx1"/>
                 </a:solidFill>
                 <a:latin typeface="微软雅黑" panose="020B0503020204020204" pitchFamily="34" charset="-122"/>
                 <a:ea typeface="微软雅黑" panose="020B0503020204020204" pitchFamily="34" charset="-122"/>
-              </a:endParaRPr>
-            </a:p>
-          </p:txBody>
-        </p:sp>
-        <p:sp>
-          <p:nvSpPr>
-            <p:cNvPr id="45" name="圆角矩形 44"/>
-            <p:cNvSpPr/>
-            <p:nvPr/>
-          </p:nvSpPr>
-          <p:spPr>
-            <a:xfrm>
-              <a:off x="6818733" y="3026265"/>
-              <a:ext cx="919725" cy="525523"/>
-            </a:xfrm>
-            <a:prstGeom prst="roundRect">
-              <a:avLst>
-                <a:gd name="adj" fmla="val 8880"/>
-              </a:avLst>
-            </a:prstGeom>
-            <a:solidFill>
-              <a:schemeClr val="accent6">
-                <a:lumMod val="60000"/>
-                <a:lumOff val="40000"/>
-              </a:schemeClr>
-            </a:solidFill>
-            <a:ln>
-              <a:noFill/>
-              <a:prstDash val="sysDash"/>
-            </a:ln>
-          </p:spPr>
-          <p:style>
-            <a:lnRef idx="2">
-              <a:schemeClr val="accent1">
-                <a:shade val="50000"/>
-              </a:schemeClr>
-            </a:lnRef>
-            <a:fillRef idx="1">
-              <a:schemeClr val="accent1"/>
-            </a:fillRef>
-            <a:effectRef idx="0">
-              <a:schemeClr val="accent1"/>
-            </a:effectRef>
-            <a:fontRef idx="minor">
-              <a:schemeClr val="lt1"/>
-            </a:fontRef>
-          </p:style>
-          <p:txBody>
-            <a:bodyPr rtlCol="0" anchor="ctr"/>
-            <a:lstStyle/>
-            <a:p>
-              <a:pPr algn="ctr"/>
-              <a:r>
-                <a:rPr lang="zh-CN" altLang="en-US" sz="1000" dirty="0" smtClean="0">
-                  <a:solidFill>
-                    <a:schemeClr val="tx1"/>
-                  </a:solidFill>
-                  <a:latin typeface="微软雅黑" panose="020B0503020204020204" pitchFamily="34" charset="-122"/>
-                  <a:ea typeface="微软雅黑" panose="020B0503020204020204" pitchFamily="34" charset="-122"/>
-                </a:rPr>
-                <a:t>分类回归</a:t>
-              </a:r>
-              <a:endParaRPr lang="zh-CN" altLang="en-US" sz="1000" dirty="0">
+              </a:rPr>
+              <a:t>实验工作台</a:t>
+            </a:r>
+            <a:endParaRPr lang="zh-CN" altLang="en-US" sz="1000" dirty="0">
+              <a:solidFill>
+                <a:schemeClr val="tx1"/>
+              </a:solidFill>
+              <a:latin typeface="微软雅黑" panose="020B0503020204020204" pitchFamily="34" charset="-122"/>
+              <a:ea typeface="微软雅黑" panose="020B0503020204020204" pitchFamily="34" charset="-122"/>
+            </a:endParaRPr>
+          </a:p>
+        </p:txBody>
+      </p:sp>
+      <p:sp>
+        <p:nvSpPr>
+          <p:cNvPr id="97" name="圆角矩形 96"/>
+          <p:cNvSpPr/>
+          <p:nvPr/>
+        </p:nvSpPr>
+        <p:spPr>
+          <a:xfrm>
+            <a:off x="4051286" y="1113574"/>
+            <a:ext cx="1225572" cy="305364"/>
+          </a:xfrm>
+          <a:prstGeom prst="roundRect">
+            <a:avLst>
+              <a:gd name="adj" fmla="val 8880"/>
+            </a:avLst>
+          </a:prstGeom>
+          <a:solidFill>
+            <a:srgbClr val="58A6E4"/>
+          </a:solidFill>
+          <a:ln w="0">
+            <a:noFill/>
+            <a:prstDash val="sysDash"/>
+          </a:ln>
+        </p:spPr>
+        <p:style>
+          <a:lnRef idx="2">
+            <a:schemeClr val="accent1">
+              <a:shade val="50000"/>
+            </a:schemeClr>
+          </a:lnRef>
+          <a:fillRef idx="1">
+            <a:schemeClr val="accent1"/>
+          </a:fillRef>
+          <a:effectRef idx="0">
+            <a:schemeClr val="accent1"/>
+          </a:effectRef>
+          <a:fontRef idx="minor">
+            <a:schemeClr val="lt1"/>
+          </a:fontRef>
+        </p:style>
+        <p:txBody>
+          <a:bodyPr rtlCol="0" anchor="ctr"/>
+          <a:lstStyle/>
+          <a:p>
+            <a:pPr algn="ctr"/>
+            <a:r>
+              <a:rPr lang="zh-CN" altLang="en-US" sz="1000" dirty="0" smtClean="0">
                 <a:solidFill>
                   <a:schemeClr val="tx1"/>
                 </a:solidFill>
                 <a:latin typeface="微软雅黑" panose="020B0503020204020204" pitchFamily="34" charset="-122"/>
                 <a:ea typeface="微软雅黑" panose="020B0503020204020204" pitchFamily="34" charset="-122"/>
-              </a:endParaRPr>
-            </a:p>
-          </p:txBody>
-        </p:sp>
-        <p:sp>
-          <p:nvSpPr>
-            <p:cNvPr id="46" name="圆角矩形 45"/>
-            <p:cNvSpPr/>
-            <p:nvPr/>
-          </p:nvSpPr>
-          <p:spPr>
-            <a:xfrm>
-              <a:off x="7813175" y="3026265"/>
-              <a:ext cx="919725" cy="525523"/>
-            </a:xfrm>
-            <a:prstGeom prst="roundRect">
-              <a:avLst>
-                <a:gd name="adj" fmla="val 8880"/>
-              </a:avLst>
-            </a:prstGeom>
-            <a:solidFill>
-              <a:schemeClr val="accent6">
-                <a:lumMod val="60000"/>
-                <a:lumOff val="40000"/>
-              </a:schemeClr>
-            </a:solidFill>
-            <a:ln>
-              <a:noFill/>
-              <a:prstDash val="sysDash"/>
-            </a:ln>
-          </p:spPr>
-          <p:style>
-            <a:lnRef idx="2">
-              <a:schemeClr val="accent1">
-                <a:shade val="50000"/>
-              </a:schemeClr>
-            </a:lnRef>
-            <a:fillRef idx="1">
-              <a:schemeClr val="accent1"/>
-            </a:fillRef>
-            <a:effectRef idx="0">
-              <a:schemeClr val="accent1"/>
-            </a:effectRef>
-            <a:fontRef idx="minor">
-              <a:schemeClr val="lt1"/>
-            </a:fontRef>
-          </p:style>
-          <p:txBody>
-            <a:bodyPr rtlCol="0" anchor="ctr"/>
-            <a:lstStyle/>
-            <a:p>
-              <a:pPr algn="ctr"/>
-              <a:r>
-                <a:rPr lang="zh-CN" altLang="en-US" sz="1000" dirty="0" smtClean="0">
-                  <a:solidFill>
-                    <a:schemeClr val="tx1"/>
-                  </a:solidFill>
-                  <a:latin typeface="微软雅黑" panose="020B0503020204020204" pitchFamily="34" charset="-122"/>
-                  <a:ea typeface="微软雅黑" panose="020B0503020204020204" pitchFamily="34" charset="-122"/>
-                </a:rPr>
-                <a:t>聚类</a:t>
-              </a:r>
-              <a:endParaRPr lang="zh-CN" altLang="en-US" sz="1000" dirty="0">
+              </a:rPr>
+              <a:t>交互式解释器</a:t>
+            </a:r>
+            <a:endParaRPr lang="zh-CN" altLang="en-US" sz="1000" dirty="0">
+              <a:solidFill>
+                <a:schemeClr val="tx1"/>
+              </a:solidFill>
+              <a:latin typeface="微软雅黑" panose="020B0503020204020204" pitchFamily="34" charset="-122"/>
+              <a:ea typeface="微软雅黑" panose="020B0503020204020204" pitchFamily="34" charset="-122"/>
+            </a:endParaRPr>
+          </a:p>
+        </p:txBody>
+      </p:sp>
+      <p:sp>
+        <p:nvSpPr>
+          <p:cNvPr id="98" name="圆角矩形 97"/>
+          <p:cNvSpPr/>
+          <p:nvPr/>
+        </p:nvSpPr>
+        <p:spPr>
+          <a:xfrm>
+            <a:off x="4051285" y="1495118"/>
+            <a:ext cx="1225572" cy="304896"/>
+          </a:xfrm>
+          <a:prstGeom prst="roundRect">
+            <a:avLst>
+              <a:gd name="adj" fmla="val 8880"/>
+            </a:avLst>
+          </a:prstGeom>
+          <a:solidFill>
+            <a:srgbClr val="58A6E4"/>
+          </a:solidFill>
+          <a:ln w="0">
+            <a:noFill/>
+            <a:prstDash val="sysDash"/>
+          </a:ln>
+        </p:spPr>
+        <p:style>
+          <a:lnRef idx="2">
+            <a:schemeClr val="accent1">
+              <a:shade val="50000"/>
+            </a:schemeClr>
+          </a:lnRef>
+          <a:fillRef idx="1">
+            <a:schemeClr val="accent1"/>
+          </a:fillRef>
+          <a:effectRef idx="0">
+            <a:schemeClr val="accent1"/>
+          </a:effectRef>
+          <a:fontRef idx="minor">
+            <a:schemeClr val="lt1"/>
+          </a:fontRef>
+        </p:style>
+        <p:txBody>
+          <a:bodyPr rtlCol="0" anchor="ctr"/>
+          <a:lstStyle/>
+          <a:p>
+            <a:pPr algn="ctr"/>
+            <a:r>
+              <a:rPr lang="zh-CN" altLang="en-US" sz="1000" dirty="0">
                 <a:solidFill>
                   <a:schemeClr val="tx1"/>
                 </a:solidFill>
                 <a:latin typeface="微软雅黑" panose="020B0503020204020204" pitchFamily="34" charset="-122"/>
                 <a:ea typeface="微软雅黑" panose="020B0503020204020204" pitchFamily="34" charset="-122"/>
-              </a:endParaRPr>
-            </a:p>
-          </p:txBody>
-        </p:sp>
-        <p:sp>
-          <p:nvSpPr>
-            <p:cNvPr id="47" name="圆角矩形 46"/>
-            <p:cNvSpPr/>
-            <p:nvPr/>
-          </p:nvSpPr>
-          <p:spPr>
-            <a:xfrm>
-              <a:off x="8805777" y="3026265"/>
-              <a:ext cx="919725" cy="525523"/>
-            </a:xfrm>
-            <a:prstGeom prst="roundRect">
-              <a:avLst>
-                <a:gd name="adj" fmla="val 8880"/>
-              </a:avLst>
-            </a:prstGeom>
-            <a:solidFill>
-              <a:schemeClr val="accent6">
-                <a:lumMod val="60000"/>
-                <a:lumOff val="40000"/>
-              </a:schemeClr>
-            </a:solidFill>
-            <a:ln>
-              <a:noFill/>
-              <a:prstDash val="sysDash"/>
-            </a:ln>
-          </p:spPr>
-          <p:style>
-            <a:lnRef idx="2">
-              <a:schemeClr val="accent1">
-                <a:shade val="50000"/>
-              </a:schemeClr>
-            </a:lnRef>
-            <a:fillRef idx="1">
-              <a:schemeClr val="accent1"/>
-            </a:fillRef>
-            <a:effectRef idx="0">
-              <a:schemeClr val="accent1"/>
-            </a:effectRef>
-            <a:fontRef idx="minor">
-              <a:schemeClr val="lt1"/>
-            </a:fontRef>
-          </p:style>
-          <p:txBody>
-            <a:bodyPr rtlCol="0" anchor="ctr"/>
-            <a:lstStyle/>
-            <a:p>
-              <a:pPr algn="ctr"/>
-              <a:r>
-                <a:rPr lang="zh-CN" altLang="en-US" sz="1000" dirty="0" smtClean="0">
-                  <a:solidFill>
-                    <a:schemeClr val="tx1"/>
-                  </a:solidFill>
-                  <a:latin typeface="微软雅黑" panose="020B0503020204020204" pitchFamily="34" charset="-122"/>
-                  <a:ea typeface="微软雅黑" panose="020B0503020204020204" pitchFamily="34" charset="-122"/>
-                </a:rPr>
-                <a:t>关联规则</a:t>
-              </a:r>
-              <a:endParaRPr lang="zh-CN" altLang="en-US" sz="1000" dirty="0">
+              </a:rPr>
+              <a:t>模型</a:t>
+            </a:r>
+            <a:r>
+              <a:rPr lang="zh-CN" altLang="en-US" sz="1000" dirty="0" smtClean="0">
                 <a:solidFill>
                   <a:schemeClr val="tx1"/>
                 </a:solidFill>
                 <a:latin typeface="微软雅黑" panose="020B0503020204020204" pitchFamily="34" charset="-122"/>
                 <a:ea typeface="微软雅黑" panose="020B0503020204020204" pitchFamily="34" charset="-122"/>
-              </a:endParaRPr>
-            </a:p>
-          </p:txBody>
-        </p:sp>
-        <p:sp>
-          <p:nvSpPr>
-            <p:cNvPr id="49" name="圆角矩形 48"/>
-            <p:cNvSpPr/>
-            <p:nvPr/>
-          </p:nvSpPr>
-          <p:spPr>
-            <a:xfrm>
-              <a:off x="2768041" y="3630051"/>
-              <a:ext cx="919725" cy="525523"/>
-            </a:xfrm>
-            <a:prstGeom prst="roundRect">
-              <a:avLst>
-                <a:gd name="adj" fmla="val 8880"/>
-              </a:avLst>
-            </a:prstGeom>
-            <a:solidFill>
-              <a:schemeClr val="accent6">
-                <a:lumMod val="60000"/>
-                <a:lumOff val="40000"/>
-              </a:schemeClr>
-            </a:solidFill>
-            <a:ln>
-              <a:noFill/>
-              <a:prstDash val="sysDash"/>
-            </a:ln>
-          </p:spPr>
-          <p:style>
-            <a:lnRef idx="2">
-              <a:schemeClr val="accent1">
-                <a:shade val="50000"/>
-              </a:schemeClr>
-            </a:lnRef>
-            <a:fillRef idx="1">
-              <a:schemeClr val="accent1"/>
-            </a:fillRef>
-            <a:effectRef idx="0">
-              <a:schemeClr val="accent1"/>
-            </a:effectRef>
-            <a:fontRef idx="minor">
-              <a:schemeClr val="lt1"/>
-            </a:fontRef>
-          </p:style>
-          <p:txBody>
-            <a:bodyPr rtlCol="0" anchor="ctr"/>
-            <a:lstStyle/>
-            <a:p>
-              <a:pPr algn="ctr"/>
-              <a:r>
-                <a:rPr lang="zh-CN" altLang="en-US" sz="1000" dirty="0" smtClean="0">
-                  <a:solidFill>
-                    <a:schemeClr val="tx1"/>
-                  </a:solidFill>
-                  <a:latin typeface="微软雅黑" panose="020B0503020204020204" pitchFamily="34" charset="-122"/>
-                  <a:ea typeface="微软雅黑" panose="020B0503020204020204" pitchFamily="34" charset="-122"/>
-                </a:rPr>
-                <a:t>文本分析</a:t>
-              </a:r>
-              <a:endParaRPr lang="zh-CN" altLang="en-US" sz="1000" dirty="0">
+              </a:rPr>
+              <a:t>发布</a:t>
+            </a:r>
+            <a:endParaRPr lang="zh-CN" altLang="en-US" sz="1000" dirty="0">
+              <a:solidFill>
+                <a:schemeClr val="tx1"/>
+              </a:solidFill>
+              <a:latin typeface="微软雅黑" panose="020B0503020204020204" pitchFamily="34" charset="-122"/>
+              <a:ea typeface="微软雅黑" panose="020B0503020204020204" pitchFamily="34" charset="-122"/>
+            </a:endParaRPr>
+          </a:p>
+        </p:txBody>
+      </p:sp>
+      <p:sp>
+        <p:nvSpPr>
+          <p:cNvPr id="99" name="圆角矩形 98"/>
+          <p:cNvSpPr/>
+          <p:nvPr/>
+        </p:nvSpPr>
+        <p:spPr>
+          <a:xfrm>
+            <a:off x="5378476" y="1113574"/>
+            <a:ext cx="1225572" cy="305364"/>
+          </a:xfrm>
+          <a:prstGeom prst="roundRect">
+            <a:avLst>
+              <a:gd name="adj" fmla="val 8880"/>
+            </a:avLst>
+          </a:prstGeom>
+          <a:solidFill>
+            <a:srgbClr val="58A6E4"/>
+          </a:solidFill>
+          <a:ln w="0">
+            <a:noFill/>
+            <a:prstDash val="sysDash"/>
+          </a:ln>
+        </p:spPr>
+        <p:style>
+          <a:lnRef idx="2">
+            <a:schemeClr val="accent1">
+              <a:shade val="50000"/>
+            </a:schemeClr>
+          </a:lnRef>
+          <a:fillRef idx="1">
+            <a:schemeClr val="accent1"/>
+          </a:fillRef>
+          <a:effectRef idx="0">
+            <a:schemeClr val="accent1"/>
+          </a:effectRef>
+          <a:fontRef idx="minor">
+            <a:schemeClr val="lt1"/>
+          </a:fontRef>
+        </p:style>
+        <p:txBody>
+          <a:bodyPr rtlCol="0" anchor="ctr"/>
+          <a:lstStyle/>
+          <a:p>
+            <a:pPr algn="ctr"/>
+            <a:r>
+              <a:rPr lang="zh-CN" altLang="en-US" sz="1000" dirty="0" smtClean="0">
                 <a:solidFill>
                   <a:schemeClr val="tx1"/>
                 </a:solidFill>
                 <a:latin typeface="微软雅黑" panose="020B0503020204020204" pitchFamily="34" charset="-122"/>
                 <a:ea typeface="微软雅黑" panose="020B0503020204020204" pitchFamily="34" charset="-122"/>
-              </a:endParaRPr>
-            </a:p>
-          </p:txBody>
-        </p:sp>
-        <p:sp>
-          <p:nvSpPr>
-            <p:cNvPr id="50" name="圆角矩形 49"/>
-            <p:cNvSpPr/>
-            <p:nvPr/>
-          </p:nvSpPr>
-          <p:spPr>
-            <a:xfrm>
-              <a:off x="3760223" y="3630051"/>
-              <a:ext cx="919725" cy="525523"/>
-            </a:xfrm>
-            <a:prstGeom prst="roundRect">
-              <a:avLst>
-                <a:gd name="adj" fmla="val 8880"/>
-              </a:avLst>
-            </a:prstGeom>
-            <a:solidFill>
-              <a:schemeClr val="accent6">
-                <a:lumMod val="60000"/>
-                <a:lumOff val="40000"/>
-              </a:schemeClr>
-            </a:solidFill>
-            <a:ln>
-              <a:noFill/>
-              <a:prstDash val="sysDash"/>
-            </a:ln>
-          </p:spPr>
-          <p:style>
-            <a:lnRef idx="2">
-              <a:schemeClr val="accent1">
-                <a:shade val="50000"/>
-              </a:schemeClr>
-            </a:lnRef>
-            <a:fillRef idx="1">
-              <a:schemeClr val="accent1"/>
-            </a:fillRef>
-            <a:effectRef idx="0">
-              <a:schemeClr val="accent1"/>
-            </a:effectRef>
-            <a:fontRef idx="minor">
-              <a:schemeClr val="lt1"/>
-            </a:fontRef>
-          </p:style>
-          <p:txBody>
-            <a:bodyPr rtlCol="0" anchor="ctr"/>
-            <a:lstStyle/>
-            <a:p>
-              <a:pPr algn="ctr"/>
-              <a:r>
-                <a:rPr lang="zh-CN" altLang="en-US" sz="1000" dirty="0" smtClean="0">
-                  <a:solidFill>
-                    <a:schemeClr val="tx1"/>
-                  </a:solidFill>
-                  <a:latin typeface="微软雅黑" panose="020B0503020204020204" pitchFamily="34" charset="-122"/>
-                  <a:ea typeface="微软雅黑" panose="020B0503020204020204" pitchFamily="34" charset="-122"/>
-                </a:rPr>
-                <a:t>网络分析</a:t>
-              </a:r>
-              <a:endParaRPr lang="zh-CN" altLang="en-US" sz="1000" dirty="0">
+              </a:rPr>
+              <a:t>定时调度</a:t>
+            </a:r>
+            <a:endParaRPr lang="zh-CN" altLang="en-US" sz="1000" dirty="0">
+              <a:solidFill>
+                <a:schemeClr val="tx1"/>
+              </a:solidFill>
+              <a:latin typeface="微软雅黑" panose="020B0503020204020204" pitchFamily="34" charset="-122"/>
+              <a:ea typeface="微软雅黑" panose="020B0503020204020204" pitchFamily="34" charset="-122"/>
+            </a:endParaRPr>
+          </a:p>
+        </p:txBody>
+      </p:sp>
+      <p:sp>
+        <p:nvSpPr>
+          <p:cNvPr id="100" name="圆角矩形 99"/>
+          <p:cNvSpPr/>
+          <p:nvPr/>
+        </p:nvSpPr>
+        <p:spPr>
+          <a:xfrm>
+            <a:off x="5378475" y="1493920"/>
+            <a:ext cx="1225572" cy="306000"/>
+          </a:xfrm>
+          <a:prstGeom prst="roundRect">
+            <a:avLst>
+              <a:gd name="adj" fmla="val 8880"/>
+            </a:avLst>
+          </a:prstGeom>
+          <a:solidFill>
+            <a:srgbClr val="58A6E4"/>
+          </a:solidFill>
+          <a:ln w="0">
+            <a:noFill/>
+            <a:prstDash val="sysDash"/>
+          </a:ln>
+        </p:spPr>
+        <p:style>
+          <a:lnRef idx="2">
+            <a:schemeClr val="accent1">
+              <a:shade val="50000"/>
+            </a:schemeClr>
+          </a:lnRef>
+          <a:fillRef idx="1">
+            <a:schemeClr val="accent1"/>
+          </a:fillRef>
+          <a:effectRef idx="0">
+            <a:schemeClr val="accent1"/>
+          </a:effectRef>
+          <a:fontRef idx="minor">
+            <a:schemeClr val="lt1"/>
+          </a:fontRef>
+        </p:style>
+        <p:txBody>
+          <a:bodyPr rtlCol="0" anchor="ctr"/>
+          <a:lstStyle/>
+          <a:p>
+            <a:pPr algn="ctr"/>
+            <a:r>
+              <a:rPr lang="zh-CN" altLang="en-US" sz="1000">
                 <a:solidFill>
                   <a:schemeClr val="tx1"/>
                 </a:solidFill>
                 <a:latin typeface="微软雅黑" panose="020B0503020204020204" pitchFamily="34" charset="-122"/>
                 <a:ea typeface="微软雅黑" panose="020B0503020204020204" pitchFamily="34" charset="-122"/>
-              </a:endParaRPr>
-            </a:p>
-          </p:txBody>
-        </p:sp>
-        <p:sp>
-          <p:nvSpPr>
-            <p:cNvPr id="51" name="圆角矩形 50"/>
-            <p:cNvSpPr/>
-            <p:nvPr/>
-          </p:nvSpPr>
-          <p:spPr>
-            <a:xfrm>
-              <a:off x="4752405" y="3626944"/>
-              <a:ext cx="919725" cy="525523"/>
-            </a:xfrm>
-            <a:prstGeom prst="roundRect">
-              <a:avLst>
-                <a:gd name="adj" fmla="val 8880"/>
-              </a:avLst>
-            </a:prstGeom>
-            <a:solidFill>
-              <a:schemeClr val="accent6">
-                <a:lumMod val="60000"/>
-                <a:lumOff val="40000"/>
-              </a:schemeClr>
-            </a:solidFill>
-            <a:ln>
-              <a:noFill/>
-              <a:prstDash val="sysDash"/>
-            </a:ln>
-          </p:spPr>
-          <p:style>
-            <a:lnRef idx="2">
-              <a:schemeClr val="accent1">
-                <a:shade val="50000"/>
-              </a:schemeClr>
-            </a:lnRef>
-            <a:fillRef idx="1">
-              <a:schemeClr val="accent1"/>
-            </a:fillRef>
-            <a:effectRef idx="0">
-              <a:schemeClr val="accent1"/>
-            </a:effectRef>
-            <a:fontRef idx="minor">
-              <a:schemeClr val="lt1"/>
-            </a:fontRef>
-          </p:style>
-          <p:txBody>
-            <a:bodyPr rtlCol="0" anchor="ctr"/>
-            <a:lstStyle/>
-            <a:p>
-              <a:pPr algn="ctr"/>
-              <a:r>
-                <a:rPr lang="zh-CN" altLang="en-US" sz="1000" dirty="0" smtClean="0">
-                  <a:solidFill>
-                    <a:schemeClr val="tx1"/>
-                  </a:solidFill>
-                  <a:latin typeface="微软雅黑" panose="020B0503020204020204" pitchFamily="34" charset="-122"/>
-                  <a:ea typeface="微软雅黑" panose="020B0503020204020204" pitchFamily="34" charset="-122"/>
-                </a:rPr>
-                <a:t>深度学习</a:t>
-              </a:r>
-              <a:endParaRPr lang="zh-CN" altLang="en-US" sz="1000" dirty="0">
+              </a:rPr>
+              <a:t>系统监控</a:t>
+            </a:r>
+            <a:endParaRPr lang="zh-CN" altLang="en-US" sz="1000" dirty="0">
+              <a:solidFill>
+                <a:schemeClr val="tx1"/>
+              </a:solidFill>
+              <a:latin typeface="微软雅黑" panose="020B0503020204020204" pitchFamily="34" charset="-122"/>
+              <a:ea typeface="微软雅黑" panose="020B0503020204020204" pitchFamily="34" charset="-122"/>
+            </a:endParaRPr>
+          </a:p>
+        </p:txBody>
+      </p:sp>
+      <p:sp>
+        <p:nvSpPr>
+          <p:cNvPr id="108" name="圆角矩形 107"/>
+          <p:cNvSpPr/>
+          <p:nvPr/>
+        </p:nvSpPr>
+        <p:spPr>
+          <a:xfrm>
+            <a:off x="3487106" y="1918727"/>
+            <a:ext cx="2284513" cy="432000"/>
+          </a:xfrm>
+          <a:prstGeom prst="roundRect">
+            <a:avLst>
+              <a:gd name="adj" fmla="val 8880"/>
+            </a:avLst>
+          </a:prstGeom>
+          <a:solidFill>
+            <a:schemeClr val="bg2">
+              <a:lumMod val="65000"/>
+            </a:schemeClr>
+          </a:solidFill>
+          <a:ln>
+            <a:noFill/>
+          </a:ln>
+        </p:spPr>
+        <p:style>
+          <a:lnRef idx="2">
+            <a:schemeClr val="accent1">
+              <a:shade val="50000"/>
+            </a:schemeClr>
+          </a:lnRef>
+          <a:fillRef idx="1">
+            <a:schemeClr val="accent1"/>
+          </a:fillRef>
+          <a:effectRef idx="0">
+            <a:schemeClr val="accent1"/>
+          </a:effectRef>
+          <a:fontRef idx="minor">
+            <a:schemeClr val="lt1"/>
+          </a:fontRef>
+        </p:style>
+        <p:txBody>
+          <a:bodyPr rtlCol="0" anchor="ctr"/>
+          <a:lstStyle/>
+          <a:p>
+            <a:pPr algn="ctr"/>
+            <a:r>
+              <a:rPr lang="zh-CN" altLang="en-US" sz="1000" dirty="0">
+                <a:latin typeface="微软雅黑" panose="020B0503020204020204" pitchFamily="34" charset="-122"/>
+                <a:ea typeface="微软雅黑" panose="020B0503020204020204" pitchFamily="34" charset="-122"/>
+              </a:rPr>
+              <a:t>工作</a:t>
+            </a:r>
+            <a:r>
+              <a:rPr lang="zh-CN" altLang="en-US" sz="1000" dirty="0" smtClean="0">
+                <a:latin typeface="微软雅黑" panose="020B0503020204020204" pitchFamily="34" charset="-122"/>
+                <a:ea typeface="微软雅黑" panose="020B0503020204020204" pitchFamily="34" charset="-122"/>
+              </a:rPr>
+              <a:t>流作业</a:t>
+            </a:r>
+            <a:endParaRPr lang="zh-CN" altLang="en-US" sz="1000" dirty="0">
+              <a:latin typeface="微软雅黑" panose="020B0503020204020204" pitchFamily="34" charset="-122"/>
+              <a:ea typeface="微软雅黑" panose="020B0503020204020204" pitchFamily="34" charset="-122"/>
+            </a:endParaRPr>
+          </a:p>
+        </p:txBody>
+      </p:sp>
+      <p:sp>
+        <p:nvSpPr>
+          <p:cNvPr id="109" name="圆角矩形 108"/>
+          <p:cNvSpPr/>
+          <p:nvPr/>
+        </p:nvSpPr>
+        <p:spPr>
+          <a:xfrm>
+            <a:off x="5865071" y="1914530"/>
+            <a:ext cx="2284513" cy="432000"/>
+          </a:xfrm>
+          <a:prstGeom prst="roundRect">
+            <a:avLst>
+              <a:gd name="adj" fmla="val 8880"/>
+            </a:avLst>
+          </a:prstGeom>
+          <a:solidFill>
+            <a:schemeClr val="bg2">
+              <a:lumMod val="65000"/>
+            </a:schemeClr>
+          </a:solidFill>
+          <a:ln>
+            <a:noFill/>
+          </a:ln>
+        </p:spPr>
+        <p:style>
+          <a:lnRef idx="2">
+            <a:schemeClr val="accent1">
+              <a:shade val="50000"/>
+            </a:schemeClr>
+          </a:lnRef>
+          <a:fillRef idx="1">
+            <a:schemeClr val="accent1"/>
+          </a:fillRef>
+          <a:effectRef idx="0">
+            <a:schemeClr val="accent1"/>
+          </a:effectRef>
+          <a:fontRef idx="minor">
+            <a:schemeClr val="lt1"/>
+          </a:fontRef>
+        </p:style>
+        <p:txBody>
+          <a:bodyPr rtlCol="0" anchor="ctr"/>
+          <a:lstStyle/>
+          <a:p>
+            <a:pPr algn="ctr"/>
+            <a:r>
+              <a:rPr lang="zh-CN" altLang="en-US" sz="1000" dirty="0">
+                <a:latin typeface="微软雅黑" panose="020B0503020204020204" pitchFamily="34" charset="-122"/>
+                <a:ea typeface="微软雅黑" panose="020B0503020204020204" pitchFamily="34" charset="-122"/>
+              </a:rPr>
+              <a:t>工作流快照</a:t>
+            </a:r>
+          </a:p>
+        </p:txBody>
+      </p:sp>
+      <p:sp>
+        <p:nvSpPr>
+          <p:cNvPr id="110" name="圆角矩形 109"/>
+          <p:cNvSpPr/>
+          <p:nvPr/>
+        </p:nvSpPr>
+        <p:spPr>
+          <a:xfrm>
+            <a:off x="1109140" y="2422730"/>
+            <a:ext cx="2284513" cy="432000"/>
+          </a:xfrm>
+          <a:prstGeom prst="roundRect">
+            <a:avLst>
+              <a:gd name="adj" fmla="val 8880"/>
+            </a:avLst>
+          </a:prstGeom>
+          <a:solidFill>
+            <a:schemeClr val="bg2">
+              <a:lumMod val="65000"/>
+            </a:schemeClr>
+          </a:solidFill>
+          <a:ln>
+            <a:noFill/>
+          </a:ln>
+        </p:spPr>
+        <p:style>
+          <a:lnRef idx="2">
+            <a:schemeClr val="accent1">
+              <a:shade val="50000"/>
+            </a:schemeClr>
+          </a:lnRef>
+          <a:fillRef idx="1">
+            <a:schemeClr val="accent1"/>
+          </a:fillRef>
+          <a:effectRef idx="0">
+            <a:schemeClr val="accent1"/>
+          </a:effectRef>
+          <a:fontRef idx="minor">
+            <a:schemeClr val="lt1"/>
+          </a:fontRef>
+        </p:style>
+        <p:txBody>
+          <a:bodyPr rtlCol="0" anchor="ctr"/>
+          <a:lstStyle/>
+          <a:p>
+            <a:pPr algn="ctr"/>
+            <a:r>
+              <a:rPr lang="zh-CN" altLang="en-US" sz="1000" dirty="0">
+                <a:latin typeface="微软雅黑" panose="020B0503020204020204" pitchFamily="34" charset="-122"/>
+                <a:ea typeface="微软雅黑" panose="020B0503020204020204" pitchFamily="34" charset="-122"/>
+              </a:rPr>
+              <a:t>运行动态模拟</a:t>
+            </a:r>
+          </a:p>
+        </p:txBody>
+      </p:sp>
+      <p:sp>
+        <p:nvSpPr>
+          <p:cNvPr id="111" name="圆角矩形 110"/>
+          <p:cNvSpPr/>
+          <p:nvPr/>
+        </p:nvSpPr>
+        <p:spPr>
+          <a:xfrm>
+            <a:off x="3487106" y="2426927"/>
+            <a:ext cx="2284513" cy="432000"/>
+          </a:xfrm>
+          <a:prstGeom prst="roundRect">
+            <a:avLst>
+              <a:gd name="adj" fmla="val 8880"/>
+            </a:avLst>
+          </a:prstGeom>
+          <a:solidFill>
+            <a:schemeClr val="bg2">
+              <a:lumMod val="65000"/>
+            </a:schemeClr>
+          </a:solidFill>
+          <a:ln>
+            <a:noFill/>
+          </a:ln>
+        </p:spPr>
+        <p:style>
+          <a:lnRef idx="2">
+            <a:schemeClr val="accent1">
+              <a:shade val="50000"/>
+            </a:schemeClr>
+          </a:lnRef>
+          <a:fillRef idx="1">
+            <a:schemeClr val="accent1"/>
+          </a:fillRef>
+          <a:effectRef idx="0">
+            <a:schemeClr val="accent1"/>
+          </a:effectRef>
+          <a:fontRef idx="minor">
+            <a:schemeClr val="lt1"/>
+          </a:fontRef>
+        </p:style>
+        <p:txBody>
+          <a:bodyPr rtlCol="0" anchor="ctr"/>
+          <a:lstStyle/>
+          <a:p>
+            <a:pPr algn="ctr"/>
+            <a:r>
+              <a:rPr lang="zh-CN" altLang="en-US" sz="1000" dirty="0" smtClean="0">
+                <a:latin typeface="微软雅黑" panose="020B0503020204020204" pitchFamily="34" charset="-122"/>
+                <a:ea typeface="微软雅黑" panose="020B0503020204020204" pitchFamily="34" charset="-122"/>
+              </a:rPr>
+              <a:t>运行作业分解</a:t>
+            </a:r>
+            <a:endParaRPr lang="zh-CN" altLang="en-US" sz="1000" dirty="0">
+              <a:latin typeface="微软雅黑" panose="020B0503020204020204" pitchFamily="34" charset="-122"/>
+              <a:ea typeface="微软雅黑" panose="020B0503020204020204" pitchFamily="34" charset="-122"/>
+            </a:endParaRPr>
+          </a:p>
+        </p:txBody>
+      </p:sp>
+      <p:sp>
+        <p:nvSpPr>
+          <p:cNvPr id="112" name="圆角矩形 111"/>
+          <p:cNvSpPr/>
+          <p:nvPr/>
+        </p:nvSpPr>
+        <p:spPr>
+          <a:xfrm>
+            <a:off x="5865071" y="2422730"/>
+            <a:ext cx="2284513" cy="432000"/>
+          </a:xfrm>
+          <a:prstGeom prst="roundRect">
+            <a:avLst>
+              <a:gd name="adj" fmla="val 8880"/>
+            </a:avLst>
+          </a:prstGeom>
+          <a:solidFill>
+            <a:schemeClr val="bg2">
+              <a:lumMod val="65000"/>
+            </a:schemeClr>
+          </a:solidFill>
+          <a:ln>
+            <a:noFill/>
+          </a:ln>
+        </p:spPr>
+        <p:style>
+          <a:lnRef idx="2">
+            <a:schemeClr val="accent1">
+              <a:shade val="50000"/>
+            </a:schemeClr>
+          </a:lnRef>
+          <a:fillRef idx="1">
+            <a:schemeClr val="accent1"/>
+          </a:fillRef>
+          <a:effectRef idx="0">
+            <a:schemeClr val="accent1"/>
+          </a:effectRef>
+          <a:fontRef idx="minor">
+            <a:schemeClr val="lt1"/>
+          </a:fontRef>
+        </p:style>
+        <p:txBody>
+          <a:bodyPr rtlCol="0" anchor="ctr"/>
+          <a:lstStyle/>
+          <a:p>
+            <a:pPr algn="ctr"/>
+            <a:r>
+              <a:rPr lang="zh-CN" altLang="en-US" sz="1000" dirty="0" smtClean="0">
+                <a:latin typeface="微软雅黑" panose="020B0503020204020204" pitchFamily="34" charset="-122"/>
+                <a:ea typeface="微软雅黑" panose="020B0503020204020204" pitchFamily="34" charset="-122"/>
+              </a:rPr>
+              <a:t>集群提交</a:t>
+            </a:r>
+            <a:r>
+              <a:rPr lang="zh-CN" altLang="en-US" sz="1000" dirty="0">
+                <a:latin typeface="微软雅黑" panose="020B0503020204020204" pitchFamily="34" charset="-122"/>
+                <a:ea typeface="微软雅黑" panose="020B0503020204020204" pitchFamily="34" charset="-122"/>
+              </a:rPr>
+              <a:t>监控</a:t>
+            </a:r>
+          </a:p>
+        </p:txBody>
+      </p:sp>
+      <p:sp>
+        <p:nvSpPr>
+          <p:cNvPr id="35" name="圆角矩形 34"/>
+          <p:cNvSpPr/>
+          <p:nvPr/>
+        </p:nvSpPr>
+        <p:spPr>
+          <a:xfrm>
+            <a:off x="1096400" y="3020975"/>
+            <a:ext cx="919725" cy="525523"/>
+          </a:xfrm>
+          <a:prstGeom prst="roundRect">
+            <a:avLst>
+              <a:gd name="adj" fmla="val 8880"/>
+            </a:avLst>
+          </a:prstGeom>
+          <a:solidFill>
+            <a:schemeClr val="accent6">
+              <a:lumMod val="60000"/>
+              <a:lumOff val="40000"/>
+            </a:schemeClr>
+          </a:solidFill>
+          <a:ln>
+            <a:noFill/>
+            <a:prstDash val="sysDash"/>
+          </a:ln>
+        </p:spPr>
+        <p:style>
+          <a:lnRef idx="2">
+            <a:schemeClr val="accent1">
+              <a:shade val="50000"/>
+            </a:schemeClr>
+          </a:lnRef>
+          <a:fillRef idx="1">
+            <a:schemeClr val="accent1"/>
+          </a:fillRef>
+          <a:effectRef idx="0">
+            <a:schemeClr val="accent1"/>
+          </a:effectRef>
+          <a:fontRef idx="minor">
+            <a:schemeClr val="lt1"/>
+          </a:fontRef>
+        </p:style>
+        <p:txBody>
+          <a:bodyPr rtlCol="0" anchor="ctr"/>
+          <a:lstStyle/>
+          <a:p>
+            <a:pPr algn="ctr"/>
+            <a:r>
+              <a:rPr lang="zh-CN" altLang="en-US" sz="1000" dirty="0" smtClean="0">
                 <a:solidFill>
                   <a:schemeClr val="tx1"/>
                 </a:solidFill>
                 <a:latin typeface="微软雅黑" panose="020B0503020204020204" pitchFamily="34" charset="-122"/>
                 <a:ea typeface="微软雅黑" panose="020B0503020204020204" pitchFamily="34" charset="-122"/>
-              </a:endParaRPr>
-            </a:p>
-          </p:txBody>
-        </p:sp>
-        <p:sp>
-          <p:nvSpPr>
-            <p:cNvPr id="52" name="圆角矩形 51"/>
-            <p:cNvSpPr/>
-            <p:nvPr/>
-          </p:nvSpPr>
-          <p:spPr>
-            <a:xfrm>
-              <a:off x="6818734" y="3637378"/>
-              <a:ext cx="919725" cy="525523"/>
-            </a:xfrm>
-            <a:prstGeom prst="roundRect">
-              <a:avLst>
-                <a:gd name="adj" fmla="val 8880"/>
-              </a:avLst>
-            </a:prstGeom>
-            <a:solidFill>
-              <a:schemeClr val="accent6">
-                <a:lumMod val="60000"/>
-                <a:lumOff val="40000"/>
-              </a:schemeClr>
-            </a:solidFill>
-            <a:ln>
-              <a:noFill/>
-              <a:prstDash val="sysDash"/>
-            </a:ln>
-          </p:spPr>
-          <p:style>
-            <a:lnRef idx="2">
-              <a:schemeClr val="accent1">
-                <a:shade val="50000"/>
-              </a:schemeClr>
-            </a:lnRef>
-            <a:fillRef idx="1">
-              <a:schemeClr val="accent1"/>
-            </a:fillRef>
-            <a:effectRef idx="0">
-              <a:schemeClr val="accent1"/>
-            </a:effectRef>
-            <a:fontRef idx="minor">
-              <a:schemeClr val="lt1"/>
-            </a:fontRef>
-          </p:style>
-          <p:txBody>
-            <a:bodyPr rtlCol="0" anchor="ctr"/>
-            <a:lstStyle/>
-            <a:p>
-              <a:pPr algn="ctr"/>
-              <a:r>
-                <a:rPr lang="zh-CN" altLang="en-US" sz="1000" dirty="0" smtClean="0">
-                  <a:solidFill>
-                    <a:schemeClr val="tx1"/>
-                  </a:solidFill>
-                  <a:latin typeface="微软雅黑" panose="020B0503020204020204" pitchFamily="34" charset="-122"/>
-                  <a:ea typeface="微软雅黑" panose="020B0503020204020204" pitchFamily="34" charset="-122"/>
-                </a:rPr>
-                <a:t>模型评估</a:t>
-              </a:r>
-              <a:endParaRPr lang="zh-CN" altLang="en-US" sz="1000" dirty="0">
+              </a:rPr>
+              <a:t>数据预处理</a:t>
+            </a:r>
+            <a:endParaRPr lang="zh-CN" altLang="en-US" sz="1000" dirty="0">
+              <a:solidFill>
+                <a:schemeClr val="tx1"/>
+              </a:solidFill>
+              <a:latin typeface="微软雅黑" panose="020B0503020204020204" pitchFamily="34" charset="-122"/>
+              <a:ea typeface="微软雅黑" panose="020B0503020204020204" pitchFamily="34" charset="-122"/>
+            </a:endParaRPr>
+          </a:p>
+        </p:txBody>
+      </p:sp>
+      <p:sp>
+        <p:nvSpPr>
+          <p:cNvPr id="42" name="圆角矩形 41"/>
+          <p:cNvSpPr/>
+          <p:nvPr/>
+        </p:nvSpPr>
+        <p:spPr>
+          <a:xfrm>
+            <a:off x="2088582" y="3020975"/>
+            <a:ext cx="919725" cy="525523"/>
+          </a:xfrm>
+          <a:prstGeom prst="roundRect">
+            <a:avLst>
+              <a:gd name="adj" fmla="val 8880"/>
+            </a:avLst>
+          </a:prstGeom>
+          <a:solidFill>
+            <a:schemeClr val="accent6">
+              <a:lumMod val="60000"/>
+              <a:lumOff val="40000"/>
+            </a:schemeClr>
+          </a:solidFill>
+          <a:ln>
+            <a:noFill/>
+            <a:prstDash val="sysDash"/>
+          </a:ln>
+        </p:spPr>
+        <p:style>
+          <a:lnRef idx="2">
+            <a:schemeClr val="accent1">
+              <a:shade val="50000"/>
+            </a:schemeClr>
+          </a:lnRef>
+          <a:fillRef idx="1">
+            <a:schemeClr val="accent1"/>
+          </a:fillRef>
+          <a:effectRef idx="0">
+            <a:schemeClr val="accent1"/>
+          </a:effectRef>
+          <a:fontRef idx="minor">
+            <a:schemeClr val="lt1"/>
+          </a:fontRef>
+        </p:style>
+        <p:txBody>
+          <a:bodyPr rtlCol="0" anchor="ctr"/>
+          <a:lstStyle/>
+          <a:p>
+            <a:pPr algn="ctr"/>
+            <a:r>
+              <a:rPr lang="zh-CN" altLang="en-US" sz="1000" dirty="0" smtClean="0">
                 <a:solidFill>
                   <a:schemeClr val="tx1"/>
                 </a:solidFill>
                 <a:latin typeface="微软雅黑" panose="020B0503020204020204" pitchFamily="34" charset="-122"/>
                 <a:ea typeface="微软雅黑" panose="020B0503020204020204" pitchFamily="34" charset="-122"/>
-              </a:endParaRPr>
-            </a:p>
-          </p:txBody>
-        </p:sp>
-        <p:sp>
-          <p:nvSpPr>
-            <p:cNvPr id="53" name="圆角矩形 52"/>
-            <p:cNvSpPr/>
-            <p:nvPr/>
-          </p:nvSpPr>
-          <p:spPr>
-            <a:xfrm>
-              <a:off x="7813594" y="3630515"/>
-              <a:ext cx="919725" cy="525523"/>
-            </a:xfrm>
-            <a:prstGeom prst="roundRect">
-              <a:avLst>
-                <a:gd name="adj" fmla="val 8880"/>
-              </a:avLst>
-            </a:prstGeom>
-            <a:solidFill>
-              <a:schemeClr val="accent6">
-                <a:lumMod val="60000"/>
-                <a:lumOff val="40000"/>
-              </a:schemeClr>
-            </a:solidFill>
-            <a:ln>
-              <a:noFill/>
-              <a:prstDash val="sysDash"/>
-            </a:ln>
-          </p:spPr>
-          <p:style>
-            <a:lnRef idx="2">
-              <a:schemeClr val="accent1">
-                <a:shade val="50000"/>
-              </a:schemeClr>
-            </a:lnRef>
-            <a:fillRef idx="1">
-              <a:schemeClr val="accent1"/>
-            </a:fillRef>
-            <a:effectRef idx="0">
-              <a:schemeClr val="accent1"/>
-            </a:effectRef>
-            <a:fontRef idx="minor">
-              <a:schemeClr val="lt1"/>
-            </a:fontRef>
-          </p:style>
-          <p:txBody>
-            <a:bodyPr rtlCol="0" anchor="ctr"/>
-            <a:lstStyle/>
-            <a:p>
-              <a:pPr algn="ctr"/>
-              <a:r>
-                <a:rPr lang="zh-CN" altLang="en-US" sz="1000" dirty="0">
-                  <a:solidFill>
-                    <a:schemeClr val="tx1"/>
-                  </a:solidFill>
-                  <a:latin typeface="微软雅黑" panose="020B0503020204020204" pitchFamily="34" charset="-122"/>
-                  <a:ea typeface="微软雅黑" panose="020B0503020204020204" pitchFamily="34" charset="-122"/>
-                </a:rPr>
-                <a:t>交叉验证</a:t>
-              </a:r>
-            </a:p>
-          </p:txBody>
-        </p:sp>
-        <p:sp>
-          <p:nvSpPr>
-            <p:cNvPr id="54" name="圆角矩形 53"/>
-            <p:cNvSpPr/>
-            <p:nvPr/>
-          </p:nvSpPr>
-          <p:spPr>
-            <a:xfrm>
-              <a:off x="8808454" y="3621091"/>
-              <a:ext cx="919725" cy="525523"/>
-            </a:xfrm>
-            <a:prstGeom prst="roundRect">
-              <a:avLst>
-                <a:gd name="adj" fmla="val 8880"/>
-              </a:avLst>
-            </a:prstGeom>
-            <a:solidFill>
-              <a:schemeClr val="accent6">
-                <a:lumMod val="60000"/>
-                <a:lumOff val="40000"/>
-              </a:schemeClr>
-            </a:solidFill>
-            <a:ln>
-              <a:noFill/>
-              <a:prstDash val="sysDash"/>
-            </a:ln>
-          </p:spPr>
-          <p:style>
-            <a:lnRef idx="2">
-              <a:schemeClr val="accent1">
-                <a:shade val="50000"/>
-              </a:schemeClr>
-            </a:lnRef>
-            <a:fillRef idx="1">
-              <a:schemeClr val="accent1"/>
-            </a:fillRef>
-            <a:effectRef idx="0">
-              <a:schemeClr val="accent1"/>
-            </a:effectRef>
-            <a:fontRef idx="minor">
-              <a:schemeClr val="lt1"/>
-            </a:fontRef>
-          </p:style>
-          <p:txBody>
-            <a:bodyPr rtlCol="0" anchor="ctr"/>
-            <a:lstStyle/>
-            <a:p>
-              <a:pPr algn="ctr"/>
-              <a:r>
-                <a:rPr lang="zh-CN" altLang="en-US" sz="1000" dirty="0">
-                  <a:solidFill>
-                    <a:schemeClr val="tx1"/>
-                  </a:solidFill>
-                  <a:latin typeface="微软雅黑" panose="020B0503020204020204" pitchFamily="34" charset="-122"/>
-                  <a:ea typeface="微软雅黑" panose="020B0503020204020204" pitchFamily="34" charset="-122"/>
-                </a:rPr>
-                <a:t>自动调</a:t>
-              </a:r>
-              <a:r>
-                <a:rPr lang="zh-CN" altLang="en-US" sz="1000" dirty="0" smtClean="0">
-                  <a:solidFill>
-                    <a:schemeClr val="tx1"/>
-                  </a:solidFill>
-                  <a:latin typeface="微软雅黑" panose="020B0503020204020204" pitchFamily="34" charset="-122"/>
-                  <a:ea typeface="微软雅黑" panose="020B0503020204020204" pitchFamily="34" charset="-122"/>
-                </a:rPr>
-                <a:t>参</a:t>
-              </a:r>
-              <a:endParaRPr lang="zh-CN" altLang="en-US" sz="1000" dirty="0">
+              </a:rPr>
+              <a:t>统计分析</a:t>
+            </a:r>
+            <a:endParaRPr lang="zh-CN" altLang="en-US" sz="1000" dirty="0">
+              <a:solidFill>
+                <a:schemeClr val="tx1"/>
+              </a:solidFill>
+              <a:latin typeface="微软雅黑" panose="020B0503020204020204" pitchFamily="34" charset="-122"/>
+              <a:ea typeface="微软雅黑" panose="020B0503020204020204" pitchFamily="34" charset="-122"/>
+            </a:endParaRPr>
+          </a:p>
+        </p:txBody>
+      </p:sp>
+      <p:sp>
+        <p:nvSpPr>
+          <p:cNvPr id="44" name="圆角矩形 43"/>
+          <p:cNvSpPr/>
+          <p:nvPr/>
+        </p:nvSpPr>
+        <p:spPr>
+          <a:xfrm>
+            <a:off x="3080764" y="3017868"/>
+            <a:ext cx="919725" cy="525523"/>
+          </a:xfrm>
+          <a:prstGeom prst="roundRect">
+            <a:avLst>
+              <a:gd name="adj" fmla="val 8880"/>
+            </a:avLst>
+          </a:prstGeom>
+          <a:solidFill>
+            <a:schemeClr val="accent6">
+              <a:lumMod val="60000"/>
+              <a:lumOff val="40000"/>
+            </a:schemeClr>
+          </a:solidFill>
+          <a:ln>
+            <a:noFill/>
+            <a:prstDash val="sysDash"/>
+          </a:ln>
+        </p:spPr>
+        <p:style>
+          <a:lnRef idx="2">
+            <a:schemeClr val="accent1">
+              <a:shade val="50000"/>
+            </a:schemeClr>
+          </a:lnRef>
+          <a:fillRef idx="1">
+            <a:schemeClr val="accent1"/>
+          </a:fillRef>
+          <a:effectRef idx="0">
+            <a:schemeClr val="accent1"/>
+          </a:effectRef>
+          <a:fontRef idx="minor">
+            <a:schemeClr val="lt1"/>
+          </a:fontRef>
+        </p:style>
+        <p:txBody>
+          <a:bodyPr rtlCol="0" anchor="ctr"/>
+          <a:lstStyle/>
+          <a:p>
+            <a:pPr algn="ctr"/>
+            <a:r>
+              <a:rPr lang="zh-CN" altLang="en-US" sz="1000">
                 <a:solidFill>
                   <a:schemeClr val="tx1"/>
                 </a:solidFill>
                 <a:latin typeface="微软雅黑" panose="020B0503020204020204" pitchFamily="34" charset="-122"/>
                 <a:ea typeface="微软雅黑" panose="020B0503020204020204" pitchFamily="34" charset="-122"/>
-              </a:endParaRPr>
-            </a:p>
-          </p:txBody>
-        </p:sp>
-        <p:sp>
-          <p:nvSpPr>
-            <p:cNvPr id="56" name="圆角矩形 55"/>
-            <p:cNvSpPr/>
-            <p:nvPr/>
-          </p:nvSpPr>
-          <p:spPr>
-            <a:xfrm>
-              <a:off x="5829231" y="3630515"/>
-              <a:ext cx="919725" cy="525523"/>
-            </a:xfrm>
-            <a:prstGeom prst="roundRect">
-              <a:avLst>
-                <a:gd name="adj" fmla="val 8880"/>
-              </a:avLst>
-            </a:prstGeom>
-            <a:solidFill>
-              <a:schemeClr val="accent6">
-                <a:lumMod val="60000"/>
-                <a:lumOff val="40000"/>
-              </a:schemeClr>
-            </a:solidFill>
-            <a:ln>
-              <a:noFill/>
-              <a:prstDash val="sysDash"/>
-            </a:ln>
-          </p:spPr>
-          <p:style>
-            <a:lnRef idx="2">
-              <a:schemeClr val="accent1">
-                <a:shade val="50000"/>
-              </a:schemeClr>
-            </a:lnRef>
-            <a:fillRef idx="1">
-              <a:schemeClr val="accent1"/>
-            </a:fillRef>
-            <a:effectRef idx="0">
-              <a:schemeClr val="accent1"/>
-            </a:effectRef>
-            <a:fontRef idx="minor">
-              <a:schemeClr val="lt1"/>
-            </a:fontRef>
-          </p:style>
-          <p:txBody>
-            <a:bodyPr rtlCol="0" anchor="ctr"/>
-            <a:lstStyle/>
-            <a:p>
-              <a:pPr algn="ctr"/>
-              <a:r>
-                <a:rPr lang="zh-CN" altLang="en-US" sz="1000" dirty="0" smtClean="0">
-                  <a:solidFill>
-                    <a:schemeClr val="tx1"/>
-                  </a:solidFill>
-                  <a:latin typeface="微软雅黑" panose="020B0503020204020204" pitchFamily="34" charset="-122"/>
-                  <a:ea typeface="微软雅黑" panose="020B0503020204020204" pitchFamily="34" charset="-122"/>
-                </a:rPr>
-                <a:t>协同过滤</a:t>
-              </a:r>
-              <a:endParaRPr lang="zh-CN" altLang="en-US" sz="1000" dirty="0">
+              </a:rPr>
+              <a:t>特征工程</a:t>
+            </a:r>
+            <a:endParaRPr lang="zh-CN" altLang="en-US" sz="1000" dirty="0">
+              <a:solidFill>
+                <a:schemeClr val="tx1"/>
+              </a:solidFill>
+              <a:latin typeface="微软雅黑" panose="020B0503020204020204" pitchFamily="34" charset="-122"/>
+              <a:ea typeface="微软雅黑" panose="020B0503020204020204" pitchFamily="34" charset="-122"/>
+            </a:endParaRPr>
+          </a:p>
+        </p:txBody>
+      </p:sp>
+      <p:sp>
+        <p:nvSpPr>
+          <p:cNvPr id="45" name="圆角矩形 44"/>
+          <p:cNvSpPr/>
+          <p:nvPr/>
+        </p:nvSpPr>
+        <p:spPr>
+          <a:xfrm>
+            <a:off x="5147092" y="3026265"/>
+            <a:ext cx="919725" cy="525523"/>
+          </a:xfrm>
+          <a:prstGeom prst="roundRect">
+            <a:avLst>
+              <a:gd name="adj" fmla="val 8880"/>
+            </a:avLst>
+          </a:prstGeom>
+          <a:solidFill>
+            <a:schemeClr val="accent6">
+              <a:lumMod val="60000"/>
+              <a:lumOff val="40000"/>
+            </a:schemeClr>
+          </a:solidFill>
+          <a:ln>
+            <a:noFill/>
+            <a:prstDash val="sysDash"/>
+          </a:ln>
+        </p:spPr>
+        <p:style>
+          <a:lnRef idx="2">
+            <a:schemeClr val="accent1">
+              <a:shade val="50000"/>
+            </a:schemeClr>
+          </a:lnRef>
+          <a:fillRef idx="1">
+            <a:schemeClr val="accent1"/>
+          </a:fillRef>
+          <a:effectRef idx="0">
+            <a:schemeClr val="accent1"/>
+          </a:effectRef>
+          <a:fontRef idx="minor">
+            <a:schemeClr val="lt1"/>
+          </a:fontRef>
+        </p:style>
+        <p:txBody>
+          <a:bodyPr rtlCol="0" anchor="ctr"/>
+          <a:lstStyle/>
+          <a:p>
+            <a:pPr algn="ctr"/>
+            <a:r>
+              <a:rPr lang="zh-CN" altLang="en-US" sz="1000" dirty="0" smtClean="0">
                 <a:solidFill>
                   <a:schemeClr val="tx1"/>
                 </a:solidFill>
                 <a:latin typeface="微软雅黑" panose="020B0503020204020204" pitchFamily="34" charset="-122"/>
                 <a:ea typeface="微软雅黑" panose="020B0503020204020204" pitchFamily="34" charset="-122"/>
-              </a:endParaRPr>
-            </a:p>
-          </p:txBody>
-        </p:sp>
-        <p:sp>
-          <p:nvSpPr>
-            <p:cNvPr id="57" name="圆角矩形 56"/>
-            <p:cNvSpPr/>
-            <p:nvPr/>
-          </p:nvSpPr>
-          <p:spPr>
-            <a:xfrm>
-              <a:off x="5824291" y="3028119"/>
-              <a:ext cx="919725" cy="525523"/>
-            </a:xfrm>
-            <a:prstGeom prst="roundRect">
-              <a:avLst>
-                <a:gd name="adj" fmla="val 8880"/>
-              </a:avLst>
-            </a:prstGeom>
-            <a:solidFill>
-              <a:schemeClr val="accent6">
-                <a:lumMod val="60000"/>
-                <a:lumOff val="40000"/>
-                <a:alpha val="0"/>
-              </a:schemeClr>
-            </a:solidFill>
-            <a:ln>
-              <a:noFill/>
-              <a:prstDash val="sysDash"/>
-            </a:ln>
-          </p:spPr>
-          <p:style>
-            <a:lnRef idx="2">
-              <a:schemeClr val="accent1">
-                <a:shade val="50000"/>
-              </a:schemeClr>
-            </a:lnRef>
-            <a:fillRef idx="1">
-              <a:schemeClr val="accent1"/>
-            </a:fillRef>
-            <a:effectRef idx="0">
-              <a:schemeClr val="accent1"/>
-            </a:effectRef>
-            <a:fontRef idx="minor">
-              <a:schemeClr val="lt1"/>
-            </a:fontRef>
-          </p:style>
-          <p:txBody>
-            <a:bodyPr rtlCol="0" anchor="ctr"/>
-            <a:lstStyle/>
-            <a:p>
-              <a:pPr algn="ctr"/>
-              <a:r>
-                <a:rPr lang="zh-CN" altLang="en-US" sz="1000" dirty="0" smtClean="0">
-                  <a:solidFill>
-                    <a:schemeClr val="tx1"/>
-                  </a:solidFill>
-                  <a:latin typeface="微软雅黑" panose="020B0503020204020204" pitchFamily="34" charset="-122"/>
-                  <a:ea typeface="微软雅黑" panose="020B0503020204020204" pitchFamily="34" charset="-122"/>
-                </a:rPr>
-                <a:t>机器学习</a:t>
-              </a:r>
-              <a:endParaRPr lang="zh-CN" altLang="en-US" sz="1000" dirty="0">
+              </a:rPr>
+              <a:t>分类回归</a:t>
+            </a:r>
+            <a:endParaRPr lang="zh-CN" altLang="en-US" sz="1000" dirty="0">
+              <a:solidFill>
+                <a:schemeClr val="tx1"/>
+              </a:solidFill>
+              <a:latin typeface="微软雅黑" panose="020B0503020204020204" pitchFamily="34" charset="-122"/>
+              <a:ea typeface="微软雅黑" panose="020B0503020204020204" pitchFamily="34" charset="-122"/>
+            </a:endParaRPr>
+          </a:p>
+        </p:txBody>
+      </p:sp>
+      <p:sp>
+        <p:nvSpPr>
+          <p:cNvPr id="46" name="圆角矩形 45"/>
+          <p:cNvSpPr/>
+          <p:nvPr/>
+        </p:nvSpPr>
+        <p:spPr>
+          <a:xfrm>
+            <a:off x="6141534" y="3026265"/>
+            <a:ext cx="919725" cy="525523"/>
+          </a:xfrm>
+          <a:prstGeom prst="roundRect">
+            <a:avLst>
+              <a:gd name="adj" fmla="val 8880"/>
+            </a:avLst>
+          </a:prstGeom>
+          <a:solidFill>
+            <a:schemeClr val="accent6">
+              <a:lumMod val="60000"/>
+              <a:lumOff val="40000"/>
+            </a:schemeClr>
+          </a:solidFill>
+          <a:ln>
+            <a:noFill/>
+            <a:prstDash val="sysDash"/>
+          </a:ln>
+        </p:spPr>
+        <p:style>
+          <a:lnRef idx="2">
+            <a:schemeClr val="accent1">
+              <a:shade val="50000"/>
+            </a:schemeClr>
+          </a:lnRef>
+          <a:fillRef idx="1">
+            <a:schemeClr val="accent1"/>
+          </a:fillRef>
+          <a:effectRef idx="0">
+            <a:schemeClr val="accent1"/>
+          </a:effectRef>
+          <a:fontRef idx="minor">
+            <a:schemeClr val="lt1"/>
+          </a:fontRef>
+        </p:style>
+        <p:txBody>
+          <a:bodyPr rtlCol="0" anchor="ctr"/>
+          <a:lstStyle/>
+          <a:p>
+            <a:pPr algn="ctr"/>
+            <a:r>
+              <a:rPr lang="zh-CN" altLang="en-US" sz="1000" dirty="0" smtClean="0">
                 <a:solidFill>
                   <a:schemeClr val="tx1"/>
                 </a:solidFill>
                 <a:latin typeface="微软雅黑" panose="020B0503020204020204" pitchFamily="34" charset="-122"/>
                 <a:ea typeface="微软雅黑" panose="020B0503020204020204" pitchFamily="34" charset="-122"/>
-              </a:endParaRPr>
-            </a:p>
-          </p:txBody>
-        </p:sp>
-        <p:sp>
-          <p:nvSpPr>
-            <p:cNvPr id="3" name="矩形 2"/>
-            <p:cNvSpPr/>
-            <p:nvPr/>
-          </p:nvSpPr>
-          <p:spPr>
-            <a:xfrm>
-              <a:off x="5759108" y="2954803"/>
-              <a:ext cx="4051611" cy="1276178"/>
-            </a:xfrm>
-            <a:prstGeom prst="rect">
-              <a:avLst/>
-            </a:prstGeom>
+              </a:rPr>
+              <a:t>聚类</a:t>
+            </a:r>
+            <a:endParaRPr lang="zh-CN" altLang="en-US" sz="1000" dirty="0">
+              <a:solidFill>
+                <a:schemeClr val="tx1"/>
+              </a:solidFill>
+              <a:latin typeface="微软雅黑" panose="020B0503020204020204" pitchFamily="34" charset="-122"/>
+              <a:ea typeface="微软雅黑" panose="020B0503020204020204" pitchFamily="34" charset="-122"/>
+            </a:endParaRPr>
+          </a:p>
+        </p:txBody>
+      </p:sp>
+      <p:sp>
+        <p:nvSpPr>
+          <p:cNvPr id="47" name="圆角矩形 46"/>
+          <p:cNvSpPr/>
+          <p:nvPr/>
+        </p:nvSpPr>
+        <p:spPr>
+          <a:xfrm>
+            <a:off x="7134136" y="3026265"/>
+            <a:ext cx="919725" cy="525523"/>
+          </a:xfrm>
+          <a:prstGeom prst="roundRect">
+            <a:avLst>
+              <a:gd name="adj" fmla="val 8880"/>
+            </a:avLst>
+          </a:prstGeom>
+          <a:solidFill>
+            <a:schemeClr val="accent6">
+              <a:lumMod val="60000"/>
+              <a:lumOff val="40000"/>
+            </a:schemeClr>
+          </a:solidFill>
+          <a:ln>
+            <a:noFill/>
+            <a:prstDash val="sysDash"/>
+          </a:ln>
+        </p:spPr>
+        <p:style>
+          <a:lnRef idx="2">
+            <a:schemeClr val="accent1">
+              <a:shade val="50000"/>
+            </a:schemeClr>
+          </a:lnRef>
+          <a:fillRef idx="1">
+            <a:schemeClr val="accent1"/>
+          </a:fillRef>
+          <a:effectRef idx="0">
+            <a:schemeClr val="accent1"/>
+          </a:effectRef>
+          <a:fontRef idx="minor">
+            <a:schemeClr val="lt1"/>
+          </a:fontRef>
+        </p:style>
+        <p:txBody>
+          <a:bodyPr rtlCol="0" anchor="ctr"/>
+          <a:lstStyle/>
+          <a:p>
+            <a:pPr algn="ctr"/>
+            <a:r>
+              <a:rPr lang="zh-CN" altLang="en-US" sz="1000" dirty="0" smtClean="0">
+                <a:solidFill>
+                  <a:schemeClr val="tx1"/>
+                </a:solidFill>
+                <a:latin typeface="微软雅黑" panose="020B0503020204020204" pitchFamily="34" charset="-122"/>
+                <a:ea typeface="微软雅黑" panose="020B0503020204020204" pitchFamily="34" charset="-122"/>
+              </a:rPr>
+              <a:t>关联规则</a:t>
+            </a:r>
+            <a:endParaRPr lang="zh-CN" altLang="en-US" sz="1000" dirty="0">
+              <a:solidFill>
+                <a:schemeClr val="tx1"/>
+              </a:solidFill>
+              <a:latin typeface="微软雅黑" panose="020B0503020204020204" pitchFamily="34" charset="-122"/>
+              <a:ea typeface="微软雅黑" panose="020B0503020204020204" pitchFamily="34" charset="-122"/>
+            </a:endParaRPr>
+          </a:p>
+        </p:txBody>
+      </p:sp>
+      <p:sp>
+        <p:nvSpPr>
+          <p:cNvPr id="49" name="圆角矩形 48"/>
+          <p:cNvSpPr/>
+          <p:nvPr/>
+        </p:nvSpPr>
+        <p:spPr>
+          <a:xfrm>
+            <a:off x="1096400" y="3630051"/>
+            <a:ext cx="919725" cy="525523"/>
+          </a:xfrm>
+          <a:prstGeom prst="roundRect">
+            <a:avLst>
+              <a:gd name="adj" fmla="val 8880"/>
+            </a:avLst>
+          </a:prstGeom>
+          <a:solidFill>
+            <a:schemeClr val="accent6">
+              <a:lumMod val="60000"/>
+              <a:lumOff val="40000"/>
+            </a:schemeClr>
+          </a:solidFill>
+          <a:ln>
+            <a:noFill/>
+            <a:prstDash val="sysDash"/>
+          </a:ln>
+        </p:spPr>
+        <p:style>
+          <a:lnRef idx="2">
+            <a:schemeClr val="accent1">
+              <a:shade val="50000"/>
+            </a:schemeClr>
+          </a:lnRef>
+          <a:fillRef idx="1">
+            <a:schemeClr val="accent1"/>
+          </a:fillRef>
+          <a:effectRef idx="0">
+            <a:schemeClr val="accent1"/>
+          </a:effectRef>
+          <a:fontRef idx="minor">
+            <a:schemeClr val="lt1"/>
+          </a:fontRef>
+        </p:style>
+        <p:txBody>
+          <a:bodyPr rtlCol="0" anchor="ctr"/>
+          <a:lstStyle/>
+          <a:p>
+            <a:pPr algn="ctr"/>
+            <a:r>
+              <a:rPr lang="zh-CN" altLang="en-US" sz="1000" dirty="0" smtClean="0">
+                <a:solidFill>
+                  <a:schemeClr val="tx1"/>
+                </a:solidFill>
+                <a:latin typeface="微软雅黑" panose="020B0503020204020204" pitchFamily="34" charset="-122"/>
+                <a:ea typeface="微软雅黑" panose="020B0503020204020204" pitchFamily="34" charset="-122"/>
+              </a:rPr>
+              <a:t>文本分析</a:t>
+            </a:r>
+            <a:endParaRPr lang="zh-CN" altLang="en-US" sz="1000" dirty="0">
+              <a:solidFill>
+                <a:schemeClr val="tx1"/>
+              </a:solidFill>
+              <a:latin typeface="微软雅黑" panose="020B0503020204020204" pitchFamily="34" charset="-122"/>
+              <a:ea typeface="微软雅黑" panose="020B0503020204020204" pitchFamily="34" charset="-122"/>
+            </a:endParaRPr>
+          </a:p>
+        </p:txBody>
+      </p:sp>
+      <p:sp>
+        <p:nvSpPr>
+          <p:cNvPr id="50" name="圆角矩形 49"/>
+          <p:cNvSpPr/>
+          <p:nvPr/>
+        </p:nvSpPr>
+        <p:spPr>
+          <a:xfrm>
+            <a:off x="2088582" y="3630051"/>
+            <a:ext cx="919725" cy="525523"/>
+          </a:xfrm>
+          <a:prstGeom prst="roundRect">
+            <a:avLst>
+              <a:gd name="adj" fmla="val 8880"/>
+            </a:avLst>
+          </a:prstGeom>
+          <a:solidFill>
+            <a:schemeClr val="accent6">
+              <a:lumMod val="60000"/>
+              <a:lumOff val="40000"/>
+            </a:schemeClr>
+          </a:solidFill>
+          <a:ln>
+            <a:noFill/>
+            <a:prstDash val="sysDash"/>
+          </a:ln>
+        </p:spPr>
+        <p:style>
+          <a:lnRef idx="2">
+            <a:schemeClr val="accent1">
+              <a:shade val="50000"/>
+            </a:schemeClr>
+          </a:lnRef>
+          <a:fillRef idx="1">
+            <a:schemeClr val="accent1"/>
+          </a:fillRef>
+          <a:effectRef idx="0">
+            <a:schemeClr val="accent1"/>
+          </a:effectRef>
+          <a:fontRef idx="minor">
+            <a:schemeClr val="lt1"/>
+          </a:fontRef>
+        </p:style>
+        <p:txBody>
+          <a:bodyPr rtlCol="0" anchor="ctr"/>
+          <a:lstStyle/>
+          <a:p>
+            <a:pPr algn="ctr"/>
+            <a:r>
+              <a:rPr lang="zh-CN" altLang="en-US" sz="1000" dirty="0" smtClean="0">
+                <a:solidFill>
+                  <a:schemeClr val="tx1"/>
+                </a:solidFill>
+                <a:latin typeface="微软雅黑" panose="020B0503020204020204" pitchFamily="34" charset="-122"/>
+                <a:ea typeface="微软雅黑" panose="020B0503020204020204" pitchFamily="34" charset="-122"/>
+              </a:rPr>
+              <a:t>网络分析</a:t>
+            </a:r>
+            <a:endParaRPr lang="zh-CN" altLang="en-US" sz="1000" dirty="0">
+              <a:solidFill>
+                <a:schemeClr val="tx1"/>
+              </a:solidFill>
+              <a:latin typeface="微软雅黑" panose="020B0503020204020204" pitchFamily="34" charset="-122"/>
+              <a:ea typeface="微软雅黑" panose="020B0503020204020204" pitchFamily="34" charset="-122"/>
+            </a:endParaRPr>
+          </a:p>
+        </p:txBody>
+      </p:sp>
+      <p:sp>
+        <p:nvSpPr>
+          <p:cNvPr id="51" name="圆角矩形 50"/>
+          <p:cNvSpPr/>
+          <p:nvPr/>
+        </p:nvSpPr>
+        <p:spPr>
+          <a:xfrm>
+            <a:off x="3080764" y="3626944"/>
+            <a:ext cx="919725" cy="525523"/>
+          </a:xfrm>
+          <a:prstGeom prst="roundRect">
+            <a:avLst>
+              <a:gd name="adj" fmla="val 8880"/>
+            </a:avLst>
+          </a:prstGeom>
+          <a:solidFill>
+            <a:schemeClr val="accent6">
+              <a:lumMod val="60000"/>
+              <a:lumOff val="40000"/>
+            </a:schemeClr>
+          </a:solidFill>
+          <a:ln>
+            <a:noFill/>
+            <a:prstDash val="sysDash"/>
+          </a:ln>
+        </p:spPr>
+        <p:style>
+          <a:lnRef idx="2">
+            <a:schemeClr val="accent1">
+              <a:shade val="50000"/>
+            </a:schemeClr>
+          </a:lnRef>
+          <a:fillRef idx="1">
+            <a:schemeClr val="accent1"/>
+          </a:fillRef>
+          <a:effectRef idx="0">
+            <a:schemeClr val="accent1"/>
+          </a:effectRef>
+          <a:fontRef idx="minor">
+            <a:schemeClr val="lt1"/>
+          </a:fontRef>
+        </p:style>
+        <p:txBody>
+          <a:bodyPr rtlCol="0" anchor="ctr"/>
+          <a:lstStyle/>
+          <a:p>
+            <a:pPr algn="ctr"/>
+            <a:r>
+              <a:rPr lang="zh-CN" altLang="en-US" sz="1000" dirty="0" smtClean="0">
+                <a:solidFill>
+                  <a:schemeClr val="tx1"/>
+                </a:solidFill>
+                <a:latin typeface="微软雅黑" panose="020B0503020204020204" pitchFamily="34" charset="-122"/>
+                <a:ea typeface="微软雅黑" panose="020B0503020204020204" pitchFamily="34" charset="-122"/>
+              </a:rPr>
+              <a:t>深度学习</a:t>
+            </a:r>
+            <a:endParaRPr lang="zh-CN" altLang="en-US" sz="1000" dirty="0">
+              <a:solidFill>
+                <a:schemeClr val="tx1"/>
+              </a:solidFill>
+              <a:latin typeface="微软雅黑" panose="020B0503020204020204" pitchFamily="34" charset="-122"/>
+              <a:ea typeface="微软雅黑" panose="020B0503020204020204" pitchFamily="34" charset="-122"/>
+            </a:endParaRPr>
+          </a:p>
+        </p:txBody>
+      </p:sp>
+      <p:sp>
+        <p:nvSpPr>
+          <p:cNvPr id="52" name="圆角矩形 51"/>
+          <p:cNvSpPr/>
+          <p:nvPr/>
+        </p:nvSpPr>
+        <p:spPr>
+          <a:xfrm>
+            <a:off x="5147093" y="3637378"/>
+            <a:ext cx="919725" cy="525523"/>
+          </a:xfrm>
+          <a:prstGeom prst="roundRect">
+            <a:avLst>
+              <a:gd name="adj" fmla="val 8880"/>
+            </a:avLst>
+          </a:prstGeom>
+          <a:solidFill>
+            <a:schemeClr val="accent6">
+              <a:lumMod val="60000"/>
+              <a:lumOff val="40000"/>
+            </a:schemeClr>
+          </a:solidFill>
+          <a:ln>
+            <a:noFill/>
+            <a:prstDash val="sysDash"/>
+          </a:ln>
+        </p:spPr>
+        <p:style>
+          <a:lnRef idx="2">
+            <a:schemeClr val="accent1">
+              <a:shade val="50000"/>
+            </a:schemeClr>
+          </a:lnRef>
+          <a:fillRef idx="1">
+            <a:schemeClr val="accent1"/>
+          </a:fillRef>
+          <a:effectRef idx="0">
+            <a:schemeClr val="accent1"/>
+          </a:effectRef>
+          <a:fontRef idx="minor">
+            <a:schemeClr val="lt1"/>
+          </a:fontRef>
+        </p:style>
+        <p:txBody>
+          <a:bodyPr rtlCol="0" anchor="ctr"/>
+          <a:lstStyle/>
+          <a:p>
+            <a:pPr algn="ctr"/>
+            <a:r>
+              <a:rPr lang="zh-CN" altLang="en-US" sz="1000" dirty="0" smtClean="0">
+                <a:solidFill>
+                  <a:schemeClr val="tx1"/>
+                </a:solidFill>
+                <a:latin typeface="微软雅黑" panose="020B0503020204020204" pitchFamily="34" charset="-122"/>
+                <a:ea typeface="微软雅黑" panose="020B0503020204020204" pitchFamily="34" charset="-122"/>
+              </a:rPr>
+              <a:t>模型评估</a:t>
+            </a:r>
+            <a:endParaRPr lang="zh-CN" altLang="en-US" sz="1000" dirty="0">
+              <a:solidFill>
+                <a:schemeClr val="tx1"/>
+              </a:solidFill>
+              <a:latin typeface="微软雅黑" panose="020B0503020204020204" pitchFamily="34" charset="-122"/>
+              <a:ea typeface="微软雅黑" panose="020B0503020204020204" pitchFamily="34" charset="-122"/>
+            </a:endParaRPr>
+          </a:p>
+        </p:txBody>
+      </p:sp>
+      <p:sp>
+        <p:nvSpPr>
+          <p:cNvPr id="53" name="圆角矩形 52"/>
+          <p:cNvSpPr/>
+          <p:nvPr/>
+        </p:nvSpPr>
+        <p:spPr>
+          <a:xfrm>
+            <a:off x="6141953" y="3630515"/>
+            <a:ext cx="919725" cy="525523"/>
+          </a:xfrm>
+          <a:prstGeom prst="roundRect">
+            <a:avLst>
+              <a:gd name="adj" fmla="val 8880"/>
+            </a:avLst>
+          </a:prstGeom>
+          <a:solidFill>
+            <a:schemeClr val="accent6">
+              <a:lumMod val="60000"/>
+              <a:lumOff val="40000"/>
+            </a:schemeClr>
+          </a:solidFill>
+          <a:ln>
+            <a:noFill/>
+            <a:prstDash val="sysDash"/>
+          </a:ln>
+        </p:spPr>
+        <p:style>
+          <a:lnRef idx="2">
+            <a:schemeClr val="accent1">
+              <a:shade val="50000"/>
+            </a:schemeClr>
+          </a:lnRef>
+          <a:fillRef idx="1">
+            <a:schemeClr val="accent1"/>
+          </a:fillRef>
+          <a:effectRef idx="0">
+            <a:schemeClr val="accent1"/>
+          </a:effectRef>
+          <a:fontRef idx="minor">
+            <a:schemeClr val="lt1"/>
+          </a:fontRef>
+        </p:style>
+        <p:txBody>
+          <a:bodyPr rtlCol="0" anchor="ctr"/>
+          <a:lstStyle/>
+          <a:p>
+            <a:pPr algn="ctr"/>
+            <a:r>
+              <a:rPr lang="zh-CN" altLang="en-US" sz="1000" dirty="0">
+                <a:solidFill>
+                  <a:schemeClr val="tx1"/>
+                </a:solidFill>
+                <a:latin typeface="微软雅黑" panose="020B0503020204020204" pitchFamily="34" charset="-122"/>
+                <a:ea typeface="微软雅黑" panose="020B0503020204020204" pitchFamily="34" charset="-122"/>
+              </a:rPr>
+              <a:t>交叉验证</a:t>
+            </a:r>
+          </a:p>
+        </p:txBody>
+      </p:sp>
+      <p:sp>
+        <p:nvSpPr>
+          <p:cNvPr id="54" name="圆角矩形 53"/>
+          <p:cNvSpPr/>
+          <p:nvPr/>
+        </p:nvSpPr>
+        <p:spPr>
+          <a:xfrm>
+            <a:off x="7136813" y="3621091"/>
+            <a:ext cx="919725" cy="525523"/>
+          </a:xfrm>
+          <a:prstGeom prst="roundRect">
+            <a:avLst>
+              <a:gd name="adj" fmla="val 8880"/>
+            </a:avLst>
+          </a:prstGeom>
+          <a:solidFill>
+            <a:schemeClr val="accent6">
+              <a:lumMod val="60000"/>
+              <a:lumOff val="40000"/>
+            </a:schemeClr>
+          </a:solidFill>
+          <a:ln>
+            <a:noFill/>
+            <a:prstDash val="sysDash"/>
+          </a:ln>
+        </p:spPr>
+        <p:style>
+          <a:lnRef idx="2">
+            <a:schemeClr val="accent1">
+              <a:shade val="50000"/>
+            </a:schemeClr>
+          </a:lnRef>
+          <a:fillRef idx="1">
+            <a:schemeClr val="accent1"/>
+          </a:fillRef>
+          <a:effectRef idx="0">
+            <a:schemeClr val="accent1"/>
+          </a:effectRef>
+          <a:fontRef idx="minor">
+            <a:schemeClr val="lt1"/>
+          </a:fontRef>
+        </p:style>
+        <p:txBody>
+          <a:bodyPr rtlCol="0" anchor="ctr"/>
+          <a:lstStyle/>
+          <a:p>
+            <a:pPr algn="ctr"/>
+            <a:r>
+              <a:rPr lang="zh-CN" altLang="en-US" sz="1000" dirty="0">
+                <a:solidFill>
+                  <a:schemeClr val="tx1"/>
+                </a:solidFill>
+                <a:latin typeface="微软雅黑" panose="020B0503020204020204" pitchFamily="34" charset="-122"/>
+                <a:ea typeface="微软雅黑" panose="020B0503020204020204" pitchFamily="34" charset="-122"/>
+              </a:rPr>
+              <a:t>自动调</a:t>
+            </a:r>
+            <a:r>
+              <a:rPr lang="zh-CN" altLang="en-US" sz="1000" dirty="0" smtClean="0">
+                <a:solidFill>
+                  <a:schemeClr val="tx1"/>
+                </a:solidFill>
+                <a:latin typeface="微软雅黑" panose="020B0503020204020204" pitchFamily="34" charset="-122"/>
+                <a:ea typeface="微软雅黑" panose="020B0503020204020204" pitchFamily="34" charset="-122"/>
+              </a:rPr>
+              <a:t>参</a:t>
+            </a:r>
+            <a:endParaRPr lang="zh-CN" altLang="en-US" sz="1000" dirty="0">
+              <a:solidFill>
+                <a:schemeClr val="tx1"/>
+              </a:solidFill>
+              <a:latin typeface="微软雅黑" panose="020B0503020204020204" pitchFamily="34" charset="-122"/>
+              <a:ea typeface="微软雅黑" panose="020B0503020204020204" pitchFamily="34" charset="-122"/>
+            </a:endParaRPr>
+          </a:p>
+        </p:txBody>
+      </p:sp>
+      <p:sp>
+        <p:nvSpPr>
+          <p:cNvPr id="56" name="圆角矩形 55"/>
+          <p:cNvSpPr/>
+          <p:nvPr/>
+        </p:nvSpPr>
+        <p:spPr>
+          <a:xfrm>
+            <a:off x="4157590" y="3630515"/>
+            <a:ext cx="919725" cy="525523"/>
+          </a:xfrm>
+          <a:prstGeom prst="roundRect">
+            <a:avLst>
+              <a:gd name="adj" fmla="val 8880"/>
+            </a:avLst>
+          </a:prstGeom>
+          <a:solidFill>
+            <a:schemeClr val="accent6">
+              <a:lumMod val="60000"/>
+              <a:lumOff val="40000"/>
+            </a:schemeClr>
+          </a:solidFill>
+          <a:ln>
+            <a:noFill/>
+            <a:prstDash val="sysDash"/>
+          </a:ln>
+        </p:spPr>
+        <p:style>
+          <a:lnRef idx="2">
+            <a:schemeClr val="accent1">
+              <a:shade val="50000"/>
+            </a:schemeClr>
+          </a:lnRef>
+          <a:fillRef idx="1">
+            <a:schemeClr val="accent1"/>
+          </a:fillRef>
+          <a:effectRef idx="0">
+            <a:schemeClr val="accent1"/>
+          </a:effectRef>
+          <a:fontRef idx="minor">
+            <a:schemeClr val="lt1"/>
+          </a:fontRef>
+        </p:style>
+        <p:txBody>
+          <a:bodyPr rtlCol="0" anchor="ctr"/>
+          <a:lstStyle/>
+          <a:p>
+            <a:pPr algn="ctr"/>
+            <a:r>
+              <a:rPr lang="zh-CN" altLang="en-US" sz="1000" dirty="0" smtClean="0">
+                <a:solidFill>
+                  <a:schemeClr val="tx1"/>
+                </a:solidFill>
+                <a:latin typeface="微软雅黑" panose="020B0503020204020204" pitchFamily="34" charset="-122"/>
+                <a:ea typeface="微软雅黑" panose="020B0503020204020204" pitchFamily="34" charset="-122"/>
+              </a:rPr>
+              <a:t>协同过滤</a:t>
+            </a:r>
+            <a:endParaRPr lang="zh-CN" altLang="en-US" sz="1000" dirty="0">
+              <a:solidFill>
+                <a:schemeClr val="tx1"/>
+              </a:solidFill>
+              <a:latin typeface="微软雅黑" panose="020B0503020204020204" pitchFamily="34" charset="-122"/>
+              <a:ea typeface="微软雅黑" panose="020B0503020204020204" pitchFamily="34" charset="-122"/>
+            </a:endParaRPr>
+          </a:p>
+        </p:txBody>
+      </p:sp>
+      <p:sp>
+        <p:nvSpPr>
+          <p:cNvPr id="57" name="圆角矩形 56"/>
+          <p:cNvSpPr/>
+          <p:nvPr/>
+        </p:nvSpPr>
+        <p:spPr>
+          <a:xfrm>
+            <a:off x="4152650" y="3028119"/>
+            <a:ext cx="919725" cy="525523"/>
+          </a:xfrm>
+          <a:prstGeom prst="roundRect">
+            <a:avLst>
+              <a:gd name="adj" fmla="val 8880"/>
+            </a:avLst>
+          </a:prstGeom>
+          <a:solidFill>
+            <a:schemeClr val="accent6">
+              <a:lumMod val="60000"/>
+              <a:lumOff val="40000"/>
+              <a:alpha val="0"/>
+            </a:schemeClr>
+          </a:solidFill>
+          <a:ln>
+            <a:noFill/>
+            <a:prstDash val="sysDash"/>
+          </a:ln>
+        </p:spPr>
+        <p:style>
+          <a:lnRef idx="2">
+            <a:schemeClr val="accent1">
+              <a:shade val="50000"/>
+            </a:schemeClr>
+          </a:lnRef>
+          <a:fillRef idx="1">
+            <a:schemeClr val="accent1"/>
+          </a:fillRef>
+          <a:effectRef idx="0">
+            <a:schemeClr val="accent1"/>
+          </a:effectRef>
+          <a:fontRef idx="minor">
+            <a:schemeClr val="lt1"/>
+          </a:fontRef>
+        </p:style>
+        <p:txBody>
+          <a:bodyPr rtlCol="0" anchor="ctr"/>
+          <a:lstStyle/>
+          <a:p>
+            <a:pPr algn="ctr"/>
+            <a:r>
+              <a:rPr lang="zh-CN" altLang="en-US" sz="1000" dirty="0" smtClean="0">
+                <a:solidFill>
+                  <a:schemeClr val="tx1"/>
+                </a:solidFill>
+                <a:latin typeface="微软雅黑" panose="020B0503020204020204" pitchFamily="34" charset="-122"/>
+                <a:ea typeface="微软雅黑" panose="020B0503020204020204" pitchFamily="34" charset="-122"/>
+              </a:rPr>
+              <a:t>机器学习</a:t>
+            </a:r>
+            <a:endParaRPr lang="zh-CN" altLang="en-US" sz="1000" dirty="0">
+              <a:solidFill>
+                <a:schemeClr val="tx1"/>
+              </a:solidFill>
+              <a:latin typeface="微软雅黑" panose="020B0503020204020204" pitchFamily="34" charset="-122"/>
+              <a:ea typeface="微软雅黑" panose="020B0503020204020204" pitchFamily="34" charset="-122"/>
+            </a:endParaRPr>
+          </a:p>
+        </p:txBody>
+      </p:sp>
+      <p:sp>
+        <p:nvSpPr>
+          <p:cNvPr id="3" name="矩形 2"/>
+          <p:cNvSpPr/>
+          <p:nvPr/>
+        </p:nvSpPr>
+        <p:spPr>
+          <a:xfrm>
+            <a:off x="4087467" y="2954803"/>
+            <a:ext cx="4051611" cy="1276178"/>
+          </a:xfrm>
+          <a:prstGeom prst="rect">
+            <a:avLst/>
+          </a:prstGeom>
+          <a:solidFill>
+            <a:srgbClr val="61A7E5">
+              <a:alpha val="0"/>
+            </a:srgbClr>
+          </a:solidFill>
+          <a:ln>
             <a:solidFill>
-              <a:srgbClr val="61A7E5">
-                <a:alpha val="0"/>
-              </a:srgbClr>
+              <a:srgbClr val="61A7E5"/>
             </a:solidFill>
-            <a:ln>
+          </a:ln>
+        </p:spPr>
+        <p:style>
+          <a:lnRef idx="2">
+            <a:schemeClr val="accent1">
+              <a:shade val="50000"/>
+            </a:schemeClr>
+          </a:lnRef>
+          <a:fillRef idx="1">
+            <a:schemeClr val="accent1"/>
+          </a:fillRef>
+          <a:effectRef idx="0">
+            <a:schemeClr val="accent1"/>
+          </a:effectRef>
+          <a:fontRef idx="minor">
+            <a:schemeClr val="lt1"/>
+          </a:fontRef>
+        </p:style>
+        <p:txBody>
+          <a:bodyPr rtlCol="0" anchor="ctr"/>
+          <a:lstStyle/>
+          <a:p>
+            <a:pPr algn="ctr"/>
+            <a:endParaRPr kumimoji="1" lang="zh-CN" altLang="en-US" dirty="0"/>
+          </a:p>
+        </p:txBody>
+      </p:sp>
+      <p:sp>
+        <p:nvSpPr>
+          <p:cNvPr id="59" name="文本框 58"/>
+          <p:cNvSpPr txBox="1"/>
+          <p:nvPr/>
+        </p:nvSpPr>
+        <p:spPr>
+          <a:xfrm>
+            <a:off x="213419" y="3489880"/>
+            <a:ext cx="766395" cy="184666"/>
+          </a:xfrm>
+          <a:prstGeom prst="rect">
+            <a:avLst/>
+          </a:prstGeom>
+          <a:noFill/>
+        </p:spPr>
+        <p:txBody>
+          <a:bodyPr wrap="square" lIns="0" tIns="0" rIns="0" bIns="0" rtlCol="0">
+            <a:spAutoFit/>
+          </a:bodyPr>
+          <a:lstStyle/>
+          <a:p>
+            <a:r>
+              <a:rPr lang="zh-CN" altLang="en-US" sz="1200" b="1" dirty="0" smtClean="0">
+                <a:latin typeface="微软雅黑" panose="020B0503020204020204" pitchFamily="34" charset="-122"/>
+                <a:ea typeface="微软雅黑" panose="020B0503020204020204" pitchFamily="34" charset="-122"/>
+              </a:rPr>
+              <a:t>工作流组件</a:t>
+            </a:r>
+          </a:p>
+        </p:txBody>
+      </p:sp>
+      <p:pic>
+        <p:nvPicPr>
+          <p:cNvPr id="6" name="图片 5"/>
+          <p:cNvPicPr>
+            <a:picLocks noChangeAspect="1"/>
+          </p:cNvPicPr>
+          <p:nvPr/>
+        </p:nvPicPr>
+        <p:blipFill>
+          <a:blip r:embed="rId3">
+            <a:extLst>
+              <a:ext uri="{28A0092B-C50C-407E-A947-70E740481C1C}">
+                <a14:useLocalDpi xmlns:a14="http://schemas.microsoft.com/office/drawing/2010/main" val="0"/>
+              </a:ext>
+            </a:extLst>
+          </a:blip>
+          <a:stretch>
+            <a:fillRect/>
+          </a:stretch>
+        </p:blipFill>
+        <p:spPr>
+          <a:xfrm>
+            <a:off x="10445156" y="5564986"/>
+            <a:ext cx="1289947" cy="386809"/>
+          </a:xfrm>
+          <a:prstGeom prst="rect">
+            <a:avLst/>
+          </a:prstGeom>
+        </p:spPr>
+      </p:pic>
+      <p:sp>
+        <p:nvSpPr>
+          <p:cNvPr id="55" name="圆角矩形 54"/>
+          <p:cNvSpPr/>
+          <p:nvPr/>
+        </p:nvSpPr>
+        <p:spPr>
+          <a:xfrm>
+            <a:off x="6023118" y="4936424"/>
+            <a:ext cx="2111408" cy="525600"/>
+          </a:xfrm>
+          <a:prstGeom prst="roundRect">
+            <a:avLst>
+              <a:gd name="adj" fmla="val 8880"/>
+            </a:avLst>
+          </a:prstGeom>
+          <a:solidFill>
+            <a:schemeClr val="accent5">
+              <a:lumMod val="60000"/>
+              <a:lumOff val="40000"/>
+            </a:schemeClr>
+          </a:solidFill>
+          <a:ln>
+            <a:noFill/>
+            <a:prstDash val="sysDash"/>
+          </a:ln>
+        </p:spPr>
+        <p:style>
+          <a:lnRef idx="2">
+            <a:schemeClr val="accent1">
+              <a:shade val="50000"/>
+            </a:schemeClr>
+          </a:lnRef>
+          <a:fillRef idx="1">
+            <a:schemeClr val="accent1"/>
+          </a:fillRef>
+          <a:effectRef idx="0">
+            <a:schemeClr val="accent1"/>
+          </a:effectRef>
+          <a:fontRef idx="minor">
+            <a:schemeClr val="lt1"/>
+          </a:fontRef>
+        </p:style>
+        <p:txBody>
+          <a:bodyPr rtlCol="0" anchor="ctr"/>
+          <a:lstStyle/>
+          <a:p>
+            <a:pPr algn="ctr"/>
+            <a:r>
+              <a:rPr lang="en-US" altLang="zh-CN" sz="1000" dirty="0" err="1" smtClean="0">
+                <a:solidFill>
+                  <a:schemeClr val="tx1"/>
+                </a:solidFill>
+                <a:latin typeface="微软雅黑" panose="020B0503020204020204" pitchFamily="34" charset="-122"/>
+                <a:ea typeface="微软雅黑" panose="020B0503020204020204" pitchFamily="34" charset="-122"/>
+              </a:rPr>
+              <a:t>Flink</a:t>
+            </a:r>
+            <a:endParaRPr lang="zh-CN" altLang="en-US" sz="1000" dirty="0">
               <a:solidFill>
-                <a:srgbClr val="61A7E5"/>
+                <a:schemeClr val="tx1"/>
               </a:solidFill>
-            </a:ln>
-          </p:spPr>
-          <p:style>
-            <a:lnRef idx="2">
-              <a:schemeClr val="accent1">
-                <a:shade val="50000"/>
-              </a:schemeClr>
-            </a:lnRef>
-            <a:fillRef idx="1">
-              <a:schemeClr val="accent1"/>
-            </a:fillRef>
-            <a:effectRef idx="0">
-              <a:schemeClr val="accent1"/>
-            </a:effectRef>
-            <a:fontRef idx="minor">
-              <a:schemeClr val="lt1"/>
-            </a:fontRef>
-          </p:style>
-          <p:txBody>
-            <a:bodyPr rtlCol="0" anchor="ctr"/>
-            <a:lstStyle/>
-            <a:p>
-              <a:pPr algn="ctr"/>
-              <a:endParaRPr kumimoji="1" lang="zh-CN" altLang="en-US" dirty="0"/>
-            </a:p>
-          </p:txBody>
-        </p:sp>
-        <p:sp>
-          <p:nvSpPr>
-            <p:cNvPr id="59" name="文本框 58"/>
-            <p:cNvSpPr txBox="1"/>
-            <p:nvPr/>
-          </p:nvSpPr>
-          <p:spPr>
-            <a:xfrm>
-              <a:off x="1477862" y="3525600"/>
-              <a:ext cx="1227773" cy="184666"/>
-            </a:xfrm>
-            <a:prstGeom prst="rect">
-              <a:avLst/>
-            </a:prstGeom>
+              <a:latin typeface="微软雅黑" panose="020B0503020204020204" pitchFamily="34" charset="-122"/>
+              <a:ea typeface="微软雅黑" panose="020B0503020204020204" pitchFamily="34" charset="-122"/>
+            </a:endParaRPr>
+          </a:p>
+        </p:txBody>
+      </p:sp>
+      <p:sp>
+        <p:nvSpPr>
+          <p:cNvPr id="58" name="圆角矩形 57"/>
+          <p:cNvSpPr/>
+          <p:nvPr/>
+        </p:nvSpPr>
+        <p:spPr>
+          <a:xfrm>
+            <a:off x="5843881" y="5557931"/>
+            <a:ext cx="2290645" cy="648000"/>
+          </a:xfrm>
+          <a:prstGeom prst="roundRect">
+            <a:avLst>
+              <a:gd name="adj" fmla="val 8880"/>
+            </a:avLst>
+          </a:prstGeom>
+          <a:solidFill>
+            <a:schemeClr val="accent4">
+              <a:lumMod val="60000"/>
+              <a:lumOff val="40000"/>
+            </a:schemeClr>
+          </a:solidFill>
+          <a:ln>
             <a:noFill/>
-          </p:spPr>
-          <p:txBody>
-            <a:bodyPr wrap="square" lIns="0" tIns="0" rIns="0" bIns="0" rtlCol="0">
-              <a:spAutoFit/>
-            </a:bodyPr>
-            <a:lstStyle/>
-            <a:p>
-              <a:r>
-                <a:rPr lang="zh-CN" altLang="en-US" sz="1200" b="1" dirty="0" smtClean="0">
-                  <a:latin typeface="微软雅黑" panose="020B0503020204020204" pitchFamily="34" charset="-122"/>
-                  <a:ea typeface="微软雅黑" panose="020B0503020204020204" pitchFamily="34" charset="-122"/>
-                </a:rPr>
-                <a:t>工作流组件</a:t>
-              </a:r>
-            </a:p>
-          </p:txBody>
-        </p:sp>
-      </p:grpSp>
+            <a:prstDash val="sysDash"/>
+          </a:ln>
+        </p:spPr>
+        <p:style>
+          <a:lnRef idx="2">
+            <a:schemeClr val="accent1">
+              <a:shade val="50000"/>
+            </a:schemeClr>
+          </a:lnRef>
+          <a:fillRef idx="1">
+            <a:schemeClr val="accent1"/>
+          </a:fillRef>
+          <a:effectRef idx="0">
+            <a:schemeClr val="accent1"/>
+          </a:effectRef>
+          <a:fontRef idx="minor">
+            <a:schemeClr val="lt1"/>
+          </a:fontRef>
+        </p:style>
+        <p:txBody>
+          <a:bodyPr rtlCol="0" anchor="ctr"/>
+          <a:lstStyle/>
+          <a:p>
+            <a:pPr algn="ctr"/>
+            <a:r>
+              <a:rPr lang="en-US" altLang="zh-CN" sz="1000" dirty="0" smtClean="0">
+                <a:solidFill>
+                  <a:schemeClr val="tx1"/>
+                </a:solidFill>
+                <a:latin typeface="微软雅黑" panose="020B0503020204020204" pitchFamily="34" charset="-122"/>
+                <a:ea typeface="微软雅黑" panose="020B0503020204020204" pitchFamily="34" charset="-122"/>
+              </a:rPr>
+              <a:t>Geode</a:t>
+            </a:r>
+            <a:r>
+              <a:rPr lang="en-US" altLang="zh-CN" sz="1000" dirty="0" smtClean="0">
+                <a:solidFill>
+                  <a:schemeClr val="tx1"/>
+                </a:solidFill>
+                <a:latin typeface="微软雅黑" panose="020B0503020204020204" pitchFamily="34" charset="-122"/>
+                <a:ea typeface="微软雅黑" panose="020B0503020204020204" pitchFamily="34" charset="-122"/>
+              </a:rPr>
+              <a:t>/Aerospike</a:t>
+            </a:r>
+            <a:endParaRPr lang="zh-CN" altLang="en-US" sz="1000" dirty="0">
+              <a:solidFill>
+                <a:schemeClr val="tx1"/>
+              </a:solidFill>
+              <a:latin typeface="微软雅黑" panose="020B0503020204020204" pitchFamily="34" charset="-122"/>
+              <a:ea typeface="微软雅黑" panose="020B0503020204020204" pitchFamily="34" charset="-122"/>
+            </a:endParaRPr>
+          </a:p>
+        </p:txBody>
+      </p:sp>
+      <p:pic>
+        <p:nvPicPr>
+          <p:cNvPr id="10" name="图片 9"/>
+          <p:cNvPicPr>
+            <a:picLocks noChangeAspect="1"/>
+          </p:cNvPicPr>
+          <p:nvPr/>
+        </p:nvPicPr>
+        <p:blipFill>
+          <a:blip r:embed="rId4">
+            <a:extLst>
+              <a:ext uri="{28A0092B-C50C-407E-A947-70E740481C1C}">
+                <a14:useLocalDpi xmlns:a14="http://schemas.microsoft.com/office/drawing/2010/main" val="0"/>
+              </a:ext>
+            </a:extLst>
+          </a:blip>
+          <a:stretch>
+            <a:fillRect/>
+          </a:stretch>
+        </p:blipFill>
+        <p:spPr>
+          <a:xfrm>
+            <a:off x="10443287" y="6064657"/>
+            <a:ext cx="1244676" cy="217410"/>
+          </a:xfrm>
+          <a:prstGeom prst="rect">
+            <a:avLst/>
+          </a:prstGeom>
+        </p:spPr>
+      </p:pic>
+      <p:pic>
+        <p:nvPicPr>
+          <p:cNvPr id="12" name="图片 11"/>
+          <p:cNvPicPr>
+            <a:picLocks noChangeAspect="1"/>
+          </p:cNvPicPr>
+          <p:nvPr/>
+        </p:nvPicPr>
+        <p:blipFill>
+          <a:blip r:embed="rId5">
+            <a:extLst>
+              <a:ext uri="{28A0092B-C50C-407E-A947-70E740481C1C}">
+                <a14:useLocalDpi xmlns:a14="http://schemas.microsoft.com/office/drawing/2010/main" val="0"/>
+              </a:ext>
+            </a:extLst>
+          </a:blip>
+          <a:stretch>
+            <a:fillRect/>
+          </a:stretch>
+        </p:blipFill>
+        <p:spPr>
+          <a:xfrm>
+            <a:off x="9904035" y="1150174"/>
+            <a:ext cx="1237961" cy="614145"/>
+          </a:xfrm>
+          <a:prstGeom prst="rect">
+            <a:avLst/>
+          </a:prstGeom>
+        </p:spPr>
+      </p:pic>
+      <p:pic>
+        <p:nvPicPr>
+          <p:cNvPr id="13" name="图片 12"/>
+          <p:cNvPicPr>
+            <a:picLocks noChangeAspect="1"/>
+          </p:cNvPicPr>
+          <p:nvPr/>
+        </p:nvPicPr>
+        <p:blipFill>
+          <a:blip r:embed="rId6">
+            <a:extLst>
+              <a:ext uri="{28A0092B-C50C-407E-A947-70E740481C1C}">
+                <a14:useLocalDpi xmlns:a14="http://schemas.microsoft.com/office/drawing/2010/main" val="0"/>
+              </a:ext>
+            </a:extLst>
+          </a:blip>
+          <a:stretch>
+            <a:fillRect/>
+          </a:stretch>
+        </p:blipFill>
+        <p:spPr>
+          <a:xfrm>
+            <a:off x="9872130" y="4107451"/>
+            <a:ext cx="1516977" cy="701769"/>
+          </a:xfrm>
+          <a:prstGeom prst="rect">
+            <a:avLst/>
+          </a:prstGeom>
+        </p:spPr>
+      </p:pic>
+      <p:pic>
+        <p:nvPicPr>
+          <p:cNvPr id="15" name="图片 14"/>
+          <p:cNvPicPr>
+            <a:picLocks noChangeAspect="1"/>
+          </p:cNvPicPr>
+          <p:nvPr/>
+        </p:nvPicPr>
+        <p:blipFill>
+          <a:blip r:embed="rId7">
+            <a:extLst>
+              <a:ext uri="{28A0092B-C50C-407E-A947-70E740481C1C}">
+                <a14:useLocalDpi xmlns:a14="http://schemas.microsoft.com/office/drawing/2010/main" val="0"/>
+              </a:ext>
+            </a:extLst>
+          </a:blip>
+          <a:stretch>
+            <a:fillRect/>
+          </a:stretch>
+        </p:blipFill>
+        <p:spPr>
+          <a:xfrm>
+            <a:off x="8174637" y="5472667"/>
+            <a:ext cx="1285693" cy="607950"/>
+          </a:xfrm>
+          <a:prstGeom prst="rect">
+            <a:avLst/>
+          </a:prstGeom>
+        </p:spPr>
+      </p:pic>
+      <p:pic>
+        <p:nvPicPr>
+          <p:cNvPr id="16" name="图片 15"/>
+          <p:cNvPicPr>
+            <a:picLocks noChangeAspect="1"/>
+          </p:cNvPicPr>
+          <p:nvPr/>
+        </p:nvPicPr>
+        <p:blipFill>
+          <a:blip r:embed="rId8">
+            <a:extLst>
+              <a:ext uri="{28A0092B-C50C-407E-A947-70E740481C1C}">
+                <a14:useLocalDpi xmlns:a14="http://schemas.microsoft.com/office/drawing/2010/main" val="0"/>
+              </a:ext>
+            </a:extLst>
+          </a:blip>
+          <a:stretch>
+            <a:fillRect/>
+          </a:stretch>
+        </p:blipFill>
+        <p:spPr>
+          <a:xfrm>
+            <a:off x="9822483" y="1951670"/>
+            <a:ext cx="1401064" cy="357719"/>
+          </a:xfrm>
+          <a:prstGeom prst="rect">
+            <a:avLst/>
+          </a:prstGeom>
+        </p:spPr>
+      </p:pic>
+      <p:pic>
+        <p:nvPicPr>
+          <p:cNvPr id="17" name="图片 16"/>
+          <p:cNvPicPr>
+            <a:picLocks noChangeAspect="1"/>
+          </p:cNvPicPr>
+          <p:nvPr/>
+        </p:nvPicPr>
+        <p:blipFill>
+          <a:blip r:embed="rId9">
+            <a:extLst>
+              <a:ext uri="{28A0092B-C50C-407E-A947-70E740481C1C}">
+                <a14:useLocalDpi xmlns:a14="http://schemas.microsoft.com/office/drawing/2010/main" val="0"/>
+              </a:ext>
+            </a:extLst>
+          </a:blip>
+          <a:stretch>
+            <a:fillRect/>
+          </a:stretch>
+        </p:blipFill>
+        <p:spPr>
+          <a:xfrm>
+            <a:off x="9663209" y="2990203"/>
+            <a:ext cx="1638134" cy="488919"/>
+          </a:xfrm>
+          <a:prstGeom prst="rect">
+            <a:avLst/>
+          </a:prstGeom>
+        </p:spPr>
+      </p:pic>
+      <p:pic>
+        <p:nvPicPr>
+          <p:cNvPr id="18" name="图片 17"/>
+          <p:cNvPicPr>
+            <a:picLocks noChangeAspect="1"/>
+          </p:cNvPicPr>
+          <p:nvPr/>
+        </p:nvPicPr>
+        <p:blipFill>
+          <a:blip r:embed="rId10">
+            <a:extLst>
+              <a:ext uri="{28A0092B-C50C-407E-A947-70E740481C1C}">
+                <a14:useLocalDpi xmlns:a14="http://schemas.microsoft.com/office/drawing/2010/main" val="0"/>
+              </a:ext>
+            </a:extLst>
+          </a:blip>
+          <a:stretch>
+            <a:fillRect/>
+          </a:stretch>
+        </p:blipFill>
+        <p:spPr>
+          <a:xfrm>
+            <a:off x="8249112" y="3716479"/>
+            <a:ext cx="1287686" cy="826426"/>
+          </a:xfrm>
+          <a:prstGeom prst="rect">
+            <a:avLst/>
+          </a:prstGeom>
+        </p:spPr>
+      </p:pic>
+      <p:pic>
+        <p:nvPicPr>
+          <p:cNvPr id="19" name="图片 18"/>
+          <p:cNvPicPr>
+            <a:picLocks noChangeAspect="1"/>
+          </p:cNvPicPr>
+          <p:nvPr/>
+        </p:nvPicPr>
+        <p:blipFill>
+          <a:blip r:embed="rId11">
+            <a:extLst>
+              <a:ext uri="{28A0092B-C50C-407E-A947-70E740481C1C}">
+                <a14:useLocalDpi xmlns:a14="http://schemas.microsoft.com/office/drawing/2010/main" val="0"/>
+              </a:ext>
+            </a:extLst>
+          </a:blip>
+          <a:stretch>
+            <a:fillRect/>
+          </a:stretch>
+        </p:blipFill>
+        <p:spPr>
+          <a:xfrm>
+            <a:off x="8288315" y="1271895"/>
+            <a:ext cx="1470136" cy="396704"/>
+          </a:xfrm>
+          <a:prstGeom prst="rect">
+            <a:avLst/>
+          </a:prstGeom>
+        </p:spPr>
+      </p:pic>
+      <p:pic>
+        <p:nvPicPr>
+          <p:cNvPr id="21" name="图片 20"/>
+          <p:cNvPicPr>
+            <a:picLocks noChangeAspect="1"/>
+          </p:cNvPicPr>
+          <p:nvPr/>
+        </p:nvPicPr>
+        <p:blipFill>
+          <a:blip r:embed="rId12">
+            <a:extLst>
+              <a:ext uri="{28A0092B-C50C-407E-A947-70E740481C1C}">
+                <a14:useLocalDpi xmlns:a14="http://schemas.microsoft.com/office/drawing/2010/main" val="0"/>
+              </a:ext>
+            </a:extLst>
+          </a:blip>
+          <a:stretch>
+            <a:fillRect/>
+          </a:stretch>
+        </p:blipFill>
+        <p:spPr>
+          <a:xfrm>
+            <a:off x="8364057" y="3116378"/>
+            <a:ext cx="855255" cy="406175"/>
+          </a:xfrm>
+          <a:prstGeom prst="rect">
+            <a:avLst/>
+          </a:prstGeom>
+        </p:spPr>
+      </p:pic>
+      <p:pic>
+        <p:nvPicPr>
+          <p:cNvPr id="22" name="图片 21"/>
+          <p:cNvPicPr>
+            <a:picLocks noChangeAspect="1"/>
+          </p:cNvPicPr>
+          <p:nvPr/>
+        </p:nvPicPr>
+        <p:blipFill>
+          <a:blip r:embed="rId13">
+            <a:extLst>
+              <a:ext uri="{28A0092B-C50C-407E-A947-70E740481C1C}">
+                <a14:useLocalDpi xmlns:a14="http://schemas.microsoft.com/office/drawing/2010/main" val="0"/>
+              </a:ext>
+            </a:extLst>
+          </a:blip>
+          <a:stretch>
+            <a:fillRect/>
+          </a:stretch>
+        </p:blipFill>
+        <p:spPr>
+          <a:xfrm>
+            <a:off x="8345871" y="2486938"/>
+            <a:ext cx="1094168" cy="421040"/>
+          </a:xfrm>
+          <a:prstGeom prst="rect">
+            <a:avLst/>
+          </a:prstGeom>
+        </p:spPr>
+      </p:pic>
+      <p:pic>
+        <p:nvPicPr>
+          <p:cNvPr id="25" name="图片 24"/>
+          <p:cNvPicPr>
+            <a:picLocks noChangeAspect="1"/>
+          </p:cNvPicPr>
+          <p:nvPr/>
+        </p:nvPicPr>
+        <p:blipFill>
+          <a:blip r:embed="rId14">
+            <a:extLst>
+              <a:ext uri="{28A0092B-C50C-407E-A947-70E740481C1C}">
+                <a14:useLocalDpi xmlns:a14="http://schemas.microsoft.com/office/drawing/2010/main" val="0"/>
+              </a:ext>
+            </a:extLst>
+          </a:blip>
+          <a:stretch>
+            <a:fillRect/>
+          </a:stretch>
+        </p:blipFill>
+        <p:spPr>
+          <a:xfrm>
+            <a:off x="8326592" y="1914530"/>
+            <a:ext cx="1332639" cy="359072"/>
+          </a:xfrm>
+          <a:prstGeom prst="rect">
+            <a:avLst/>
+          </a:prstGeom>
+        </p:spPr>
+      </p:pic>
+      <p:pic>
+        <p:nvPicPr>
+          <p:cNvPr id="26" name="图片 25"/>
+          <p:cNvPicPr>
+            <a:picLocks noChangeAspect="1"/>
+          </p:cNvPicPr>
+          <p:nvPr/>
+        </p:nvPicPr>
+        <p:blipFill>
+          <a:blip r:embed="rId15">
+            <a:extLst>
+              <a:ext uri="{28A0092B-C50C-407E-A947-70E740481C1C}">
+                <a14:useLocalDpi xmlns:a14="http://schemas.microsoft.com/office/drawing/2010/main" val="0"/>
+              </a:ext>
+            </a:extLst>
+          </a:blip>
+          <a:stretch>
+            <a:fillRect/>
+          </a:stretch>
+        </p:blipFill>
+        <p:spPr>
+          <a:xfrm>
+            <a:off x="9218238" y="3612050"/>
+            <a:ext cx="1768013" cy="470217"/>
+          </a:xfrm>
+          <a:prstGeom prst="rect">
+            <a:avLst/>
+          </a:prstGeom>
+        </p:spPr>
+      </p:pic>
+      <p:pic>
+        <p:nvPicPr>
+          <p:cNvPr id="27" name="图片 26"/>
+          <p:cNvPicPr>
+            <a:picLocks noChangeAspect="1"/>
+          </p:cNvPicPr>
+          <p:nvPr/>
+        </p:nvPicPr>
+        <p:blipFill>
+          <a:blip r:embed="rId16">
+            <a:extLst>
+              <a:ext uri="{28A0092B-C50C-407E-A947-70E740481C1C}">
+                <a14:useLocalDpi xmlns:a14="http://schemas.microsoft.com/office/drawing/2010/main" val="0"/>
+              </a:ext>
+            </a:extLst>
+          </a:blip>
+          <a:stretch>
+            <a:fillRect/>
+          </a:stretch>
+        </p:blipFill>
+        <p:spPr>
+          <a:xfrm>
+            <a:off x="8252686" y="4660626"/>
+            <a:ext cx="1541395" cy="819891"/>
+          </a:xfrm>
+          <a:prstGeom prst="rect">
+            <a:avLst/>
+          </a:prstGeom>
+        </p:spPr>
+      </p:pic>
+      <p:pic>
+        <p:nvPicPr>
+          <p:cNvPr id="33" name="图片 32"/>
+          <p:cNvPicPr>
+            <a:picLocks noChangeAspect="1"/>
+          </p:cNvPicPr>
+          <p:nvPr/>
+        </p:nvPicPr>
+        <p:blipFill>
+          <a:blip r:embed="rId17">
+            <a:extLst>
+              <a:ext uri="{28A0092B-C50C-407E-A947-70E740481C1C}">
+                <a14:useLocalDpi xmlns:a14="http://schemas.microsoft.com/office/drawing/2010/main" val="0"/>
+              </a:ext>
+            </a:extLst>
+          </a:blip>
+          <a:stretch>
+            <a:fillRect/>
+          </a:stretch>
+        </p:blipFill>
+        <p:spPr>
+          <a:xfrm>
+            <a:off x="8304216" y="6029412"/>
+            <a:ext cx="967515" cy="257225"/>
+          </a:xfrm>
+          <a:prstGeom prst="rect">
+            <a:avLst/>
+          </a:prstGeom>
+        </p:spPr>
+      </p:pic>
+      <p:pic>
+        <p:nvPicPr>
+          <p:cNvPr id="36" name="图片 35"/>
+          <p:cNvPicPr>
+            <a:picLocks noChangeAspect="1"/>
+          </p:cNvPicPr>
+          <p:nvPr/>
+        </p:nvPicPr>
+        <p:blipFill>
+          <a:blip r:embed="rId18">
+            <a:extLst>
+              <a:ext uri="{28A0092B-C50C-407E-A947-70E740481C1C}">
+                <a14:useLocalDpi xmlns:a14="http://schemas.microsoft.com/office/drawing/2010/main" val="0"/>
+              </a:ext>
+            </a:extLst>
+          </a:blip>
+          <a:stretch>
+            <a:fillRect/>
+          </a:stretch>
+        </p:blipFill>
+        <p:spPr>
+          <a:xfrm>
+            <a:off x="9480993" y="5557931"/>
+            <a:ext cx="808156" cy="400921"/>
+          </a:xfrm>
+          <a:prstGeom prst="rect">
+            <a:avLst/>
+          </a:prstGeom>
+        </p:spPr>
+      </p:pic>
+      <p:pic>
+        <p:nvPicPr>
+          <p:cNvPr id="37" name="图片 36"/>
+          <p:cNvPicPr>
+            <a:picLocks noChangeAspect="1"/>
+          </p:cNvPicPr>
+          <p:nvPr/>
+        </p:nvPicPr>
+        <p:blipFill>
+          <a:blip r:embed="rId19">
+            <a:extLst>
+              <a:ext uri="{28A0092B-C50C-407E-A947-70E740481C1C}">
+                <a14:useLocalDpi xmlns:a14="http://schemas.microsoft.com/office/drawing/2010/main" val="0"/>
+              </a:ext>
+            </a:extLst>
+          </a:blip>
+          <a:stretch>
+            <a:fillRect/>
+          </a:stretch>
+        </p:blipFill>
+        <p:spPr>
+          <a:xfrm>
+            <a:off x="9904035" y="4810210"/>
+            <a:ext cx="1518103" cy="778027"/>
+          </a:xfrm>
+          <a:prstGeom prst="rect">
+            <a:avLst/>
+          </a:prstGeom>
+        </p:spPr>
+      </p:pic>
+      <p:pic>
+        <p:nvPicPr>
+          <p:cNvPr id="38" name="图片 37"/>
+          <p:cNvPicPr>
+            <a:picLocks noChangeAspect="1"/>
+          </p:cNvPicPr>
+          <p:nvPr/>
+        </p:nvPicPr>
+        <p:blipFill>
+          <a:blip r:embed="rId20">
+            <a:extLst>
+              <a:ext uri="{28A0092B-C50C-407E-A947-70E740481C1C}">
+                <a14:useLocalDpi xmlns:a14="http://schemas.microsoft.com/office/drawing/2010/main" val="0"/>
+              </a:ext>
+            </a:extLst>
+          </a:blip>
+          <a:stretch>
+            <a:fillRect/>
+          </a:stretch>
+        </p:blipFill>
+        <p:spPr>
+          <a:xfrm>
+            <a:off x="9311842" y="5888429"/>
+            <a:ext cx="1110046" cy="505070"/>
+          </a:xfrm>
+          <a:prstGeom prst="rect">
+            <a:avLst/>
+          </a:prstGeom>
+        </p:spPr>
+      </p:pic>
+      <p:pic>
+        <p:nvPicPr>
+          <p:cNvPr id="90" name="图片 89"/>
+          <p:cNvPicPr>
+            <a:picLocks noChangeAspect="1"/>
+          </p:cNvPicPr>
+          <p:nvPr/>
+        </p:nvPicPr>
+        <p:blipFill>
+          <a:blip r:embed="rId21">
+            <a:extLst>
+              <a:ext uri="{28A0092B-C50C-407E-A947-70E740481C1C}">
+                <a14:useLocalDpi xmlns:a14="http://schemas.microsoft.com/office/drawing/2010/main" val="0"/>
+              </a:ext>
+            </a:extLst>
+          </a:blip>
+          <a:stretch>
+            <a:fillRect/>
+          </a:stretch>
+        </p:blipFill>
+        <p:spPr>
+          <a:xfrm>
+            <a:off x="9906633" y="2601871"/>
+            <a:ext cx="1515505" cy="279515"/>
+          </a:xfrm>
+          <a:prstGeom prst="rect">
+            <a:avLst/>
+          </a:prstGeom>
+        </p:spPr>
+      </p:pic>
     </p:spTree>
   </p:cSld>
   <p:clrMapOvr>

--- a/03设计文档/【宁波银行】雅拓信息机器学习平台总体规划.pptx
+++ b/03设计文档/【宁波银行】雅拓信息机器学习平台总体规划.pptx
@@ -8334,8 +8334,8 @@
     <dgm:cxn modelId="{FE194F61-BA40-44BD-AF99-264E76331747}" srcId="{4EB69F67-BCE2-4ECF-885A-E2B07992C7DF}" destId="{DB64B9F9-3FC0-44E6-A69E-C36300B17ACA}" srcOrd="0" destOrd="0" parTransId="{49CABE7F-DE07-44BC-AD1F-0345757EA3B2}" sibTransId="{A87E4287-1673-4690-ACAD-084F763E1F3A}"/>
     <dgm:cxn modelId="{C6405FD7-8AED-41E4-9E2B-A4F7CCC25642}" type="presOf" srcId="{153A3477-7A95-42DD-BE48-7ABF96B7464E}" destId="{7236045B-5900-473E-A178-AF20923747E2}" srcOrd="0" destOrd="0" presId="urn:microsoft.com/office/officeart/2005/8/layout/vList2"/>
     <dgm:cxn modelId="{1C6C6676-1C04-49A2-BAC0-F144C66889A1}" srcId="{E2CAAFA2-254B-4DEA-AF9E-AACC035F0948}" destId="{E78CD1CF-010B-4CE1-87E6-D15422BFE501}" srcOrd="2" destOrd="0" parTransId="{8F21A6F9-6333-4E11-8474-AF6D2C950A15}" sibTransId="{2E854F10-245C-4E7E-B3EA-D8C6452F6DC3}"/>
+    <dgm:cxn modelId="{71B879E7-C802-4EBF-A596-EF432397D72D}" srcId="{F6E8CA1C-0178-45B3-A8F4-6B27EE4B2246}" destId="{4D08FF69-FBB4-433E-898D-205E546AA305}" srcOrd="0" destOrd="0" parTransId="{69494B0F-0F9B-486F-926D-2E9BD408F447}" sibTransId="{75F8553F-04D5-4192-9C01-DDCFB7562805}"/>
     <dgm:cxn modelId="{473930D6-460D-44CF-990E-09B77225FDC8}" type="presOf" srcId="{15D63427-2345-4382-839A-12363023B59F}" destId="{04CA0C98-292D-40AD-91C8-A4D443DDB8CD}" srcOrd="0" destOrd="0" presId="urn:microsoft.com/office/officeart/2005/8/layout/vList2"/>
-    <dgm:cxn modelId="{71B879E7-C802-4EBF-A596-EF432397D72D}" srcId="{F6E8CA1C-0178-45B3-A8F4-6B27EE4B2246}" destId="{4D08FF69-FBB4-433E-898D-205E546AA305}" srcOrd="0" destOrd="0" parTransId="{69494B0F-0F9B-486F-926D-2E9BD408F447}" sibTransId="{75F8553F-04D5-4192-9C01-DDCFB7562805}"/>
     <dgm:cxn modelId="{077F925D-FF61-4FE7-A113-A70B995F09F3}" type="presOf" srcId="{E78CD1CF-010B-4CE1-87E6-D15422BFE501}" destId="{20520C1B-3CEB-451C-92C9-94F7F19E94E8}" srcOrd="0" destOrd="0" presId="urn:microsoft.com/office/officeart/2005/8/layout/vList2"/>
     <dgm:cxn modelId="{01A3ADAC-9779-417A-9C52-4B7DADF3E72C}" type="presOf" srcId="{E2CAAFA2-254B-4DEA-AF9E-AACC035F0948}" destId="{A6E97539-5596-4DF9-BD39-C2D64A537652}" srcOrd="0" destOrd="0" presId="urn:microsoft.com/office/officeart/2005/8/layout/vList2"/>
     <dgm:cxn modelId="{F75F4391-D26E-46B6-901B-B3AE37A075D2}" type="presParOf" srcId="{A6E97539-5596-4DF9-BD39-C2D64A537652}" destId="{04CA0C98-292D-40AD-91C8-A4D443DDB8CD}" srcOrd="0" destOrd="0" presId="urn:microsoft.com/office/officeart/2005/8/layout/vList2"/>
@@ -11019,8 +11019,8 @@
   </dgm:ptLst>
   <dgm:cxnLst>
     <dgm:cxn modelId="{257F7218-6BB9-4F60-878D-0C6988B2A809}" srcId="{E2CAAFA2-254B-4DEA-AF9E-AACC035F0948}" destId="{91F11B5A-8EC8-46A8-8357-271637F77443}" srcOrd="0" destOrd="0" parTransId="{6D4C3D69-AF04-4591-8C46-D5D8D02EDACD}" sibTransId="{04A27346-37FC-4810-B32D-2A71C6689080}"/>
+    <dgm:cxn modelId="{01A3ADAC-9779-417A-9C52-4B7DADF3E72C}" type="presOf" srcId="{E2CAAFA2-254B-4DEA-AF9E-AACC035F0948}" destId="{A6E97539-5596-4DF9-BD39-C2D64A537652}" srcOrd="0" destOrd="0" presId="urn:microsoft.com/office/officeart/2005/8/layout/vList2"/>
     <dgm:cxn modelId="{55821F86-EE98-45D8-900B-E204E66601A4}" type="presOf" srcId="{91F11B5A-8EC8-46A8-8357-271637F77443}" destId="{4959577E-695B-4EF2-AAD4-0E4D69510312}" srcOrd="0" destOrd="0" presId="urn:microsoft.com/office/officeart/2005/8/layout/vList2"/>
-    <dgm:cxn modelId="{01A3ADAC-9779-417A-9C52-4B7DADF3E72C}" type="presOf" srcId="{E2CAAFA2-254B-4DEA-AF9E-AACC035F0948}" destId="{A6E97539-5596-4DF9-BD39-C2D64A537652}" srcOrd="0" destOrd="0" presId="urn:microsoft.com/office/officeart/2005/8/layout/vList2"/>
     <dgm:cxn modelId="{A77D4447-DD4D-4B38-B56F-A8C5935B3DB0}" type="presParOf" srcId="{A6E97539-5596-4DF9-BD39-C2D64A537652}" destId="{4959577E-695B-4EF2-AAD4-0E4D69510312}" srcOrd="0" destOrd="0" presId="urn:microsoft.com/office/officeart/2005/8/layout/vList2"/>
   </dgm:cxnLst>
   <dgm:bg/>
@@ -12375,27 +12375,27 @@
     </dgm:pt>
   </dgm:ptLst>
   <dgm:cxnLst>
+    <dgm:cxn modelId="{45990A2E-420B-411F-B25F-D6BF9DCAAD73}" srcId="{003B04E1-4094-41A8-B9B3-686DF7D69C95}" destId="{153A3477-7A95-42DD-BE48-7ABF96B7464E}" srcOrd="0" destOrd="0" parTransId="{3A09380E-030C-4F03-852B-6C9F6C47EA92}" sibTransId="{35C89C4B-3D28-4C45-B71A-0C008F51C63D}"/>
+    <dgm:cxn modelId="{68CCFDDF-797D-4CDA-8B39-70D2AD4B5277}" srcId="{E78CD1CF-010B-4CE1-87E6-D15422BFE501}" destId="{8F4DF43B-EE22-4944-97CB-FB12B6F448F4}" srcOrd="0" destOrd="0" parTransId="{F7D1646A-3039-4EF5-A47E-9E366FC97A61}" sibTransId="{C3B9F71E-B25E-498D-880D-1C9F8FC96227}"/>
+    <dgm:cxn modelId="{E9BDD477-A96E-45F5-AE30-95E0FCAC3219}" type="presOf" srcId="{4EB69F67-BCE2-4ECF-885A-E2B07992C7DF}" destId="{FD347E0A-6B82-4B0C-995D-51C23A141C9F}" srcOrd="0" destOrd="0" presId="urn:microsoft.com/office/officeart/2005/8/layout/vList2"/>
+    <dgm:cxn modelId="{39A3CA55-35DF-4D86-9045-F011BFFC032D}" srcId="{E2CAAFA2-254B-4DEA-AF9E-AACC035F0948}" destId="{003B04E1-4094-41A8-B9B3-686DF7D69C95}" srcOrd="3" destOrd="0" parTransId="{604DC87C-84CD-4C38-96D1-98E4A29EDE91}" sibTransId="{66E29971-F29B-49B5-AEA1-F559A796D57D}"/>
+    <dgm:cxn modelId="{E4D8153F-DAB2-4144-9CDD-7C181B5EFDDF}" srcId="{E2CAAFA2-254B-4DEA-AF9E-AACC035F0948}" destId="{15D63427-2345-4382-839A-12363023B59F}" srcOrd="0" destOrd="0" parTransId="{3C78BFB0-C14D-4469-878E-79ED9E048167}" sibTransId="{CC61C90A-C359-490D-83D5-D9527440E610}"/>
+    <dgm:cxn modelId="{257F7218-6BB9-4F60-878D-0C6988B2A809}" srcId="{15D63427-2345-4382-839A-12363023B59F}" destId="{91F11B5A-8EC8-46A8-8357-271637F77443}" srcOrd="0" destOrd="0" parTransId="{6D4C3D69-AF04-4591-8C46-D5D8D02EDACD}" sibTransId="{04A27346-37FC-4810-B32D-2A71C6689080}"/>
+    <dgm:cxn modelId="{AB4CFF24-5782-401E-AF6D-CE3AE1776418}" type="presOf" srcId="{E78CD1CF-010B-4CE1-87E6-D15422BFE501}" destId="{20520C1B-3CEB-451C-92C9-94F7F19E94E8}" srcOrd="0" destOrd="0" presId="urn:microsoft.com/office/officeart/2005/8/layout/vList2"/>
+    <dgm:cxn modelId="{D21476AF-3920-46FE-BD32-C4E9E1415525}" srcId="{E2CAAFA2-254B-4DEA-AF9E-AACC035F0948}" destId="{4EB69F67-BCE2-4ECF-885A-E2B07992C7DF}" srcOrd="1" destOrd="0" parTransId="{F05F7388-5305-48EE-9409-9084F2C41013}" sibTransId="{D1B3F939-6EC8-4462-B5D8-CB4CFB823B54}"/>
+    <dgm:cxn modelId="{8F89E1A2-EDB8-4F3C-A85A-EC22A261348E}" type="presOf" srcId="{003B04E1-4094-41A8-B9B3-686DF7D69C95}" destId="{9F264BE6-77D3-4778-98FC-1AFD0BD537B3}" srcOrd="0" destOrd="0" presId="urn:microsoft.com/office/officeart/2005/8/layout/vList2"/>
+    <dgm:cxn modelId="{7518DA06-1C6E-4A4B-AFD5-6123ACAE1C86}" type="presOf" srcId="{C11254F3-8021-4DB8-8F31-65B10CEADCB4}" destId="{CECA9D39-BB3C-425D-88EA-A1C32AF09186}" srcOrd="0" destOrd="0" presId="urn:microsoft.com/office/officeart/2005/8/layout/vList2"/>
+    <dgm:cxn modelId="{46C1E0D9-EA9D-489B-BCA2-47CB3E82B228}" type="presOf" srcId="{91F11B5A-8EC8-46A8-8357-271637F77443}" destId="{302B382D-9D79-4876-B0FB-6E61C05D653F}" srcOrd="0" destOrd="0" presId="urn:microsoft.com/office/officeart/2005/8/layout/vList2"/>
     <dgm:cxn modelId="{692CC589-1F75-4110-92B8-EE724BDB946E}" type="presOf" srcId="{8F4DF43B-EE22-4944-97CB-FB12B6F448F4}" destId="{34C7D9B9-DA42-4CF4-8018-A884B18D1A43}" srcOrd="0" destOrd="0" presId="urn:microsoft.com/office/officeart/2005/8/layout/vList2"/>
-    <dgm:cxn modelId="{46C1E0D9-EA9D-489B-BCA2-47CB3E82B228}" type="presOf" srcId="{91F11B5A-8EC8-46A8-8357-271637F77443}" destId="{302B382D-9D79-4876-B0FB-6E61C05D653F}" srcOrd="0" destOrd="0" presId="urn:microsoft.com/office/officeart/2005/8/layout/vList2"/>
-    <dgm:cxn modelId="{01A3ADAC-9779-417A-9C52-4B7DADF3E72C}" type="presOf" srcId="{E2CAAFA2-254B-4DEA-AF9E-AACC035F0948}" destId="{A6E97539-5596-4DF9-BD39-C2D64A537652}" srcOrd="0" destOrd="0" presId="urn:microsoft.com/office/officeart/2005/8/layout/vList2"/>
-    <dgm:cxn modelId="{E9BDD477-A96E-45F5-AE30-95E0FCAC3219}" type="presOf" srcId="{4EB69F67-BCE2-4ECF-885A-E2B07992C7DF}" destId="{FD347E0A-6B82-4B0C-995D-51C23A141C9F}" srcOrd="0" destOrd="0" presId="urn:microsoft.com/office/officeart/2005/8/layout/vList2"/>
-    <dgm:cxn modelId="{257F7218-6BB9-4F60-878D-0C6988B2A809}" srcId="{15D63427-2345-4382-839A-12363023B59F}" destId="{91F11B5A-8EC8-46A8-8357-271637F77443}" srcOrd="0" destOrd="0" parTransId="{6D4C3D69-AF04-4591-8C46-D5D8D02EDACD}" sibTransId="{04A27346-37FC-4810-B32D-2A71C6689080}"/>
-    <dgm:cxn modelId="{8F89E1A2-EDB8-4F3C-A85A-EC22A261348E}" type="presOf" srcId="{003B04E1-4094-41A8-B9B3-686DF7D69C95}" destId="{9F264BE6-77D3-4778-98FC-1AFD0BD537B3}" srcOrd="0" destOrd="0" presId="urn:microsoft.com/office/officeart/2005/8/layout/vList2"/>
-    <dgm:cxn modelId="{D21476AF-3920-46FE-BD32-C4E9E1415525}" srcId="{E2CAAFA2-254B-4DEA-AF9E-AACC035F0948}" destId="{4EB69F67-BCE2-4ECF-885A-E2B07992C7DF}" srcOrd="1" destOrd="0" parTransId="{F05F7388-5305-48EE-9409-9084F2C41013}" sibTransId="{D1B3F939-6EC8-4462-B5D8-CB4CFB823B54}"/>
-    <dgm:cxn modelId="{39A3CA55-35DF-4D86-9045-F011BFFC032D}" srcId="{E2CAAFA2-254B-4DEA-AF9E-AACC035F0948}" destId="{003B04E1-4094-41A8-B9B3-686DF7D69C95}" srcOrd="3" destOrd="0" parTransId="{604DC87C-84CD-4C38-96D1-98E4A29EDE91}" sibTransId="{66E29971-F29B-49B5-AEA1-F559A796D57D}"/>
-    <dgm:cxn modelId="{7518DA06-1C6E-4A4B-AFD5-6123ACAE1C86}" type="presOf" srcId="{C11254F3-8021-4DB8-8F31-65B10CEADCB4}" destId="{CECA9D39-BB3C-425D-88EA-A1C32AF09186}" srcOrd="0" destOrd="0" presId="urn:microsoft.com/office/officeart/2005/8/layout/vList2"/>
+    <dgm:cxn modelId="{FE194F61-BA40-44BD-AF99-264E76331747}" srcId="{4EB69F67-BCE2-4ECF-885A-E2B07992C7DF}" destId="{DB64B9F9-3FC0-44E6-A69E-C36300B17ACA}" srcOrd="0" destOrd="0" parTransId="{49CABE7F-DE07-44BC-AD1F-0345757EA3B2}" sibTransId="{A87E4287-1673-4690-ACAD-084F763E1F3A}"/>
+    <dgm:cxn modelId="{E78DDCF9-7577-423F-8F5F-4DD8071576CE}" type="presOf" srcId="{153A3477-7A95-42DD-BE48-7ABF96B7464E}" destId="{7236045B-5900-473E-A178-AF20923747E2}" srcOrd="0" destOrd="0" presId="urn:microsoft.com/office/officeart/2005/8/layout/vList2"/>
     <dgm:cxn modelId="{8551DCB5-C70F-446F-A0F6-641E7F0A3C6E}" srcId="{E2CAAFA2-254B-4DEA-AF9E-AACC035F0948}" destId="{C11254F3-8021-4DB8-8F31-65B10CEADCB4}" srcOrd="4" destOrd="0" parTransId="{009694E2-FA32-47AC-9DFB-B14AA08FE67B}" sibTransId="{7F5F62B2-8B62-4F36-B21E-211893E587F4}"/>
-    <dgm:cxn modelId="{AB4CFF24-5782-401E-AF6D-CE3AE1776418}" type="presOf" srcId="{E78CD1CF-010B-4CE1-87E6-D15422BFE501}" destId="{20520C1B-3CEB-451C-92C9-94F7F19E94E8}" srcOrd="0" destOrd="0" presId="urn:microsoft.com/office/officeart/2005/8/layout/vList2"/>
-    <dgm:cxn modelId="{E78DDCF9-7577-423F-8F5F-4DD8071576CE}" type="presOf" srcId="{153A3477-7A95-42DD-BE48-7ABF96B7464E}" destId="{7236045B-5900-473E-A178-AF20923747E2}" srcOrd="0" destOrd="0" presId="urn:microsoft.com/office/officeart/2005/8/layout/vList2"/>
-    <dgm:cxn modelId="{68CCFDDF-797D-4CDA-8B39-70D2AD4B5277}" srcId="{E78CD1CF-010B-4CE1-87E6-D15422BFE501}" destId="{8F4DF43B-EE22-4944-97CB-FB12B6F448F4}" srcOrd="0" destOrd="0" parTransId="{F7D1646A-3039-4EF5-A47E-9E366FC97A61}" sibTransId="{C3B9F71E-B25E-498D-880D-1C9F8FC96227}"/>
-    <dgm:cxn modelId="{1AEF826C-9398-4C31-85A3-EF5FFC62800E}" type="presOf" srcId="{15D63427-2345-4382-839A-12363023B59F}" destId="{04CA0C98-292D-40AD-91C8-A4D443DDB8CD}" srcOrd="0" destOrd="0" presId="urn:microsoft.com/office/officeart/2005/8/layout/vList2"/>
-    <dgm:cxn modelId="{E4D8153F-DAB2-4144-9CDD-7C181B5EFDDF}" srcId="{E2CAAFA2-254B-4DEA-AF9E-AACC035F0948}" destId="{15D63427-2345-4382-839A-12363023B59F}" srcOrd="0" destOrd="0" parTransId="{3C78BFB0-C14D-4469-878E-79ED9E048167}" sibTransId="{CC61C90A-C359-490D-83D5-D9527440E610}"/>
-    <dgm:cxn modelId="{8FCA370B-12F5-46C7-93A0-CAAF7935E3A8}" type="presOf" srcId="{DB64B9F9-3FC0-44E6-A69E-C36300B17ACA}" destId="{1423AC30-531D-4610-BE3C-9F2ADA4C5CCD}" srcOrd="0" destOrd="0" presId="urn:microsoft.com/office/officeart/2005/8/layout/vList2"/>
-    <dgm:cxn modelId="{2AB9A3B3-2D9C-4B66-AAE3-01100EC586D5}" type="presOf" srcId="{FBFB4E7D-1783-4861-9BE7-A4FD1BAEDF48}" destId="{E19D7773-B72F-494D-9F87-C6D6F6C7EE11}" srcOrd="0" destOrd="0" presId="urn:microsoft.com/office/officeart/2005/8/layout/vList2"/>
     <dgm:cxn modelId="{20D9E25B-BEBD-4EF1-A0A6-6D93099EC801}" srcId="{C11254F3-8021-4DB8-8F31-65B10CEADCB4}" destId="{FBFB4E7D-1783-4861-9BE7-A4FD1BAEDF48}" srcOrd="0" destOrd="0" parTransId="{EFF3AF77-607D-46B9-892B-2CE63FCF67ED}" sibTransId="{70F1E548-BFE6-4AEE-908E-380F85ADECA3}"/>
     <dgm:cxn modelId="{1C6C6676-1C04-49A2-BAC0-F144C66889A1}" srcId="{E2CAAFA2-254B-4DEA-AF9E-AACC035F0948}" destId="{E78CD1CF-010B-4CE1-87E6-D15422BFE501}" srcOrd="2" destOrd="0" parTransId="{8F21A6F9-6333-4E11-8474-AF6D2C950A15}" sibTransId="{2E854F10-245C-4E7E-B3EA-D8C6452F6DC3}"/>
-    <dgm:cxn modelId="{45990A2E-420B-411F-B25F-D6BF9DCAAD73}" srcId="{003B04E1-4094-41A8-B9B3-686DF7D69C95}" destId="{153A3477-7A95-42DD-BE48-7ABF96B7464E}" srcOrd="0" destOrd="0" parTransId="{3A09380E-030C-4F03-852B-6C9F6C47EA92}" sibTransId="{35C89C4B-3D28-4C45-B71A-0C008F51C63D}"/>
-    <dgm:cxn modelId="{FE194F61-BA40-44BD-AF99-264E76331747}" srcId="{4EB69F67-BCE2-4ECF-885A-E2B07992C7DF}" destId="{DB64B9F9-3FC0-44E6-A69E-C36300B17ACA}" srcOrd="0" destOrd="0" parTransId="{49CABE7F-DE07-44BC-AD1F-0345757EA3B2}" sibTransId="{A87E4287-1673-4690-ACAD-084F763E1F3A}"/>
+    <dgm:cxn modelId="{1AEF826C-9398-4C31-85A3-EF5FFC62800E}" type="presOf" srcId="{15D63427-2345-4382-839A-12363023B59F}" destId="{04CA0C98-292D-40AD-91C8-A4D443DDB8CD}" srcOrd="0" destOrd="0" presId="urn:microsoft.com/office/officeart/2005/8/layout/vList2"/>
+    <dgm:cxn modelId="{8FCA370B-12F5-46C7-93A0-CAAF7935E3A8}" type="presOf" srcId="{DB64B9F9-3FC0-44E6-A69E-C36300B17ACA}" destId="{1423AC30-531D-4610-BE3C-9F2ADA4C5CCD}" srcOrd="0" destOrd="0" presId="urn:microsoft.com/office/officeart/2005/8/layout/vList2"/>
+    <dgm:cxn modelId="{01A3ADAC-9779-417A-9C52-4B7DADF3E72C}" type="presOf" srcId="{E2CAAFA2-254B-4DEA-AF9E-AACC035F0948}" destId="{A6E97539-5596-4DF9-BD39-C2D64A537652}" srcOrd="0" destOrd="0" presId="urn:microsoft.com/office/officeart/2005/8/layout/vList2"/>
+    <dgm:cxn modelId="{2AB9A3B3-2D9C-4B66-AAE3-01100EC586D5}" type="presOf" srcId="{FBFB4E7D-1783-4861-9BE7-A4FD1BAEDF48}" destId="{E19D7773-B72F-494D-9F87-C6D6F6C7EE11}" srcOrd="0" destOrd="0" presId="urn:microsoft.com/office/officeart/2005/8/layout/vList2"/>
     <dgm:cxn modelId="{AB86E5B8-F688-4548-B186-F43E244EE88A}" type="presParOf" srcId="{A6E97539-5596-4DF9-BD39-C2D64A537652}" destId="{04CA0C98-292D-40AD-91C8-A4D443DDB8CD}" srcOrd="0" destOrd="0" presId="urn:microsoft.com/office/officeart/2005/8/layout/vList2"/>
     <dgm:cxn modelId="{A21E2725-89F6-4024-948E-5DBE14B05BED}" type="presParOf" srcId="{A6E97539-5596-4DF9-BD39-C2D64A537652}" destId="{302B382D-9D79-4876-B0FB-6E61C05D653F}" srcOrd="1" destOrd="0" presId="urn:microsoft.com/office/officeart/2005/8/layout/vList2"/>
     <dgm:cxn modelId="{FDE9442C-728C-4DB1-8BE9-F95EA514504C}" type="presParOf" srcId="{A6E97539-5596-4DF9-BD39-C2D64A537652}" destId="{FD347E0A-6B82-4B0C-995D-51C23A141C9F}" srcOrd="2" destOrd="0" presId="urn:microsoft.com/office/officeart/2005/8/layout/vList2"/>
@@ -13148,27 +13148,27 @@
     </dgm:pt>
   </dgm:ptLst>
   <dgm:cxnLst>
-    <dgm:cxn modelId="{45990A2E-420B-411F-B25F-D6BF9DCAAD73}" srcId="{003B04E1-4094-41A8-B9B3-686DF7D69C95}" destId="{153A3477-7A95-42DD-BE48-7ABF96B7464E}" srcOrd="0" destOrd="0" parTransId="{3A09380E-030C-4F03-852B-6C9F6C47EA92}" sibTransId="{35C89C4B-3D28-4C45-B71A-0C008F51C63D}"/>
+    <dgm:cxn modelId="{692CC589-1F75-4110-92B8-EE724BDB946E}" type="presOf" srcId="{8F4DF43B-EE22-4944-97CB-FB12B6F448F4}" destId="{34C7D9B9-DA42-4CF4-8018-A884B18D1A43}" srcOrd="0" destOrd="0" presId="urn:microsoft.com/office/officeart/2005/8/layout/vList2"/>
+    <dgm:cxn modelId="{46C1E0D9-EA9D-489B-BCA2-47CB3E82B228}" type="presOf" srcId="{91F11B5A-8EC8-46A8-8357-271637F77443}" destId="{302B382D-9D79-4876-B0FB-6E61C05D653F}" srcOrd="0" destOrd="0" presId="urn:microsoft.com/office/officeart/2005/8/layout/vList2"/>
+    <dgm:cxn modelId="{01A3ADAC-9779-417A-9C52-4B7DADF3E72C}" type="presOf" srcId="{E2CAAFA2-254B-4DEA-AF9E-AACC035F0948}" destId="{A6E97539-5596-4DF9-BD39-C2D64A537652}" srcOrd="0" destOrd="0" presId="urn:microsoft.com/office/officeart/2005/8/layout/vList2"/>
+    <dgm:cxn modelId="{E9BDD477-A96E-45F5-AE30-95E0FCAC3219}" type="presOf" srcId="{4EB69F67-BCE2-4ECF-885A-E2B07992C7DF}" destId="{FD347E0A-6B82-4B0C-995D-51C23A141C9F}" srcOrd="0" destOrd="0" presId="urn:microsoft.com/office/officeart/2005/8/layout/vList2"/>
+    <dgm:cxn modelId="{257F7218-6BB9-4F60-878D-0C6988B2A809}" srcId="{15D63427-2345-4382-839A-12363023B59F}" destId="{91F11B5A-8EC8-46A8-8357-271637F77443}" srcOrd="0" destOrd="0" parTransId="{6D4C3D69-AF04-4591-8C46-D5D8D02EDACD}" sibTransId="{04A27346-37FC-4810-B32D-2A71C6689080}"/>
+    <dgm:cxn modelId="{8F89E1A2-EDB8-4F3C-A85A-EC22A261348E}" type="presOf" srcId="{003B04E1-4094-41A8-B9B3-686DF7D69C95}" destId="{9F264BE6-77D3-4778-98FC-1AFD0BD537B3}" srcOrd="0" destOrd="0" presId="urn:microsoft.com/office/officeart/2005/8/layout/vList2"/>
+    <dgm:cxn modelId="{D21476AF-3920-46FE-BD32-C4E9E1415525}" srcId="{E2CAAFA2-254B-4DEA-AF9E-AACC035F0948}" destId="{4EB69F67-BCE2-4ECF-885A-E2B07992C7DF}" srcOrd="1" destOrd="0" parTransId="{F05F7388-5305-48EE-9409-9084F2C41013}" sibTransId="{D1B3F939-6EC8-4462-B5D8-CB4CFB823B54}"/>
+    <dgm:cxn modelId="{39A3CA55-35DF-4D86-9045-F011BFFC032D}" srcId="{E2CAAFA2-254B-4DEA-AF9E-AACC035F0948}" destId="{003B04E1-4094-41A8-B9B3-686DF7D69C95}" srcOrd="3" destOrd="0" parTransId="{604DC87C-84CD-4C38-96D1-98E4A29EDE91}" sibTransId="{66E29971-F29B-49B5-AEA1-F559A796D57D}"/>
+    <dgm:cxn modelId="{7518DA06-1C6E-4A4B-AFD5-6123ACAE1C86}" type="presOf" srcId="{C11254F3-8021-4DB8-8F31-65B10CEADCB4}" destId="{CECA9D39-BB3C-425D-88EA-A1C32AF09186}" srcOrd="0" destOrd="0" presId="urn:microsoft.com/office/officeart/2005/8/layout/vList2"/>
+    <dgm:cxn modelId="{8551DCB5-C70F-446F-A0F6-641E7F0A3C6E}" srcId="{E2CAAFA2-254B-4DEA-AF9E-AACC035F0948}" destId="{C11254F3-8021-4DB8-8F31-65B10CEADCB4}" srcOrd="4" destOrd="0" parTransId="{009694E2-FA32-47AC-9DFB-B14AA08FE67B}" sibTransId="{7F5F62B2-8B62-4F36-B21E-211893E587F4}"/>
+    <dgm:cxn modelId="{AB4CFF24-5782-401E-AF6D-CE3AE1776418}" type="presOf" srcId="{E78CD1CF-010B-4CE1-87E6-D15422BFE501}" destId="{20520C1B-3CEB-451C-92C9-94F7F19E94E8}" srcOrd="0" destOrd="0" presId="urn:microsoft.com/office/officeart/2005/8/layout/vList2"/>
+    <dgm:cxn modelId="{E78DDCF9-7577-423F-8F5F-4DD8071576CE}" type="presOf" srcId="{153A3477-7A95-42DD-BE48-7ABF96B7464E}" destId="{7236045B-5900-473E-A178-AF20923747E2}" srcOrd="0" destOrd="0" presId="urn:microsoft.com/office/officeart/2005/8/layout/vList2"/>
     <dgm:cxn modelId="{68CCFDDF-797D-4CDA-8B39-70D2AD4B5277}" srcId="{E78CD1CF-010B-4CE1-87E6-D15422BFE501}" destId="{8F4DF43B-EE22-4944-97CB-FB12B6F448F4}" srcOrd="0" destOrd="0" parTransId="{F7D1646A-3039-4EF5-A47E-9E366FC97A61}" sibTransId="{C3B9F71E-B25E-498D-880D-1C9F8FC96227}"/>
-    <dgm:cxn modelId="{E9BDD477-A96E-45F5-AE30-95E0FCAC3219}" type="presOf" srcId="{4EB69F67-BCE2-4ECF-885A-E2B07992C7DF}" destId="{FD347E0A-6B82-4B0C-995D-51C23A141C9F}" srcOrd="0" destOrd="0" presId="urn:microsoft.com/office/officeart/2005/8/layout/vList2"/>
-    <dgm:cxn modelId="{39A3CA55-35DF-4D86-9045-F011BFFC032D}" srcId="{E2CAAFA2-254B-4DEA-AF9E-AACC035F0948}" destId="{003B04E1-4094-41A8-B9B3-686DF7D69C95}" srcOrd="3" destOrd="0" parTransId="{604DC87C-84CD-4C38-96D1-98E4A29EDE91}" sibTransId="{66E29971-F29B-49B5-AEA1-F559A796D57D}"/>
+    <dgm:cxn modelId="{1AEF826C-9398-4C31-85A3-EF5FFC62800E}" type="presOf" srcId="{15D63427-2345-4382-839A-12363023B59F}" destId="{04CA0C98-292D-40AD-91C8-A4D443DDB8CD}" srcOrd="0" destOrd="0" presId="urn:microsoft.com/office/officeart/2005/8/layout/vList2"/>
     <dgm:cxn modelId="{E4D8153F-DAB2-4144-9CDD-7C181B5EFDDF}" srcId="{E2CAAFA2-254B-4DEA-AF9E-AACC035F0948}" destId="{15D63427-2345-4382-839A-12363023B59F}" srcOrd="0" destOrd="0" parTransId="{3C78BFB0-C14D-4469-878E-79ED9E048167}" sibTransId="{CC61C90A-C359-490D-83D5-D9527440E610}"/>
-    <dgm:cxn modelId="{257F7218-6BB9-4F60-878D-0C6988B2A809}" srcId="{15D63427-2345-4382-839A-12363023B59F}" destId="{91F11B5A-8EC8-46A8-8357-271637F77443}" srcOrd="0" destOrd="0" parTransId="{6D4C3D69-AF04-4591-8C46-D5D8D02EDACD}" sibTransId="{04A27346-37FC-4810-B32D-2A71C6689080}"/>
-    <dgm:cxn modelId="{AB4CFF24-5782-401E-AF6D-CE3AE1776418}" type="presOf" srcId="{E78CD1CF-010B-4CE1-87E6-D15422BFE501}" destId="{20520C1B-3CEB-451C-92C9-94F7F19E94E8}" srcOrd="0" destOrd="0" presId="urn:microsoft.com/office/officeart/2005/8/layout/vList2"/>
-    <dgm:cxn modelId="{D21476AF-3920-46FE-BD32-C4E9E1415525}" srcId="{E2CAAFA2-254B-4DEA-AF9E-AACC035F0948}" destId="{4EB69F67-BCE2-4ECF-885A-E2B07992C7DF}" srcOrd="1" destOrd="0" parTransId="{F05F7388-5305-48EE-9409-9084F2C41013}" sibTransId="{D1B3F939-6EC8-4462-B5D8-CB4CFB823B54}"/>
-    <dgm:cxn modelId="{8F89E1A2-EDB8-4F3C-A85A-EC22A261348E}" type="presOf" srcId="{003B04E1-4094-41A8-B9B3-686DF7D69C95}" destId="{9F264BE6-77D3-4778-98FC-1AFD0BD537B3}" srcOrd="0" destOrd="0" presId="urn:microsoft.com/office/officeart/2005/8/layout/vList2"/>
-    <dgm:cxn modelId="{7518DA06-1C6E-4A4B-AFD5-6123ACAE1C86}" type="presOf" srcId="{C11254F3-8021-4DB8-8F31-65B10CEADCB4}" destId="{CECA9D39-BB3C-425D-88EA-A1C32AF09186}" srcOrd="0" destOrd="0" presId="urn:microsoft.com/office/officeart/2005/8/layout/vList2"/>
-    <dgm:cxn modelId="{46C1E0D9-EA9D-489B-BCA2-47CB3E82B228}" type="presOf" srcId="{91F11B5A-8EC8-46A8-8357-271637F77443}" destId="{302B382D-9D79-4876-B0FB-6E61C05D653F}" srcOrd="0" destOrd="0" presId="urn:microsoft.com/office/officeart/2005/8/layout/vList2"/>
-    <dgm:cxn modelId="{692CC589-1F75-4110-92B8-EE724BDB946E}" type="presOf" srcId="{8F4DF43B-EE22-4944-97CB-FB12B6F448F4}" destId="{34C7D9B9-DA42-4CF4-8018-A884B18D1A43}" srcOrd="0" destOrd="0" presId="urn:microsoft.com/office/officeart/2005/8/layout/vList2"/>
-    <dgm:cxn modelId="{FE194F61-BA40-44BD-AF99-264E76331747}" srcId="{4EB69F67-BCE2-4ECF-885A-E2B07992C7DF}" destId="{DB64B9F9-3FC0-44E6-A69E-C36300B17ACA}" srcOrd="0" destOrd="0" parTransId="{49CABE7F-DE07-44BC-AD1F-0345757EA3B2}" sibTransId="{A87E4287-1673-4690-ACAD-084F763E1F3A}"/>
-    <dgm:cxn modelId="{E78DDCF9-7577-423F-8F5F-4DD8071576CE}" type="presOf" srcId="{153A3477-7A95-42DD-BE48-7ABF96B7464E}" destId="{7236045B-5900-473E-A178-AF20923747E2}" srcOrd="0" destOrd="0" presId="urn:microsoft.com/office/officeart/2005/8/layout/vList2"/>
-    <dgm:cxn modelId="{8551DCB5-C70F-446F-A0F6-641E7F0A3C6E}" srcId="{E2CAAFA2-254B-4DEA-AF9E-AACC035F0948}" destId="{C11254F3-8021-4DB8-8F31-65B10CEADCB4}" srcOrd="4" destOrd="0" parTransId="{009694E2-FA32-47AC-9DFB-B14AA08FE67B}" sibTransId="{7F5F62B2-8B62-4F36-B21E-211893E587F4}"/>
+    <dgm:cxn modelId="{8FCA370B-12F5-46C7-93A0-CAAF7935E3A8}" type="presOf" srcId="{DB64B9F9-3FC0-44E6-A69E-C36300B17ACA}" destId="{1423AC30-531D-4610-BE3C-9F2ADA4C5CCD}" srcOrd="0" destOrd="0" presId="urn:microsoft.com/office/officeart/2005/8/layout/vList2"/>
+    <dgm:cxn modelId="{2AB9A3B3-2D9C-4B66-AAE3-01100EC586D5}" type="presOf" srcId="{FBFB4E7D-1783-4861-9BE7-A4FD1BAEDF48}" destId="{E19D7773-B72F-494D-9F87-C6D6F6C7EE11}" srcOrd="0" destOrd="0" presId="urn:microsoft.com/office/officeart/2005/8/layout/vList2"/>
     <dgm:cxn modelId="{20D9E25B-BEBD-4EF1-A0A6-6D93099EC801}" srcId="{C11254F3-8021-4DB8-8F31-65B10CEADCB4}" destId="{FBFB4E7D-1783-4861-9BE7-A4FD1BAEDF48}" srcOrd="0" destOrd="0" parTransId="{EFF3AF77-607D-46B9-892B-2CE63FCF67ED}" sibTransId="{70F1E548-BFE6-4AEE-908E-380F85ADECA3}"/>
     <dgm:cxn modelId="{1C6C6676-1C04-49A2-BAC0-F144C66889A1}" srcId="{E2CAAFA2-254B-4DEA-AF9E-AACC035F0948}" destId="{E78CD1CF-010B-4CE1-87E6-D15422BFE501}" srcOrd="2" destOrd="0" parTransId="{8F21A6F9-6333-4E11-8474-AF6D2C950A15}" sibTransId="{2E854F10-245C-4E7E-B3EA-D8C6452F6DC3}"/>
-    <dgm:cxn modelId="{1AEF826C-9398-4C31-85A3-EF5FFC62800E}" type="presOf" srcId="{15D63427-2345-4382-839A-12363023B59F}" destId="{04CA0C98-292D-40AD-91C8-A4D443DDB8CD}" srcOrd="0" destOrd="0" presId="urn:microsoft.com/office/officeart/2005/8/layout/vList2"/>
-    <dgm:cxn modelId="{8FCA370B-12F5-46C7-93A0-CAAF7935E3A8}" type="presOf" srcId="{DB64B9F9-3FC0-44E6-A69E-C36300B17ACA}" destId="{1423AC30-531D-4610-BE3C-9F2ADA4C5CCD}" srcOrd="0" destOrd="0" presId="urn:microsoft.com/office/officeart/2005/8/layout/vList2"/>
-    <dgm:cxn modelId="{01A3ADAC-9779-417A-9C52-4B7DADF3E72C}" type="presOf" srcId="{E2CAAFA2-254B-4DEA-AF9E-AACC035F0948}" destId="{A6E97539-5596-4DF9-BD39-C2D64A537652}" srcOrd="0" destOrd="0" presId="urn:microsoft.com/office/officeart/2005/8/layout/vList2"/>
-    <dgm:cxn modelId="{2AB9A3B3-2D9C-4B66-AAE3-01100EC586D5}" type="presOf" srcId="{FBFB4E7D-1783-4861-9BE7-A4FD1BAEDF48}" destId="{E19D7773-B72F-494D-9F87-C6D6F6C7EE11}" srcOrd="0" destOrd="0" presId="urn:microsoft.com/office/officeart/2005/8/layout/vList2"/>
+    <dgm:cxn modelId="{45990A2E-420B-411F-B25F-D6BF9DCAAD73}" srcId="{003B04E1-4094-41A8-B9B3-686DF7D69C95}" destId="{153A3477-7A95-42DD-BE48-7ABF96B7464E}" srcOrd="0" destOrd="0" parTransId="{3A09380E-030C-4F03-852B-6C9F6C47EA92}" sibTransId="{35C89C4B-3D28-4C45-B71A-0C008F51C63D}"/>
+    <dgm:cxn modelId="{FE194F61-BA40-44BD-AF99-264E76331747}" srcId="{4EB69F67-BCE2-4ECF-885A-E2B07992C7DF}" destId="{DB64B9F9-3FC0-44E6-A69E-C36300B17ACA}" srcOrd="0" destOrd="0" parTransId="{49CABE7F-DE07-44BC-AD1F-0345757EA3B2}" sibTransId="{A87E4287-1673-4690-ACAD-084F763E1F3A}"/>
     <dgm:cxn modelId="{AB86E5B8-F688-4548-B186-F43E244EE88A}" type="presParOf" srcId="{A6E97539-5596-4DF9-BD39-C2D64A537652}" destId="{04CA0C98-292D-40AD-91C8-A4D443DDB8CD}" srcOrd="0" destOrd="0" presId="urn:microsoft.com/office/officeart/2005/8/layout/vList2"/>
     <dgm:cxn modelId="{A21E2725-89F6-4024-948E-5DBE14B05BED}" type="presParOf" srcId="{A6E97539-5596-4DF9-BD39-C2D64A537652}" destId="{302B382D-9D79-4876-B0FB-6E61C05D653F}" srcOrd="1" destOrd="0" presId="urn:microsoft.com/office/officeart/2005/8/layout/vList2"/>
     <dgm:cxn modelId="{FDE9442C-728C-4DB1-8BE9-F95EA514504C}" type="presParOf" srcId="{A6E97539-5596-4DF9-BD39-C2D64A537652}" destId="{FD347E0A-6B82-4B0C-995D-51C23A141C9F}" srcOrd="2" destOrd="0" presId="urn:microsoft.com/office/officeart/2005/8/layout/vList2"/>
@@ -32923,7 +32923,7 @@
           <a:p>
             <a:fld id="{32D43B61-ADD0-7448-9BC3-F70BFA1F8529}" type="datetimeFigureOut">
               <a:rPr kumimoji="1" lang="zh-CN" altLang="en-US" smtClean="0"/>
-              <a:t>2019/1/11</a:t>
+              <a:t>2019/1/13</a:t>
             </a:fld>
             <a:endParaRPr kumimoji="1" lang="zh-CN" altLang="en-US"/>
           </a:p>
@@ -34263,7 +34263,7 @@
           <a:p>
             <a:fld id="{1681B6C6-8419-6843-AAC7-3C6571B722FB}" type="datetimeFigureOut">
               <a:rPr kumimoji="1" lang="zh-CN" altLang="en-US" smtClean="0"/>
-              <a:t>2019/1/11</a:t>
+              <a:t>2019/1/13</a:t>
             </a:fld>
             <a:endParaRPr kumimoji="1" lang="zh-CN" altLang="en-US"/>
           </a:p>
@@ -34458,7 +34458,7 @@
           <a:p>
             <a:fld id="{1681B6C6-8419-6843-AAC7-3C6571B722FB}" type="datetimeFigureOut">
               <a:rPr kumimoji="1" lang="zh-CN" altLang="en-US" smtClean="0"/>
-              <a:t>2019/1/11</a:t>
+              <a:t>2019/1/13</a:t>
             </a:fld>
             <a:endParaRPr kumimoji="1" lang="zh-CN" altLang="en-US"/>
           </a:p>
@@ -34633,7 +34633,7 @@
           <a:p>
             <a:fld id="{1681B6C6-8419-6843-AAC7-3C6571B722FB}" type="datetimeFigureOut">
               <a:rPr kumimoji="1" lang="zh-CN" altLang="en-US" smtClean="0"/>
-              <a:t>2019/1/11</a:t>
+              <a:t>2019/1/13</a:t>
             </a:fld>
             <a:endParaRPr kumimoji="1" lang="zh-CN" altLang="en-US"/>
           </a:p>
@@ -34820,7 +34820,7 @@
           <a:p>
             <a:fld id="{BB2C7420-5CB8-0342-A8E8-0E3754D5D583}" type="datetimeFigureOut">
               <a:rPr kumimoji="1" lang="zh-CN" altLang="en-US" smtClean="0"/>
-              <a:t>2019/1/11</a:t>
+              <a:t>2019/1/13</a:t>
             </a:fld>
             <a:endParaRPr kumimoji="1" lang="zh-CN" altLang="en-US"/>
           </a:p>
@@ -34985,7 +34985,7 @@
           <a:p>
             <a:fld id="{BB2C7420-5CB8-0342-A8E8-0E3754D5D583}" type="datetimeFigureOut">
               <a:rPr kumimoji="1" lang="zh-CN" altLang="en-US" smtClean="0"/>
-              <a:t>2019/1/11</a:t>
+              <a:t>2019/1/13</a:t>
             </a:fld>
             <a:endParaRPr kumimoji="1" lang="zh-CN" altLang="en-US"/>
           </a:p>
@@ -35226,7 +35226,7 @@
           <a:p>
             <a:fld id="{BB2C7420-5CB8-0342-A8E8-0E3754D5D583}" type="datetimeFigureOut">
               <a:rPr kumimoji="1" lang="zh-CN" altLang="en-US" smtClean="0"/>
-              <a:t>2019/1/11</a:t>
+              <a:t>2019/1/13</a:t>
             </a:fld>
             <a:endParaRPr kumimoji="1" lang="zh-CN" altLang="en-US"/>
           </a:p>
@@ -35453,7 +35453,7 @@
           <a:p>
             <a:fld id="{BB2C7420-5CB8-0342-A8E8-0E3754D5D583}" type="datetimeFigureOut">
               <a:rPr kumimoji="1" lang="zh-CN" altLang="en-US" smtClean="0"/>
-              <a:t>2019/1/11</a:t>
+              <a:t>2019/1/13</a:t>
             </a:fld>
             <a:endParaRPr kumimoji="1" lang="zh-CN" altLang="en-US"/>
           </a:p>
@@ -35815,7 +35815,7 @@
           <a:p>
             <a:fld id="{BB2C7420-5CB8-0342-A8E8-0E3754D5D583}" type="datetimeFigureOut">
               <a:rPr kumimoji="1" lang="zh-CN" altLang="en-US" smtClean="0"/>
-              <a:t>2019/1/11</a:t>
+              <a:t>2019/1/13</a:t>
             </a:fld>
             <a:endParaRPr kumimoji="1" lang="zh-CN" altLang="en-US"/>
           </a:p>
@@ -35928,7 +35928,7 @@
           <a:p>
             <a:fld id="{BB2C7420-5CB8-0342-A8E8-0E3754D5D583}" type="datetimeFigureOut">
               <a:rPr kumimoji="1" lang="zh-CN" altLang="en-US" smtClean="0"/>
-              <a:t>2019/1/11</a:t>
+              <a:t>2019/1/13</a:t>
             </a:fld>
             <a:endParaRPr kumimoji="1" lang="zh-CN" altLang="en-US"/>
           </a:p>
@@ -36018,7 +36018,7 @@
           <a:p>
             <a:fld id="{BB2C7420-5CB8-0342-A8E8-0E3754D5D583}" type="datetimeFigureOut">
               <a:rPr kumimoji="1" lang="zh-CN" altLang="en-US" smtClean="0"/>
-              <a:t>2019/1/11</a:t>
+              <a:t>2019/1/13</a:t>
             </a:fld>
             <a:endParaRPr kumimoji="1" lang="zh-CN" altLang="en-US"/>
           </a:p>
@@ -36320,7 +36320,7 @@
           <a:p>
             <a:fld id="{BB2C7420-5CB8-0342-A8E8-0E3754D5D583}" type="datetimeFigureOut">
               <a:rPr kumimoji="1" lang="zh-CN" altLang="en-US" smtClean="0"/>
-              <a:t>2019/1/11</a:t>
+              <a:t>2019/1/13</a:t>
             </a:fld>
             <a:endParaRPr kumimoji="1" lang="zh-CN" altLang="en-US"/>
           </a:p>
@@ -36485,7 +36485,7 @@
           <a:p>
             <a:fld id="{1681B6C6-8419-6843-AAC7-3C6571B722FB}" type="datetimeFigureOut">
               <a:rPr kumimoji="1" lang="zh-CN" altLang="en-US" smtClean="0"/>
-              <a:t>2019/1/11</a:t>
+              <a:t>2019/1/13</a:t>
             </a:fld>
             <a:endParaRPr kumimoji="1" lang="zh-CN" altLang="en-US"/>
           </a:p>
@@ -36733,7 +36733,7 @@
           <a:p>
             <a:fld id="{BB2C7420-5CB8-0342-A8E8-0E3754D5D583}" type="datetimeFigureOut">
               <a:rPr kumimoji="1" lang="zh-CN" altLang="en-US" smtClean="0"/>
-              <a:t>2019/1/11</a:t>
+              <a:t>2019/1/13</a:t>
             </a:fld>
             <a:endParaRPr kumimoji="1" lang="zh-CN" altLang="en-US"/>
           </a:p>
@@ -36898,7 +36898,7 @@
           <a:p>
             <a:fld id="{BB2C7420-5CB8-0342-A8E8-0E3754D5D583}" type="datetimeFigureOut">
               <a:rPr kumimoji="1" lang="zh-CN" altLang="en-US" smtClean="0"/>
-              <a:t>2019/1/11</a:t>
+              <a:t>2019/1/13</a:t>
             </a:fld>
             <a:endParaRPr kumimoji="1" lang="zh-CN" altLang="en-US"/>
           </a:p>
@@ -37073,7 +37073,7 @@
           <a:p>
             <a:fld id="{BB2C7420-5CB8-0342-A8E8-0E3754D5D583}" type="datetimeFigureOut">
               <a:rPr kumimoji="1" lang="zh-CN" altLang="en-US" smtClean="0"/>
-              <a:t>2019/1/11</a:t>
+              <a:t>2019/1/13</a:t>
             </a:fld>
             <a:endParaRPr kumimoji="1" lang="zh-CN" altLang="en-US"/>
           </a:p>
@@ -37314,7 +37314,7 @@
           <a:p>
             <a:fld id="{1681B6C6-8419-6843-AAC7-3C6571B722FB}" type="datetimeFigureOut">
               <a:rPr kumimoji="1" lang="zh-CN" altLang="en-US" smtClean="0"/>
-              <a:t>2019/1/11</a:t>
+              <a:t>2019/1/13</a:t>
             </a:fld>
             <a:endParaRPr kumimoji="1" lang="zh-CN" altLang="en-US"/>
           </a:p>
@@ -37541,7 +37541,7 @@
           <a:p>
             <a:fld id="{1681B6C6-8419-6843-AAC7-3C6571B722FB}" type="datetimeFigureOut">
               <a:rPr kumimoji="1" lang="zh-CN" altLang="en-US" smtClean="0"/>
-              <a:t>2019/1/11</a:t>
+              <a:t>2019/1/13</a:t>
             </a:fld>
             <a:endParaRPr kumimoji="1" lang="zh-CN" altLang="en-US"/>
           </a:p>
@@ -37903,7 +37903,7 @@
           <a:p>
             <a:fld id="{1681B6C6-8419-6843-AAC7-3C6571B722FB}" type="datetimeFigureOut">
               <a:rPr kumimoji="1" lang="zh-CN" altLang="en-US" smtClean="0"/>
-              <a:t>2019/1/11</a:t>
+              <a:t>2019/1/13</a:t>
             </a:fld>
             <a:endParaRPr kumimoji="1" lang="zh-CN" altLang="en-US"/>
           </a:p>
@@ -38034,7 +38034,7 @@
           <a:p>
             <a:fld id="{1681B6C6-8419-6843-AAC7-3C6571B722FB}" type="datetimeFigureOut">
               <a:rPr kumimoji="1" lang="zh-CN" altLang="en-US" smtClean="0"/>
-              <a:t>2019/1/11</a:t>
+              <a:t>2019/1/13</a:t>
             </a:fld>
             <a:endParaRPr kumimoji="1" lang="zh-CN" altLang="en-US"/>
           </a:p>
@@ -38124,7 +38124,7 @@
           <a:p>
             <a:fld id="{1681B6C6-8419-6843-AAC7-3C6571B722FB}" type="datetimeFigureOut">
               <a:rPr kumimoji="1" lang="zh-CN" altLang="en-US" smtClean="0"/>
-              <a:t>2019/1/11</a:t>
+              <a:t>2019/1/13</a:t>
             </a:fld>
             <a:endParaRPr kumimoji="1" lang="zh-CN" altLang="en-US"/>
           </a:p>
@@ -38396,7 +38396,7 @@
           <a:p>
             <a:fld id="{1681B6C6-8419-6843-AAC7-3C6571B722FB}" type="datetimeFigureOut">
               <a:rPr kumimoji="1" lang="zh-CN" altLang="en-US" smtClean="0"/>
-              <a:t>2019/1/11</a:t>
+              <a:t>2019/1/13</a:t>
             </a:fld>
             <a:endParaRPr kumimoji="1" lang="zh-CN" altLang="en-US"/>
           </a:p>
@@ -38644,7 +38644,7 @@
           <a:p>
             <a:fld id="{1681B6C6-8419-6843-AAC7-3C6571B722FB}" type="datetimeFigureOut">
               <a:rPr kumimoji="1" lang="zh-CN" altLang="en-US" smtClean="0"/>
-              <a:t>2019/1/11</a:t>
+              <a:t>2019/1/13</a:t>
             </a:fld>
             <a:endParaRPr kumimoji="1" lang="zh-CN" altLang="en-US"/>
           </a:p>
@@ -38852,7 +38852,7 @@
           <a:p>
             <a:fld id="{1681B6C6-8419-6843-AAC7-3C6571B722FB}" type="datetimeFigureOut">
               <a:rPr kumimoji="1" lang="zh-CN" altLang="en-US" smtClean="0"/>
-              <a:t>2019/1/11</a:t>
+              <a:t>2019/1/13</a:t>
             </a:fld>
             <a:endParaRPr kumimoji="1" lang="zh-CN" altLang="en-US"/>
           </a:p>
@@ -39461,7 +39461,7 @@
           <a:p>
             <a:fld id="{BB2C7420-5CB8-0342-A8E8-0E3754D5D583}" type="datetimeFigureOut">
               <a:rPr kumimoji="1" lang="zh-CN" altLang="en-US" smtClean="0"/>
-              <a:t>2019/1/11</a:t>
+              <a:t>2019/1/13</a:t>
             </a:fld>
             <a:endParaRPr kumimoji="1" lang="zh-CN" altLang="en-US"/>
           </a:p>
@@ -45386,6 +45386,67 @@
       </p:grpSpPr>
       <p:sp>
         <p:nvSpPr>
+          <p:cNvPr id="79" name="圆角矩形 78"/>
+          <p:cNvSpPr/>
+          <p:nvPr/>
+        </p:nvSpPr>
+        <p:spPr>
+          <a:xfrm>
+            <a:off x="223076" y="5588667"/>
+            <a:ext cx="8227242" cy="860400"/>
+          </a:xfrm>
+          <a:prstGeom prst="roundRect">
+            <a:avLst>
+              <a:gd name="adj" fmla="val 0"/>
+            </a:avLst>
+          </a:prstGeom>
+          <a:solidFill>
+            <a:srgbClr val="FF5608"/>
+          </a:solidFill>
+          <a:ln>
+            <a:noFill/>
+            <a:prstDash val="sysDash"/>
+          </a:ln>
+        </p:spPr>
+        <p:style>
+          <a:lnRef idx="2">
+            <a:schemeClr val="accent1">
+              <a:shade val="50000"/>
+            </a:schemeClr>
+          </a:lnRef>
+          <a:fillRef idx="1">
+            <a:schemeClr val="accent1"/>
+          </a:fillRef>
+          <a:effectRef idx="0">
+            <a:schemeClr val="accent1"/>
+          </a:effectRef>
+          <a:fontRef idx="minor">
+            <a:schemeClr val="lt1"/>
+          </a:fontRef>
+        </p:style>
+        <p:txBody>
+          <a:bodyPr rtlCol="0" anchor="ctr"/>
+          <a:lstStyle/>
+          <a:p>
+            <a:r>
+              <a:rPr lang="zh-CN" altLang="en-US" sz="1000" b="1" dirty="0" smtClean="0">
+                <a:latin typeface="微软雅黑" panose="020B0503020204020204" pitchFamily="34" charset="-122"/>
+                <a:ea typeface="微软雅黑" panose="020B0503020204020204" pitchFamily="34" charset="-122"/>
+              </a:rPr>
+              <a:t>  基础</a:t>
+            </a:r>
+            <a:r>
+              <a:rPr lang="zh-CN" altLang="en-US" sz="1000" b="1" dirty="0">
+                <a:latin typeface="微软雅黑" panose="020B0503020204020204" pitchFamily="34" charset="-122"/>
+                <a:ea typeface="微软雅黑" panose="020B0503020204020204" pitchFamily="34" charset="-122"/>
+              </a:rPr>
+              <a:t>服务层</a:t>
+            </a:r>
+          </a:p>
+        </p:txBody>
+      </p:sp>
+      <p:sp>
+        <p:nvSpPr>
           <p:cNvPr id="2" name="标题 1"/>
           <p:cNvSpPr>
             <a:spLocks noGrp="1"/>
@@ -45411,412 +45472,22 @@
       </p:sp>
       <p:sp>
         <p:nvSpPr>
-          <p:cNvPr id="66" name="文本框 65"/>
-          <p:cNvSpPr txBox="1"/>
-          <p:nvPr/>
-        </p:nvSpPr>
-        <p:spPr>
-          <a:xfrm>
-            <a:off x="213419" y="2266787"/>
-            <a:ext cx="766395" cy="184666"/>
-          </a:xfrm>
-          <a:prstGeom prst="rect">
-            <a:avLst/>
-          </a:prstGeom>
-          <a:noFill/>
-        </p:spPr>
-        <p:txBody>
-          <a:bodyPr wrap="square" lIns="0" tIns="0" rIns="0" bIns="0" rtlCol="0">
-            <a:spAutoFit/>
-          </a:bodyPr>
-          <a:lstStyle/>
-          <a:p>
-            <a:r>
-              <a:rPr lang="zh-CN" altLang="en-US" sz="1200" b="1" dirty="0" smtClean="0">
-                <a:latin typeface="微软雅黑" panose="020B0503020204020204" pitchFamily="34" charset="-122"/>
-                <a:ea typeface="微软雅黑" panose="020B0503020204020204" pitchFamily="34" charset="-122"/>
-              </a:rPr>
-              <a:t>工作流引擎</a:t>
-            </a:r>
-          </a:p>
-        </p:txBody>
-      </p:sp>
-      <p:sp>
-        <p:nvSpPr>
-          <p:cNvPr id="67" name="圆角矩形 66"/>
+          <p:cNvPr id="86" name="圆角矩形 85"/>
           <p:cNvSpPr/>
           <p:nvPr/>
         </p:nvSpPr>
         <p:spPr>
           <a:xfrm>
-            <a:off x="2724096" y="1109230"/>
-            <a:ext cx="1225572" cy="309708"/>
+            <a:off x="1222517" y="5692553"/>
+            <a:ext cx="1584000" cy="654658"/>
           </a:xfrm>
           <a:prstGeom prst="roundRect">
             <a:avLst>
-              <a:gd name="adj" fmla="val 8880"/>
+              <a:gd name="adj" fmla="val 0"/>
             </a:avLst>
           </a:prstGeom>
           <a:solidFill>
-            <a:srgbClr val="58A6E4"/>
-          </a:solidFill>
-          <a:ln w="0">
-            <a:noFill/>
-            <a:prstDash val="sysDash"/>
-          </a:ln>
-        </p:spPr>
-        <p:style>
-          <a:lnRef idx="2">
-            <a:schemeClr val="accent1">
-              <a:shade val="50000"/>
-            </a:schemeClr>
-          </a:lnRef>
-          <a:fillRef idx="1">
-            <a:schemeClr val="accent1"/>
-          </a:fillRef>
-          <a:effectRef idx="0">
-            <a:schemeClr val="accent1"/>
-          </a:effectRef>
-          <a:fontRef idx="minor">
-            <a:schemeClr val="lt1"/>
-          </a:fontRef>
-        </p:style>
-        <p:txBody>
-          <a:bodyPr rtlCol="0" anchor="ctr"/>
-          <a:lstStyle/>
-          <a:p>
-            <a:pPr algn="ctr"/>
-            <a:r>
-              <a:rPr lang="zh-CN" altLang="en-US" sz="1000" dirty="0" smtClean="0">
-                <a:solidFill>
-                  <a:schemeClr val="tx1"/>
-                </a:solidFill>
-                <a:latin typeface="微软雅黑" panose="020B0503020204020204" pitchFamily="34" charset="-122"/>
-                <a:ea typeface="微软雅黑" panose="020B0503020204020204" pitchFamily="34" charset="-122"/>
-              </a:rPr>
-              <a:t>数据管理</a:t>
-            </a:r>
-            <a:endParaRPr lang="zh-CN" altLang="en-US" sz="1000" dirty="0">
-              <a:solidFill>
-                <a:schemeClr val="tx1"/>
-              </a:solidFill>
-              <a:latin typeface="微软雅黑" panose="020B0503020204020204" pitchFamily="34" charset="-122"/>
-              <a:ea typeface="微软雅黑" panose="020B0503020204020204" pitchFamily="34" charset="-122"/>
-            </a:endParaRPr>
-          </a:p>
-        </p:txBody>
-      </p:sp>
-      <p:sp>
-        <p:nvSpPr>
-          <p:cNvPr id="68" name="文本框 67"/>
-          <p:cNvSpPr txBox="1"/>
-          <p:nvPr/>
-        </p:nvSpPr>
-        <p:spPr>
-          <a:xfrm>
-            <a:off x="213418" y="5775562"/>
-            <a:ext cx="766397" cy="184666"/>
-          </a:xfrm>
-          <a:prstGeom prst="rect">
-            <a:avLst/>
-          </a:prstGeom>
-          <a:noFill/>
-        </p:spPr>
-        <p:txBody>
-          <a:bodyPr wrap="square" lIns="0" tIns="0" rIns="0" bIns="0" rtlCol="0">
-            <a:spAutoFit/>
-          </a:bodyPr>
-          <a:lstStyle/>
-          <a:p>
-            <a:r>
-              <a:rPr lang="zh-CN" altLang="en-US" sz="1200" b="1" dirty="0" smtClean="0">
-                <a:latin typeface="微软雅黑" panose="020B0503020204020204" pitchFamily="34" charset="-122"/>
-                <a:ea typeface="微软雅黑" panose="020B0503020204020204" pitchFamily="34" charset="-122"/>
-              </a:rPr>
-              <a:t>基础服务层</a:t>
-            </a:r>
-          </a:p>
-        </p:txBody>
-      </p:sp>
-      <p:sp>
-        <p:nvSpPr>
-          <p:cNvPr id="69" name="文本框 68"/>
-          <p:cNvSpPr txBox="1"/>
-          <p:nvPr/>
-        </p:nvSpPr>
-        <p:spPr>
-          <a:xfrm>
-            <a:off x="212365" y="4758982"/>
-            <a:ext cx="767450" cy="184666"/>
-          </a:xfrm>
-          <a:prstGeom prst="rect">
-            <a:avLst/>
-          </a:prstGeom>
-          <a:noFill/>
-        </p:spPr>
-        <p:txBody>
-          <a:bodyPr wrap="square" lIns="0" tIns="0" rIns="0" bIns="0" rtlCol="0">
-            <a:spAutoFit/>
-          </a:bodyPr>
-          <a:lstStyle/>
-          <a:p>
-            <a:r>
-              <a:rPr lang="zh-CN" altLang="en-US" sz="1200" b="1" dirty="0" smtClean="0">
-                <a:latin typeface="微软雅黑" panose="020B0503020204020204" pitchFamily="34" charset="-122"/>
-                <a:ea typeface="微软雅黑" panose="020B0503020204020204" pitchFamily="34" charset="-122"/>
-              </a:rPr>
-              <a:t>计算框架层</a:t>
-            </a:r>
-          </a:p>
-        </p:txBody>
-      </p:sp>
-      <p:sp>
-        <p:nvSpPr>
-          <p:cNvPr id="70" name="圆角矩形 69"/>
-          <p:cNvSpPr/>
-          <p:nvPr/>
-        </p:nvSpPr>
-        <p:spPr>
-          <a:xfrm>
-            <a:off x="2724095" y="1495138"/>
-            <a:ext cx="1225572" cy="304782"/>
-          </a:xfrm>
-          <a:prstGeom prst="roundRect">
-            <a:avLst>
-              <a:gd name="adj" fmla="val 8880"/>
-            </a:avLst>
-          </a:prstGeom>
-          <a:solidFill>
-            <a:srgbClr val="58A6E4"/>
-          </a:solidFill>
-          <a:ln w="0">
-            <a:noFill/>
-            <a:prstDash val="sysDash"/>
-          </a:ln>
-        </p:spPr>
-        <p:style>
-          <a:lnRef idx="2">
-            <a:schemeClr val="accent1">
-              <a:shade val="50000"/>
-            </a:schemeClr>
-          </a:lnRef>
-          <a:fillRef idx="1">
-            <a:schemeClr val="accent1"/>
-          </a:fillRef>
-          <a:effectRef idx="0">
-            <a:schemeClr val="accent1"/>
-          </a:effectRef>
-          <a:fontRef idx="minor">
-            <a:schemeClr val="lt1"/>
-          </a:fontRef>
-        </p:style>
-        <p:txBody>
-          <a:bodyPr rtlCol="0" anchor="ctr"/>
-          <a:lstStyle/>
-          <a:p>
-            <a:pPr algn="ctr"/>
-            <a:r>
-              <a:rPr lang="zh-CN" altLang="en-US" sz="1000" dirty="0" smtClean="0">
-                <a:solidFill>
-                  <a:schemeClr val="tx1"/>
-                </a:solidFill>
-                <a:latin typeface="微软雅黑" panose="020B0503020204020204" pitchFamily="34" charset="-122"/>
-                <a:ea typeface="微软雅黑" panose="020B0503020204020204" pitchFamily="34" charset="-122"/>
-              </a:rPr>
-              <a:t>模型管理</a:t>
-            </a:r>
-            <a:endParaRPr lang="zh-CN" altLang="en-US" sz="1000" dirty="0">
-              <a:solidFill>
-                <a:schemeClr val="tx1"/>
-              </a:solidFill>
-              <a:latin typeface="微软雅黑" panose="020B0503020204020204" pitchFamily="34" charset="-122"/>
-              <a:ea typeface="微软雅黑" panose="020B0503020204020204" pitchFamily="34" charset="-122"/>
-            </a:endParaRPr>
-          </a:p>
-        </p:txBody>
-      </p:sp>
-      <p:sp>
-        <p:nvSpPr>
-          <p:cNvPr id="71" name="文本框 70"/>
-          <p:cNvSpPr txBox="1"/>
-          <p:nvPr/>
-        </p:nvSpPr>
-        <p:spPr>
-          <a:xfrm>
-            <a:off x="213419" y="1342911"/>
-            <a:ext cx="766395" cy="184666"/>
-          </a:xfrm>
-          <a:prstGeom prst="rect">
-            <a:avLst/>
-          </a:prstGeom>
-          <a:noFill/>
-        </p:spPr>
-        <p:txBody>
-          <a:bodyPr wrap="square" lIns="0" tIns="0" rIns="0" bIns="0" rtlCol="0">
-            <a:spAutoFit/>
-          </a:bodyPr>
-          <a:lstStyle/>
-          <a:p>
-            <a:r>
-              <a:rPr lang="zh-CN" altLang="en-US" sz="1200" b="1" dirty="0" smtClean="0">
-                <a:latin typeface="微软雅黑" panose="020B0503020204020204" pitchFamily="34" charset="-122"/>
-                <a:ea typeface="微软雅黑" panose="020B0503020204020204" pitchFamily="34" charset="-122"/>
-              </a:rPr>
-              <a:t>平台应用层</a:t>
-            </a:r>
-            <a:endParaRPr lang="zh-CN" altLang="en-US" sz="1200" b="1" dirty="0" smtClean="0">
-              <a:latin typeface="微软雅黑" panose="020B0503020204020204" pitchFamily="34" charset="-122"/>
-              <a:ea typeface="微软雅黑" panose="020B0503020204020204" pitchFamily="34" charset="-122"/>
-            </a:endParaRPr>
-          </a:p>
-        </p:txBody>
-      </p:sp>
-      <p:sp>
-        <p:nvSpPr>
-          <p:cNvPr id="72" name="圆角矩形 71"/>
-          <p:cNvSpPr/>
-          <p:nvPr/>
-        </p:nvSpPr>
-        <p:spPr>
-          <a:xfrm>
-            <a:off x="1109140" y="1914530"/>
-            <a:ext cx="2284513" cy="432000"/>
-          </a:xfrm>
-          <a:prstGeom prst="roundRect">
-            <a:avLst>
-              <a:gd name="adj" fmla="val 8880"/>
-            </a:avLst>
-          </a:prstGeom>
-          <a:solidFill>
-            <a:schemeClr val="bg2">
-              <a:lumMod val="65000"/>
-            </a:schemeClr>
-          </a:solidFill>
-          <a:ln>
-            <a:noFill/>
-          </a:ln>
-        </p:spPr>
-        <p:style>
-          <a:lnRef idx="2">
-            <a:schemeClr val="accent1">
-              <a:shade val="50000"/>
-            </a:schemeClr>
-          </a:lnRef>
-          <a:fillRef idx="1">
-            <a:schemeClr val="accent1"/>
-          </a:fillRef>
-          <a:effectRef idx="0">
-            <a:schemeClr val="accent1"/>
-          </a:effectRef>
-          <a:fontRef idx="minor">
-            <a:schemeClr val="lt1"/>
-          </a:fontRef>
-        </p:style>
-        <p:txBody>
-          <a:bodyPr rtlCol="0" anchor="ctr"/>
-          <a:lstStyle/>
-          <a:p>
-            <a:pPr algn="ctr"/>
-            <a:r>
-              <a:rPr lang="zh-CN" altLang="en-US" sz="1000" dirty="0" smtClean="0">
-                <a:latin typeface="微软雅黑" panose="020B0503020204020204" pitchFamily="34" charset="-122"/>
-                <a:ea typeface="微软雅黑" panose="020B0503020204020204" pitchFamily="34" charset="-122"/>
-              </a:rPr>
-              <a:t>工作流编辑</a:t>
-            </a:r>
-            <a:endParaRPr lang="zh-CN" altLang="en-US" sz="1000" dirty="0">
-              <a:latin typeface="微软雅黑" panose="020B0503020204020204" pitchFamily="34" charset="-122"/>
-              <a:ea typeface="微软雅黑" panose="020B0503020204020204" pitchFamily="34" charset="-122"/>
-            </a:endParaRPr>
-          </a:p>
-        </p:txBody>
-      </p:sp>
-      <p:sp>
-        <p:nvSpPr>
-          <p:cNvPr id="73" name="圆角矩形 72"/>
-          <p:cNvSpPr/>
-          <p:nvPr/>
-        </p:nvSpPr>
-        <p:spPr>
-          <a:xfrm>
-            <a:off x="6705665" y="1113570"/>
-            <a:ext cx="1461288" cy="695181"/>
-          </a:xfrm>
-          <a:prstGeom prst="roundRect">
-            <a:avLst>
-              <a:gd name="adj" fmla="val 8880"/>
-            </a:avLst>
-          </a:prstGeom>
-          <a:solidFill>
-            <a:srgbClr val="58A6E4"/>
-          </a:solidFill>
-          <a:ln w="0">
-            <a:noFill/>
-            <a:prstDash val="sysDash"/>
-          </a:ln>
-        </p:spPr>
-        <p:style>
-          <a:lnRef idx="2">
-            <a:schemeClr val="accent1">
-              <a:shade val="50000"/>
-            </a:schemeClr>
-          </a:lnRef>
-          <a:fillRef idx="1">
-            <a:schemeClr val="accent1"/>
-          </a:fillRef>
-          <a:effectRef idx="0">
-            <a:schemeClr val="accent1"/>
-          </a:effectRef>
-          <a:fontRef idx="minor">
-            <a:schemeClr val="lt1"/>
-          </a:fontRef>
-        </p:style>
-        <p:txBody>
-          <a:bodyPr rtlCol="0" anchor="ctr"/>
-          <a:lstStyle/>
-          <a:p>
-            <a:pPr algn="ctr"/>
-            <a:r>
-              <a:rPr lang="zh-CN" altLang="en-US" sz="1000" dirty="0" smtClean="0">
-                <a:solidFill>
-                  <a:schemeClr val="tx1"/>
-                </a:solidFill>
-                <a:latin typeface="微软雅黑" panose="020B0503020204020204" pitchFamily="34" charset="-122"/>
-                <a:ea typeface="微软雅黑" panose="020B0503020204020204" pitchFamily="34" charset="-122"/>
-              </a:rPr>
-              <a:t>开放平台</a:t>
-            </a:r>
-            <a:endParaRPr lang="zh-CN" altLang="en-US" sz="1000" dirty="0">
-              <a:solidFill>
-                <a:schemeClr val="tx1"/>
-              </a:solidFill>
-              <a:latin typeface="微软雅黑" panose="020B0503020204020204" pitchFamily="34" charset="-122"/>
-              <a:ea typeface="微软雅黑" panose="020B0503020204020204" pitchFamily="34" charset="-122"/>
-            </a:endParaRPr>
-          </a:p>
-        </p:txBody>
-      </p:sp>
-      <p:sp>
-        <p:nvSpPr>
-          <p:cNvPr id="78" name="圆角矩形 77"/>
-          <p:cNvSpPr/>
-          <p:nvPr/>
-        </p:nvSpPr>
-        <p:spPr>
-          <a:xfrm>
-            <a:off x="1113769" y="4320502"/>
-            <a:ext cx="919725" cy="525523"/>
-          </a:xfrm>
-          <a:prstGeom prst="roundRect">
-            <a:avLst>
-              <a:gd name="adj" fmla="val 8880"/>
-            </a:avLst>
-          </a:prstGeom>
-          <a:solidFill>
-            <a:schemeClr val="accent5">
-              <a:lumMod val="60000"/>
-              <a:lumOff val="40000"/>
-            </a:schemeClr>
+            <a:srgbClr val="B13100"/>
           </a:solidFill>
           <a:ln>
             <a:noFill/>
@@ -45847,16 +45518,16 @@
             <a:r>
               <a:rPr lang="en-US" altLang="zh-CN" sz="1000" dirty="0" smtClean="0">
                 <a:solidFill>
-                  <a:schemeClr val="tx1"/>
+                  <a:schemeClr val="bg1"/>
                 </a:solidFill>
                 <a:latin typeface="微软雅黑" panose="020B0503020204020204" pitchFamily="34" charset="-122"/>
                 <a:ea typeface="微软雅黑" panose="020B0503020204020204" pitchFamily="34" charset="-122"/>
               </a:rPr>
-              <a:t>Spark SQL</a:t>
+              <a:t>HDFS</a:t>
             </a:r>
             <a:endParaRPr lang="zh-CN" altLang="en-US" sz="1000" dirty="0">
               <a:solidFill>
-                <a:schemeClr val="tx1"/>
+                <a:schemeClr val="bg1"/>
               </a:solidFill>
               <a:latin typeface="微软雅黑" panose="020B0503020204020204" pitchFamily="34" charset="-122"/>
               <a:ea typeface="微软雅黑" panose="020B0503020204020204" pitchFamily="34" charset="-122"/>
@@ -45866,25 +45537,22 @@
       </p:sp>
       <p:sp>
         <p:nvSpPr>
-          <p:cNvPr id="80" name="圆角矩形 79"/>
+          <p:cNvPr id="87" name="圆角矩形 86"/>
           <p:cNvSpPr/>
           <p:nvPr/>
         </p:nvSpPr>
         <p:spPr>
           <a:xfrm>
-            <a:off x="2116451" y="4320502"/>
-            <a:ext cx="811026" cy="520048"/>
+            <a:off x="4526969" y="5699211"/>
+            <a:ext cx="1665966" cy="648000"/>
           </a:xfrm>
           <a:prstGeom prst="roundRect">
             <a:avLst>
-              <a:gd name="adj" fmla="val 8880"/>
+              <a:gd name="adj" fmla="val 0"/>
             </a:avLst>
           </a:prstGeom>
           <a:solidFill>
-            <a:schemeClr val="accent5">
-              <a:lumMod val="60000"/>
-              <a:lumOff val="40000"/>
-            </a:schemeClr>
+            <a:srgbClr val="B13100"/>
           </a:solidFill>
           <a:ln>
             <a:noFill/>
@@ -45915,26 +45583,26 @@
             <a:r>
               <a:rPr lang="en-US" altLang="zh-CN" sz="1000" dirty="0" smtClean="0">
                 <a:solidFill>
-                  <a:schemeClr val="tx1"/>
+                  <a:schemeClr val="bg1"/>
                 </a:solidFill>
                 <a:latin typeface="微软雅黑" panose="020B0503020204020204" pitchFamily="34" charset="-122"/>
                 <a:ea typeface="微软雅黑" panose="020B0503020204020204" pitchFamily="34" charset="-122"/>
               </a:rPr>
-              <a:t>Spark </a:t>
+              <a:t>Yarn/</a:t>
             </a:r>
             <a:r>
               <a:rPr lang="en-US" altLang="zh-CN" sz="1000" dirty="0" err="1" smtClean="0">
                 <a:solidFill>
-                  <a:schemeClr val="tx1"/>
+                  <a:schemeClr val="bg1"/>
                 </a:solidFill>
                 <a:latin typeface="微软雅黑" panose="020B0503020204020204" pitchFamily="34" charset="-122"/>
                 <a:ea typeface="微软雅黑" panose="020B0503020204020204" pitchFamily="34" charset="-122"/>
               </a:rPr>
-              <a:t>MLlib</a:t>
+              <a:t>Mesos</a:t>
             </a:r>
             <a:endParaRPr lang="zh-CN" altLang="en-US" sz="1000" dirty="0">
               <a:solidFill>
-                <a:schemeClr val="tx1"/>
+                <a:schemeClr val="bg1"/>
               </a:solidFill>
               <a:latin typeface="微软雅黑" panose="020B0503020204020204" pitchFamily="34" charset="-122"/>
               <a:ea typeface="微软雅黑" panose="020B0503020204020204" pitchFamily="34" charset="-122"/>
@@ -45944,25 +45612,2455 @@
       </p:sp>
       <p:sp>
         <p:nvSpPr>
-          <p:cNvPr id="81" name="圆角矩形 80"/>
+          <p:cNvPr id="88" name="圆角矩形 87"/>
           <p:cNvSpPr/>
           <p:nvPr/>
         </p:nvSpPr>
         <p:spPr>
           <a:xfrm>
-            <a:off x="3008307" y="4320502"/>
-            <a:ext cx="835013" cy="513373"/>
+            <a:off x="2874743" y="5699211"/>
+            <a:ext cx="1584000" cy="648000"/>
           </a:xfrm>
           <a:prstGeom prst="roundRect">
             <a:avLst>
-              <a:gd name="adj" fmla="val 8880"/>
+              <a:gd name="adj" fmla="val 0"/>
             </a:avLst>
           </a:prstGeom>
           <a:solidFill>
-            <a:schemeClr val="accent5">
-              <a:lumMod val="60000"/>
-              <a:lumOff val="40000"/>
+            <a:srgbClr val="B13100"/>
+          </a:solidFill>
+          <a:ln>
+            <a:noFill/>
+            <a:prstDash val="sysDash"/>
+          </a:ln>
+        </p:spPr>
+        <p:style>
+          <a:lnRef idx="2">
+            <a:schemeClr val="accent1">
+              <a:shade val="50000"/>
             </a:schemeClr>
+          </a:lnRef>
+          <a:fillRef idx="1">
+            <a:schemeClr val="accent1"/>
+          </a:fillRef>
+          <a:effectRef idx="0">
+            <a:schemeClr val="accent1"/>
+          </a:effectRef>
+          <a:fontRef idx="minor">
+            <a:schemeClr val="lt1"/>
+          </a:fontRef>
+        </p:style>
+        <p:txBody>
+          <a:bodyPr rtlCol="0" anchor="ctr"/>
+          <a:lstStyle/>
+          <a:p>
+            <a:pPr algn="ctr"/>
+            <a:r>
+              <a:rPr lang="en-US" altLang="zh-CN" sz="1000" dirty="0" err="1" smtClean="0">
+                <a:solidFill>
+                  <a:schemeClr val="bg1"/>
+                </a:solidFill>
+                <a:latin typeface="微软雅黑" panose="020B0503020204020204" pitchFamily="34" charset="-122"/>
+                <a:ea typeface="微软雅黑" panose="020B0503020204020204" pitchFamily="34" charset="-122"/>
+              </a:rPr>
+              <a:t>Alluxio</a:t>
+            </a:r>
+            <a:endParaRPr lang="zh-CN" altLang="en-US" sz="1000" dirty="0">
+              <a:solidFill>
+                <a:schemeClr val="bg1"/>
+              </a:solidFill>
+              <a:latin typeface="微软雅黑" panose="020B0503020204020204" pitchFamily="34" charset="-122"/>
+              <a:ea typeface="微软雅黑" panose="020B0503020204020204" pitchFamily="34" charset="-122"/>
+            </a:endParaRPr>
+          </a:p>
+        </p:txBody>
+      </p:sp>
+      <p:grpSp>
+        <p:nvGrpSpPr>
+          <p:cNvPr id="11" name="组合 10"/>
+          <p:cNvGrpSpPr/>
+          <p:nvPr/>
+        </p:nvGrpSpPr>
+        <p:grpSpPr>
+          <a:xfrm>
+            <a:off x="219444" y="957586"/>
+            <a:ext cx="8230874" cy="868521"/>
+            <a:chOff x="335057" y="884016"/>
+            <a:chExt cx="8230874" cy="868521"/>
+          </a:xfrm>
+        </p:grpSpPr>
+        <p:sp>
+          <p:nvSpPr>
+            <p:cNvPr id="76" name="圆角矩形 75"/>
+            <p:cNvSpPr/>
+            <p:nvPr/>
+          </p:nvSpPr>
+          <p:spPr>
+            <a:xfrm>
+              <a:off x="335057" y="884016"/>
+              <a:ext cx="8230874" cy="868521"/>
+            </a:xfrm>
+            <a:prstGeom prst="roundRect">
+              <a:avLst>
+                <a:gd name="adj" fmla="val 0"/>
+              </a:avLst>
+            </a:prstGeom>
+            <a:solidFill>
+              <a:srgbClr val="00BCD5"/>
+            </a:solidFill>
+            <a:ln>
+              <a:noFill/>
+              <a:prstDash val="sysDash"/>
+            </a:ln>
+          </p:spPr>
+          <p:style>
+            <a:lnRef idx="2">
+              <a:schemeClr val="accent1">
+                <a:shade val="50000"/>
+              </a:schemeClr>
+            </a:lnRef>
+            <a:fillRef idx="1">
+              <a:schemeClr val="accent1"/>
+            </a:fillRef>
+            <a:effectRef idx="0">
+              <a:schemeClr val="accent1"/>
+            </a:effectRef>
+            <a:fontRef idx="minor">
+              <a:schemeClr val="lt1"/>
+            </a:fontRef>
+          </p:style>
+          <p:txBody>
+            <a:bodyPr rtlCol="0" anchor="ctr"/>
+            <a:lstStyle/>
+            <a:p>
+              <a:r>
+                <a:rPr lang="zh-CN" altLang="en-US" sz="1000" b="1" dirty="0" smtClean="0">
+                  <a:latin typeface="微软雅黑" panose="020B0503020204020204" pitchFamily="34" charset="-122"/>
+                  <a:ea typeface="微软雅黑" panose="020B0503020204020204" pitchFamily="34" charset="-122"/>
+                </a:rPr>
+                <a:t>   平台应用层</a:t>
+              </a:r>
+              <a:endParaRPr lang="zh-CN" altLang="en-US" sz="1000" b="1" dirty="0">
+                <a:latin typeface="微软雅黑" panose="020B0503020204020204" pitchFamily="34" charset="-122"/>
+                <a:ea typeface="微软雅黑" panose="020B0503020204020204" pitchFamily="34" charset="-122"/>
+              </a:endParaRPr>
+            </a:p>
+          </p:txBody>
+        </p:sp>
+        <p:sp>
+          <p:nvSpPr>
+            <p:cNvPr id="67" name="圆角矩形 66"/>
+            <p:cNvSpPr/>
+            <p:nvPr/>
+          </p:nvSpPr>
+          <p:spPr>
+            <a:xfrm>
+              <a:off x="2965826" y="972594"/>
+              <a:ext cx="1225572" cy="309708"/>
+            </a:xfrm>
+            <a:prstGeom prst="roundRect">
+              <a:avLst>
+                <a:gd name="adj" fmla="val 0"/>
+              </a:avLst>
+            </a:prstGeom>
+            <a:solidFill>
+              <a:srgbClr val="1499AA"/>
+            </a:solidFill>
+            <a:ln w="0">
+              <a:noFill/>
+              <a:prstDash val="sysDash"/>
+            </a:ln>
+          </p:spPr>
+          <p:style>
+            <a:lnRef idx="2">
+              <a:schemeClr val="accent1">
+                <a:shade val="50000"/>
+              </a:schemeClr>
+            </a:lnRef>
+            <a:fillRef idx="1">
+              <a:schemeClr val="accent1"/>
+            </a:fillRef>
+            <a:effectRef idx="0">
+              <a:schemeClr val="accent1"/>
+            </a:effectRef>
+            <a:fontRef idx="minor">
+              <a:schemeClr val="lt1"/>
+            </a:fontRef>
+          </p:style>
+          <p:txBody>
+            <a:bodyPr rtlCol="0" anchor="ctr"/>
+            <a:lstStyle/>
+            <a:p>
+              <a:pPr algn="ctr"/>
+              <a:r>
+                <a:rPr lang="zh-CN" altLang="en-US" sz="1000" dirty="0" smtClean="0">
+                  <a:solidFill>
+                    <a:schemeClr val="bg1"/>
+                  </a:solidFill>
+                  <a:latin typeface="微软雅黑" panose="020B0503020204020204" pitchFamily="34" charset="-122"/>
+                  <a:ea typeface="微软雅黑" panose="020B0503020204020204" pitchFamily="34" charset="-122"/>
+                </a:rPr>
+                <a:t>数据管理</a:t>
+              </a:r>
+              <a:endParaRPr lang="zh-CN" altLang="en-US" sz="1000" dirty="0">
+                <a:solidFill>
+                  <a:schemeClr val="bg1"/>
+                </a:solidFill>
+                <a:latin typeface="微软雅黑" panose="020B0503020204020204" pitchFamily="34" charset="-122"/>
+                <a:ea typeface="微软雅黑" panose="020B0503020204020204" pitchFamily="34" charset="-122"/>
+              </a:endParaRPr>
+            </a:p>
+          </p:txBody>
+        </p:sp>
+        <p:sp>
+          <p:nvSpPr>
+            <p:cNvPr id="70" name="圆角矩形 69"/>
+            <p:cNvSpPr/>
+            <p:nvPr/>
+          </p:nvSpPr>
+          <p:spPr>
+            <a:xfrm>
+              <a:off x="2965825" y="1358502"/>
+              <a:ext cx="1225572" cy="304782"/>
+            </a:xfrm>
+            <a:prstGeom prst="roundRect">
+              <a:avLst>
+                <a:gd name="adj" fmla="val 0"/>
+              </a:avLst>
+            </a:prstGeom>
+            <a:solidFill>
+              <a:srgbClr val="1499AA"/>
+            </a:solidFill>
+            <a:ln w="0">
+              <a:noFill/>
+              <a:prstDash val="sysDash"/>
+            </a:ln>
+          </p:spPr>
+          <p:style>
+            <a:lnRef idx="2">
+              <a:schemeClr val="accent1">
+                <a:shade val="50000"/>
+              </a:schemeClr>
+            </a:lnRef>
+            <a:fillRef idx="1">
+              <a:schemeClr val="accent1"/>
+            </a:fillRef>
+            <a:effectRef idx="0">
+              <a:schemeClr val="accent1"/>
+            </a:effectRef>
+            <a:fontRef idx="minor">
+              <a:schemeClr val="lt1"/>
+            </a:fontRef>
+          </p:style>
+          <p:txBody>
+            <a:bodyPr rtlCol="0" anchor="ctr"/>
+            <a:lstStyle/>
+            <a:p>
+              <a:pPr algn="ctr"/>
+              <a:r>
+                <a:rPr lang="zh-CN" altLang="en-US" sz="1000" dirty="0" smtClean="0">
+                  <a:solidFill>
+                    <a:schemeClr val="bg1"/>
+                  </a:solidFill>
+                  <a:latin typeface="微软雅黑" panose="020B0503020204020204" pitchFamily="34" charset="-122"/>
+                  <a:ea typeface="微软雅黑" panose="020B0503020204020204" pitchFamily="34" charset="-122"/>
+                </a:rPr>
+                <a:t>模型管理</a:t>
+              </a:r>
+              <a:endParaRPr lang="zh-CN" altLang="en-US" sz="1000" dirty="0">
+                <a:solidFill>
+                  <a:schemeClr val="bg1"/>
+                </a:solidFill>
+                <a:latin typeface="微软雅黑" panose="020B0503020204020204" pitchFamily="34" charset="-122"/>
+                <a:ea typeface="微软雅黑" panose="020B0503020204020204" pitchFamily="34" charset="-122"/>
+              </a:endParaRPr>
+            </a:p>
+          </p:txBody>
+        </p:sp>
+        <p:sp>
+          <p:nvSpPr>
+            <p:cNvPr id="73" name="圆角矩形 72"/>
+            <p:cNvSpPr/>
+            <p:nvPr/>
+          </p:nvSpPr>
+          <p:spPr>
+            <a:xfrm>
+              <a:off x="6947395" y="976934"/>
+              <a:ext cx="1461288" cy="695181"/>
+            </a:xfrm>
+            <a:prstGeom prst="roundRect">
+              <a:avLst>
+                <a:gd name="adj" fmla="val 0"/>
+              </a:avLst>
+            </a:prstGeom>
+            <a:solidFill>
+              <a:srgbClr val="1499AA"/>
+            </a:solidFill>
+            <a:ln w="0">
+              <a:noFill/>
+              <a:prstDash val="sysDash"/>
+            </a:ln>
+          </p:spPr>
+          <p:style>
+            <a:lnRef idx="2">
+              <a:schemeClr val="accent1">
+                <a:shade val="50000"/>
+              </a:schemeClr>
+            </a:lnRef>
+            <a:fillRef idx="1">
+              <a:schemeClr val="accent1"/>
+            </a:fillRef>
+            <a:effectRef idx="0">
+              <a:schemeClr val="accent1"/>
+            </a:effectRef>
+            <a:fontRef idx="minor">
+              <a:schemeClr val="lt1"/>
+            </a:fontRef>
+          </p:style>
+          <p:txBody>
+            <a:bodyPr rtlCol="0" anchor="ctr"/>
+            <a:lstStyle/>
+            <a:p>
+              <a:pPr algn="ctr"/>
+              <a:r>
+                <a:rPr lang="zh-CN" altLang="en-US" sz="1000" dirty="0" smtClean="0">
+                  <a:solidFill>
+                    <a:schemeClr val="bg1"/>
+                  </a:solidFill>
+                  <a:latin typeface="微软雅黑" panose="020B0503020204020204" pitchFamily="34" charset="-122"/>
+                  <a:ea typeface="微软雅黑" panose="020B0503020204020204" pitchFamily="34" charset="-122"/>
+                </a:rPr>
+                <a:t>开放平台</a:t>
+              </a:r>
+              <a:endParaRPr lang="zh-CN" altLang="en-US" sz="1000" dirty="0">
+                <a:solidFill>
+                  <a:schemeClr val="bg1"/>
+                </a:solidFill>
+                <a:latin typeface="微软雅黑" panose="020B0503020204020204" pitchFamily="34" charset="-122"/>
+                <a:ea typeface="微软雅黑" panose="020B0503020204020204" pitchFamily="34" charset="-122"/>
+              </a:endParaRPr>
+            </a:p>
+          </p:txBody>
+        </p:sp>
+        <p:sp>
+          <p:nvSpPr>
+            <p:cNvPr id="93" name="圆角矩形 92"/>
+            <p:cNvSpPr/>
+            <p:nvPr/>
+          </p:nvSpPr>
+          <p:spPr>
+            <a:xfrm>
+              <a:off x="1363530" y="972594"/>
+              <a:ext cx="1500678" cy="695181"/>
+            </a:xfrm>
+            <a:prstGeom prst="roundRect">
+              <a:avLst>
+                <a:gd name="adj" fmla="val 0"/>
+              </a:avLst>
+            </a:prstGeom>
+            <a:solidFill>
+              <a:srgbClr val="1499AA"/>
+            </a:solidFill>
+            <a:ln w="0">
+              <a:noFill/>
+              <a:prstDash val="sysDash"/>
+            </a:ln>
+          </p:spPr>
+          <p:style>
+            <a:lnRef idx="2">
+              <a:schemeClr val="accent1">
+                <a:shade val="50000"/>
+              </a:schemeClr>
+            </a:lnRef>
+            <a:fillRef idx="1">
+              <a:schemeClr val="accent1"/>
+            </a:fillRef>
+            <a:effectRef idx="0">
+              <a:schemeClr val="accent1"/>
+            </a:effectRef>
+            <a:fontRef idx="minor">
+              <a:schemeClr val="lt1"/>
+            </a:fontRef>
+          </p:style>
+          <p:txBody>
+            <a:bodyPr rtlCol="0" anchor="ctr"/>
+            <a:lstStyle/>
+            <a:p>
+              <a:pPr algn="ctr"/>
+              <a:r>
+                <a:rPr lang="zh-CN" altLang="en-US" sz="1000" dirty="0" smtClean="0">
+                  <a:solidFill>
+                    <a:schemeClr val="bg1"/>
+                  </a:solidFill>
+                  <a:latin typeface="微软雅黑" panose="020B0503020204020204" pitchFamily="34" charset="-122"/>
+                  <a:ea typeface="微软雅黑" panose="020B0503020204020204" pitchFamily="34" charset="-122"/>
+                </a:rPr>
+                <a:t>实验工作台</a:t>
+              </a:r>
+              <a:endParaRPr lang="zh-CN" altLang="en-US" sz="1000" dirty="0">
+                <a:solidFill>
+                  <a:schemeClr val="bg1"/>
+                </a:solidFill>
+                <a:latin typeface="微软雅黑" panose="020B0503020204020204" pitchFamily="34" charset="-122"/>
+                <a:ea typeface="微软雅黑" panose="020B0503020204020204" pitchFamily="34" charset="-122"/>
+              </a:endParaRPr>
+            </a:p>
+          </p:txBody>
+        </p:sp>
+        <p:sp>
+          <p:nvSpPr>
+            <p:cNvPr id="97" name="圆角矩形 96"/>
+            <p:cNvSpPr/>
+            <p:nvPr/>
+          </p:nvSpPr>
+          <p:spPr>
+            <a:xfrm>
+              <a:off x="4293016" y="976938"/>
+              <a:ext cx="1225572" cy="305364"/>
+            </a:xfrm>
+            <a:prstGeom prst="roundRect">
+              <a:avLst>
+                <a:gd name="adj" fmla="val 0"/>
+              </a:avLst>
+            </a:prstGeom>
+            <a:solidFill>
+              <a:srgbClr val="1499AA"/>
+            </a:solidFill>
+            <a:ln w="0">
+              <a:noFill/>
+              <a:prstDash val="sysDash"/>
+            </a:ln>
+          </p:spPr>
+          <p:style>
+            <a:lnRef idx="2">
+              <a:schemeClr val="accent1">
+                <a:shade val="50000"/>
+              </a:schemeClr>
+            </a:lnRef>
+            <a:fillRef idx="1">
+              <a:schemeClr val="accent1"/>
+            </a:fillRef>
+            <a:effectRef idx="0">
+              <a:schemeClr val="accent1"/>
+            </a:effectRef>
+            <a:fontRef idx="minor">
+              <a:schemeClr val="lt1"/>
+            </a:fontRef>
+          </p:style>
+          <p:txBody>
+            <a:bodyPr rtlCol="0" anchor="ctr"/>
+            <a:lstStyle/>
+            <a:p>
+              <a:pPr algn="ctr"/>
+              <a:r>
+                <a:rPr lang="zh-CN" altLang="en-US" sz="1000" dirty="0" smtClean="0">
+                  <a:solidFill>
+                    <a:schemeClr val="bg1"/>
+                  </a:solidFill>
+                  <a:latin typeface="微软雅黑" panose="020B0503020204020204" pitchFamily="34" charset="-122"/>
+                  <a:ea typeface="微软雅黑" panose="020B0503020204020204" pitchFamily="34" charset="-122"/>
+                </a:rPr>
+                <a:t>交互式解释器</a:t>
+              </a:r>
+              <a:endParaRPr lang="zh-CN" altLang="en-US" sz="1000" dirty="0">
+                <a:solidFill>
+                  <a:schemeClr val="bg1"/>
+                </a:solidFill>
+                <a:latin typeface="微软雅黑" panose="020B0503020204020204" pitchFamily="34" charset="-122"/>
+                <a:ea typeface="微软雅黑" panose="020B0503020204020204" pitchFamily="34" charset="-122"/>
+              </a:endParaRPr>
+            </a:p>
+          </p:txBody>
+        </p:sp>
+        <p:sp>
+          <p:nvSpPr>
+            <p:cNvPr id="98" name="圆角矩形 97"/>
+            <p:cNvSpPr/>
+            <p:nvPr/>
+          </p:nvSpPr>
+          <p:spPr>
+            <a:xfrm>
+              <a:off x="4293015" y="1358482"/>
+              <a:ext cx="1225572" cy="304896"/>
+            </a:xfrm>
+            <a:prstGeom prst="roundRect">
+              <a:avLst>
+                <a:gd name="adj" fmla="val 0"/>
+              </a:avLst>
+            </a:prstGeom>
+            <a:solidFill>
+              <a:srgbClr val="1499AA"/>
+            </a:solidFill>
+            <a:ln w="0">
+              <a:noFill/>
+              <a:prstDash val="sysDash"/>
+            </a:ln>
+          </p:spPr>
+          <p:style>
+            <a:lnRef idx="2">
+              <a:schemeClr val="accent1">
+                <a:shade val="50000"/>
+              </a:schemeClr>
+            </a:lnRef>
+            <a:fillRef idx="1">
+              <a:schemeClr val="accent1"/>
+            </a:fillRef>
+            <a:effectRef idx="0">
+              <a:schemeClr val="accent1"/>
+            </a:effectRef>
+            <a:fontRef idx="minor">
+              <a:schemeClr val="lt1"/>
+            </a:fontRef>
+          </p:style>
+          <p:txBody>
+            <a:bodyPr rtlCol="0" anchor="ctr"/>
+            <a:lstStyle/>
+            <a:p>
+              <a:pPr algn="ctr"/>
+              <a:r>
+                <a:rPr lang="zh-CN" altLang="en-US" sz="1000" dirty="0">
+                  <a:solidFill>
+                    <a:schemeClr val="bg1"/>
+                  </a:solidFill>
+                  <a:latin typeface="微软雅黑" panose="020B0503020204020204" pitchFamily="34" charset="-122"/>
+                  <a:ea typeface="微软雅黑" panose="020B0503020204020204" pitchFamily="34" charset="-122"/>
+                </a:rPr>
+                <a:t>模型</a:t>
+              </a:r>
+              <a:r>
+                <a:rPr lang="zh-CN" altLang="en-US" sz="1000" dirty="0" smtClean="0">
+                  <a:solidFill>
+                    <a:schemeClr val="bg1"/>
+                  </a:solidFill>
+                  <a:latin typeface="微软雅黑" panose="020B0503020204020204" pitchFamily="34" charset="-122"/>
+                  <a:ea typeface="微软雅黑" panose="020B0503020204020204" pitchFamily="34" charset="-122"/>
+                </a:rPr>
+                <a:t>发布</a:t>
+              </a:r>
+              <a:endParaRPr lang="zh-CN" altLang="en-US" sz="1000" dirty="0">
+                <a:solidFill>
+                  <a:schemeClr val="bg1"/>
+                </a:solidFill>
+                <a:latin typeface="微软雅黑" panose="020B0503020204020204" pitchFamily="34" charset="-122"/>
+                <a:ea typeface="微软雅黑" panose="020B0503020204020204" pitchFamily="34" charset="-122"/>
+              </a:endParaRPr>
+            </a:p>
+          </p:txBody>
+        </p:sp>
+        <p:sp>
+          <p:nvSpPr>
+            <p:cNvPr id="99" name="圆角矩形 98"/>
+            <p:cNvSpPr/>
+            <p:nvPr/>
+          </p:nvSpPr>
+          <p:spPr>
+            <a:xfrm>
+              <a:off x="5620206" y="976938"/>
+              <a:ext cx="1225572" cy="305364"/>
+            </a:xfrm>
+            <a:prstGeom prst="roundRect">
+              <a:avLst>
+                <a:gd name="adj" fmla="val 0"/>
+              </a:avLst>
+            </a:prstGeom>
+            <a:solidFill>
+              <a:srgbClr val="1499AA"/>
+            </a:solidFill>
+            <a:ln w="0">
+              <a:noFill/>
+              <a:prstDash val="sysDash"/>
+            </a:ln>
+          </p:spPr>
+          <p:style>
+            <a:lnRef idx="2">
+              <a:schemeClr val="accent1">
+                <a:shade val="50000"/>
+              </a:schemeClr>
+            </a:lnRef>
+            <a:fillRef idx="1">
+              <a:schemeClr val="accent1"/>
+            </a:fillRef>
+            <a:effectRef idx="0">
+              <a:schemeClr val="accent1"/>
+            </a:effectRef>
+            <a:fontRef idx="minor">
+              <a:schemeClr val="lt1"/>
+            </a:fontRef>
+          </p:style>
+          <p:txBody>
+            <a:bodyPr rtlCol="0" anchor="ctr"/>
+            <a:lstStyle/>
+            <a:p>
+              <a:pPr algn="ctr"/>
+              <a:r>
+                <a:rPr lang="zh-CN" altLang="en-US" sz="1000" dirty="0" smtClean="0">
+                  <a:solidFill>
+                    <a:schemeClr val="bg1"/>
+                  </a:solidFill>
+                  <a:latin typeface="微软雅黑" panose="020B0503020204020204" pitchFamily="34" charset="-122"/>
+                  <a:ea typeface="微软雅黑" panose="020B0503020204020204" pitchFamily="34" charset="-122"/>
+                </a:rPr>
+                <a:t>定时调度</a:t>
+              </a:r>
+              <a:endParaRPr lang="zh-CN" altLang="en-US" sz="1000" dirty="0">
+                <a:solidFill>
+                  <a:schemeClr val="bg1"/>
+                </a:solidFill>
+                <a:latin typeface="微软雅黑" panose="020B0503020204020204" pitchFamily="34" charset="-122"/>
+                <a:ea typeface="微软雅黑" panose="020B0503020204020204" pitchFamily="34" charset="-122"/>
+              </a:endParaRPr>
+            </a:p>
+          </p:txBody>
+        </p:sp>
+        <p:sp>
+          <p:nvSpPr>
+            <p:cNvPr id="100" name="圆角矩形 99"/>
+            <p:cNvSpPr/>
+            <p:nvPr/>
+          </p:nvSpPr>
+          <p:spPr>
+            <a:xfrm>
+              <a:off x="5620205" y="1357284"/>
+              <a:ext cx="1225572" cy="306000"/>
+            </a:xfrm>
+            <a:prstGeom prst="roundRect">
+              <a:avLst>
+                <a:gd name="adj" fmla="val 0"/>
+              </a:avLst>
+            </a:prstGeom>
+            <a:solidFill>
+              <a:srgbClr val="1499AA"/>
+            </a:solidFill>
+            <a:ln w="0">
+              <a:noFill/>
+              <a:prstDash val="sysDash"/>
+            </a:ln>
+          </p:spPr>
+          <p:style>
+            <a:lnRef idx="2">
+              <a:schemeClr val="accent1">
+                <a:shade val="50000"/>
+              </a:schemeClr>
+            </a:lnRef>
+            <a:fillRef idx="1">
+              <a:schemeClr val="accent1"/>
+            </a:fillRef>
+            <a:effectRef idx="0">
+              <a:schemeClr val="accent1"/>
+            </a:effectRef>
+            <a:fontRef idx="minor">
+              <a:schemeClr val="lt1"/>
+            </a:fontRef>
+          </p:style>
+          <p:txBody>
+            <a:bodyPr rtlCol="0" anchor="ctr"/>
+            <a:lstStyle/>
+            <a:p>
+              <a:pPr algn="ctr"/>
+              <a:r>
+                <a:rPr lang="zh-CN" altLang="en-US" sz="1000" dirty="0">
+                  <a:solidFill>
+                    <a:schemeClr val="bg1"/>
+                  </a:solidFill>
+                  <a:latin typeface="微软雅黑" panose="020B0503020204020204" pitchFamily="34" charset="-122"/>
+                  <a:ea typeface="微软雅黑" panose="020B0503020204020204" pitchFamily="34" charset="-122"/>
+                </a:rPr>
+                <a:t>系统监控</a:t>
+              </a:r>
+            </a:p>
+          </p:txBody>
+        </p:sp>
+      </p:grpSp>
+      <p:grpSp>
+        <p:nvGrpSpPr>
+          <p:cNvPr id="8" name="组合 7"/>
+          <p:cNvGrpSpPr/>
+          <p:nvPr/>
+        </p:nvGrpSpPr>
+        <p:grpSpPr>
+          <a:xfrm>
+            <a:off x="219445" y="1849232"/>
+            <a:ext cx="8230873" cy="1123200"/>
+            <a:chOff x="335058" y="1828212"/>
+            <a:chExt cx="8230873" cy="1123200"/>
+          </a:xfrm>
+        </p:grpSpPr>
+        <p:sp>
+          <p:nvSpPr>
+            <p:cNvPr id="75" name="圆角矩形 74"/>
+            <p:cNvSpPr/>
+            <p:nvPr/>
+          </p:nvSpPr>
+          <p:spPr>
+            <a:xfrm>
+              <a:off x="335058" y="1828212"/>
+              <a:ext cx="8230873" cy="1123200"/>
+            </a:xfrm>
+            <a:prstGeom prst="roundRect">
+              <a:avLst>
+                <a:gd name="adj" fmla="val 0"/>
+              </a:avLst>
+            </a:prstGeom>
+            <a:solidFill>
+              <a:srgbClr val="8BC24A"/>
+            </a:solidFill>
+            <a:ln>
+              <a:noFill/>
+              <a:prstDash val="sysDash"/>
+            </a:ln>
+          </p:spPr>
+          <p:style>
+            <a:lnRef idx="2">
+              <a:schemeClr val="accent1">
+                <a:shade val="50000"/>
+              </a:schemeClr>
+            </a:lnRef>
+            <a:fillRef idx="1">
+              <a:schemeClr val="accent1"/>
+            </a:fillRef>
+            <a:effectRef idx="0">
+              <a:schemeClr val="accent1"/>
+            </a:effectRef>
+            <a:fontRef idx="minor">
+              <a:schemeClr val="lt1"/>
+            </a:fontRef>
+          </p:style>
+          <p:txBody>
+            <a:bodyPr rtlCol="0" anchor="ctr"/>
+            <a:lstStyle/>
+            <a:p>
+              <a:r>
+                <a:rPr lang="zh-CN" altLang="en-US" sz="1000" b="1" dirty="0" smtClean="0">
+                  <a:latin typeface="微软雅黑" panose="020B0503020204020204" pitchFamily="34" charset="-122"/>
+                  <a:ea typeface="微软雅黑" panose="020B0503020204020204" pitchFamily="34" charset="-122"/>
+                </a:rPr>
+                <a:t>  工作流引擎</a:t>
+              </a:r>
+              <a:endParaRPr lang="zh-CN" altLang="en-US" sz="1000" b="1" dirty="0">
+                <a:latin typeface="微软雅黑" panose="020B0503020204020204" pitchFamily="34" charset="-122"/>
+                <a:ea typeface="微软雅黑" panose="020B0503020204020204" pitchFamily="34" charset="-122"/>
+              </a:endParaRPr>
+            </a:p>
+          </p:txBody>
+        </p:sp>
+        <p:sp>
+          <p:nvSpPr>
+            <p:cNvPr id="72" name="圆角矩形 71"/>
+            <p:cNvSpPr/>
+            <p:nvPr/>
+          </p:nvSpPr>
+          <p:spPr>
+            <a:xfrm>
+              <a:off x="1350870" y="1914530"/>
+              <a:ext cx="2284513" cy="432000"/>
+            </a:xfrm>
+            <a:prstGeom prst="roundRect">
+              <a:avLst>
+                <a:gd name="adj" fmla="val 0"/>
+              </a:avLst>
+            </a:prstGeom>
+            <a:solidFill>
+              <a:srgbClr val="52872F"/>
+            </a:solidFill>
+            <a:ln>
+              <a:noFill/>
+            </a:ln>
+          </p:spPr>
+          <p:style>
+            <a:lnRef idx="2">
+              <a:schemeClr val="accent1">
+                <a:shade val="50000"/>
+              </a:schemeClr>
+            </a:lnRef>
+            <a:fillRef idx="1">
+              <a:schemeClr val="accent1"/>
+            </a:fillRef>
+            <a:effectRef idx="0">
+              <a:schemeClr val="accent1"/>
+            </a:effectRef>
+            <a:fontRef idx="minor">
+              <a:schemeClr val="lt1"/>
+            </a:fontRef>
+          </p:style>
+          <p:txBody>
+            <a:bodyPr rtlCol="0" anchor="ctr"/>
+            <a:lstStyle/>
+            <a:p>
+              <a:pPr algn="ctr"/>
+              <a:r>
+                <a:rPr lang="zh-CN" altLang="en-US" sz="1000" dirty="0" smtClean="0">
+                  <a:latin typeface="微软雅黑" panose="020B0503020204020204" pitchFamily="34" charset="-122"/>
+                  <a:ea typeface="微软雅黑" panose="020B0503020204020204" pitchFamily="34" charset="-122"/>
+                </a:rPr>
+                <a:t>工作流</a:t>
+              </a:r>
+              <a:r>
+                <a:rPr lang="zh-CN" altLang="en-US" sz="1000" dirty="0" smtClean="0">
+                  <a:latin typeface="微软雅黑" panose="020B0503020204020204" pitchFamily="34" charset="-122"/>
+                  <a:ea typeface="微软雅黑" panose="020B0503020204020204" pitchFamily="34" charset="-122"/>
+                </a:rPr>
+                <a:t>编辑器</a:t>
+              </a:r>
+              <a:endParaRPr lang="zh-CN" altLang="en-US" sz="1000" dirty="0">
+                <a:latin typeface="微软雅黑" panose="020B0503020204020204" pitchFamily="34" charset="-122"/>
+                <a:ea typeface="微软雅黑" panose="020B0503020204020204" pitchFamily="34" charset="-122"/>
+              </a:endParaRPr>
+            </a:p>
+          </p:txBody>
+        </p:sp>
+        <p:sp>
+          <p:nvSpPr>
+            <p:cNvPr id="108" name="圆角矩形 107"/>
+            <p:cNvSpPr/>
+            <p:nvPr/>
+          </p:nvSpPr>
+          <p:spPr>
+            <a:xfrm>
+              <a:off x="3728836" y="1918727"/>
+              <a:ext cx="2284513" cy="432000"/>
+            </a:xfrm>
+            <a:prstGeom prst="roundRect">
+              <a:avLst>
+                <a:gd name="adj" fmla="val 0"/>
+              </a:avLst>
+            </a:prstGeom>
+            <a:solidFill>
+              <a:srgbClr val="52872F"/>
+            </a:solidFill>
+            <a:ln>
+              <a:noFill/>
+            </a:ln>
+          </p:spPr>
+          <p:style>
+            <a:lnRef idx="2">
+              <a:schemeClr val="accent1">
+                <a:shade val="50000"/>
+              </a:schemeClr>
+            </a:lnRef>
+            <a:fillRef idx="1">
+              <a:schemeClr val="accent1"/>
+            </a:fillRef>
+            <a:effectRef idx="0">
+              <a:schemeClr val="accent1"/>
+            </a:effectRef>
+            <a:fontRef idx="minor">
+              <a:schemeClr val="lt1"/>
+            </a:fontRef>
+          </p:style>
+          <p:txBody>
+            <a:bodyPr rtlCol="0" anchor="ctr"/>
+            <a:lstStyle/>
+            <a:p>
+              <a:pPr algn="ctr"/>
+              <a:r>
+                <a:rPr lang="zh-CN" altLang="en-US" sz="1000" dirty="0" smtClean="0">
+                  <a:latin typeface="微软雅黑" panose="020B0503020204020204" pitchFamily="34" charset="-122"/>
+                  <a:ea typeface="微软雅黑" panose="020B0503020204020204" pitchFamily="34" charset="-122"/>
+                </a:rPr>
+                <a:t>快照自动生成</a:t>
+              </a:r>
+              <a:endParaRPr lang="zh-CN" altLang="en-US" sz="1000" dirty="0">
+                <a:latin typeface="微软雅黑" panose="020B0503020204020204" pitchFamily="34" charset="-122"/>
+                <a:ea typeface="微软雅黑" panose="020B0503020204020204" pitchFamily="34" charset="-122"/>
+              </a:endParaRPr>
+            </a:p>
+          </p:txBody>
+        </p:sp>
+        <p:sp>
+          <p:nvSpPr>
+            <p:cNvPr id="109" name="圆角矩形 108"/>
+            <p:cNvSpPr/>
+            <p:nvPr/>
+          </p:nvSpPr>
+          <p:spPr>
+            <a:xfrm>
+              <a:off x="6106801" y="1914530"/>
+              <a:ext cx="2284513" cy="432000"/>
+            </a:xfrm>
+            <a:prstGeom prst="roundRect">
+              <a:avLst>
+                <a:gd name="adj" fmla="val 0"/>
+              </a:avLst>
+            </a:prstGeom>
+            <a:solidFill>
+              <a:srgbClr val="52872F"/>
+            </a:solidFill>
+            <a:ln>
+              <a:noFill/>
+            </a:ln>
+          </p:spPr>
+          <p:style>
+            <a:lnRef idx="2">
+              <a:schemeClr val="accent1">
+                <a:shade val="50000"/>
+              </a:schemeClr>
+            </a:lnRef>
+            <a:fillRef idx="1">
+              <a:schemeClr val="accent1"/>
+            </a:fillRef>
+            <a:effectRef idx="0">
+              <a:schemeClr val="accent1"/>
+            </a:effectRef>
+            <a:fontRef idx="minor">
+              <a:schemeClr val="lt1"/>
+            </a:fontRef>
+          </p:style>
+          <p:txBody>
+            <a:bodyPr rtlCol="0" anchor="ctr"/>
+            <a:lstStyle/>
+            <a:p>
+              <a:pPr algn="ctr"/>
+              <a:r>
+                <a:rPr lang="zh-CN" altLang="en-US" sz="1000" dirty="0" smtClean="0">
+                  <a:latin typeface="微软雅黑" panose="020B0503020204020204" pitchFamily="34" charset="-122"/>
+                  <a:ea typeface="微软雅黑" panose="020B0503020204020204" pitchFamily="34" charset="-122"/>
+                </a:rPr>
+                <a:t>作业调度运行</a:t>
+              </a:r>
+              <a:endParaRPr lang="zh-CN" altLang="en-US" sz="1000" dirty="0">
+                <a:latin typeface="微软雅黑" panose="020B0503020204020204" pitchFamily="34" charset="-122"/>
+                <a:ea typeface="微软雅黑" panose="020B0503020204020204" pitchFamily="34" charset="-122"/>
+              </a:endParaRPr>
+            </a:p>
+          </p:txBody>
+        </p:sp>
+        <p:sp>
+          <p:nvSpPr>
+            <p:cNvPr id="110" name="圆角矩形 109"/>
+            <p:cNvSpPr/>
+            <p:nvPr/>
+          </p:nvSpPr>
+          <p:spPr>
+            <a:xfrm>
+              <a:off x="1350870" y="2422730"/>
+              <a:ext cx="2284513" cy="432000"/>
+            </a:xfrm>
+            <a:prstGeom prst="roundRect">
+              <a:avLst>
+                <a:gd name="adj" fmla="val 0"/>
+              </a:avLst>
+            </a:prstGeom>
+            <a:solidFill>
+              <a:srgbClr val="52872F"/>
+            </a:solidFill>
+            <a:ln>
+              <a:noFill/>
+            </a:ln>
+          </p:spPr>
+          <p:style>
+            <a:lnRef idx="2">
+              <a:schemeClr val="accent1">
+                <a:shade val="50000"/>
+              </a:schemeClr>
+            </a:lnRef>
+            <a:fillRef idx="1">
+              <a:schemeClr val="accent1"/>
+            </a:fillRef>
+            <a:effectRef idx="0">
+              <a:schemeClr val="accent1"/>
+            </a:effectRef>
+            <a:fontRef idx="minor">
+              <a:schemeClr val="lt1"/>
+            </a:fontRef>
+          </p:style>
+          <p:txBody>
+            <a:bodyPr rtlCol="0" anchor="ctr"/>
+            <a:lstStyle/>
+            <a:p>
+              <a:pPr algn="ctr"/>
+              <a:r>
+                <a:rPr lang="zh-CN" altLang="en-US" sz="1000" dirty="0">
+                  <a:latin typeface="微软雅黑" panose="020B0503020204020204" pitchFamily="34" charset="-122"/>
+                  <a:ea typeface="微软雅黑" panose="020B0503020204020204" pitchFamily="34" charset="-122"/>
+                </a:rPr>
+                <a:t>运行动态模拟</a:t>
+              </a:r>
+            </a:p>
+          </p:txBody>
+        </p:sp>
+        <p:sp>
+          <p:nvSpPr>
+            <p:cNvPr id="111" name="圆角矩形 110"/>
+            <p:cNvSpPr/>
+            <p:nvPr/>
+          </p:nvSpPr>
+          <p:spPr>
+            <a:xfrm>
+              <a:off x="3728836" y="2426927"/>
+              <a:ext cx="2284513" cy="432000"/>
+            </a:xfrm>
+            <a:prstGeom prst="roundRect">
+              <a:avLst>
+                <a:gd name="adj" fmla="val 0"/>
+              </a:avLst>
+            </a:prstGeom>
+            <a:solidFill>
+              <a:srgbClr val="52872F"/>
+            </a:solidFill>
+            <a:ln>
+              <a:noFill/>
+            </a:ln>
+          </p:spPr>
+          <p:style>
+            <a:lnRef idx="2">
+              <a:schemeClr val="accent1">
+                <a:shade val="50000"/>
+              </a:schemeClr>
+            </a:lnRef>
+            <a:fillRef idx="1">
+              <a:schemeClr val="accent1"/>
+            </a:fillRef>
+            <a:effectRef idx="0">
+              <a:schemeClr val="accent1"/>
+            </a:effectRef>
+            <a:fontRef idx="minor">
+              <a:schemeClr val="lt1"/>
+            </a:fontRef>
+          </p:style>
+          <p:txBody>
+            <a:bodyPr rtlCol="0" anchor="ctr"/>
+            <a:lstStyle/>
+            <a:p>
+              <a:pPr algn="ctr"/>
+              <a:r>
+                <a:rPr lang="zh-CN" altLang="en-US" sz="1000" dirty="0" smtClean="0">
+                  <a:latin typeface="微软雅黑" panose="020B0503020204020204" pitchFamily="34" charset="-122"/>
+                  <a:ea typeface="微软雅黑" panose="020B0503020204020204" pitchFamily="34" charset="-122"/>
+                </a:rPr>
+                <a:t>运行</a:t>
+              </a:r>
+              <a:r>
+                <a:rPr lang="zh-CN" altLang="en-US" sz="1000" dirty="0" smtClean="0">
+                  <a:latin typeface="微软雅黑" panose="020B0503020204020204" pitchFamily="34" charset="-122"/>
+                  <a:ea typeface="微软雅黑" panose="020B0503020204020204" pitchFamily="34" charset="-122"/>
+                </a:rPr>
+                <a:t>作业分析</a:t>
+              </a:r>
+              <a:endParaRPr lang="zh-CN" altLang="en-US" sz="1000" dirty="0">
+                <a:latin typeface="微软雅黑" panose="020B0503020204020204" pitchFamily="34" charset="-122"/>
+                <a:ea typeface="微软雅黑" panose="020B0503020204020204" pitchFamily="34" charset="-122"/>
+              </a:endParaRPr>
+            </a:p>
+          </p:txBody>
+        </p:sp>
+        <p:sp>
+          <p:nvSpPr>
+            <p:cNvPr id="112" name="圆角矩形 111"/>
+            <p:cNvSpPr/>
+            <p:nvPr/>
+          </p:nvSpPr>
+          <p:spPr>
+            <a:xfrm>
+              <a:off x="6106801" y="2422730"/>
+              <a:ext cx="2284513" cy="432000"/>
+            </a:xfrm>
+            <a:prstGeom prst="roundRect">
+              <a:avLst>
+                <a:gd name="adj" fmla="val 0"/>
+              </a:avLst>
+            </a:prstGeom>
+            <a:solidFill>
+              <a:srgbClr val="52872F"/>
+            </a:solidFill>
+            <a:ln>
+              <a:noFill/>
+            </a:ln>
+          </p:spPr>
+          <p:style>
+            <a:lnRef idx="2">
+              <a:schemeClr val="accent1">
+                <a:shade val="50000"/>
+              </a:schemeClr>
+            </a:lnRef>
+            <a:fillRef idx="1">
+              <a:schemeClr val="accent1"/>
+            </a:fillRef>
+            <a:effectRef idx="0">
+              <a:schemeClr val="accent1"/>
+            </a:effectRef>
+            <a:fontRef idx="minor">
+              <a:schemeClr val="lt1"/>
+            </a:fontRef>
+          </p:style>
+          <p:txBody>
+            <a:bodyPr rtlCol="0" anchor="ctr"/>
+            <a:lstStyle/>
+            <a:p>
+              <a:pPr algn="ctr"/>
+              <a:r>
+                <a:rPr lang="zh-CN" altLang="en-US" sz="1000" dirty="0" smtClean="0">
+                  <a:latin typeface="微软雅黑" panose="020B0503020204020204" pitchFamily="34" charset="-122"/>
+                  <a:ea typeface="微软雅黑" panose="020B0503020204020204" pitchFamily="34" charset="-122"/>
+                </a:rPr>
+                <a:t>集群提交</a:t>
+              </a:r>
+              <a:r>
+                <a:rPr lang="zh-CN" altLang="en-US" sz="1000" dirty="0">
+                  <a:latin typeface="微软雅黑" panose="020B0503020204020204" pitchFamily="34" charset="-122"/>
+                  <a:ea typeface="微软雅黑" panose="020B0503020204020204" pitchFamily="34" charset="-122"/>
+                </a:rPr>
+                <a:t>监控</a:t>
+              </a:r>
+            </a:p>
+          </p:txBody>
+        </p:sp>
+      </p:grpSp>
+      <p:grpSp>
+        <p:nvGrpSpPr>
+          <p:cNvPr id="14" name="组合 13"/>
+          <p:cNvGrpSpPr/>
+          <p:nvPr/>
+        </p:nvGrpSpPr>
+        <p:grpSpPr>
+          <a:xfrm>
+            <a:off x="223076" y="2995817"/>
+            <a:ext cx="8227242" cy="1393200"/>
+            <a:chOff x="338689" y="3016837"/>
+            <a:chExt cx="8227242" cy="1393200"/>
+          </a:xfrm>
+        </p:grpSpPr>
+        <p:sp>
+          <p:nvSpPr>
+            <p:cNvPr id="74" name="圆角矩形 73"/>
+            <p:cNvSpPr/>
+            <p:nvPr/>
+          </p:nvSpPr>
+          <p:spPr>
+            <a:xfrm>
+              <a:off x="338689" y="3016837"/>
+              <a:ext cx="8227242" cy="1393200"/>
+            </a:xfrm>
+            <a:prstGeom prst="roundRect">
+              <a:avLst>
+                <a:gd name="adj" fmla="val 0"/>
+              </a:avLst>
+            </a:prstGeom>
+            <a:solidFill>
+              <a:srgbClr val="A87BD8"/>
+            </a:solidFill>
+            <a:ln>
+              <a:noFill/>
+              <a:prstDash val="sysDash"/>
+            </a:ln>
+          </p:spPr>
+          <p:style>
+            <a:lnRef idx="2">
+              <a:schemeClr val="accent1">
+                <a:shade val="50000"/>
+              </a:schemeClr>
+            </a:lnRef>
+            <a:fillRef idx="1">
+              <a:schemeClr val="accent1"/>
+            </a:fillRef>
+            <a:effectRef idx="0">
+              <a:schemeClr val="accent1"/>
+            </a:effectRef>
+            <a:fontRef idx="minor">
+              <a:schemeClr val="lt1"/>
+            </a:fontRef>
+          </p:style>
+          <p:txBody>
+            <a:bodyPr rtlCol="0" anchor="ctr"/>
+            <a:lstStyle/>
+            <a:p>
+              <a:r>
+                <a:rPr lang="zh-CN" altLang="en-US" sz="1000" b="1" dirty="0" smtClean="0">
+                  <a:latin typeface="微软雅黑" panose="020B0503020204020204" pitchFamily="34" charset="-122"/>
+                  <a:ea typeface="微软雅黑" panose="020B0503020204020204" pitchFamily="34" charset="-122"/>
+                </a:rPr>
+                <a:t>  工作流组件</a:t>
+              </a:r>
+              <a:endParaRPr lang="zh-CN" altLang="en-US" sz="1000" b="1" dirty="0">
+                <a:latin typeface="微软雅黑" panose="020B0503020204020204" pitchFamily="34" charset="-122"/>
+                <a:ea typeface="微软雅黑" panose="020B0503020204020204" pitchFamily="34" charset="-122"/>
+              </a:endParaRPr>
+            </a:p>
+          </p:txBody>
+        </p:sp>
+        <p:sp>
+          <p:nvSpPr>
+            <p:cNvPr id="3" name="矩形 2"/>
+            <p:cNvSpPr/>
+            <p:nvPr/>
+          </p:nvSpPr>
+          <p:spPr>
+            <a:xfrm>
+              <a:off x="4329197" y="3101945"/>
+              <a:ext cx="4047059" cy="1254582"/>
+            </a:xfrm>
+            <a:prstGeom prst="rect">
+              <a:avLst/>
+            </a:prstGeom>
+            <a:solidFill>
+              <a:srgbClr val="9777BB"/>
+            </a:solidFill>
+            <a:ln>
+              <a:solidFill>
+                <a:srgbClr val="9777BB"/>
+              </a:solidFill>
+            </a:ln>
+          </p:spPr>
+          <p:style>
+            <a:lnRef idx="2">
+              <a:schemeClr val="accent1">
+                <a:shade val="50000"/>
+              </a:schemeClr>
+            </a:lnRef>
+            <a:fillRef idx="1">
+              <a:schemeClr val="accent1"/>
+            </a:fillRef>
+            <a:effectRef idx="0">
+              <a:schemeClr val="accent1"/>
+            </a:effectRef>
+            <a:fontRef idx="minor">
+              <a:schemeClr val="lt1"/>
+            </a:fontRef>
+          </p:style>
+          <p:txBody>
+            <a:bodyPr rtlCol="0" anchor="ctr"/>
+            <a:lstStyle/>
+            <a:p>
+              <a:pPr algn="ctr"/>
+              <a:endParaRPr kumimoji="1" lang="zh-CN" altLang="en-US" dirty="0">
+                <a:solidFill>
+                  <a:schemeClr val="bg1"/>
+                </a:solidFill>
+              </a:endParaRPr>
+            </a:p>
+          </p:txBody>
+        </p:sp>
+        <p:sp>
+          <p:nvSpPr>
+            <p:cNvPr id="45" name="圆角矩形 44"/>
+            <p:cNvSpPr/>
+            <p:nvPr/>
+          </p:nvSpPr>
+          <p:spPr>
+            <a:xfrm>
+              <a:off x="5388822" y="3173407"/>
+              <a:ext cx="919725" cy="525523"/>
+            </a:xfrm>
+            <a:prstGeom prst="roundRect">
+              <a:avLst>
+                <a:gd name="adj" fmla="val 0"/>
+              </a:avLst>
+            </a:prstGeom>
+            <a:solidFill>
+              <a:srgbClr val="8964B2"/>
+            </a:solidFill>
+            <a:ln>
+              <a:noFill/>
+              <a:prstDash val="sysDash"/>
+            </a:ln>
+          </p:spPr>
+          <p:style>
+            <a:lnRef idx="2">
+              <a:schemeClr val="accent1">
+                <a:shade val="50000"/>
+              </a:schemeClr>
+            </a:lnRef>
+            <a:fillRef idx="1">
+              <a:schemeClr val="accent1"/>
+            </a:fillRef>
+            <a:effectRef idx="0">
+              <a:schemeClr val="accent1"/>
+            </a:effectRef>
+            <a:fontRef idx="minor">
+              <a:schemeClr val="lt1"/>
+            </a:fontRef>
+          </p:style>
+          <p:txBody>
+            <a:bodyPr rtlCol="0" anchor="ctr"/>
+            <a:lstStyle/>
+            <a:p>
+              <a:pPr algn="ctr"/>
+              <a:r>
+                <a:rPr lang="zh-CN" altLang="en-US" sz="1000" dirty="0" smtClean="0">
+                  <a:solidFill>
+                    <a:schemeClr val="bg1"/>
+                  </a:solidFill>
+                  <a:latin typeface="微软雅黑" panose="020B0503020204020204" pitchFamily="34" charset="-122"/>
+                  <a:ea typeface="微软雅黑" panose="020B0503020204020204" pitchFamily="34" charset="-122"/>
+                </a:rPr>
+                <a:t>分类回归</a:t>
+              </a:r>
+              <a:endParaRPr lang="zh-CN" altLang="en-US" sz="1000" dirty="0">
+                <a:solidFill>
+                  <a:schemeClr val="bg1"/>
+                </a:solidFill>
+                <a:latin typeface="微软雅黑" panose="020B0503020204020204" pitchFamily="34" charset="-122"/>
+                <a:ea typeface="微软雅黑" panose="020B0503020204020204" pitchFamily="34" charset="-122"/>
+              </a:endParaRPr>
+            </a:p>
+          </p:txBody>
+        </p:sp>
+        <p:sp>
+          <p:nvSpPr>
+            <p:cNvPr id="46" name="圆角矩形 45"/>
+            <p:cNvSpPr/>
+            <p:nvPr/>
+          </p:nvSpPr>
+          <p:spPr>
+            <a:xfrm>
+              <a:off x="6383264" y="3173407"/>
+              <a:ext cx="919725" cy="525523"/>
+            </a:xfrm>
+            <a:prstGeom prst="roundRect">
+              <a:avLst>
+                <a:gd name="adj" fmla="val 0"/>
+              </a:avLst>
+            </a:prstGeom>
+            <a:solidFill>
+              <a:srgbClr val="8964B2"/>
+            </a:solidFill>
+            <a:ln>
+              <a:noFill/>
+              <a:prstDash val="sysDash"/>
+            </a:ln>
+          </p:spPr>
+          <p:style>
+            <a:lnRef idx="2">
+              <a:schemeClr val="accent1">
+                <a:shade val="50000"/>
+              </a:schemeClr>
+            </a:lnRef>
+            <a:fillRef idx="1">
+              <a:schemeClr val="accent1"/>
+            </a:fillRef>
+            <a:effectRef idx="0">
+              <a:schemeClr val="accent1"/>
+            </a:effectRef>
+            <a:fontRef idx="minor">
+              <a:schemeClr val="lt1"/>
+            </a:fontRef>
+          </p:style>
+          <p:txBody>
+            <a:bodyPr rtlCol="0" anchor="ctr"/>
+            <a:lstStyle/>
+            <a:p>
+              <a:pPr algn="ctr"/>
+              <a:r>
+                <a:rPr lang="zh-CN" altLang="en-US" sz="1000" dirty="0" smtClean="0">
+                  <a:solidFill>
+                    <a:schemeClr val="bg1"/>
+                  </a:solidFill>
+                  <a:latin typeface="微软雅黑" panose="020B0503020204020204" pitchFamily="34" charset="-122"/>
+                  <a:ea typeface="微软雅黑" panose="020B0503020204020204" pitchFamily="34" charset="-122"/>
+                </a:rPr>
+                <a:t>聚类</a:t>
+              </a:r>
+              <a:endParaRPr lang="zh-CN" altLang="en-US" sz="1000" dirty="0">
+                <a:solidFill>
+                  <a:schemeClr val="bg1"/>
+                </a:solidFill>
+                <a:latin typeface="微软雅黑" panose="020B0503020204020204" pitchFamily="34" charset="-122"/>
+                <a:ea typeface="微软雅黑" panose="020B0503020204020204" pitchFamily="34" charset="-122"/>
+              </a:endParaRPr>
+            </a:p>
+          </p:txBody>
+        </p:sp>
+        <p:sp>
+          <p:nvSpPr>
+            <p:cNvPr id="47" name="圆角矩形 46"/>
+            <p:cNvSpPr/>
+            <p:nvPr/>
+          </p:nvSpPr>
+          <p:spPr>
+            <a:xfrm>
+              <a:off x="7375866" y="3173407"/>
+              <a:ext cx="919725" cy="525523"/>
+            </a:xfrm>
+            <a:prstGeom prst="roundRect">
+              <a:avLst>
+                <a:gd name="adj" fmla="val 0"/>
+              </a:avLst>
+            </a:prstGeom>
+            <a:solidFill>
+              <a:srgbClr val="8964B2"/>
+            </a:solidFill>
+            <a:ln>
+              <a:noFill/>
+              <a:prstDash val="sysDash"/>
+            </a:ln>
+          </p:spPr>
+          <p:style>
+            <a:lnRef idx="2">
+              <a:schemeClr val="accent1">
+                <a:shade val="50000"/>
+              </a:schemeClr>
+            </a:lnRef>
+            <a:fillRef idx="1">
+              <a:schemeClr val="accent1"/>
+            </a:fillRef>
+            <a:effectRef idx="0">
+              <a:schemeClr val="accent1"/>
+            </a:effectRef>
+            <a:fontRef idx="minor">
+              <a:schemeClr val="lt1"/>
+            </a:fontRef>
+          </p:style>
+          <p:txBody>
+            <a:bodyPr rtlCol="0" anchor="ctr"/>
+            <a:lstStyle/>
+            <a:p>
+              <a:pPr algn="ctr"/>
+              <a:r>
+                <a:rPr lang="zh-CN" altLang="en-US" sz="1000" dirty="0" smtClean="0">
+                  <a:solidFill>
+                    <a:schemeClr val="bg1"/>
+                  </a:solidFill>
+                  <a:latin typeface="微软雅黑" panose="020B0503020204020204" pitchFamily="34" charset="-122"/>
+                  <a:ea typeface="微软雅黑" panose="020B0503020204020204" pitchFamily="34" charset="-122"/>
+                </a:rPr>
+                <a:t>关联规则</a:t>
+              </a:r>
+              <a:endParaRPr lang="zh-CN" altLang="en-US" sz="1000" dirty="0">
+                <a:solidFill>
+                  <a:schemeClr val="bg1"/>
+                </a:solidFill>
+                <a:latin typeface="微软雅黑" panose="020B0503020204020204" pitchFamily="34" charset="-122"/>
+                <a:ea typeface="微软雅黑" panose="020B0503020204020204" pitchFamily="34" charset="-122"/>
+              </a:endParaRPr>
+            </a:p>
+          </p:txBody>
+        </p:sp>
+        <p:sp>
+          <p:nvSpPr>
+            <p:cNvPr id="52" name="圆角矩形 51"/>
+            <p:cNvSpPr/>
+            <p:nvPr/>
+          </p:nvSpPr>
+          <p:spPr>
+            <a:xfrm>
+              <a:off x="5388823" y="3784520"/>
+              <a:ext cx="919725" cy="525523"/>
+            </a:xfrm>
+            <a:prstGeom prst="roundRect">
+              <a:avLst>
+                <a:gd name="adj" fmla="val 0"/>
+              </a:avLst>
+            </a:prstGeom>
+            <a:solidFill>
+              <a:srgbClr val="8964B2"/>
+            </a:solidFill>
+            <a:ln>
+              <a:noFill/>
+              <a:prstDash val="sysDash"/>
+            </a:ln>
+          </p:spPr>
+          <p:style>
+            <a:lnRef idx="2">
+              <a:schemeClr val="accent1">
+                <a:shade val="50000"/>
+              </a:schemeClr>
+            </a:lnRef>
+            <a:fillRef idx="1">
+              <a:schemeClr val="accent1"/>
+            </a:fillRef>
+            <a:effectRef idx="0">
+              <a:schemeClr val="accent1"/>
+            </a:effectRef>
+            <a:fontRef idx="minor">
+              <a:schemeClr val="lt1"/>
+            </a:fontRef>
+          </p:style>
+          <p:txBody>
+            <a:bodyPr rtlCol="0" anchor="ctr"/>
+            <a:lstStyle/>
+            <a:p>
+              <a:pPr algn="ctr"/>
+              <a:r>
+                <a:rPr lang="zh-CN" altLang="en-US" sz="1000" dirty="0" smtClean="0">
+                  <a:solidFill>
+                    <a:schemeClr val="bg1"/>
+                  </a:solidFill>
+                  <a:latin typeface="微软雅黑" panose="020B0503020204020204" pitchFamily="34" charset="-122"/>
+                  <a:ea typeface="微软雅黑" panose="020B0503020204020204" pitchFamily="34" charset="-122"/>
+                </a:rPr>
+                <a:t>模型评估</a:t>
+              </a:r>
+              <a:endParaRPr lang="zh-CN" altLang="en-US" sz="1000" dirty="0">
+                <a:solidFill>
+                  <a:schemeClr val="bg1"/>
+                </a:solidFill>
+                <a:latin typeface="微软雅黑" panose="020B0503020204020204" pitchFamily="34" charset="-122"/>
+                <a:ea typeface="微软雅黑" panose="020B0503020204020204" pitchFamily="34" charset="-122"/>
+              </a:endParaRPr>
+            </a:p>
+          </p:txBody>
+        </p:sp>
+        <p:sp>
+          <p:nvSpPr>
+            <p:cNvPr id="53" name="圆角矩形 52"/>
+            <p:cNvSpPr/>
+            <p:nvPr/>
+          </p:nvSpPr>
+          <p:spPr>
+            <a:xfrm>
+              <a:off x="6383683" y="3777657"/>
+              <a:ext cx="919725" cy="525523"/>
+            </a:xfrm>
+            <a:prstGeom prst="roundRect">
+              <a:avLst>
+                <a:gd name="adj" fmla="val 0"/>
+              </a:avLst>
+            </a:prstGeom>
+            <a:solidFill>
+              <a:srgbClr val="8964B2"/>
+            </a:solidFill>
+            <a:ln>
+              <a:noFill/>
+              <a:prstDash val="sysDash"/>
+            </a:ln>
+          </p:spPr>
+          <p:style>
+            <a:lnRef idx="2">
+              <a:schemeClr val="accent1">
+                <a:shade val="50000"/>
+              </a:schemeClr>
+            </a:lnRef>
+            <a:fillRef idx="1">
+              <a:schemeClr val="accent1"/>
+            </a:fillRef>
+            <a:effectRef idx="0">
+              <a:schemeClr val="accent1"/>
+            </a:effectRef>
+            <a:fontRef idx="minor">
+              <a:schemeClr val="lt1"/>
+            </a:fontRef>
+          </p:style>
+          <p:txBody>
+            <a:bodyPr rtlCol="0" anchor="ctr"/>
+            <a:lstStyle/>
+            <a:p>
+              <a:pPr algn="ctr"/>
+              <a:r>
+                <a:rPr lang="zh-CN" altLang="en-US" sz="1000" dirty="0">
+                  <a:solidFill>
+                    <a:schemeClr val="bg1"/>
+                  </a:solidFill>
+                  <a:latin typeface="微软雅黑" panose="020B0503020204020204" pitchFamily="34" charset="-122"/>
+                  <a:ea typeface="微软雅黑" panose="020B0503020204020204" pitchFamily="34" charset="-122"/>
+                </a:rPr>
+                <a:t>交叉验证</a:t>
+              </a:r>
+            </a:p>
+          </p:txBody>
+        </p:sp>
+        <p:sp>
+          <p:nvSpPr>
+            <p:cNvPr id="54" name="圆角矩形 53"/>
+            <p:cNvSpPr/>
+            <p:nvPr/>
+          </p:nvSpPr>
+          <p:spPr>
+            <a:xfrm>
+              <a:off x="7378543" y="3768233"/>
+              <a:ext cx="919725" cy="525523"/>
+            </a:xfrm>
+            <a:prstGeom prst="roundRect">
+              <a:avLst>
+                <a:gd name="adj" fmla="val 0"/>
+              </a:avLst>
+            </a:prstGeom>
+            <a:solidFill>
+              <a:srgbClr val="8964B2"/>
+            </a:solidFill>
+            <a:ln>
+              <a:noFill/>
+              <a:prstDash val="sysDash"/>
+            </a:ln>
+          </p:spPr>
+          <p:style>
+            <a:lnRef idx="2">
+              <a:schemeClr val="accent1">
+                <a:shade val="50000"/>
+              </a:schemeClr>
+            </a:lnRef>
+            <a:fillRef idx="1">
+              <a:schemeClr val="accent1"/>
+            </a:fillRef>
+            <a:effectRef idx="0">
+              <a:schemeClr val="accent1"/>
+            </a:effectRef>
+            <a:fontRef idx="minor">
+              <a:schemeClr val="lt1"/>
+            </a:fontRef>
+          </p:style>
+          <p:txBody>
+            <a:bodyPr rtlCol="0" anchor="ctr"/>
+            <a:lstStyle/>
+            <a:p>
+              <a:pPr algn="ctr"/>
+              <a:r>
+                <a:rPr lang="zh-CN" altLang="en-US" sz="1000" dirty="0">
+                  <a:solidFill>
+                    <a:schemeClr val="bg1"/>
+                  </a:solidFill>
+                  <a:latin typeface="微软雅黑" panose="020B0503020204020204" pitchFamily="34" charset="-122"/>
+                  <a:ea typeface="微软雅黑" panose="020B0503020204020204" pitchFamily="34" charset="-122"/>
+                </a:rPr>
+                <a:t>自动调</a:t>
+              </a:r>
+              <a:r>
+                <a:rPr lang="zh-CN" altLang="en-US" sz="1000" dirty="0" smtClean="0">
+                  <a:solidFill>
+                    <a:schemeClr val="bg1"/>
+                  </a:solidFill>
+                  <a:latin typeface="微软雅黑" panose="020B0503020204020204" pitchFamily="34" charset="-122"/>
+                  <a:ea typeface="微软雅黑" panose="020B0503020204020204" pitchFamily="34" charset="-122"/>
+                </a:rPr>
+                <a:t>参</a:t>
+              </a:r>
+              <a:endParaRPr lang="zh-CN" altLang="en-US" sz="1000" dirty="0">
+                <a:solidFill>
+                  <a:schemeClr val="bg1"/>
+                </a:solidFill>
+                <a:latin typeface="微软雅黑" panose="020B0503020204020204" pitchFamily="34" charset="-122"/>
+                <a:ea typeface="微软雅黑" panose="020B0503020204020204" pitchFamily="34" charset="-122"/>
+              </a:endParaRPr>
+            </a:p>
+          </p:txBody>
+        </p:sp>
+        <p:sp>
+          <p:nvSpPr>
+            <p:cNvPr id="56" name="圆角矩形 55"/>
+            <p:cNvSpPr/>
+            <p:nvPr/>
+          </p:nvSpPr>
+          <p:spPr>
+            <a:xfrm>
+              <a:off x="4399320" y="3777657"/>
+              <a:ext cx="919725" cy="525523"/>
+            </a:xfrm>
+            <a:prstGeom prst="roundRect">
+              <a:avLst>
+                <a:gd name="adj" fmla="val 0"/>
+              </a:avLst>
+            </a:prstGeom>
+            <a:solidFill>
+              <a:srgbClr val="8964B2"/>
+            </a:solidFill>
+            <a:ln>
+              <a:noFill/>
+              <a:prstDash val="sysDash"/>
+            </a:ln>
+          </p:spPr>
+          <p:style>
+            <a:lnRef idx="2">
+              <a:schemeClr val="accent1">
+                <a:shade val="50000"/>
+              </a:schemeClr>
+            </a:lnRef>
+            <a:fillRef idx="1">
+              <a:schemeClr val="accent1"/>
+            </a:fillRef>
+            <a:effectRef idx="0">
+              <a:schemeClr val="accent1"/>
+            </a:effectRef>
+            <a:fontRef idx="minor">
+              <a:schemeClr val="lt1"/>
+            </a:fontRef>
+          </p:style>
+          <p:txBody>
+            <a:bodyPr rtlCol="0" anchor="ctr"/>
+            <a:lstStyle/>
+            <a:p>
+              <a:pPr algn="ctr"/>
+              <a:r>
+                <a:rPr lang="zh-CN" altLang="en-US" sz="1000" dirty="0" smtClean="0">
+                  <a:solidFill>
+                    <a:schemeClr val="bg1"/>
+                  </a:solidFill>
+                  <a:latin typeface="微软雅黑" panose="020B0503020204020204" pitchFamily="34" charset="-122"/>
+                  <a:ea typeface="微软雅黑" panose="020B0503020204020204" pitchFamily="34" charset="-122"/>
+                </a:rPr>
+                <a:t>协同过滤</a:t>
+              </a:r>
+              <a:endParaRPr lang="zh-CN" altLang="en-US" sz="1000" dirty="0">
+                <a:solidFill>
+                  <a:schemeClr val="bg1"/>
+                </a:solidFill>
+                <a:latin typeface="微软雅黑" panose="020B0503020204020204" pitchFamily="34" charset="-122"/>
+                <a:ea typeface="微软雅黑" panose="020B0503020204020204" pitchFamily="34" charset="-122"/>
+              </a:endParaRPr>
+            </a:p>
+          </p:txBody>
+        </p:sp>
+        <p:sp>
+          <p:nvSpPr>
+            <p:cNvPr id="57" name="圆角矩形 56"/>
+            <p:cNvSpPr/>
+            <p:nvPr/>
+          </p:nvSpPr>
+          <p:spPr>
+            <a:xfrm>
+              <a:off x="4394380" y="3175261"/>
+              <a:ext cx="919725" cy="525523"/>
+            </a:xfrm>
+            <a:prstGeom prst="roundRect">
+              <a:avLst>
+                <a:gd name="adj" fmla="val 8880"/>
+              </a:avLst>
+            </a:prstGeom>
+            <a:solidFill>
+              <a:schemeClr val="accent6">
+                <a:lumMod val="60000"/>
+                <a:lumOff val="40000"/>
+                <a:alpha val="0"/>
+              </a:schemeClr>
+            </a:solidFill>
+            <a:ln>
+              <a:noFill/>
+              <a:prstDash val="sysDash"/>
+            </a:ln>
+          </p:spPr>
+          <p:style>
+            <a:lnRef idx="2">
+              <a:schemeClr val="accent1">
+                <a:shade val="50000"/>
+              </a:schemeClr>
+            </a:lnRef>
+            <a:fillRef idx="1">
+              <a:schemeClr val="accent1"/>
+            </a:fillRef>
+            <a:effectRef idx="0">
+              <a:schemeClr val="accent1"/>
+            </a:effectRef>
+            <a:fontRef idx="minor">
+              <a:schemeClr val="lt1"/>
+            </a:fontRef>
+          </p:style>
+          <p:txBody>
+            <a:bodyPr rtlCol="0" anchor="ctr"/>
+            <a:lstStyle/>
+            <a:p>
+              <a:pPr algn="ctr"/>
+              <a:r>
+                <a:rPr lang="zh-CN" altLang="en-US" sz="1000" dirty="0" smtClean="0">
+                  <a:solidFill>
+                    <a:schemeClr val="bg1"/>
+                  </a:solidFill>
+                  <a:latin typeface="微软雅黑" panose="020B0503020204020204" pitchFamily="34" charset="-122"/>
+                  <a:ea typeface="微软雅黑" panose="020B0503020204020204" pitchFamily="34" charset="-122"/>
+                </a:rPr>
+                <a:t>机器学习</a:t>
+              </a:r>
+              <a:endParaRPr lang="zh-CN" altLang="en-US" sz="1000" dirty="0">
+                <a:solidFill>
+                  <a:schemeClr val="bg1"/>
+                </a:solidFill>
+                <a:latin typeface="微软雅黑" panose="020B0503020204020204" pitchFamily="34" charset="-122"/>
+                <a:ea typeface="微软雅黑" panose="020B0503020204020204" pitchFamily="34" charset="-122"/>
+              </a:endParaRPr>
+            </a:p>
+          </p:txBody>
+        </p:sp>
+        <p:sp>
+          <p:nvSpPr>
+            <p:cNvPr id="35" name="圆角矩形 34"/>
+            <p:cNvSpPr/>
+            <p:nvPr/>
+          </p:nvSpPr>
+          <p:spPr>
+            <a:xfrm>
+              <a:off x="1338130" y="3168117"/>
+              <a:ext cx="919725" cy="525523"/>
+            </a:xfrm>
+            <a:prstGeom prst="roundRect">
+              <a:avLst>
+                <a:gd name="adj" fmla="val 0"/>
+              </a:avLst>
+            </a:prstGeom>
+            <a:solidFill>
+              <a:srgbClr val="8964B2"/>
+            </a:solidFill>
+            <a:ln>
+              <a:noFill/>
+              <a:prstDash val="sysDash"/>
+            </a:ln>
+          </p:spPr>
+          <p:style>
+            <a:lnRef idx="2">
+              <a:schemeClr val="accent1">
+                <a:shade val="50000"/>
+              </a:schemeClr>
+            </a:lnRef>
+            <a:fillRef idx="1">
+              <a:schemeClr val="accent1"/>
+            </a:fillRef>
+            <a:effectRef idx="0">
+              <a:schemeClr val="accent1"/>
+            </a:effectRef>
+            <a:fontRef idx="minor">
+              <a:schemeClr val="lt1"/>
+            </a:fontRef>
+          </p:style>
+          <p:txBody>
+            <a:bodyPr rtlCol="0" anchor="ctr"/>
+            <a:lstStyle/>
+            <a:p>
+              <a:pPr algn="ctr"/>
+              <a:r>
+                <a:rPr lang="zh-CN" altLang="en-US" sz="1000" dirty="0" smtClean="0">
+                  <a:solidFill>
+                    <a:schemeClr val="bg1"/>
+                  </a:solidFill>
+                  <a:latin typeface="微软雅黑" panose="020B0503020204020204" pitchFamily="34" charset="-122"/>
+                  <a:ea typeface="微软雅黑" panose="020B0503020204020204" pitchFamily="34" charset="-122"/>
+                </a:rPr>
+                <a:t>数据预处理</a:t>
+              </a:r>
+              <a:endParaRPr lang="zh-CN" altLang="en-US" sz="1000" dirty="0">
+                <a:solidFill>
+                  <a:schemeClr val="bg1"/>
+                </a:solidFill>
+                <a:latin typeface="微软雅黑" panose="020B0503020204020204" pitchFamily="34" charset="-122"/>
+                <a:ea typeface="微软雅黑" panose="020B0503020204020204" pitchFamily="34" charset="-122"/>
+              </a:endParaRPr>
+            </a:p>
+          </p:txBody>
+        </p:sp>
+        <p:sp>
+          <p:nvSpPr>
+            <p:cNvPr id="42" name="圆角矩形 41"/>
+            <p:cNvSpPr/>
+            <p:nvPr/>
+          </p:nvSpPr>
+          <p:spPr>
+            <a:xfrm>
+              <a:off x="2330312" y="3168117"/>
+              <a:ext cx="919725" cy="525523"/>
+            </a:xfrm>
+            <a:prstGeom prst="roundRect">
+              <a:avLst>
+                <a:gd name="adj" fmla="val 0"/>
+              </a:avLst>
+            </a:prstGeom>
+            <a:solidFill>
+              <a:srgbClr val="8964B2"/>
+            </a:solidFill>
+            <a:ln>
+              <a:noFill/>
+              <a:prstDash val="sysDash"/>
+            </a:ln>
+          </p:spPr>
+          <p:style>
+            <a:lnRef idx="2">
+              <a:schemeClr val="accent1">
+                <a:shade val="50000"/>
+              </a:schemeClr>
+            </a:lnRef>
+            <a:fillRef idx="1">
+              <a:schemeClr val="accent1"/>
+            </a:fillRef>
+            <a:effectRef idx="0">
+              <a:schemeClr val="accent1"/>
+            </a:effectRef>
+            <a:fontRef idx="minor">
+              <a:schemeClr val="lt1"/>
+            </a:fontRef>
+          </p:style>
+          <p:txBody>
+            <a:bodyPr rtlCol="0" anchor="ctr"/>
+            <a:lstStyle/>
+            <a:p>
+              <a:pPr algn="ctr"/>
+              <a:r>
+                <a:rPr lang="zh-CN" altLang="en-US" sz="1000" dirty="0" smtClean="0">
+                  <a:solidFill>
+                    <a:schemeClr val="bg1"/>
+                  </a:solidFill>
+                  <a:latin typeface="微软雅黑" panose="020B0503020204020204" pitchFamily="34" charset="-122"/>
+                  <a:ea typeface="微软雅黑" panose="020B0503020204020204" pitchFamily="34" charset="-122"/>
+                </a:rPr>
+                <a:t>统计分析</a:t>
+              </a:r>
+              <a:endParaRPr lang="zh-CN" altLang="en-US" sz="1000" dirty="0">
+                <a:solidFill>
+                  <a:schemeClr val="bg1"/>
+                </a:solidFill>
+                <a:latin typeface="微软雅黑" panose="020B0503020204020204" pitchFamily="34" charset="-122"/>
+                <a:ea typeface="微软雅黑" panose="020B0503020204020204" pitchFamily="34" charset="-122"/>
+              </a:endParaRPr>
+            </a:p>
+          </p:txBody>
+        </p:sp>
+        <p:sp>
+          <p:nvSpPr>
+            <p:cNvPr id="44" name="圆角矩形 43"/>
+            <p:cNvSpPr/>
+            <p:nvPr/>
+          </p:nvSpPr>
+          <p:spPr>
+            <a:xfrm>
+              <a:off x="3322494" y="3165010"/>
+              <a:ext cx="919725" cy="525523"/>
+            </a:xfrm>
+            <a:prstGeom prst="roundRect">
+              <a:avLst>
+                <a:gd name="adj" fmla="val 0"/>
+              </a:avLst>
+            </a:prstGeom>
+            <a:solidFill>
+              <a:srgbClr val="8964B2"/>
+            </a:solidFill>
+            <a:ln>
+              <a:noFill/>
+              <a:prstDash val="sysDash"/>
+            </a:ln>
+          </p:spPr>
+          <p:style>
+            <a:lnRef idx="2">
+              <a:schemeClr val="accent1">
+                <a:shade val="50000"/>
+              </a:schemeClr>
+            </a:lnRef>
+            <a:fillRef idx="1">
+              <a:schemeClr val="accent1"/>
+            </a:fillRef>
+            <a:effectRef idx="0">
+              <a:schemeClr val="accent1"/>
+            </a:effectRef>
+            <a:fontRef idx="minor">
+              <a:schemeClr val="lt1"/>
+            </a:fontRef>
+          </p:style>
+          <p:txBody>
+            <a:bodyPr rtlCol="0" anchor="ctr"/>
+            <a:lstStyle/>
+            <a:p>
+              <a:pPr algn="ctr"/>
+              <a:r>
+                <a:rPr lang="zh-CN" altLang="en-US" sz="1000" dirty="0">
+                  <a:solidFill>
+                    <a:schemeClr val="bg1"/>
+                  </a:solidFill>
+                  <a:latin typeface="微软雅黑" panose="020B0503020204020204" pitchFamily="34" charset="-122"/>
+                  <a:ea typeface="微软雅黑" panose="020B0503020204020204" pitchFamily="34" charset="-122"/>
+                </a:rPr>
+                <a:t>特征工程</a:t>
+              </a:r>
+            </a:p>
+          </p:txBody>
+        </p:sp>
+        <p:sp>
+          <p:nvSpPr>
+            <p:cNvPr id="49" name="圆角矩形 48"/>
+            <p:cNvSpPr/>
+            <p:nvPr/>
+          </p:nvSpPr>
+          <p:spPr>
+            <a:xfrm>
+              <a:off x="1338130" y="3777193"/>
+              <a:ext cx="919725" cy="525523"/>
+            </a:xfrm>
+            <a:prstGeom prst="roundRect">
+              <a:avLst>
+                <a:gd name="adj" fmla="val 0"/>
+              </a:avLst>
+            </a:prstGeom>
+            <a:solidFill>
+              <a:srgbClr val="8964B2"/>
+            </a:solidFill>
+            <a:ln>
+              <a:noFill/>
+              <a:prstDash val="sysDash"/>
+            </a:ln>
+          </p:spPr>
+          <p:style>
+            <a:lnRef idx="2">
+              <a:schemeClr val="accent1">
+                <a:shade val="50000"/>
+              </a:schemeClr>
+            </a:lnRef>
+            <a:fillRef idx="1">
+              <a:schemeClr val="accent1"/>
+            </a:fillRef>
+            <a:effectRef idx="0">
+              <a:schemeClr val="accent1"/>
+            </a:effectRef>
+            <a:fontRef idx="minor">
+              <a:schemeClr val="lt1"/>
+            </a:fontRef>
+          </p:style>
+          <p:txBody>
+            <a:bodyPr rtlCol="0" anchor="ctr"/>
+            <a:lstStyle/>
+            <a:p>
+              <a:pPr algn="ctr"/>
+              <a:r>
+                <a:rPr lang="zh-CN" altLang="en-US" sz="1000" dirty="0" smtClean="0">
+                  <a:solidFill>
+                    <a:schemeClr val="bg1"/>
+                  </a:solidFill>
+                  <a:latin typeface="微软雅黑" panose="020B0503020204020204" pitchFamily="34" charset="-122"/>
+                  <a:ea typeface="微软雅黑" panose="020B0503020204020204" pitchFamily="34" charset="-122"/>
+                </a:rPr>
+                <a:t>文本分析</a:t>
+              </a:r>
+              <a:endParaRPr lang="zh-CN" altLang="en-US" sz="1000" dirty="0">
+                <a:solidFill>
+                  <a:schemeClr val="bg1"/>
+                </a:solidFill>
+                <a:latin typeface="微软雅黑" panose="020B0503020204020204" pitchFamily="34" charset="-122"/>
+                <a:ea typeface="微软雅黑" panose="020B0503020204020204" pitchFamily="34" charset="-122"/>
+              </a:endParaRPr>
+            </a:p>
+          </p:txBody>
+        </p:sp>
+        <p:sp>
+          <p:nvSpPr>
+            <p:cNvPr id="50" name="圆角矩形 49"/>
+            <p:cNvSpPr/>
+            <p:nvPr/>
+          </p:nvSpPr>
+          <p:spPr>
+            <a:xfrm>
+              <a:off x="2330312" y="3777193"/>
+              <a:ext cx="919725" cy="525523"/>
+            </a:xfrm>
+            <a:prstGeom prst="roundRect">
+              <a:avLst>
+                <a:gd name="adj" fmla="val 0"/>
+              </a:avLst>
+            </a:prstGeom>
+            <a:solidFill>
+              <a:srgbClr val="8964B2"/>
+            </a:solidFill>
+            <a:ln>
+              <a:noFill/>
+              <a:prstDash val="sysDash"/>
+            </a:ln>
+          </p:spPr>
+          <p:style>
+            <a:lnRef idx="2">
+              <a:schemeClr val="accent1">
+                <a:shade val="50000"/>
+              </a:schemeClr>
+            </a:lnRef>
+            <a:fillRef idx="1">
+              <a:schemeClr val="accent1"/>
+            </a:fillRef>
+            <a:effectRef idx="0">
+              <a:schemeClr val="accent1"/>
+            </a:effectRef>
+            <a:fontRef idx="minor">
+              <a:schemeClr val="lt1"/>
+            </a:fontRef>
+          </p:style>
+          <p:txBody>
+            <a:bodyPr rtlCol="0" anchor="ctr"/>
+            <a:lstStyle/>
+            <a:p>
+              <a:pPr algn="ctr"/>
+              <a:r>
+                <a:rPr lang="zh-CN" altLang="en-US" sz="1000" dirty="0" smtClean="0">
+                  <a:solidFill>
+                    <a:schemeClr val="bg1"/>
+                  </a:solidFill>
+                  <a:latin typeface="微软雅黑" panose="020B0503020204020204" pitchFamily="34" charset="-122"/>
+                  <a:ea typeface="微软雅黑" panose="020B0503020204020204" pitchFamily="34" charset="-122"/>
+                </a:rPr>
+                <a:t>网络分析</a:t>
+              </a:r>
+              <a:endParaRPr lang="zh-CN" altLang="en-US" sz="1000" dirty="0">
+                <a:solidFill>
+                  <a:schemeClr val="bg1"/>
+                </a:solidFill>
+                <a:latin typeface="微软雅黑" panose="020B0503020204020204" pitchFamily="34" charset="-122"/>
+                <a:ea typeface="微软雅黑" panose="020B0503020204020204" pitchFamily="34" charset="-122"/>
+              </a:endParaRPr>
+            </a:p>
+          </p:txBody>
+        </p:sp>
+        <p:sp>
+          <p:nvSpPr>
+            <p:cNvPr id="51" name="圆角矩形 50"/>
+            <p:cNvSpPr/>
+            <p:nvPr/>
+          </p:nvSpPr>
+          <p:spPr>
+            <a:xfrm>
+              <a:off x="3322494" y="3774086"/>
+              <a:ext cx="919725" cy="525523"/>
+            </a:xfrm>
+            <a:prstGeom prst="roundRect">
+              <a:avLst>
+                <a:gd name="adj" fmla="val 0"/>
+              </a:avLst>
+            </a:prstGeom>
+            <a:solidFill>
+              <a:srgbClr val="8964B2"/>
+            </a:solidFill>
+            <a:ln>
+              <a:noFill/>
+              <a:prstDash val="sysDash"/>
+            </a:ln>
+          </p:spPr>
+          <p:style>
+            <a:lnRef idx="2">
+              <a:schemeClr val="accent1">
+                <a:shade val="50000"/>
+              </a:schemeClr>
+            </a:lnRef>
+            <a:fillRef idx="1">
+              <a:schemeClr val="accent1"/>
+            </a:fillRef>
+            <a:effectRef idx="0">
+              <a:schemeClr val="accent1"/>
+            </a:effectRef>
+            <a:fontRef idx="minor">
+              <a:schemeClr val="lt1"/>
+            </a:fontRef>
+          </p:style>
+          <p:txBody>
+            <a:bodyPr rtlCol="0" anchor="ctr"/>
+            <a:lstStyle/>
+            <a:p>
+              <a:pPr algn="ctr"/>
+              <a:r>
+                <a:rPr lang="zh-CN" altLang="en-US" sz="1000" dirty="0" smtClean="0">
+                  <a:solidFill>
+                    <a:schemeClr val="bg1"/>
+                  </a:solidFill>
+                  <a:latin typeface="微软雅黑" panose="020B0503020204020204" pitchFamily="34" charset="-122"/>
+                  <a:ea typeface="微软雅黑" panose="020B0503020204020204" pitchFamily="34" charset="-122"/>
+                </a:rPr>
+                <a:t>深度学习</a:t>
+              </a:r>
+              <a:endParaRPr lang="zh-CN" altLang="en-US" sz="1000" dirty="0">
+                <a:solidFill>
+                  <a:schemeClr val="bg1"/>
+                </a:solidFill>
+                <a:latin typeface="微软雅黑" panose="020B0503020204020204" pitchFamily="34" charset="-122"/>
+                <a:ea typeface="微软雅黑" panose="020B0503020204020204" pitchFamily="34" charset="-122"/>
+              </a:endParaRPr>
+            </a:p>
+          </p:txBody>
+        </p:sp>
+      </p:grpSp>
+      <p:pic>
+        <p:nvPicPr>
+          <p:cNvPr id="6" name="图片 5"/>
+          <p:cNvPicPr>
+            <a:picLocks noChangeAspect="1"/>
+          </p:cNvPicPr>
+          <p:nvPr/>
+        </p:nvPicPr>
+        <p:blipFill>
+          <a:blip r:embed="rId3">
+            <a:extLst>
+              <a:ext uri="{28A0092B-C50C-407E-A947-70E740481C1C}">
+                <a14:useLocalDpi xmlns:a14="http://schemas.microsoft.com/office/drawing/2010/main" val="0"/>
+              </a:ext>
+            </a:extLst>
+          </a:blip>
+          <a:stretch>
+            <a:fillRect/>
+          </a:stretch>
+        </p:blipFill>
+        <p:spPr>
+          <a:xfrm>
+            <a:off x="10738137" y="5551128"/>
+            <a:ext cx="1289947" cy="386809"/>
+          </a:xfrm>
+          <a:prstGeom prst="rect">
+            <a:avLst/>
+          </a:prstGeom>
+        </p:spPr>
+      </p:pic>
+      <p:sp>
+        <p:nvSpPr>
+          <p:cNvPr id="77" name="圆角矩形 76"/>
+          <p:cNvSpPr/>
+          <p:nvPr/>
+        </p:nvSpPr>
+        <p:spPr>
+          <a:xfrm>
+            <a:off x="216353" y="4416927"/>
+            <a:ext cx="8233965" cy="1153553"/>
+          </a:xfrm>
+          <a:prstGeom prst="roundRect">
+            <a:avLst>
+              <a:gd name="adj" fmla="val 0"/>
+            </a:avLst>
+          </a:prstGeom>
+          <a:solidFill>
+            <a:srgbClr val="E2AC00"/>
+          </a:solidFill>
+          <a:ln>
+            <a:noFill/>
+            <a:prstDash val="sysDash"/>
+          </a:ln>
+        </p:spPr>
+        <p:style>
+          <a:lnRef idx="2">
+            <a:schemeClr val="accent1">
+              <a:shade val="50000"/>
+            </a:schemeClr>
+          </a:lnRef>
+          <a:fillRef idx="1">
+            <a:schemeClr val="accent1"/>
+          </a:fillRef>
+          <a:effectRef idx="0">
+            <a:schemeClr val="accent1"/>
+          </a:effectRef>
+          <a:fontRef idx="minor">
+            <a:schemeClr val="lt1"/>
+          </a:fontRef>
+        </p:style>
+        <p:txBody>
+          <a:bodyPr rtlCol="0" anchor="ctr"/>
+          <a:lstStyle/>
+          <a:p>
+            <a:r>
+              <a:rPr lang="zh-CN" altLang="en-US" sz="1000" b="1" dirty="0" smtClean="0">
+                <a:latin typeface="微软雅黑" panose="020B0503020204020204" pitchFamily="34" charset="-122"/>
+                <a:ea typeface="微软雅黑" panose="020B0503020204020204" pitchFamily="34" charset="-122"/>
+              </a:rPr>
+              <a:t>  计算框架层</a:t>
+            </a:r>
+            <a:endParaRPr lang="zh-CN" altLang="en-US" sz="1000" b="1" dirty="0">
+              <a:latin typeface="微软雅黑" panose="020B0503020204020204" pitchFamily="34" charset="-122"/>
+              <a:ea typeface="微软雅黑" panose="020B0503020204020204" pitchFamily="34" charset="-122"/>
+            </a:endParaRPr>
+          </a:p>
+        </p:txBody>
+      </p:sp>
+      <p:sp>
+        <p:nvSpPr>
+          <p:cNvPr id="55" name="圆角矩形 54"/>
+          <p:cNvSpPr/>
+          <p:nvPr/>
+        </p:nvSpPr>
+        <p:spPr>
+          <a:xfrm>
+            <a:off x="6267650" y="4509694"/>
+            <a:ext cx="2008051" cy="956876"/>
+          </a:xfrm>
+          <a:prstGeom prst="roundRect">
+            <a:avLst>
+              <a:gd name="adj" fmla="val 0"/>
+            </a:avLst>
+          </a:prstGeom>
+          <a:solidFill>
+            <a:srgbClr val="CF9901"/>
+          </a:solidFill>
+          <a:ln>
+            <a:noFill/>
+            <a:prstDash val="sysDash"/>
+          </a:ln>
+        </p:spPr>
+        <p:style>
+          <a:lnRef idx="2">
+            <a:schemeClr val="accent1">
+              <a:shade val="50000"/>
+            </a:schemeClr>
+          </a:lnRef>
+          <a:fillRef idx="1">
+            <a:schemeClr val="accent1"/>
+          </a:fillRef>
+          <a:effectRef idx="0">
+            <a:schemeClr val="accent1"/>
+          </a:effectRef>
+          <a:fontRef idx="minor">
+            <a:schemeClr val="lt1"/>
+          </a:fontRef>
+        </p:style>
+        <p:txBody>
+          <a:bodyPr bIns="108000" rtlCol="0" anchor="b"/>
+          <a:lstStyle/>
+          <a:p>
+            <a:pPr algn="ctr"/>
+            <a:r>
+              <a:rPr lang="en-US" altLang="zh-CN" sz="1000" dirty="0" err="1" smtClean="0">
+                <a:solidFill>
+                  <a:schemeClr val="bg1"/>
+                </a:solidFill>
+                <a:latin typeface="微软雅黑" panose="020B0503020204020204" pitchFamily="34" charset="-122"/>
+                <a:ea typeface="微软雅黑" panose="020B0503020204020204" pitchFamily="34" charset="-122"/>
+              </a:rPr>
+              <a:t>Flink</a:t>
+            </a:r>
+            <a:endParaRPr lang="en-US" altLang="zh-CN" sz="1000" dirty="0" smtClean="0">
+              <a:solidFill>
+                <a:schemeClr val="bg1"/>
+              </a:solidFill>
+              <a:latin typeface="微软雅黑" panose="020B0503020204020204" pitchFamily="34" charset="-122"/>
+              <a:ea typeface="微软雅黑" panose="020B0503020204020204" pitchFamily="34" charset="-122"/>
+            </a:endParaRPr>
+          </a:p>
+        </p:txBody>
+      </p:sp>
+      <p:sp>
+        <p:nvSpPr>
+          <p:cNvPr id="91" name="圆角矩形 90"/>
+          <p:cNvSpPr/>
+          <p:nvPr/>
+        </p:nvSpPr>
+        <p:spPr>
+          <a:xfrm>
+            <a:off x="6343097" y="4567463"/>
+            <a:ext cx="900000" cy="530813"/>
+          </a:xfrm>
+          <a:prstGeom prst="roundRect">
+            <a:avLst>
+              <a:gd name="adj" fmla="val 0"/>
+            </a:avLst>
+          </a:prstGeom>
+          <a:solidFill>
+            <a:srgbClr val="B38401"/>
+          </a:solidFill>
+          <a:ln>
+            <a:noFill/>
+            <a:prstDash val="sysDash"/>
+          </a:ln>
+        </p:spPr>
+        <p:style>
+          <a:lnRef idx="2">
+            <a:schemeClr val="accent1">
+              <a:shade val="50000"/>
+            </a:schemeClr>
+          </a:lnRef>
+          <a:fillRef idx="1">
+            <a:schemeClr val="accent1"/>
+          </a:fillRef>
+          <a:effectRef idx="0">
+            <a:schemeClr val="accent1"/>
+          </a:effectRef>
+          <a:fontRef idx="minor">
+            <a:schemeClr val="lt1"/>
+          </a:fontRef>
+        </p:style>
+        <p:txBody>
+          <a:bodyPr rtlCol="0" anchor="ctr"/>
+          <a:lstStyle/>
+          <a:p>
+            <a:pPr algn="ctr"/>
+            <a:r>
+              <a:rPr lang="en-US" altLang="zh-CN" sz="1000" dirty="0" err="1">
+                <a:solidFill>
+                  <a:schemeClr val="bg1"/>
+                </a:solidFill>
+                <a:latin typeface="微软雅黑" panose="020B0503020204020204" pitchFamily="34" charset="-122"/>
+                <a:ea typeface="微软雅黑" panose="020B0503020204020204" pitchFamily="34" charset="-122"/>
+              </a:rPr>
+              <a:t>Flink</a:t>
+            </a:r>
+            <a:r>
+              <a:rPr lang="en-US" altLang="zh-CN" sz="1000" dirty="0">
+                <a:solidFill>
+                  <a:schemeClr val="bg1"/>
+                </a:solidFill>
+                <a:latin typeface="微软雅黑" panose="020B0503020204020204" pitchFamily="34" charset="-122"/>
+                <a:ea typeface="微软雅黑" panose="020B0503020204020204" pitchFamily="34" charset="-122"/>
+              </a:rPr>
+              <a:t> SQL</a:t>
+            </a:r>
+            <a:endParaRPr lang="zh-CN" altLang="en-US" sz="1000" dirty="0">
+              <a:solidFill>
+                <a:schemeClr val="bg1"/>
+              </a:solidFill>
+              <a:latin typeface="微软雅黑" panose="020B0503020204020204" pitchFamily="34" charset="-122"/>
+              <a:ea typeface="微软雅黑" panose="020B0503020204020204" pitchFamily="34" charset="-122"/>
+            </a:endParaRPr>
+          </a:p>
+        </p:txBody>
+      </p:sp>
+      <p:sp>
+        <p:nvSpPr>
+          <p:cNvPr id="92" name="圆角矩形 91"/>
+          <p:cNvSpPr/>
+          <p:nvPr/>
+        </p:nvSpPr>
+        <p:spPr>
+          <a:xfrm>
+            <a:off x="7300126" y="4567464"/>
+            <a:ext cx="900000" cy="530813"/>
+          </a:xfrm>
+          <a:prstGeom prst="roundRect">
+            <a:avLst>
+              <a:gd name="adj" fmla="val 0"/>
+            </a:avLst>
+          </a:prstGeom>
+          <a:solidFill>
+            <a:srgbClr val="B38401"/>
+          </a:solidFill>
+          <a:ln>
+            <a:noFill/>
+            <a:prstDash val="sysDash"/>
+          </a:ln>
+        </p:spPr>
+        <p:style>
+          <a:lnRef idx="2">
+            <a:schemeClr val="accent1">
+              <a:shade val="50000"/>
+            </a:schemeClr>
+          </a:lnRef>
+          <a:fillRef idx="1">
+            <a:schemeClr val="accent1"/>
+          </a:fillRef>
+          <a:effectRef idx="0">
+            <a:schemeClr val="accent1"/>
+          </a:effectRef>
+          <a:fontRef idx="minor">
+            <a:schemeClr val="lt1"/>
+          </a:fontRef>
+        </p:style>
+        <p:txBody>
+          <a:bodyPr rtlCol="0" anchor="ctr"/>
+          <a:lstStyle/>
+          <a:p>
+            <a:pPr algn="ctr"/>
+            <a:r>
+              <a:rPr lang="en-US" altLang="zh-CN" sz="1000" dirty="0" err="1" smtClean="0">
+                <a:solidFill>
+                  <a:schemeClr val="bg1"/>
+                </a:solidFill>
+                <a:latin typeface="微软雅黑" panose="020B0503020204020204" pitchFamily="34" charset="-122"/>
+                <a:ea typeface="微软雅黑" panose="020B0503020204020204" pitchFamily="34" charset="-122"/>
+              </a:rPr>
+              <a:t>Flink</a:t>
+            </a:r>
+            <a:r>
+              <a:rPr lang="en-US" altLang="zh-CN" sz="1000" dirty="0" smtClean="0">
+                <a:solidFill>
+                  <a:schemeClr val="bg1"/>
+                </a:solidFill>
+                <a:latin typeface="微软雅黑" panose="020B0503020204020204" pitchFamily="34" charset="-122"/>
+                <a:ea typeface="微软雅黑" panose="020B0503020204020204" pitchFamily="34" charset="-122"/>
+              </a:rPr>
+              <a:t> ML</a:t>
+            </a:r>
+            <a:endParaRPr lang="zh-CN" altLang="en-US" sz="1000" dirty="0">
+              <a:solidFill>
+                <a:schemeClr val="bg1"/>
+              </a:solidFill>
+              <a:latin typeface="微软雅黑" panose="020B0503020204020204" pitchFamily="34" charset="-122"/>
+              <a:ea typeface="微软雅黑" panose="020B0503020204020204" pitchFamily="34" charset="-122"/>
+            </a:endParaRPr>
+          </a:p>
+        </p:txBody>
+      </p:sp>
+      <p:sp>
+        <p:nvSpPr>
+          <p:cNvPr id="58" name="圆角矩形 57"/>
+          <p:cNvSpPr/>
+          <p:nvPr/>
+        </p:nvSpPr>
+        <p:spPr>
+          <a:xfrm>
+            <a:off x="6261162" y="5694843"/>
+            <a:ext cx="2029084" cy="648000"/>
+          </a:xfrm>
+          <a:prstGeom prst="roundRect">
+            <a:avLst>
+              <a:gd name="adj" fmla="val 0"/>
+            </a:avLst>
+          </a:prstGeom>
+          <a:solidFill>
+            <a:srgbClr val="B13100"/>
           </a:solidFill>
           <a:ln>
             <a:noFill/>
@@ -45993,26 +48091,641 @@
             <a:r>
               <a:rPr lang="en-US" altLang="zh-CN" sz="1000" dirty="0" smtClean="0">
                 <a:solidFill>
-                  <a:schemeClr val="tx1"/>
+                  <a:schemeClr val="bg1"/>
                 </a:solidFill>
                 <a:latin typeface="微软雅黑" panose="020B0503020204020204" pitchFamily="34" charset="-122"/>
                 <a:ea typeface="微软雅黑" panose="020B0503020204020204" pitchFamily="34" charset="-122"/>
               </a:rPr>
-              <a:t>Spark </a:t>
+              <a:t>Geode/Aerospike</a:t>
             </a:r>
+            <a:endParaRPr lang="zh-CN" altLang="en-US" sz="1000" dirty="0">
+              <a:solidFill>
+                <a:schemeClr val="bg1"/>
+              </a:solidFill>
+              <a:latin typeface="微软雅黑" panose="020B0503020204020204" pitchFamily="34" charset="-122"/>
+              <a:ea typeface="微软雅黑" panose="020B0503020204020204" pitchFamily="34" charset="-122"/>
+            </a:endParaRPr>
+          </a:p>
+        </p:txBody>
+      </p:sp>
+      <p:pic>
+        <p:nvPicPr>
+          <p:cNvPr id="10" name="图片 9"/>
+          <p:cNvPicPr>
+            <a:picLocks noChangeAspect="1"/>
+          </p:cNvPicPr>
+          <p:nvPr/>
+        </p:nvPicPr>
+        <p:blipFill>
+          <a:blip r:embed="rId4">
+            <a:extLst>
+              <a:ext uri="{28A0092B-C50C-407E-A947-70E740481C1C}">
+                <a14:useLocalDpi xmlns:a14="http://schemas.microsoft.com/office/drawing/2010/main" val="0"/>
+              </a:ext>
+            </a:extLst>
+          </a:blip>
+          <a:stretch>
+            <a:fillRect/>
+          </a:stretch>
+        </p:blipFill>
+        <p:spPr>
+          <a:xfrm>
+            <a:off x="10736268" y="6050799"/>
+            <a:ext cx="1244676" cy="217410"/>
+          </a:xfrm>
+          <a:prstGeom prst="rect">
+            <a:avLst/>
+          </a:prstGeom>
+        </p:spPr>
+      </p:pic>
+      <p:pic>
+        <p:nvPicPr>
+          <p:cNvPr id="12" name="图片 11"/>
+          <p:cNvPicPr>
+            <a:picLocks noChangeAspect="1"/>
+          </p:cNvPicPr>
+          <p:nvPr/>
+        </p:nvPicPr>
+        <p:blipFill>
+          <a:blip r:embed="rId5">
+            <a:extLst>
+              <a:ext uri="{28A0092B-C50C-407E-A947-70E740481C1C}">
+                <a14:useLocalDpi xmlns:a14="http://schemas.microsoft.com/office/drawing/2010/main" val="0"/>
+              </a:ext>
+            </a:extLst>
+          </a:blip>
+          <a:stretch>
+            <a:fillRect/>
+          </a:stretch>
+        </p:blipFill>
+        <p:spPr>
+          <a:xfrm>
+            <a:off x="10197016" y="1052236"/>
+            <a:ext cx="1237961" cy="614145"/>
+          </a:xfrm>
+          <a:prstGeom prst="rect">
+            <a:avLst/>
+          </a:prstGeom>
+        </p:spPr>
+      </p:pic>
+      <p:pic>
+        <p:nvPicPr>
+          <p:cNvPr id="13" name="图片 12"/>
+          <p:cNvPicPr>
+            <a:picLocks noChangeAspect="1"/>
+          </p:cNvPicPr>
+          <p:nvPr/>
+        </p:nvPicPr>
+        <p:blipFill>
+          <a:blip r:embed="rId6">
+            <a:extLst>
+              <a:ext uri="{28A0092B-C50C-407E-A947-70E740481C1C}">
+                <a14:useLocalDpi xmlns:a14="http://schemas.microsoft.com/office/drawing/2010/main" val="0"/>
+              </a:ext>
+            </a:extLst>
+          </a:blip>
+          <a:stretch>
+            <a:fillRect/>
+          </a:stretch>
+        </p:blipFill>
+        <p:spPr>
+          <a:xfrm>
+            <a:off x="10175625" y="4030533"/>
+            <a:ext cx="1516977" cy="701769"/>
+          </a:xfrm>
+          <a:prstGeom prst="rect">
+            <a:avLst/>
+          </a:prstGeom>
+        </p:spPr>
+      </p:pic>
+      <p:pic>
+        <p:nvPicPr>
+          <p:cNvPr id="15" name="图片 14"/>
+          <p:cNvPicPr>
+            <a:picLocks noChangeAspect="1"/>
+          </p:cNvPicPr>
+          <p:nvPr/>
+        </p:nvPicPr>
+        <p:blipFill>
+          <a:blip r:embed="rId7">
+            <a:extLst>
+              <a:ext uri="{28A0092B-C50C-407E-A947-70E740481C1C}">
+                <a14:useLocalDpi xmlns:a14="http://schemas.microsoft.com/office/drawing/2010/main" val="0"/>
+              </a:ext>
+            </a:extLst>
+          </a:blip>
+          <a:stretch>
+            <a:fillRect/>
+          </a:stretch>
+        </p:blipFill>
+        <p:spPr>
+          <a:xfrm>
+            <a:off x="8467618" y="5458809"/>
+            <a:ext cx="1285693" cy="607950"/>
+          </a:xfrm>
+          <a:prstGeom prst="rect">
+            <a:avLst/>
+          </a:prstGeom>
+        </p:spPr>
+      </p:pic>
+      <p:pic>
+        <p:nvPicPr>
+          <p:cNvPr id="16" name="图片 15"/>
+          <p:cNvPicPr>
+            <a:picLocks noChangeAspect="1"/>
+          </p:cNvPicPr>
+          <p:nvPr/>
+        </p:nvPicPr>
+        <p:blipFill>
+          <a:blip r:embed="rId8">
+            <a:extLst>
+              <a:ext uri="{28A0092B-C50C-407E-A947-70E740481C1C}">
+                <a14:useLocalDpi xmlns:a14="http://schemas.microsoft.com/office/drawing/2010/main" val="0"/>
+              </a:ext>
+            </a:extLst>
+          </a:blip>
+          <a:stretch>
+            <a:fillRect/>
+          </a:stretch>
+        </p:blipFill>
+        <p:spPr>
+          <a:xfrm>
+            <a:off x="10115464" y="1832712"/>
+            <a:ext cx="1401064" cy="357719"/>
+          </a:xfrm>
+          <a:prstGeom prst="rect">
+            <a:avLst/>
+          </a:prstGeom>
+        </p:spPr>
+      </p:pic>
+      <p:pic>
+        <p:nvPicPr>
+          <p:cNvPr id="17" name="图片 16"/>
+          <p:cNvPicPr>
+            <a:picLocks noChangeAspect="1"/>
+          </p:cNvPicPr>
+          <p:nvPr/>
+        </p:nvPicPr>
+        <p:blipFill>
+          <a:blip r:embed="rId9">
+            <a:extLst>
+              <a:ext uri="{28A0092B-C50C-407E-A947-70E740481C1C}">
+                <a14:useLocalDpi xmlns:a14="http://schemas.microsoft.com/office/drawing/2010/main" val="0"/>
+              </a:ext>
+            </a:extLst>
+          </a:blip>
+          <a:stretch>
+            <a:fillRect/>
+          </a:stretch>
+        </p:blipFill>
+        <p:spPr>
+          <a:xfrm>
+            <a:off x="9956190" y="2923795"/>
+            <a:ext cx="1638134" cy="488919"/>
+          </a:xfrm>
+          <a:prstGeom prst="rect">
+            <a:avLst/>
+          </a:prstGeom>
+        </p:spPr>
+      </p:pic>
+      <p:pic>
+        <p:nvPicPr>
+          <p:cNvPr id="18" name="图片 17"/>
+          <p:cNvPicPr>
+            <a:picLocks noChangeAspect="1"/>
+          </p:cNvPicPr>
+          <p:nvPr/>
+        </p:nvPicPr>
+        <p:blipFill>
+          <a:blip r:embed="rId10">
+            <a:extLst>
+              <a:ext uri="{28A0092B-C50C-407E-A947-70E740481C1C}">
+                <a14:useLocalDpi xmlns:a14="http://schemas.microsoft.com/office/drawing/2010/main" val="0"/>
+              </a:ext>
+            </a:extLst>
+          </a:blip>
+          <a:stretch>
+            <a:fillRect/>
+          </a:stretch>
+        </p:blipFill>
+        <p:spPr>
+          <a:xfrm>
+            <a:off x="8542093" y="3702621"/>
+            <a:ext cx="1287686" cy="826426"/>
+          </a:xfrm>
+          <a:prstGeom prst="rect">
+            <a:avLst/>
+          </a:prstGeom>
+        </p:spPr>
+      </p:pic>
+      <p:pic>
+        <p:nvPicPr>
+          <p:cNvPr id="19" name="图片 18"/>
+          <p:cNvPicPr>
+            <a:picLocks noChangeAspect="1"/>
+          </p:cNvPicPr>
+          <p:nvPr/>
+        </p:nvPicPr>
+        <p:blipFill>
+          <a:blip r:embed="rId11">
+            <a:extLst>
+              <a:ext uri="{28A0092B-C50C-407E-A947-70E740481C1C}">
+                <a14:useLocalDpi xmlns:a14="http://schemas.microsoft.com/office/drawing/2010/main" val="0"/>
+              </a:ext>
+            </a:extLst>
+          </a:blip>
+          <a:stretch>
+            <a:fillRect/>
+          </a:stretch>
+        </p:blipFill>
+        <p:spPr>
+          <a:xfrm>
+            <a:off x="8581296" y="1173957"/>
+            <a:ext cx="1470136" cy="396704"/>
+          </a:xfrm>
+          <a:prstGeom prst="rect">
+            <a:avLst/>
+          </a:prstGeom>
+        </p:spPr>
+      </p:pic>
+      <p:pic>
+        <p:nvPicPr>
+          <p:cNvPr id="21" name="图片 20"/>
+          <p:cNvPicPr>
+            <a:picLocks noChangeAspect="1"/>
+          </p:cNvPicPr>
+          <p:nvPr/>
+        </p:nvPicPr>
+        <p:blipFill>
+          <a:blip r:embed="rId12">
+            <a:extLst>
+              <a:ext uri="{28A0092B-C50C-407E-A947-70E740481C1C}">
+                <a14:useLocalDpi xmlns:a14="http://schemas.microsoft.com/office/drawing/2010/main" val="0"/>
+              </a:ext>
+            </a:extLst>
+          </a:blip>
+          <a:stretch>
+            <a:fillRect/>
+          </a:stretch>
+        </p:blipFill>
+        <p:spPr>
+          <a:xfrm>
+            <a:off x="8657038" y="3102520"/>
+            <a:ext cx="855255" cy="406175"/>
+          </a:xfrm>
+          <a:prstGeom prst="rect">
+            <a:avLst/>
+          </a:prstGeom>
+        </p:spPr>
+      </p:pic>
+      <p:pic>
+        <p:nvPicPr>
+          <p:cNvPr id="22" name="图片 21"/>
+          <p:cNvPicPr>
+            <a:picLocks noChangeAspect="1"/>
+          </p:cNvPicPr>
+          <p:nvPr/>
+        </p:nvPicPr>
+        <p:blipFill>
+          <a:blip r:embed="rId13">
+            <a:extLst>
+              <a:ext uri="{28A0092B-C50C-407E-A947-70E740481C1C}">
+                <a14:useLocalDpi xmlns:a14="http://schemas.microsoft.com/office/drawing/2010/main" val="0"/>
+              </a:ext>
+            </a:extLst>
+          </a:blip>
+          <a:stretch>
+            <a:fillRect/>
+          </a:stretch>
+        </p:blipFill>
+        <p:spPr>
+          <a:xfrm>
+            <a:off x="8638852" y="2473080"/>
+            <a:ext cx="1094168" cy="421040"/>
+          </a:xfrm>
+          <a:prstGeom prst="rect">
+            <a:avLst/>
+          </a:prstGeom>
+        </p:spPr>
+      </p:pic>
+      <p:pic>
+        <p:nvPicPr>
+          <p:cNvPr id="25" name="图片 24"/>
+          <p:cNvPicPr>
+            <a:picLocks noChangeAspect="1"/>
+          </p:cNvPicPr>
+          <p:nvPr/>
+        </p:nvPicPr>
+        <p:blipFill>
+          <a:blip r:embed="rId14">
+            <a:extLst>
+              <a:ext uri="{28A0092B-C50C-407E-A947-70E740481C1C}">
+                <a14:useLocalDpi xmlns:a14="http://schemas.microsoft.com/office/drawing/2010/main" val="0"/>
+              </a:ext>
+            </a:extLst>
+          </a:blip>
+          <a:stretch>
+            <a:fillRect/>
+          </a:stretch>
+        </p:blipFill>
+        <p:spPr>
+          <a:xfrm>
+            <a:off x="8619573" y="1816592"/>
+            <a:ext cx="1332639" cy="359072"/>
+          </a:xfrm>
+          <a:prstGeom prst="rect">
+            <a:avLst/>
+          </a:prstGeom>
+        </p:spPr>
+      </p:pic>
+      <p:pic>
+        <p:nvPicPr>
+          <p:cNvPr id="26" name="图片 25"/>
+          <p:cNvPicPr>
+            <a:picLocks noChangeAspect="1"/>
+          </p:cNvPicPr>
+          <p:nvPr/>
+        </p:nvPicPr>
+        <p:blipFill>
+          <a:blip r:embed="rId15">
+            <a:extLst>
+              <a:ext uri="{28A0092B-C50C-407E-A947-70E740481C1C}">
+                <a14:useLocalDpi xmlns:a14="http://schemas.microsoft.com/office/drawing/2010/main" val="0"/>
+              </a:ext>
+            </a:extLst>
+          </a:blip>
+          <a:stretch>
+            <a:fillRect/>
+          </a:stretch>
+        </p:blipFill>
+        <p:spPr>
+          <a:xfrm>
+            <a:off x="9752955" y="3545642"/>
+            <a:ext cx="1768013" cy="470217"/>
+          </a:xfrm>
+          <a:prstGeom prst="rect">
+            <a:avLst/>
+          </a:prstGeom>
+        </p:spPr>
+      </p:pic>
+      <p:pic>
+        <p:nvPicPr>
+          <p:cNvPr id="27" name="图片 26"/>
+          <p:cNvPicPr>
+            <a:picLocks noChangeAspect="1"/>
+          </p:cNvPicPr>
+          <p:nvPr/>
+        </p:nvPicPr>
+        <p:blipFill>
+          <a:blip r:embed="rId16">
+            <a:extLst>
+              <a:ext uri="{28A0092B-C50C-407E-A947-70E740481C1C}">
+                <a14:useLocalDpi xmlns:a14="http://schemas.microsoft.com/office/drawing/2010/main" val="0"/>
+              </a:ext>
+            </a:extLst>
+          </a:blip>
+          <a:stretch>
+            <a:fillRect/>
+          </a:stretch>
+        </p:blipFill>
+        <p:spPr>
+          <a:xfrm>
+            <a:off x="8545667" y="4646768"/>
+            <a:ext cx="1541395" cy="819891"/>
+          </a:xfrm>
+          <a:prstGeom prst="rect">
+            <a:avLst/>
+          </a:prstGeom>
+        </p:spPr>
+      </p:pic>
+      <p:pic>
+        <p:nvPicPr>
+          <p:cNvPr id="33" name="图片 32"/>
+          <p:cNvPicPr>
+            <a:picLocks noChangeAspect="1"/>
+          </p:cNvPicPr>
+          <p:nvPr/>
+        </p:nvPicPr>
+        <p:blipFill>
+          <a:blip r:embed="rId17">
+            <a:extLst>
+              <a:ext uri="{28A0092B-C50C-407E-A947-70E740481C1C}">
+                <a14:useLocalDpi xmlns:a14="http://schemas.microsoft.com/office/drawing/2010/main" val="0"/>
+              </a:ext>
+            </a:extLst>
+          </a:blip>
+          <a:stretch>
+            <a:fillRect/>
+          </a:stretch>
+        </p:blipFill>
+        <p:spPr>
+          <a:xfrm>
+            <a:off x="8597197" y="6015554"/>
+            <a:ext cx="967515" cy="257225"/>
+          </a:xfrm>
+          <a:prstGeom prst="rect">
+            <a:avLst/>
+          </a:prstGeom>
+        </p:spPr>
+      </p:pic>
+      <p:pic>
+        <p:nvPicPr>
+          <p:cNvPr id="36" name="图片 35"/>
+          <p:cNvPicPr>
+            <a:picLocks noChangeAspect="1"/>
+          </p:cNvPicPr>
+          <p:nvPr/>
+        </p:nvPicPr>
+        <p:blipFill>
+          <a:blip r:embed="rId18">
+            <a:extLst>
+              <a:ext uri="{28A0092B-C50C-407E-A947-70E740481C1C}">
+                <a14:useLocalDpi xmlns:a14="http://schemas.microsoft.com/office/drawing/2010/main" val="0"/>
+              </a:ext>
+            </a:extLst>
+          </a:blip>
+          <a:stretch>
+            <a:fillRect/>
+          </a:stretch>
+        </p:blipFill>
+        <p:spPr>
+          <a:xfrm>
+            <a:off x="9773974" y="5544073"/>
+            <a:ext cx="808156" cy="400921"/>
+          </a:xfrm>
+          <a:prstGeom prst="rect">
+            <a:avLst/>
+          </a:prstGeom>
+        </p:spPr>
+      </p:pic>
+      <p:pic>
+        <p:nvPicPr>
+          <p:cNvPr id="37" name="图片 36"/>
+          <p:cNvPicPr>
+            <a:picLocks noChangeAspect="1"/>
+          </p:cNvPicPr>
+          <p:nvPr/>
+        </p:nvPicPr>
+        <p:blipFill>
+          <a:blip r:embed="rId19">
+            <a:extLst>
+              <a:ext uri="{28A0092B-C50C-407E-A947-70E740481C1C}">
+                <a14:useLocalDpi xmlns:a14="http://schemas.microsoft.com/office/drawing/2010/main" val="0"/>
+              </a:ext>
+            </a:extLst>
+          </a:blip>
+          <a:stretch>
+            <a:fillRect/>
+          </a:stretch>
+        </p:blipFill>
+        <p:spPr>
+          <a:xfrm>
+            <a:off x="10197016" y="4733292"/>
+            <a:ext cx="1518103" cy="778027"/>
+          </a:xfrm>
+          <a:prstGeom prst="rect">
+            <a:avLst/>
+          </a:prstGeom>
+        </p:spPr>
+      </p:pic>
+      <p:pic>
+        <p:nvPicPr>
+          <p:cNvPr id="38" name="图片 37"/>
+          <p:cNvPicPr>
+            <a:picLocks noChangeAspect="1"/>
+          </p:cNvPicPr>
+          <p:nvPr/>
+        </p:nvPicPr>
+        <p:blipFill>
+          <a:blip r:embed="rId20">
+            <a:extLst>
+              <a:ext uri="{28A0092B-C50C-407E-A947-70E740481C1C}">
+                <a14:useLocalDpi xmlns:a14="http://schemas.microsoft.com/office/drawing/2010/main" val="0"/>
+              </a:ext>
+            </a:extLst>
+          </a:blip>
+          <a:stretch>
+            <a:fillRect/>
+          </a:stretch>
+        </p:blipFill>
+        <p:spPr>
+          <a:xfrm>
+            <a:off x="9604823" y="5874571"/>
+            <a:ext cx="1110046" cy="505070"/>
+          </a:xfrm>
+          <a:prstGeom prst="rect">
+            <a:avLst/>
+          </a:prstGeom>
+        </p:spPr>
+      </p:pic>
+      <p:pic>
+        <p:nvPicPr>
+          <p:cNvPr id="90" name="图片 89"/>
+          <p:cNvPicPr>
+            <a:picLocks noChangeAspect="1"/>
+          </p:cNvPicPr>
+          <p:nvPr/>
+        </p:nvPicPr>
+        <p:blipFill>
+          <a:blip r:embed="rId21">
+            <a:extLst>
+              <a:ext uri="{28A0092B-C50C-407E-A947-70E740481C1C}">
+                <a14:useLocalDpi xmlns:a14="http://schemas.microsoft.com/office/drawing/2010/main" val="0"/>
+              </a:ext>
+            </a:extLst>
+          </a:blip>
+          <a:stretch>
+            <a:fillRect/>
+          </a:stretch>
+        </p:blipFill>
+        <p:spPr>
+          <a:xfrm>
+            <a:off x="10115532" y="2451383"/>
+            <a:ext cx="1515505" cy="279515"/>
+          </a:xfrm>
+          <a:prstGeom prst="rect">
+            <a:avLst/>
+          </a:prstGeom>
+        </p:spPr>
+      </p:pic>
+      <p:sp>
+        <p:nvSpPr>
+          <p:cNvPr id="102" name="圆角矩形 101"/>
+          <p:cNvSpPr/>
+          <p:nvPr/>
+        </p:nvSpPr>
+        <p:spPr>
+          <a:xfrm>
+            <a:off x="4211005" y="4509694"/>
+            <a:ext cx="2008051" cy="956876"/>
+          </a:xfrm>
+          <a:prstGeom prst="roundRect">
+            <a:avLst>
+              <a:gd name="adj" fmla="val 0"/>
+            </a:avLst>
+          </a:prstGeom>
+          <a:solidFill>
+            <a:srgbClr val="CF9901"/>
+          </a:solidFill>
+          <a:ln>
+            <a:noFill/>
+            <a:prstDash val="sysDash"/>
+          </a:ln>
+        </p:spPr>
+        <p:style>
+          <a:lnRef idx="2">
+            <a:schemeClr val="accent1">
+              <a:shade val="50000"/>
+            </a:schemeClr>
+          </a:lnRef>
+          <a:fillRef idx="1">
+            <a:schemeClr val="accent1"/>
+          </a:fillRef>
+          <a:effectRef idx="0">
+            <a:schemeClr val="accent1"/>
+          </a:effectRef>
+          <a:fontRef idx="minor">
+            <a:schemeClr val="lt1"/>
+          </a:fontRef>
+        </p:style>
+        <p:txBody>
+          <a:bodyPr bIns="108000" rtlCol="0" anchor="b"/>
+          <a:lstStyle/>
+          <a:p>
+            <a:pPr algn="ctr"/>
             <a:r>
-              <a:rPr lang="en-US" altLang="zh-CN" sz="1000" dirty="0" err="1" smtClean="0">
+              <a:rPr lang="en-US" altLang="zh-CN" sz="1000" dirty="0" err="1">
                 <a:solidFill>
-                  <a:schemeClr val="tx1"/>
+                  <a:schemeClr val="bg1"/>
                 </a:solidFill>
                 <a:latin typeface="微软雅黑" panose="020B0503020204020204" pitchFamily="34" charset="-122"/>
                 <a:ea typeface="微软雅黑" panose="020B0503020204020204" pitchFamily="34" charset="-122"/>
               </a:rPr>
-              <a:t>GraphX</a:t>
+              <a:t>MapReduce</a:t>
             </a:r>
-            <a:endParaRPr lang="zh-CN" altLang="en-US" sz="1000" dirty="0">
+            <a:r>
+              <a:rPr lang="en-US" altLang="zh-CN" sz="1000" dirty="0">
+                <a:solidFill>
+                  <a:schemeClr val="bg1"/>
+                </a:solidFill>
+                <a:latin typeface="微软雅黑" panose="020B0503020204020204" pitchFamily="34" charset="-122"/>
+                <a:ea typeface="微软雅黑" panose="020B0503020204020204" pitchFamily="34" charset="-122"/>
+              </a:rPr>
+              <a:t>/</a:t>
+            </a:r>
+            <a:r>
+              <a:rPr lang="en-US" altLang="zh-CN" sz="1000" dirty="0" err="1">
+                <a:solidFill>
+                  <a:schemeClr val="bg1"/>
+                </a:solidFill>
+                <a:latin typeface="微软雅黑" panose="020B0503020204020204" pitchFamily="34" charset="-122"/>
+                <a:ea typeface="微软雅黑" panose="020B0503020204020204" pitchFamily="34" charset="-122"/>
+              </a:rPr>
+              <a:t>Tez</a:t>
+            </a:r>
+            <a:endParaRPr lang="en-US" altLang="zh-CN" sz="1000" dirty="0" smtClean="0">
               <a:solidFill>
-                <a:schemeClr val="tx1"/>
+                <a:schemeClr val="bg1"/>
               </a:solidFill>
               <a:latin typeface="微软雅黑" panose="020B0503020204020204" pitchFamily="34" charset="-122"/>
               <a:ea typeface="微软雅黑" panose="020B0503020204020204" pitchFamily="34" charset="-122"/>
@@ -46022,25 +48735,22 @@
       </p:sp>
       <p:sp>
         <p:nvSpPr>
-          <p:cNvPr id="82" name="圆角矩形 81"/>
+          <p:cNvPr id="103" name="圆角矩形 102"/>
           <p:cNvSpPr/>
           <p:nvPr/>
         </p:nvSpPr>
         <p:spPr>
           <a:xfrm>
-            <a:off x="4906008" y="4320502"/>
-            <a:ext cx="1029051" cy="530813"/>
+            <a:off x="4286452" y="4567463"/>
+            <a:ext cx="900000" cy="530813"/>
           </a:xfrm>
           <a:prstGeom prst="roundRect">
             <a:avLst>
-              <a:gd name="adj" fmla="val 8880"/>
+              <a:gd name="adj" fmla="val 0"/>
             </a:avLst>
           </a:prstGeom>
           <a:solidFill>
-            <a:schemeClr val="accent5">
-              <a:lumMod val="60000"/>
-              <a:lumOff val="40000"/>
-            </a:schemeClr>
+            <a:srgbClr val="B38401"/>
           </a:solidFill>
           <a:ln>
             <a:noFill/>
@@ -46071,16 +48781,16 @@
             <a:r>
               <a:rPr lang="en-US" altLang="zh-CN" sz="1000" dirty="0" err="1">
                 <a:solidFill>
-                  <a:schemeClr val="tx1"/>
+                  <a:schemeClr val="bg1"/>
                 </a:solidFill>
                 <a:latin typeface="微软雅黑" panose="020B0503020204020204" pitchFamily="34" charset="-122"/>
                 <a:ea typeface="微软雅黑" panose="020B0503020204020204" pitchFamily="34" charset="-122"/>
               </a:rPr>
-              <a:t>MXNet</a:t>
+              <a:t>Tensorflow</a:t>
             </a:r>
             <a:endParaRPr lang="zh-CN" altLang="en-US" sz="1000" dirty="0">
               <a:solidFill>
-                <a:schemeClr val="tx1"/>
+                <a:schemeClr val="bg1"/>
               </a:solidFill>
               <a:latin typeface="微软雅黑" panose="020B0503020204020204" pitchFamily="34" charset="-122"/>
               <a:ea typeface="微软雅黑" panose="020B0503020204020204" pitchFamily="34" charset="-122"/>
@@ -46090,25 +48800,152 @@
       </p:sp>
       <p:sp>
         <p:nvSpPr>
-          <p:cNvPr id="84" name="圆角矩形 83"/>
+          <p:cNvPr id="104" name="圆角矩形 103"/>
           <p:cNvSpPr/>
           <p:nvPr/>
         </p:nvSpPr>
         <p:spPr>
           <a:xfrm>
-            <a:off x="1113770" y="4938842"/>
-            <a:ext cx="2729550" cy="525600"/>
+            <a:off x="5243481" y="4567464"/>
+            <a:ext cx="900000" cy="530813"/>
           </a:xfrm>
           <a:prstGeom prst="roundRect">
             <a:avLst>
-              <a:gd name="adj" fmla="val 8880"/>
+              <a:gd name="adj" fmla="val 0"/>
             </a:avLst>
           </a:prstGeom>
           <a:solidFill>
-            <a:schemeClr val="accent5">
-              <a:lumMod val="60000"/>
-              <a:lumOff val="40000"/>
+            <a:srgbClr val="B38401"/>
+          </a:solidFill>
+          <a:ln>
+            <a:noFill/>
+            <a:prstDash val="sysDash"/>
+          </a:ln>
+        </p:spPr>
+        <p:style>
+          <a:lnRef idx="2">
+            <a:schemeClr val="accent1">
+              <a:shade val="50000"/>
             </a:schemeClr>
+          </a:lnRef>
+          <a:fillRef idx="1">
+            <a:schemeClr val="accent1"/>
+          </a:fillRef>
+          <a:effectRef idx="0">
+            <a:schemeClr val="accent1"/>
+          </a:effectRef>
+          <a:fontRef idx="minor">
+            <a:schemeClr val="lt1"/>
+          </a:fontRef>
+        </p:style>
+        <p:txBody>
+          <a:bodyPr rtlCol="0" anchor="ctr"/>
+          <a:lstStyle/>
+          <a:p>
+            <a:pPr algn="ctr"/>
+            <a:r>
+              <a:rPr lang="en-US" altLang="zh-CN" sz="1000" dirty="0" err="1">
+                <a:solidFill>
+                  <a:schemeClr val="bg1"/>
+                </a:solidFill>
+                <a:latin typeface="微软雅黑" panose="020B0503020204020204" pitchFamily="34" charset="-122"/>
+                <a:ea typeface="微软雅黑" panose="020B0503020204020204" pitchFamily="34" charset="-122"/>
+              </a:rPr>
+              <a:t>MXNet</a:t>
+            </a:r>
+            <a:endParaRPr lang="zh-CN" altLang="en-US" sz="1000" dirty="0">
+              <a:solidFill>
+                <a:schemeClr val="bg1"/>
+              </a:solidFill>
+              <a:latin typeface="微软雅黑" panose="020B0503020204020204" pitchFamily="34" charset="-122"/>
+              <a:ea typeface="微软雅黑" panose="020B0503020204020204" pitchFamily="34" charset="-122"/>
+            </a:endParaRPr>
+          </a:p>
+        </p:txBody>
+      </p:sp>
+      <p:sp>
+        <p:nvSpPr>
+          <p:cNvPr id="113" name="圆角矩形 112"/>
+          <p:cNvSpPr/>
+          <p:nvPr/>
+        </p:nvSpPr>
+        <p:spPr>
+          <a:xfrm>
+            <a:off x="1222517" y="4509694"/>
+            <a:ext cx="2939894" cy="956876"/>
+          </a:xfrm>
+          <a:prstGeom prst="roundRect">
+            <a:avLst>
+              <a:gd name="adj" fmla="val 0"/>
+            </a:avLst>
+          </a:prstGeom>
+          <a:solidFill>
+            <a:srgbClr val="CF9901"/>
+          </a:solidFill>
+          <a:ln>
+            <a:noFill/>
+            <a:prstDash val="sysDash"/>
+          </a:ln>
+        </p:spPr>
+        <p:style>
+          <a:lnRef idx="2">
+            <a:schemeClr val="accent1">
+              <a:shade val="50000"/>
+            </a:schemeClr>
+          </a:lnRef>
+          <a:fillRef idx="1">
+            <a:schemeClr val="accent1"/>
+          </a:fillRef>
+          <a:effectRef idx="0">
+            <a:schemeClr val="accent1"/>
+          </a:effectRef>
+          <a:fontRef idx="minor">
+            <a:schemeClr val="lt1"/>
+          </a:fontRef>
+        </p:style>
+        <p:txBody>
+          <a:bodyPr bIns="108000" rtlCol="0" anchor="b"/>
+          <a:lstStyle/>
+          <a:p>
+            <a:pPr algn="ctr"/>
+            <a:r>
+              <a:rPr lang="en-US" altLang="zh-CN" sz="1000" dirty="0">
+                <a:solidFill>
+                  <a:schemeClr val="bg1"/>
+                </a:solidFill>
+                <a:latin typeface="微软雅黑" panose="020B0503020204020204" pitchFamily="34" charset="-122"/>
+                <a:ea typeface="微软雅黑" panose="020B0503020204020204" pitchFamily="34" charset="-122"/>
+              </a:rPr>
+              <a:t>Spark</a:t>
+            </a:r>
+            <a:endParaRPr lang="en-US" altLang="zh-CN" sz="1000" dirty="0" smtClean="0">
+              <a:solidFill>
+                <a:schemeClr val="bg1"/>
+              </a:solidFill>
+              <a:latin typeface="微软雅黑" panose="020B0503020204020204" pitchFamily="34" charset="-122"/>
+              <a:ea typeface="微软雅黑" panose="020B0503020204020204" pitchFamily="34" charset="-122"/>
+            </a:endParaRPr>
+          </a:p>
+        </p:txBody>
+      </p:sp>
+      <p:sp>
+        <p:nvSpPr>
+          <p:cNvPr id="114" name="圆角矩形 113"/>
+          <p:cNvSpPr/>
+          <p:nvPr/>
+        </p:nvSpPr>
+        <p:spPr>
+          <a:xfrm>
+            <a:off x="2227820" y="4567463"/>
+            <a:ext cx="900000" cy="530813"/>
+          </a:xfrm>
+          <a:prstGeom prst="roundRect">
+            <a:avLst>
+              <a:gd name="adj" fmla="val 0"/>
+            </a:avLst>
+          </a:prstGeom>
+          <a:solidFill>
+            <a:srgbClr val="B38401"/>
           </a:solidFill>
           <a:ln>
             <a:noFill/>
@@ -46139,16 +48976,26 @@
             <a:r>
               <a:rPr lang="en-US" altLang="zh-CN" sz="1000" dirty="0" smtClean="0">
                 <a:solidFill>
-                  <a:schemeClr val="tx1"/>
+                  <a:schemeClr val="bg1"/>
                 </a:solidFill>
                 <a:latin typeface="微软雅黑" panose="020B0503020204020204" pitchFamily="34" charset="-122"/>
                 <a:ea typeface="微软雅黑" panose="020B0503020204020204" pitchFamily="34" charset="-122"/>
               </a:rPr>
-              <a:t>Spark</a:t>
+              <a:t>Spark </a:t>
+            </a:r>
+            <a:r>
+              <a:rPr lang="en-US" altLang="zh-CN" sz="1000" dirty="0" err="1" smtClean="0">
+                <a:solidFill>
+                  <a:schemeClr val="bg1"/>
+                </a:solidFill>
+                <a:latin typeface="微软雅黑" panose="020B0503020204020204" pitchFamily="34" charset="-122"/>
+                <a:ea typeface="微软雅黑" panose="020B0503020204020204" pitchFamily="34" charset="-122"/>
+              </a:rPr>
+              <a:t>MLlib</a:t>
             </a:r>
             <a:endParaRPr lang="zh-CN" altLang="en-US" sz="1000" dirty="0">
               <a:solidFill>
-                <a:schemeClr val="tx1"/>
+                <a:schemeClr val="bg1"/>
               </a:solidFill>
               <a:latin typeface="微软雅黑" panose="020B0503020204020204" pitchFamily="34" charset="-122"/>
               <a:ea typeface="微软雅黑" panose="020B0503020204020204" pitchFamily="34" charset="-122"/>
@@ -46158,25 +49005,22 @@
       </p:sp>
       <p:sp>
         <p:nvSpPr>
-          <p:cNvPr id="85" name="圆角矩形 84"/>
+          <p:cNvPr id="115" name="圆角矩形 114"/>
           <p:cNvSpPr/>
           <p:nvPr/>
         </p:nvSpPr>
         <p:spPr>
           <a:xfrm>
-            <a:off x="3923014" y="4936424"/>
-            <a:ext cx="2012046" cy="525600"/>
+            <a:off x="3184849" y="4567464"/>
+            <a:ext cx="900000" cy="530813"/>
           </a:xfrm>
           <a:prstGeom prst="roundRect">
             <a:avLst>
-              <a:gd name="adj" fmla="val 8880"/>
+              <a:gd name="adj" fmla="val 0"/>
             </a:avLst>
           </a:prstGeom>
           <a:solidFill>
-            <a:schemeClr val="accent5">
-              <a:lumMod val="60000"/>
-              <a:lumOff val="40000"/>
-            </a:schemeClr>
+            <a:srgbClr val="B38401"/>
           </a:solidFill>
           <a:ln>
             <a:noFill/>
@@ -46205,38 +49049,28 @@
           <a:p>
             <a:pPr algn="ctr"/>
             <a:r>
-              <a:rPr lang="en-US" altLang="zh-CN" sz="1000" dirty="0" err="1" smtClean="0">
+              <a:rPr lang="en-US" altLang="zh-CN" sz="1000" dirty="0">
                 <a:solidFill>
-                  <a:schemeClr val="tx1"/>
+                  <a:schemeClr val="bg1"/>
                 </a:solidFill>
                 <a:latin typeface="微软雅黑" panose="020B0503020204020204" pitchFamily="34" charset="-122"/>
                 <a:ea typeface="微软雅黑" panose="020B0503020204020204" pitchFamily="34" charset="-122"/>
               </a:rPr>
-              <a:t>MapReduce</a:t>
+              <a:t>Spark </a:t>
             </a:r>
             <a:r>
-              <a:rPr lang="en-US" altLang="zh-CN" sz="1000" dirty="0" smtClean="0">
+              <a:rPr lang="en-US" altLang="zh-CN" sz="1000" dirty="0" err="1" smtClean="0">
                 <a:solidFill>
-                  <a:schemeClr val="tx1"/>
+                  <a:schemeClr val="bg1"/>
                 </a:solidFill>
                 <a:latin typeface="微软雅黑" panose="020B0503020204020204" pitchFamily="34" charset="-122"/>
                 <a:ea typeface="微软雅黑" panose="020B0503020204020204" pitchFamily="34" charset="-122"/>
               </a:rPr>
-              <a:t>/</a:t>
-            </a:r>
-            <a:r>
-              <a:rPr lang="en-US" altLang="zh-CN" sz="1000" dirty="0" err="1" smtClean="0">
-                <a:solidFill>
-                  <a:schemeClr val="tx1"/>
-                </a:solidFill>
-                <a:latin typeface="微软雅黑" panose="020B0503020204020204" pitchFamily="34" charset="-122"/>
-                <a:ea typeface="微软雅黑" panose="020B0503020204020204" pitchFamily="34" charset="-122"/>
-              </a:rPr>
-              <a:t>Tez</a:t>
+              <a:t>GraphX</a:t>
             </a:r>
             <a:endParaRPr lang="zh-CN" altLang="en-US" sz="1000" dirty="0">
               <a:solidFill>
-                <a:schemeClr val="tx1"/>
+                <a:schemeClr val="bg1"/>
               </a:solidFill>
               <a:latin typeface="微软雅黑" panose="020B0503020204020204" pitchFamily="34" charset="-122"/>
               <a:ea typeface="微软雅黑" panose="020B0503020204020204" pitchFamily="34" charset="-122"/>
@@ -46246,25 +49080,22 @@
       </p:sp>
       <p:sp>
         <p:nvSpPr>
-          <p:cNvPr id="86" name="圆角矩形 85"/>
+          <p:cNvPr id="116" name="圆角矩形 115"/>
           <p:cNvSpPr/>
           <p:nvPr/>
         </p:nvSpPr>
         <p:spPr>
           <a:xfrm>
-            <a:off x="1096401" y="5566483"/>
-            <a:ext cx="1584008" cy="654658"/>
+            <a:off x="1278187" y="4567462"/>
+            <a:ext cx="900000" cy="530813"/>
           </a:xfrm>
           <a:prstGeom prst="roundRect">
             <a:avLst>
-              <a:gd name="adj" fmla="val 8880"/>
+              <a:gd name="adj" fmla="val 0"/>
             </a:avLst>
           </a:prstGeom>
           <a:solidFill>
-            <a:schemeClr val="accent4">
-              <a:lumMod val="60000"/>
-              <a:lumOff val="40000"/>
-            </a:schemeClr>
+            <a:srgbClr val="B38401"/>
           </a:solidFill>
           <a:ln>
             <a:noFill/>
@@ -46293,18 +49124,28 @@
           <a:p>
             <a:pPr algn="ctr"/>
             <a:r>
-              <a:rPr lang="en-US" altLang="zh-CN" sz="1000" dirty="0" smtClean="0">
+              <a:rPr lang="en-US" altLang="zh-CN" sz="1000" dirty="0">
                 <a:solidFill>
-                  <a:schemeClr val="tx1"/>
+                  <a:schemeClr val="bg1"/>
                 </a:solidFill>
                 <a:latin typeface="微软雅黑" panose="020B0503020204020204" pitchFamily="34" charset="-122"/>
                 <a:ea typeface="微软雅黑" panose="020B0503020204020204" pitchFamily="34" charset="-122"/>
               </a:rPr>
-              <a:t>HDFS</a:t>
+              <a:t>Spark </a:t>
+            </a:r>
+            <a:r>
+              <a:rPr lang="en-US" altLang="zh-CN" sz="1000" dirty="0" smtClean="0">
+                <a:solidFill>
+                  <a:schemeClr val="bg1"/>
+                </a:solidFill>
+                <a:latin typeface="微软雅黑" panose="020B0503020204020204" pitchFamily="34" charset="-122"/>
+                <a:ea typeface="微软雅黑" panose="020B0503020204020204" pitchFamily="34" charset="-122"/>
+              </a:rPr>
+              <a:t>SQL</a:t>
             </a:r>
             <a:endParaRPr lang="zh-CN" altLang="en-US" sz="1000" dirty="0">
               <a:solidFill>
-                <a:schemeClr val="tx1"/>
+                <a:schemeClr val="bg1"/>
               </a:solidFill>
               <a:latin typeface="微软雅黑" panose="020B0503020204020204" pitchFamily="34" charset="-122"/>
               <a:ea typeface="微软雅黑" panose="020B0503020204020204" pitchFamily="34" charset="-122"/>
@@ -46312,2777 +49153,16 @@
           </a:p>
         </p:txBody>
       </p:sp>
-      <p:sp>
-        <p:nvSpPr>
-          <p:cNvPr id="87" name="圆角矩形 86"/>
-          <p:cNvSpPr/>
-          <p:nvPr/>
-        </p:nvSpPr>
-        <p:spPr>
-          <a:xfrm>
-            <a:off x="4358516" y="5573141"/>
-            <a:ext cx="1413103" cy="648000"/>
-          </a:xfrm>
-          <a:prstGeom prst="roundRect">
-            <a:avLst>
-              <a:gd name="adj" fmla="val 8880"/>
-            </a:avLst>
-          </a:prstGeom>
-          <a:solidFill>
-            <a:schemeClr val="accent4">
-              <a:lumMod val="60000"/>
-              <a:lumOff val="40000"/>
-            </a:schemeClr>
-          </a:solidFill>
-          <a:ln>
-            <a:noFill/>
-            <a:prstDash val="sysDash"/>
-          </a:ln>
-        </p:spPr>
-        <p:style>
-          <a:lnRef idx="2">
-            <a:schemeClr val="accent1">
-              <a:shade val="50000"/>
-            </a:schemeClr>
-          </a:lnRef>
-          <a:fillRef idx="1">
-            <a:schemeClr val="accent1"/>
-          </a:fillRef>
-          <a:effectRef idx="0">
-            <a:schemeClr val="accent1"/>
-          </a:effectRef>
-          <a:fontRef idx="minor">
-            <a:schemeClr val="lt1"/>
-          </a:fontRef>
-        </p:style>
-        <p:txBody>
-          <a:bodyPr rtlCol="0" anchor="ctr"/>
-          <a:lstStyle/>
-          <a:p>
-            <a:pPr algn="ctr"/>
-            <a:r>
-              <a:rPr lang="en-US" altLang="zh-CN" sz="1000" dirty="0" smtClean="0">
-                <a:solidFill>
-                  <a:schemeClr val="tx1"/>
-                </a:solidFill>
-                <a:latin typeface="微软雅黑" panose="020B0503020204020204" pitchFamily="34" charset="-122"/>
-                <a:ea typeface="微软雅黑" panose="020B0503020204020204" pitchFamily="34" charset="-122"/>
-              </a:rPr>
-              <a:t>Yarn/</a:t>
-            </a:r>
-            <a:r>
-              <a:rPr lang="en-US" altLang="zh-CN" sz="1000" dirty="0" err="1" smtClean="0">
-                <a:solidFill>
-                  <a:schemeClr val="tx1"/>
-                </a:solidFill>
-                <a:latin typeface="微软雅黑" panose="020B0503020204020204" pitchFamily="34" charset="-122"/>
-                <a:ea typeface="微软雅黑" panose="020B0503020204020204" pitchFamily="34" charset="-122"/>
-              </a:rPr>
-              <a:t>Mesos</a:t>
-            </a:r>
-            <a:endParaRPr lang="zh-CN" altLang="en-US" sz="1000" dirty="0">
-              <a:solidFill>
-                <a:schemeClr val="tx1"/>
-              </a:solidFill>
-              <a:latin typeface="微软雅黑" panose="020B0503020204020204" pitchFamily="34" charset="-122"/>
-              <a:ea typeface="微软雅黑" panose="020B0503020204020204" pitchFamily="34" charset="-122"/>
-            </a:endParaRPr>
-          </a:p>
-        </p:txBody>
-      </p:sp>
-      <p:sp>
-        <p:nvSpPr>
-          <p:cNvPr id="88" name="圆角矩形 87"/>
-          <p:cNvSpPr/>
-          <p:nvPr/>
-        </p:nvSpPr>
-        <p:spPr>
-          <a:xfrm>
-            <a:off x="2752671" y="5562734"/>
-            <a:ext cx="1533583" cy="648000"/>
-          </a:xfrm>
-          <a:prstGeom prst="roundRect">
-            <a:avLst>
-              <a:gd name="adj" fmla="val 8880"/>
-            </a:avLst>
-          </a:prstGeom>
-          <a:solidFill>
-            <a:schemeClr val="accent4">
-              <a:lumMod val="60000"/>
-              <a:lumOff val="40000"/>
-            </a:schemeClr>
-          </a:solidFill>
-          <a:ln>
-            <a:noFill/>
-            <a:prstDash val="sysDash"/>
-          </a:ln>
-        </p:spPr>
-        <p:style>
-          <a:lnRef idx="2">
-            <a:schemeClr val="accent1">
-              <a:shade val="50000"/>
-            </a:schemeClr>
-          </a:lnRef>
-          <a:fillRef idx="1">
-            <a:schemeClr val="accent1"/>
-          </a:fillRef>
-          <a:effectRef idx="0">
-            <a:schemeClr val="accent1"/>
-          </a:effectRef>
-          <a:fontRef idx="minor">
-            <a:schemeClr val="lt1"/>
-          </a:fontRef>
-        </p:style>
-        <p:txBody>
-          <a:bodyPr rtlCol="0" anchor="ctr"/>
-          <a:lstStyle/>
-          <a:p>
-            <a:pPr algn="ctr"/>
-            <a:r>
-              <a:rPr lang="en-US" altLang="zh-CN" sz="1000" dirty="0" err="1" smtClean="0">
-                <a:solidFill>
-                  <a:schemeClr val="tx1"/>
-                </a:solidFill>
-                <a:latin typeface="微软雅黑" panose="020B0503020204020204" pitchFamily="34" charset="-122"/>
-                <a:ea typeface="微软雅黑" panose="020B0503020204020204" pitchFamily="34" charset="-122"/>
-              </a:rPr>
-              <a:t>Alluxio</a:t>
-            </a:r>
-            <a:endParaRPr lang="zh-CN" altLang="en-US" sz="1000" dirty="0">
-              <a:solidFill>
-                <a:schemeClr val="tx1"/>
-              </a:solidFill>
-              <a:latin typeface="微软雅黑" panose="020B0503020204020204" pitchFamily="34" charset="-122"/>
-              <a:ea typeface="微软雅黑" panose="020B0503020204020204" pitchFamily="34" charset="-122"/>
-            </a:endParaRPr>
-          </a:p>
-        </p:txBody>
-      </p:sp>
-      <p:sp>
-        <p:nvSpPr>
-          <p:cNvPr id="89" name="圆角矩形 88"/>
-          <p:cNvSpPr/>
-          <p:nvPr/>
-        </p:nvSpPr>
-        <p:spPr>
-          <a:xfrm>
-            <a:off x="3923013" y="4320502"/>
-            <a:ext cx="894937" cy="520047"/>
-          </a:xfrm>
-          <a:prstGeom prst="roundRect">
-            <a:avLst>
-              <a:gd name="adj" fmla="val 8880"/>
-            </a:avLst>
-          </a:prstGeom>
-          <a:solidFill>
-            <a:schemeClr val="accent5">
-              <a:lumMod val="60000"/>
-              <a:lumOff val="40000"/>
-            </a:schemeClr>
-          </a:solidFill>
-          <a:ln>
-            <a:noFill/>
-            <a:prstDash val="sysDash"/>
-          </a:ln>
-        </p:spPr>
-        <p:style>
-          <a:lnRef idx="2">
-            <a:schemeClr val="accent1">
-              <a:shade val="50000"/>
-            </a:schemeClr>
-          </a:lnRef>
-          <a:fillRef idx="1">
-            <a:schemeClr val="accent1"/>
-          </a:fillRef>
-          <a:effectRef idx="0">
-            <a:schemeClr val="accent1"/>
-          </a:effectRef>
-          <a:fontRef idx="minor">
-            <a:schemeClr val="lt1"/>
-          </a:fontRef>
-        </p:style>
-        <p:txBody>
-          <a:bodyPr rtlCol="0" anchor="ctr"/>
-          <a:lstStyle/>
-          <a:p>
-            <a:pPr algn="ctr"/>
-            <a:r>
-              <a:rPr lang="en-US" altLang="zh-CN" sz="1000">
-                <a:solidFill>
-                  <a:schemeClr val="tx1"/>
-                </a:solidFill>
-                <a:latin typeface="微软雅黑" panose="020B0503020204020204" pitchFamily="34" charset="-122"/>
-                <a:ea typeface="微软雅黑" panose="020B0503020204020204" pitchFamily="34" charset="-122"/>
-              </a:rPr>
-              <a:t>Tensorflow</a:t>
-            </a:r>
-            <a:endParaRPr lang="zh-CN" altLang="en-US" sz="1000" dirty="0">
-              <a:solidFill>
-                <a:schemeClr val="tx1"/>
-              </a:solidFill>
-              <a:latin typeface="微软雅黑" panose="020B0503020204020204" pitchFamily="34" charset="-122"/>
-              <a:ea typeface="微软雅黑" panose="020B0503020204020204" pitchFamily="34" charset="-122"/>
-            </a:endParaRPr>
-          </a:p>
-        </p:txBody>
-      </p:sp>
-      <p:sp>
-        <p:nvSpPr>
-          <p:cNvPr id="91" name="圆角矩形 90"/>
-          <p:cNvSpPr/>
-          <p:nvPr/>
-        </p:nvSpPr>
-        <p:spPr>
-          <a:xfrm>
-            <a:off x="6023118" y="4320502"/>
-            <a:ext cx="1029051" cy="530813"/>
-          </a:xfrm>
-          <a:prstGeom prst="roundRect">
-            <a:avLst>
-              <a:gd name="adj" fmla="val 8880"/>
-            </a:avLst>
-          </a:prstGeom>
-          <a:solidFill>
-            <a:schemeClr val="accent5">
-              <a:lumMod val="60000"/>
-              <a:lumOff val="40000"/>
-            </a:schemeClr>
-          </a:solidFill>
-          <a:ln>
-            <a:noFill/>
-            <a:prstDash val="sysDash"/>
-          </a:ln>
-        </p:spPr>
-        <p:style>
-          <a:lnRef idx="2">
-            <a:schemeClr val="accent1">
-              <a:shade val="50000"/>
-            </a:schemeClr>
-          </a:lnRef>
-          <a:fillRef idx="1">
-            <a:schemeClr val="accent1"/>
-          </a:fillRef>
-          <a:effectRef idx="0">
-            <a:schemeClr val="accent1"/>
-          </a:effectRef>
-          <a:fontRef idx="minor">
-            <a:schemeClr val="lt1"/>
-          </a:fontRef>
-        </p:style>
-        <p:txBody>
-          <a:bodyPr rtlCol="0" anchor="ctr"/>
-          <a:lstStyle/>
-          <a:p>
-            <a:pPr algn="ctr"/>
-            <a:r>
-              <a:rPr lang="en-US" altLang="zh-CN" sz="1000" dirty="0" err="1" smtClean="0">
-                <a:solidFill>
-                  <a:schemeClr val="tx1"/>
-                </a:solidFill>
-                <a:latin typeface="微软雅黑" panose="020B0503020204020204" pitchFamily="34" charset="-122"/>
-                <a:ea typeface="微软雅黑" panose="020B0503020204020204" pitchFamily="34" charset="-122"/>
-              </a:rPr>
-              <a:t>Flink</a:t>
-            </a:r>
-            <a:r>
-              <a:rPr lang="en-US" altLang="zh-CN" sz="1000" dirty="0" smtClean="0">
-                <a:solidFill>
-                  <a:schemeClr val="tx1"/>
-                </a:solidFill>
-                <a:latin typeface="微软雅黑" panose="020B0503020204020204" pitchFamily="34" charset="-122"/>
-                <a:ea typeface="微软雅黑" panose="020B0503020204020204" pitchFamily="34" charset="-122"/>
-              </a:rPr>
-              <a:t> SQL</a:t>
-            </a:r>
-            <a:endParaRPr lang="zh-CN" altLang="en-US" sz="1000" dirty="0">
-              <a:solidFill>
-                <a:schemeClr val="tx1"/>
-              </a:solidFill>
-              <a:latin typeface="微软雅黑" panose="020B0503020204020204" pitchFamily="34" charset="-122"/>
-              <a:ea typeface="微软雅黑" panose="020B0503020204020204" pitchFamily="34" charset="-122"/>
-            </a:endParaRPr>
-          </a:p>
-        </p:txBody>
-      </p:sp>
-      <p:sp>
-        <p:nvSpPr>
-          <p:cNvPr id="92" name="圆角矩形 91"/>
-          <p:cNvSpPr/>
-          <p:nvPr/>
-        </p:nvSpPr>
-        <p:spPr>
-          <a:xfrm>
-            <a:off x="7137902" y="4320502"/>
-            <a:ext cx="1029051" cy="530813"/>
-          </a:xfrm>
-          <a:prstGeom prst="roundRect">
-            <a:avLst>
-              <a:gd name="adj" fmla="val 8880"/>
-            </a:avLst>
-          </a:prstGeom>
-          <a:solidFill>
-            <a:schemeClr val="accent5">
-              <a:lumMod val="60000"/>
-              <a:lumOff val="40000"/>
-            </a:schemeClr>
-          </a:solidFill>
-          <a:ln>
-            <a:noFill/>
-            <a:prstDash val="sysDash"/>
-          </a:ln>
-        </p:spPr>
-        <p:style>
-          <a:lnRef idx="2">
-            <a:schemeClr val="accent1">
-              <a:shade val="50000"/>
-            </a:schemeClr>
-          </a:lnRef>
-          <a:fillRef idx="1">
-            <a:schemeClr val="accent1"/>
-          </a:fillRef>
-          <a:effectRef idx="0">
-            <a:schemeClr val="accent1"/>
-          </a:effectRef>
-          <a:fontRef idx="minor">
-            <a:schemeClr val="lt1"/>
-          </a:fontRef>
-        </p:style>
-        <p:txBody>
-          <a:bodyPr rtlCol="0" anchor="ctr"/>
-          <a:lstStyle/>
-          <a:p>
-            <a:pPr algn="ctr"/>
-            <a:r>
-              <a:rPr lang="en-US" altLang="zh-CN" sz="1000" dirty="0" err="1" smtClean="0">
-                <a:solidFill>
-                  <a:schemeClr val="tx1"/>
-                </a:solidFill>
-                <a:latin typeface="微软雅黑" panose="020B0503020204020204" pitchFamily="34" charset="-122"/>
-                <a:ea typeface="微软雅黑" panose="020B0503020204020204" pitchFamily="34" charset="-122"/>
-              </a:rPr>
-              <a:t>Flink</a:t>
-            </a:r>
-            <a:r>
-              <a:rPr lang="en-US" altLang="zh-CN" sz="1000" dirty="0" smtClean="0">
-                <a:solidFill>
-                  <a:schemeClr val="tx1"/>
-                </a:solidFill>
-                <a:latin typeface="微软雅黑" panose="020B0503020204020204" pitchFamily="34" charset="-122"/>
-                <a:ea typeface="微软雅黑" panose="020B0503020204020204" pitchFamily="34" charset="-122"/>
-              </a:rPr>
-              <a:t> ML</a:t>
-            </a:r>
-            <a:endParaRPr lang="zh-CN" altLang="en-US" sz="1000" dirty="0">
-              <a:solidFill>
-                <a:schemeClr val="tx1"/>
-              </a:solidFill>
-              <a:latin typeface="微软雅黑" panose="020B0503020204020204" pitchFamily="34" charset="-122"/>
-              <a:ea typeface="微软雅黑" panose="020B0503020204020204" pitchFamily="34" charset="-122"/>
-            </a:endParaRPr>
-          </a:p>
-        </p:txBody>
-      </p:sp>
-      <p:sp>
-        <p:nvSpPr>
-          <p:cNvPr id="93" name="圆角矩形 92"/>
-          <p:cNvSpPr/>
-          <p:nvPr/>
-        </p:nvSpPr>
-        <p:spPr>
-          <a:xfrm>
-            <a:off x="1121800" y="1109230"/>
-            <a:ext cx="1500678" cy="695181"/>
-          </a:xfrm>
-          <a:prstGeom prst="roundRect">
-            <a:avLst>
-              <a:gd name="adj" fmla="val 8880"/>
-            </a:avLst>
-          </a:prstGeom>
-          <a:solidFill>
-            <a:srgbClr val="58A6E4"/>
-          </a:solidFill>
-          <a:ln w="0">
-            <a:noFill/>
-            <a:prstDash val="sysDash"/>
-          </a:ln>
-        </p:spPr>
-        <p:style>
-          <a:lnRef idx="2">
-            <a:schemeClr val="accent1">
-              <a:shade val="50000"/>
-            </a:schemeClr>
-          </a:lnRef>
-          <a:fillRef idx="1">
-            <a:schemeClr val="accent1"/>
-          </a:fillRef>
-          <a:effectRef idx="0">
-            <a:schemeClr val="accent1"/>
-          </a:effectRef>
-          <a:fontRef idx="minor">
-            <a:schemeClr val="lt1"/>
-          </a:fontRef>
-        </p:style>
-        <p:txBody>
-          <a:bodyPr rtlCol="0" anchor="ctr"/>
-          <a:lstStyle/>
-          <a:p>
-            <a:pPr algn="ctr"/>
-            <a:r>
-              <a:rPr lang="zh-CN" altLang="en-US" sz="1000" dirty="0" smtClean="0">
-                <a:solidFill>
-                  <a:schemeClr val="tx1"/>
-                </a:solidFill>
-                <a:latin typeface="微软雅黑" panose="020B0503020204020204" pitchFamily="34" charset="-122"/>
-                <a:ea typeface="微软雅黑" panose="020B0503020204020204" pitchFamily="34" charset="-122"/>
-              </a:rPr>
-              <a:t>实验工作台</a:t>
-            </a:r>
-            <a:endParaRPr lang="zh-CN" altLang="en-US" sz="1000" dirty="0">
-              <a:solidFill>
-                <a:schemeClr val="tx1"/>
-              </a:solidFill>
-              <a:latin typeface="微软雅黑" panose="020B0503020204020204" pitchFamily="34" charset="-122"/>
-              <a:ea typeface="微软雅黑" panose="020B0503020204020204" pitchFamily="34" charset="-122"/>
-            </a:endParaRPr>
-          </a:p>
-        </p:txBody>
-      </p:sp>
-      <p:sp>
-        <p:nvSpPr>
-          <p:cNvPr id="97" name="圆角矩形 96"/>
-          <p:cNvSpPr/>
-          <p:nvPr/>
-        </p:nvSpPr>
-        <p:spPr>
-          <a:xfrm>
-            <a:off x="4051286" y="1113574"/>
-            <a:ext cx="1225572" cy="305364"/>
-          </a:xfrm>
-          <a:prstGeom prst="roundRect">
-            <a:avLst>
-              <a:gd name="adj" fmla="val 8880"/>
-            </a:avLst>
-          </a:prstGeom>
-          <a:solidFill>
-            <a:srgbClr val="58A6E4"/>
-          </a:solidFill>
-          <a:ln w="0">
-            <a:noFill/>
-            <a:prstDash val="sysDash"/>
-          </a:ln>
-        </p:spPr>
-        <p:style>
-          <a:lnRef idx="2">
-            <a:schemeClr val="accent1">
-              <a:shade val="50000"/>
-            </a:schemeClr>
-          </a:lnRef>
-          <a:fillRef idx="1">
-            <a:schemeClr val="accent1"/>
-          </a:fillRef>
-          <a:effectRef idx="0">
-            <a:schemeClr val="accent1"/>
-          </a:effectRef>
-          <a:fontRef idx="minor">
-            <a:schemeClr val="lt1"/>
-          </a:fontRef>
-        </p:style>
-        <p:txBody>
-          <a:bodyPr rtlCol="0" anchor="ctr"/>
-          <a:lstStyle/>
-          <a:p>
-            <a:pPr algn="ctr"/>
-            <a:r>
-              <a:rPr lang="zh-CN" altLang="en-US" sz="1000" dirty="0" smtClean="0">
-                <a:solidFill>
-                  <a:schemeClr val="tx1"/>
-                </a:solidFill>
-                <a:latin typeface="微软雅黑" panose="020B0503020204020204" pitchFamily="34" charset="-122"/>
-                <a:ea typeface="微软雅黑" panose="020B0503020204020204" pitchFamily="34" charset="-122"/>
-              </a:rPr>
-              <a:t>交互式解释器</a:t>
-            </a:r>
-            <a:endParaRPr lang="zh-CN" altLang="en-US" sz="1000" dirty="0">
-              <a:solidFill>
-                <a:schemeClr val="tx1"/>
-              </a:solidFill>
-              <a:latin typeface="微软雅黑" panose="020B0503020204020204" pitchFamily="34" charset="-122"/>
-              <a:ea typeface="微软雅黑" panose="020B0503020204020204" pitchFamily="34" charset="-122"/>
-            </a:endParaRPr>
-          </a:p>
-        </p:txBody>
-      </p:sp>
-      <p:sp>
-        <p:nvSpPr>
-          <p:cNvPr id="98" name="圆角矩形 97"/>
-          <p:cNvSpPr/>
-          <p:nvPr/>
-        </p:nvSpPr>
-        <p:spPr>
-          <a:xfrm>
-            <a:off x="4051285" y="1495118"/>
-            <a:ext cx="1225572" cy="304896"/>
-          </a:xfrm>
-          <a:prstGeom prst="roundRect">
-            <a:avLst>
-              <a:gd name="adj" fmla="val 8880"/>
-            </a:avLst>
-          </a:prstGeom>
-          <a:solidFill>
-            <a:srgbClr val="58A6E4"/>
-          </a:solidFill>
-          <a:ln w="0">
-            <a:noFill/>
-            <a:prstDash val="sysDash"/>
-          </a:ln>
-        </p:spPr>
-        <p:style>
-          <a:lnRef idx="2">
-            <a:schemeClr val="accent1">
-              <a:shade val="50000"/>
-            </a:schemeClr>
-          </a:lnRef>
-          <a:fillRef idx="1">
-            <a:schemeClr val="accent1"/>
-          </a:fillRef>
-          <a:effectRef idx="0">
-            <a:schemeClr val="accent1"/>
-          </a:effectRef>
-          <a:fontRef idx="minor">
-            <a:schemeClr val="lt1"/>
-          </a:fontRef>
-        </p:style>
-        <p:txBody>
-          <a:bodyPr rtlCol="0" anchor="ctr"/>
-          <a:lstStyle/>
-          <a:p>
-            <a:pPr algn="ctr"/>
-            <a:r>
-              <a:rPr lang="zh-CN" altLang="en-US" sz="1000" dirty="0">
-                <a:solidFill>
-                  <a:schemeClr val="tx1"/>
-                </a:solidFill>
-                <a:latin typeface="微软雅黑" panose="020B0503020204020204" pitchFamily="34" charset="-122"/>
-                <a:ea typeface="微软雅黑" panose="020B0503020204020204" pitchFamily="34" charset="-122"/>
-              </a:rPr>
-              <a:t>模型</a:t>
-            </a:r>
-            <a:r>
-              <a:rPr lang="zh-CN" altLang="en-US" sz="1000" dirty="0" smtClean="0">
-                <a:solidFill>
-                  <a:schemeClr val="tx1"/>
-                </a:solidFill>
-                <a:latin typeface="微软雅黑" panose="020B0503020204020204" pitchFamily="34" charset="-122"/>
-                <a:ea typeface="微软雅黑" panose="020B0503020204020204" pitchFamily="34" charset="-122"/>
-              </a:rPr>
-              <a:t>发布</a:t>
-            </a:r>
-            <a:endParaRPr lang="zh-CN" altLang="en-US" sz="1000" dirty="0">
-              <a:solidFill>
-                <a:schemeClr val="tx1"/>
-              </a:solidFill>
-              <a:latin typeface="微软雅黑" panose="020B0503020204020204" pitchFamily="34" charset="-122"/>
-              <a:ea typeface="微软雅黑" panose="020B0503020204020204" pitchFamily="34" charset="-122"/>
-            </a:endParaRPr>
-          </a:p>
-        </p:txBody>
-      </p:sp>
-      <p:sp>
-        <p:nvSpPr>
-          <p:cNvPr id="99" name="圆角矩形 98"/>
-          <p:cNvSpPr/>
-          <p:nvPr/>
-        </p:nvSpPr>
-        <p:spPr>
-          <a:xfrm>
-            <a:off x="5378476" y="1113574"/>
-            <a:ext cx="1225572" cy="305364"/>
-          </a:xfrm>
-          <a:prstGeom prst="roundRect">
-            <a:avLst>
-              <a:gd name="adj" fmla="val 8880"/>
-            </a:avLst>
-          </a:prstGeom>
-          <a:solidFill>
-            <a:srgbClr val="58A6E4"/>
-          </a:solidFill>
-          <a:ln w="0">
-            <a:noFill/>
-            <a:prstDash val="sysDash"/>
-          </a:ln>
-        </p:spPr>
-        <p:style>
-          <a:lnRef idx="2">
-            <a:schemeClr val="accent1">
-              <a:shade val="50000"/>
-            </a:schemeClr>
-          </a:lnRef>
-          <a:fillRef idx="1">
-            <a:schemeClr val="accent1"/>
-          </a:fillRef>
-          <a:effectRef idx="0">
-            <a:schemeClr val="accent1"/>
-          </a:effectRef>
-          <a:fontRef idx="minor">
-            <a:schemeClr val="lt1"/>
-          </a:fontRef>
-        </p:style>
-        <p:txBody>
-          <a:bodyPr rtlCol="0" anchor="ctr"/>
-          <a:lstStyle/>
-          <a:p>
-            <a:pPr algn="ctr"/>
-            <a:r>
-              <a:rPr lang="zh-CN" altLang="en-US" sz="1000" dirty="0" smtClean="0">
-                <a:solidFill>
-                  <a:schemeClr val="tx1"/>
-                </a:solidFill>
-                <a:latin typeface="微软雅黑" panose="020B0503020204020204" pitchFamily="34" charset="-122"/>
-                <a:ea typeface="微软雅黑" panose="020B0503020204020204" pitchFamily="34" charset="-122"/>
-              </a:rPr>
-              <a:t>定时调度</a:t>
-            </a:r>
-            <a:endParaRPr lang="zh-CN" altLang="en-US" sz="1000" dirty="0">
-              <a:solidFill>
-                <a:schemeClr val="tx1"/>
-              </a:solidFill>
-              <a:latin typeface="微软雅黑" panose="020B0503020204020204" pitchFamily="34" charset="-122"/>
-              <a:ea typeface="微软雅黑" panose="020B0503020204020204" pitchFamily="34" charset="-122"/>
-            </a:endParaRPr>
-          </a:p>
-        </p:txBody>
-      </p:sp>
-      <p:sp>
-        <p:nvSpPr>
-          <p:cNvPr id="100" name="圆角矩形 99"/>
-          <p:cNvSpPr/>
-          <p:nvPr/>
-        </p:nvSpPr>
-        <p:spPr>
-          <a:xfrm>
-            <a:off x="5378475" y="1493920"/>
-            <a:ext cx="1225572" cy="306000"/>
-          </a:xfrm>
-          <a:prstGeom prst="roundRect">
-            <a:avLst>
-              <a:gd name="adj" fmla="val 8880"/>
-            </a:avLst>
-          </a:prstGeom>
-          <a:solidFill>
-            <a:srgbClr val="58A6E4"/>
-          </a:solidFill>
-          <a:ln w="0">
-            <a:noFill/>
-            <a:prstDash val="sysDash"/>
-          </a:ln>
-        </p:spPr>
-        <p:style>
-          <a:lnRef idx="2">
-            <a:schemeClr val="accent1">
-              <a:shade val="50000"/>
-            </a:schemeClr>
-          </a:lnRef>
-          <a:fillRef idx="1">
-            <a:schemeClr val="accent1"/>
-          </a:fillRef>
-          <a:effectRef idx="0">
-            <a:schemeClr val="accent1"/>
-          </a:effectRef>
-          <a:fontRef idx="minor">
-            <a:schemeClr val="lt1"/>
-          </a:fontRef>
-        </p:style>
-        <p:txBody>
-          <a:bodyPr rtlCol="0" anchor="ctr"/>
-          <a:lstStyle/>
-          <a:p>
-            <a:pPr algn="ctr"/>
-            <a:r>
-              <a:rPr lang="zh-CN" altLang="en-US" sz="1000">
-                <a:solidFill>
-                  <a:schemeClr val="tx1"/>
-                </a:solidFill>
-                <a:latin typeface="微软雅黑" panose="020B0503020204020204" pitchFamily="34" charset="-122"/>
-                <a:ea typeface="微软雅黑" panose="020B0503020204020204" pitchFamily="34" charset="-122"/>
-              </a:rPr>
-              <a:t>系统监控</a:t>
-            </a:r>
-            <a:endParaRPr lang="zh-CN" altLang="en-US" sz="1000" dirty="0">
-              <a:solidFill>
-                <a:schemeClr val="tx1"/>
-              </a:solidFill>
-              <a:latin typeface="微软雅黑" panose="020B0503020204020204" pitchFamily="34" charset="-122"/>
-              <a:ea typeface="微软雅黑" panose="020B0503020204020204" pitchFamily="34" charset="-122"/>
-            </a:endParaRPr>
-          </a:p>
-        </p:txBody>
-      </p:sp>
-      <p:sp>
-        <p:nvSpPr>
-          <p:cNvPr id="108" name="圆角矩形 107"/>
-          <p:cNvSpPr/>
-          <p:nvPr/>
-        </p:nvSpPr>
-        <p:spPr>
-          <a:xfrm>
-            <a:off x="3487106" y="1918727"/>
-            <a:ext cx="2284513" cy="432000"/>
-          </a:xfrm>
-          <a:prstGeom prst="roundRect">
-            <a:avLst>
-              <a:gd name="adj" fmla="val 8880"/>
-            </a:avLst>
-          </a:prstGeom>
-          <a:solidFill>
-            <a:schemeClr val="bg2">
-              <a:lumMod val="65000"/>
-            </a:schemeClr>
-          </a:solidFill>
-          <a:ln>
-            <a:noFill/>
-          </a:ln>
-        </p:spPr>
-        <p:style>
-          <a:lnRef idx="2">
-            <a:schemeClr val="accent1">
-              <a:shade val="50000"/>
-            </a:schemeClr>
-          </a:lnRef>
-          <a:fillRef idx="1">
-            <a:schemeClr val="accent1"/>
-          </a:fillRef>
-          <a:effectRef idx="0">
-            <a:schemeClr val="accent1"/>
-          </a:effectRef>
-          <a:fontRef idx="minor">
-            <a:schemeClr val="lt1"/>
-          </a:fontRef>
-        </p:style>
-        <p:txBody>
-          <a:bodyPr rtlCol="0" anchor="ctr"/>
-          <a:lstStyle/>
-          <a:p>
-            <a:pPr algn="ctr"/>
-            <a:r>
-              <a:rPr lang="zh-CN" altLang="en-US" sz="1000" dirty="0">
-                <a:latin typeface="微软雅黑" panose="020B0503020204020204" pitchFamily="34" charset="-122"/>
-                <a:ea typeface="微软雅黑" panose="020B0503020204020204" pitchFamily="34" charset="-122"/>
-              </a:rPr>
-              <a:t>工作</a:t>
-            </a:r>
-            <a:r>
-              <a:rPr lang="zh-CN" altLang="en-US" sz="1000" dirty="0" smtClean="0">
-                <a:latin typeface="微软雅黑" panose="020B0503020204020204" pitchFamily="34" charset="-122"/>
-                <a:ea typeface="微软雅黑" panose="020B0503020204020204" pitchFamily="34" charset="-122"/>
-              </a:rPr>
-              <a:t>流作业</a:t>
-            </a:r>
-            <a:endParaRPr lang="zh-CN" altLang="en-US" sz="1000" dirty="0">
-              <a:latin typeface="微软雅黑" panose="020B0503020204020204" pitchFamily="34" charset="-122"/>
-              <a:ea typeface="微软雅黑" panose="020B0503020204020204" pitchFamily="34" charset="-122"/>
-            </a:endParaRPr>
-          </a:p>
-        </p:txBody>
-      </p:sp>
-      <p:sp>
-        <p:nvSpPr>
-          <p:cNvPr id="109" name="圆角矩形 108"/>
-          <p:cNvSpPr/>
-          <p:nvPr/>
-        </p:nvSpPr>
-        <p:spPr>
-          <a:xfrm>
-            <a:off x="5865071" y="1914530"/>
-            <a:ext cx="2284513" cy="432000"/>
-          </a:xfrm>
-          <a:prstGeom prst="roundRect">
-            <a:avLst>
-              <a:gd name="adj" fmla="val 8880"/>
-            </a:avLst>
-          </a:prstGeom>
-          <a:solidFill>
-            <a:schemeClr val="bg2">
-              <a:lumMod val="65000"/>
-            </a:schemeClr>
-          </a:solidFill>
-          <a:ln>
-            <a:noFill/>
-          </a:ln>
-        </p:spPr>
-        <p:style>
-          <a:lnRef idx="2">
-            <a:schemeClr val="accent1">
-              <a:shade val="50000"/>
-            </a:schemeClr>
-          </a:lnRef>
-          <a:fillRef idx="1">
-            <a:schemeClr val="accent1"/>
-          </a:fillRef>
-          <a:effectRef idx="0">
-            <a:schemeClr val="accent1"/>
-          </a:effectRef>
-          <a:fontRef idx="minor">
-            <a:schemeClr val="lt1"/>
-          </a:fontRef>
-        </p:style>
-        <p:txBody>
-          <a:bodyPr rtlCol="0" anchor="ctr"/>
-          <a:lstStyle/>
-          <a:p>
-            <a:pPr algn="ctr"/>
-            <a:r>
-              <a:rPr lang="zh-CN" altLang="en-US" sz="1000" dirty="0">
-                <a:latin typeface="微软雅黑" panose="020B0503020204020204" pitchFamily="34" charset="-122"/>
-                <a:ea typeface="微软雅黑" panose="020B0503020204020204" pitchFamily="34" charset="-122"/>
-              </a:rPr>
-              <a:t>工作流快照</a:t>
-            </a:r>
-          </a:p>
-        </p:txBody>
-      </p:sp>
-      <p:sp>
-        <p:nvSpPr>
-          <p:cNvPr id="110" name="圆角矩形 109"/>
-          <p:cNvSpPr/>
-          <p:nvPr/>
-        </p:nvSpPr>
-        <p:spPr>
-          <a:xfrm>
-            <a:off x="1109140" y="2422730"/>
-            <a:ext cx="2284513" cy="432000"/>
-          </a:xfrm>
-          <a:prstGeom prst="roundRect">
-            <a:avLst>
-              <a:gd name="adj" fmla="val 8880"/>
-            </a:avLst>
-          </a:prstGeom>
-          <a:solidFill>
-            <a:schemeClr val="bg2">
-              <a:lumMod val="65000"/>
-            </a:schemeClr>
-          </a:solidFill>
-          <a:ln>
-            <a:noFill/>
-          </a:ln>
-        </p:spPr>
-        <p:style>
-          <a:lnRef idx="2">
-            <a:schemeClr val="accent1">
-              <a:shade val="50000"/>
-            </a:schemeClr>
-          </a:lnRef>
-          <a:fillRef idx="1">
-            <a:schemeClr val="accent1"/>
-          </a:fillRef>
-          <a:effectRef idx="0">
-            <a:schemeClr val="accent1"/>
-          </a:effectRef>
-          <a:fontRef idx="minor">
-            <a:schemeClr val="lt1"/>
-          </a:fontRef>
-        </p:style>
-        <p:txBody>
-          <a:bodyPr rtlCol="0" anchor="ctr"/>
-          <a:lstStyle/>
-          <a:p>
-            <a:pPr algn="ctr"/>
-            <a:r>
-              <a:rPr lang="zh-CN" altLang="en-US" sz="1000" dirty="0">
-                <a:latin typeface="微软雅黑" panose="020B0503020204020204" pitchFamily="34" charset="-122"/>
-                <a:ea typeface="微软雅黑" panose="020B0503020204020204" pitchFamily="34" charset="-122"/>
-              </a:rPr>
-              <a:t>运行动态模拟</a:t>
-            </a:r>
-          </a:p>
-        </p:txBody>
-      </p:sp>
-      <p:sp>
-        <p:nvSpPr>
-          <p:cNvPr id="111" name="圆角矩形 110"/>
-          <p:cNvSpPr/>
-          <p:nvPr/>
-        </p:nvSpPr>
-        <p:spPr>
-          <a:xfrm>
-            <a:off x="3487106" y="2426927"/>
-            <a:ext cx="2284513" cy="432000"/>
-          </a:xfrm>
-          <a:prstGeom prst="roundRect">
-            <a:avLst>
-              <a:gd name="adj" fmla="val 8880"/>
-            </a:avLst>
-          </a:prstGeom>
-          <a:solidFill>
-            <a:schemeClr val="bg2">
-              <a:lumMod val="65000"/>
-            </a:schemeClr>
-          </a:solidFill>
-          <a:ln>
-            <a:noFill/>
-          </a:ln>
-        </p:spPr>
-        <p:style>
-          <a:lnRef idx="2">
-            <a:schemeClr val="accent1">
-              <a:shade val="50000"/>
-            </a:schemeClr>
-          </a:lnRef>
-          <a:fillRef idx="1">
-            <a:schemeClr val="accent1"/>
-          </a:fillRef>
-          <a:effectRef idx="0">
-            <a:schemeClr val="accent1"/>
-          </a:effectRef>
-          <a:fontRef idx="minor">
-            <a:schemeClr val="lt1"/>
-          </a:fontRef>
-        </p:style>
-        <p:txBody>
-          <a:bodyPr rtlCol="0" anchor="ctr"/>
-          <a:lstStyle/>
-          <a:p>
-            <a:pPr algn="ctr"/>
-            <a:r>
-              <a:rPr lang="zh-CN" altLang="en-US" sz="1000" dirty="0" smtClean="0">
-                <a:latin typeface="微软雅黑" panose="020B0503020204020204" pitchFamily="34" charset="-122"/>
-                <a:ea typeface="微软雅黑" panose="020B0503020204020204" pitchFamily="34" charset="-122"/>
-              </a:rPr>
-              <a:t>运行作业分解</a:t>
-            </a:r>
-            <a:endParaRPr lang="zh-CN" altLang="en-US" sz="1000" dirty="0">
-              <a:latin typeface="微软雅黑" panose="020B0503020204020204" pitchFamily="34" charset="-122"/>
-              <a:ea typeface="微软雅黑" panose="020B0503020204020204" pitchFamily="34" charset="-122"/>
-            </a:endParaRPr>
-          </a:p>
-        </p:txBody>
-      </p:sp>
-      <p:sp>
-        <p:nvSpPr>
-          <p:cNvPr id="112" name="圆角矩形 111"/>
-          <p:cNvSpPr/>
-          <p:nvPr/>
-        </p:nvSpPr>
-        <p:spPr>
-          <a:xfrm>
-            <a:off x="5865071" y="2422730"/>
-            <a:ext cx="2284513" cy="432000"/>
-          </a:xfrm>
-          <a:prstGeom prst="roundRect">
-            <a:avLst>
-              <a:gd name="adj" fmla="val 8880"/>
-            </a:avLst>
-          </a:prstGeom>
-          <a:solidFill>
-            <a:schemeClr val="bg2">
-              <a:lumMod val="65000"/>
-            </a:schemeClr>
-          </a:solidFill>
-          <a:ln>
-            <a:noFill/>
-          </a:ln>
-        </p:spPr>
-        <p:style>
-          <a:lnRef idx="2">
-            <a:schemeClr val="accent1">
-              <a:shade val="50000"/>
-            </a:schemeClr>
-          </a:lnRef>
-          <a:fillRef idx="1">
-            <a:schemeClr val="accent1"/>
-          </a:fillRef>
-          <a:effectRef idx="0">
-            <a:schemeClr val="accent1"/>
-          </a:effectRef>
-          <a:fontRef idx="minor">
-            <a:schemeClr val="lt1"/>
-          </a:fontRef>
-        </p:style>
-        <p:txBody>
-          <a:bodyPr rtlCol="0" anchor="ctr"/>
-          <a:lstStyle/>
-          <a:p>
-            <a:pPr algn="ctr"/>
-            <a:r>
-              <a:rPr lang="zh-CN" altLang="en-US" sz="1000" dirty="0" smtClean="0">
-                <a:latin typeface="微软雅黑" panose="020B0503020204020204" pitchFamily="34" charset="-122"/>
-                <a:ea typeface="微软雅黑" panose="020B0503020204020204" pitchFamily="34" charset="-122"/>
-              </a:rPr>
-              <a:t>集群提交</a:t>
-            </a:r>
-            <a:r>
-              <a:rPr lang="zh-CN" altLang="en-US" sz="1000" dirty="0">
-                <a:latin typeface="微软雅黑" panose="020B0503020204020204" pitchFamily="34" charset="-122"/>
-                <a:ea typeface="微软雅黑" panose="020B0503020204020204" pitchFamily="34" charset="-122"/>
-              </a:rPr>
-              <a:t>监控</a:t>
-            </a:r>
-          </a:p>
-        </p:txBody>
-      </p:sp>
-      <p:sp>
-        <p:nvSpPr>
-          <p:cNvPr id="35" name="圆角矩形 34"/>
-          <p:cNvSpPr/>
-          <p:nvPr/>
-        </p:nvSpPr>
-        <p:spPr>
-          <a:xfrm>
-            <a:off x="1096400" y="3020975"/>
-            <a:ext cx="919725" cy="525523"/>
-          </a:xfrm>
-          <a:prstGeom prst="roundRect">
-            <a:avLst>
-              <a:gd name="adj" fmla="val 8880"/>
-            </a:avLst>
-          </a:prstGeom>
-          <a:solidFill>
-            <a:schemeClr val="accent6">
-              <a:lumMod val="60000"/>
-              <a:lumOff val="40000"/>
-            </a:schemeClr>
-          </a:solidFill>
-          <a:ln>
-            <a:noFill/>
-            <a:prstDash val="sysDash"/>
-          </a:ln>
-        </p:spPr>
-        <p:style>
-          <a:lnRef idx="2">
-            <a:schemeClr val="accent1">
-              <a:shade val="50000"/>
-            </a:schemeClr>
-          </a:lnRef>
-          <a:fillRef idx="1">
-            <a:schemeClr val="accent1"/>
-          </a:fillRef>
-          <a:effectRef idx="0">
-            <a:schemeClr val="accent1"/>
-          </a:effectRef>
-          <a:fontRef idx="minor">
-            <a:schemeClr val="lt1"/>
-          </a:fontRef>
-        </p:style>
-        <p:txBody>
-          <a:bodyPr rtlCol="0" anchor="ctr"/>
-          <a:lstStyle/>
-          <a:p>
-            <a:pPr algn="ctr"/>
-            <a:r>
-              <a:rPr lang="zh-CN" altLang="en-US" sz="1000" dirty="0" smtClean="0">
-                <a:solidFill>
-                  <a:schemeClr val="tx1"/>
-                </a:solidFill>
-                <a:latin typeface="微软雅黑" panose="020B0503020204020204" pitchFamily="34" charset="-122"/>
-                <a:ea typeface="微软雅黑" panose="020B0503020204020204" pitchFamily="34" charset="-122"/>
-              </a:rPr>
-              <a:t>数据预处理</a:t>
-            </a:r>
-            <a:endParaRPr lang="zh-CN" altLang="en-US" sz="1000" dirty="0">
-              <a:solidFill>
-                <a:schemeClr val="tx1"/>
-              </a:solidFill>
-              <a:latin typeface="微软雅黑" panose="020B0503020204020204" pitchFamily="34" charset="-122"/>
-              <a:ea typeface="微软雅黑" panose="020B0503020204020204" pitchFamily="34" charset="-122"/>
-            </a:endParaRPr>
-          </a:p>
-        </p:txBody>
-      </p:sp>
-      <p:sp>
-        <p:nvSpPr>
-          <p:cNvPr id="42" name="圆角矩形 41"/>
-          <p:cNvSpPr/>
-          <p:nvPr/>
-        </p:nvSpPr>
-        <p:spPr>
-          <a:xfrm>
-            <a:off x="2088582" y="3020975"/>
-            <a:ext cx="919725" cy="525523"/>
-          </a:xfrm>
-          <a:prstGeom prst="roundRect">
-            <a:avLst>
-              <a:gd name="adj" fmla="val 8880"/>
-            </a:avLst>
-          </a:prstGeom>
-          <a:solidFill>
-            <a:schemeClr val="accent6">
-              <a:lumMod val="60000"/>
-              <a:lumOff val="40000"/>
-            </a:schemeClr>
-          </a:solidFill>
-          <a:ln>
-            <a:noFill/>
-            <a:prstDash val="sysDash"/>
-          </a:ln>
-        </p:spPr>
-        <p:style>
-          <a:lnRef idx="2">
-            <a:schemeClr val="accent1">
-              <a:shade val="50000"/>
-            </a:schemeClr>
-          </a:lnRef>
-          <a:fillRef idx="1">
-            <a:schemeClr val="accent1"/>
-          </a:fillRef>
-          <a:effectRef idx="0">
-            <a:schemeClr val="accent1"/>
-          </a:effectRef>
-          <a:fontRef idx="minor">
-            <a:schemeClr val="lt1"/>
-          </a:fontRef>
-        </p:style>
-        <p:txBody>
-          <a:bodyPr rtlCol="0" anchor="ctr"/>
-          <a:lstStyle/>
-          <a:p>
-            <a:pPr algn="ctr"/>
-            <a:r>
-              <a:rPr lang="zh-CN" altLang="en-US" sz="1000" dirty="0" smtClean="0">
-                <a:solidFill>
-                  <a:schemeClr val="tx1"/>
-                </a:solidFill>
-                <a:latin typeface="微软雅黑" panose="020B0503020204020204" pitchFamily="34" charset="-122"/>
-                <a:ea typeface="微软雅黑" panose="020B0503020204020204" pitchFamily="34" charset="-122"/>
-              </a:rPr>
-              <a:t>统计分析</a:t>
-            </a:r>
-            <a:endParaRPr lang="zh-CN" altLang="en-US" sz="1000" dirty="0">
-              <a:solidFill>
-                <a:schemeClr val="tx1"/>
-              </a:solidFill>
-              <a:latin typeface="微软雅黑" panose="020B0503020204020204" pitchFamily="34" charset="-122"/>
-              <a:ea typeface="微软雅黑" panose="020B0503020204020204" pitchFamily="34" charset="-122"/>
-            </a:endParaRPr>
-          </a:p>
-        </p:txBody>
-      </p:sp>
-      <p:sp>
-        <p:nvSpPr>
-          <p:cNvPr id="44" name="圆角矩形 43"/>
-          <p:cNvSpPr/>
-          <p:nvPr/>
-        </p:nvSpPr>
-        <p:spPr>
-          <a:xfrm>
-            <a:off x="3080764" y="3017868"/>
-            <a:ext cx="919725" cy="525523"/>
-          </a:xfrm>
-          <a:prstGeom prst="roundRect">
-            <a:avLst>
-              <a:gd name="adj" fmla="val 8880"/>
-            </a:avLst>
-          </a:prstGeom>
-          <a:solidFill>
-            <a:schemeClr val="accent6">
-              <a:lumMod val="60000"/>
-              <a:lumOff val="40000"/>
-            </a:schemeClr>
-          </a:solidFill>
-          <a:ln>
-            <a:noFill/>
-            <a:prstDash val="sysDash"/>
-          </a:ln>
-        </p:spPr>
-        <p:style>
-          <a:lnRef idx="2">
-            <a:schemeClr val="accent1">
-              <a:shade val="50000"/>
-            </a:schemeClr>
-          </a:lnRef>
-          <a:fillRef idx="1">
-            <a:schemeClr val="accent1"/>
-          </a:fillRef>
-          <a:effectRef idx="0">
-            <a:schemeClr val="accent1"/>
-          </a:effectRef>
-          <a:fontRef idx="minor">
-            <a:schemeClr val="lt1"/>
-          </a:fontRef>
-        </p:style>
-        <p:txBody>
-          <a:bodyPr rtlCol="0" anchor="ctr"/>
-          <a:lstStyle/>
-          <a:p>
-            <a:pPr algn="ctr"/>
-            <a:r>
-              <a:rPr lang="zh-CN" altLang="en-US" sz="1000">
-                <a:solidFill>
-                  <a:schemeClr val="tx1"/>
-                </a:solidFill>
-                <a:latin typeface="微软雅黑" panose="020B0503020204020204" pitchFamily="34" charset="-122"/>
-                <a:ea typeface="微软雅黑" panose="020B0503020204020204" pitchFamily="34" charset="-122"/>
-              </a:rPr>
-              <a:t>特征工程</a:t>
-            </a:r>
-            <a:endParaRPr lang="zh-CN" altLang="en-US" sz="1000" dirty="0">
-              <a:solidFill>
-                <a:schemeClr val="tx1"/>
-              </a:solidFill>
-              <a:latin typeface="微软雅黑" panose="020B0503020204020204" pitchFamily="34" charset="-122"/>
-              <a:ea typeface="微软雅黑" panose="020B0503020204020204" pitchFamily="34" charset="-122"/>
-            </a:endParaRPr>
-          </a:p>
-        </p:txBody>
-      </p:sp>
-      <p:sp>
-        <p:nvSpPr>
-          <p:cNvPr id="45" name="圆角矩形 44"/>
-          <p:cNvSpPr/>
-          <p:nvPr/>
-        </p:nvSpPr>
-        <p:spPr>
-          <a:xfrm>
-            <a:off x="5147092" y="3026265"/>
-            <a:ext cx="919725" cy="525523"/>
-          </a:xfrm>
-          <a:prstGeom prst="roundRect">
-            <a:avLst>
-              <a:gd name="adj" fmla="val 8880"/>
-            </a:avLst>
-          </a:prstGeom>
-          <a:solidFill>
-            <a:schemeClr val="accent6">
-              <a:lumMod val="60000"/>
-              <a:lumOff val="40000"/>
-            </a:schemeClr>
-          </a:solidFill>
-          <a:ln>
-            <a:noFill/>
-            <a:prstDash val="sysDash"/>
-          </a:ln>
-        </p:spPr>
-        <p:style>
-          <a:lnRef idx="2">
-            <a:schemeClr val="accent1">
-              <a:shade val="50000"/>
-            </a:schemeClr>
-          </a:lnRef>
-          <a:fillRef idx="1">
-            <a:schemeClr val="accent1"/>
-          </a:fillRef>
-          <a:effectRef idx="0">
-            <a:schemeClr val="accent1"/>
-          </a:effectRef>
-          <a:fontRef idx="minor">
-            <a:schemeClr val="lt1"/>
-          </a:fontRef>
-        </p:style>
-        <p:txBody>
-          <a:bodyPr rtlCol="0" anchor="ctr"/>
-          <a:lstStyle/>
-          <a:p>
-            <a:pPr algn="ctr"/>
-            <a:r>
-              <a:rPr lang="zh-CN" altLang="en-US" sz="1000" dirty="0" smtClean="0">
-                <a:solidFill>
-                  <a:schemeClr val="tx1"/>
-                </a:solidFill>
-                <a:latin typeface="微软雅黑" panose="020B0503020204020204" pitchFamily="34" charset="-122"/>
-                <a:ea typeface="微软雅黑" panose="020B0503020204020204" pitchFamily="34" charset="-122"/>
-              </a:rPr>
-              <a:t>分类回归</a:t>
-            </a:r>
-            <a:endParaRPr lang="zh-CN" altLang="en-US" sz="1000" dirty="0">
-              <a:solidFill>
-                <a:schemeClr val="tx1"/>
-              </a:solidFill>
-              <a:latin typeface="微软雅黑" panose="020B0503020204020204" pitchFamily="34" charset="-122"/>
-              <a:ea typeface="微软雅黑" panose="020B0503020204020204" pitchFamily="34" charset="-122"/>
-            </a:endParaRPr>
-          </a:p>
-        </p:txBody>
-      </p:sp>
-      <p:sp>
-        <p:nvSpPr>
-          <p:cNvPr id="46" name="圆角矩形 45"/>
-          <p:cNvSpPr/>
-          <p:nvPr/>
-        </p:nvSpPr>
-        <p:spPr>
-          <a:xfrm>
-            <a:off x="6141534" y="3026265"/>
-            <a:ext cx="919725" cy="525523"/>
-          </a:xfrm>
-          <a:prstGeom prst="roundRect">
-            <a:avLst>
-              <a:gd name="adj" fmla="val 8880"/>
-            </a:avLst>
-          </a:prstGeom>
-          <a:solidFill>
-            <a:schemeClr val="accent6">
-              <a:lumMod val="60000"/>
-              <a:lumOff val="40000"/>
-            </a:schemeClr>
-          </a:solidFill>
-          <a:ln>
-            <a:noFill/>
-            <a:prstDash val="sysDash"/>
-          </a:ln>
-        </p:spPr>
-        <p:style>
-          <a:lnRef idx="2">
-            <a:schemeClr val="accent1">
-              <a:shade val="50000"/>
-            </a:schemeClr>
-          </a:lnRef>
-          <a:fillRef idx="1">
-            <a:schemeClr val="accent1"/>
-          </a:fillRef>
-          <a:effectRef idx="0">
-            <a:schemeClr val="accent1"/>
-          </a:effectRef>
-          <a:fontRef idx="minor">
-            <a:schemeClr val="lt1"/>
-          </a:fontRef>
-        </p:style>
-        <p:txBody>
-          <a:bodyPr rtlCol="0" anchor="ctr"/>
-          <a:lstStyle/>
-          <a:p>
-            <a:pPr algn="ctr"/>
-            <a:r>
-              <a:rPr lang="zh-CN" altLang="en-US" sz="1000" dirty="0" smtClean="0">
-                <a:solidFill>
-                  <a:schemeClr val="tx1"/>
-                </a:solidFill>
-                <a:latin typeface="微软雅黑" panose="020B0503020204020204" pitchFamily="34" charset="-122"/>
-                <a:ea typeface="微软雅黑" panose="020B0503020204020204" pitchFamily="34" charset="-122"/>
-              </a:rPr>
-              <a:t>聚类</a:t>
-            </a:r>
-            <a:endParaRPr lang="zh-CN" altLang="en-US" sz="1000" dirty="0">
-              <a:solidFill>
-                <a:schemeClr val="tx1"/>
-              </a:solidFill>
-              <a:latin typeface="微软雅黑" panose="020B0503020204020204" pitchFamily="34" charset="-122"/>
-              <a:ea typeface="微软雅黑" panose="020B0503020204020204" pitchFamily="34" charset="-122"/>
-            </a:endParaRPr>
-          </a:p>
-        </p:txBody>
-      </p:sp>
-      <p:sp>
-        <p:nvSpPr>
-          <p:cNvPr id="47" name="圆角矩形 46"/>
-          <p:cNvSpPr/>
-          <p:nvPr/>
-        </p:nvSpPr>
-        <p:spPr>
-          <a:xfrm>
-            <a:off x="7134136" y="3026265"/>
-            <a:ext cx="919725" cy="525523"/>
-          </a:xfrm>
-          <a:prstGeom prst="roundRect">
-            <a:avLst>
-              <a:gd name="adj" fmla="val 8880"/>
-            </a:avLst>
-          </a:prstGeom>
-          <a:solidFill>
-            <a:schemeClr val="accent6">
-              <a:lumMod val="60000"/>
-              <a:lumOff val="40000"/>
-            </a:schemeClr>
-          </a:solidFill>
-          <a:ln>
-            <a:noFill/>
-            <a:prstDash val="sysDash"/>
-          </a:ln>
-        </p:spPr>
-        <p:style>
-          <a:lnRef idx="2">
-            <a:schemeClr val="accent1">
-              <a:shade val="50000"/>
-            </a:schemeClr>
-          </a:lnRef>
-          <a:fillRef idx="1">
-            <a:schemeClr val="accent1"/>
-          </a:fillRef>
-          <a:effectRef idx="0">
-            <a:schemeClr val="accent1"/>
-          </a:effectRef>
-          <a:fontRef idx="minor">
-            <a:schemeClr val="lt1"/>
-          </a:fontRef>
-        </p:style>
-        <p:txBody>
-          <a:bodyPr rtlCol="0" anchor="ctr"/>
-          <a:lstStyle/>
-          <a:p>
-            <a:pPr algn="ctr"/>
-            <a:r>
-              <a:rPr lang="zh-CN" altLang="en-US" sz="1000" dirty="0" smtClean="0">
-                <a:solidFill>
-                  <a:schemeClr val="tx1"/>
-                </a:solidFill>
-                <a:latin typeface="微软雅黑" panose="020B0503020204020204" pitchFamily="34" charset="-122"/>
-                <a:ea typeface="微软雅黑" panose="020B0503020204020204" pitchFamily="34" charset="-122"/>
-              </a:rPr>
-              <a:t>关联规则</a:t>
-            </a:r>
-            <a:endParaRPr lang="zh-CN" altLang="en-US" sz="1000" dirty="0">
-              <a:solidFill>
-                <a:schemeClr val="tx1"/>
-              </a:solidFill>
-              <a:latin typeface="微软雅黑" panose="020B0503020204020204" pitchFamily="34" charset="-122"/>
-              <a:ea typeface="微软雅黑" panose="020B0503020204020204" pitchFamily="34" charset="-122"/>
-            </a:endParaRPr>
-          </a:p>
-        </p:txBody>
-      </p:sp>
-      <p:sp>
-        <p:nvSpPr>
-          <p:cNvPr id="49" name="圆角矩形 48"/>
-          <p:cNvSpPr/>
-          <p:nvPr/>
-        </p:nvSpPr>
-        <p:spPr>
-          <a:xfrm>
-            <a:off x="1096400" y="3630051"/>
-            <a:ext cx="919725" cy="525523"/>
-          </a:xfrm>
-          <a:prstGeom prst="roundRect">
-            <a:avLst>
-              <a:gd name="adj" fmla="val 8880"/>
-            </a:avLst>
-          </a:prstGeom>
-          <a:solidFill>
-            <a:schemeClr val="accent6">
-              <a:lumMod val="60000"/>
-              <a:lumOff val="40000"/>
-            </a:schemeClr>
-          </a:solidFill>
-          <a:ln>
-            <a:noFill/>
-            <a:prstDash val="sysDash"/>
-          </a:ln>
-        </p:spPr>
-        <p:style>
-          <a:lnRef idx="2">
-            <a:schemeClr val="accent1">
-              <a:shade val="50000"/>
-            </a:schemeClr>
-          </a:lnRef>
-          <a:fillRef idx="1">
-            <a:schemeClr val="accent1"/>
-          </a:fillRef>
-          <a:effectRef idx="0">
-            <a:schemeClr val="accent1"/>
-          </a:effectRef>
-          <a:fontRef idx="minor">
-            <a:schemeClr val="lt1"/>
-          </a:fontRef>
-        </p:style>
-        <p:txBody>
-          <a:bodyPr rtlCol="0" anchor="ctr"/>
-          <a:lstStyle/>
-          <a:p>
-            <a:pPr algn="ctr"/>
-            <a:r>
-              <a:rPr lang="zh-CN" altLang="en-US" sz="1000" dirty="0" smtClean="0">
-                <a:solidFill>
-                  <a:schemeClr val="tx1"/>
-                </a:solidFill>
-                <a:latin typeface="微软雅黑" panose="020B0503020204020204" pitchFamily="34" charset="-122"/>
-                <a:ea typeface="微软雅黑" panose="020B0503020204020204" pitchFamily="34" charset="-122"/>
-              </a:rPr>
-              <a:t>文本分析</a:t>
-            </a:r>
-            <a:endParaRPr lang="zh-CN" altLang="en-US" sz="1000" dirty="0">
-              <a:solidFill>
-                <a:schemeClr val="tx1"/>
-              </a:solidFill>
-              <a:latin typeface="微软雅黑" panose="020B0503020204020204" pitchFamily="34" charset="-122"/>
-              <a:ea typeface="微软雅黑" panose="020B0503020204020204" pitchFamily="34" charset="-122"/>
-            </a:endParaRPr>
-          </a:p>
-        </p:txBody>
-      </p:sp>
-      <p:sp>
-        <p:nvSpPr>
-          <p:cNvPr id="50" name="圆角矩形 49"/>
-          <p:cNvSpPr/>
-          <p:nvPr/>
-        </p:nvSpPr>
-        <p:spPr>
-          <a:xfrm>
-            <a:off x="2088582" y="3630051"/>
-            <a:ext cx="919725" cy="525523"/>
-          </a:xfrm>
-          <a:prstGeom prst="roundRect">
-            <a:avLst>
-              <a:gd name="adj" fmla="val 8880"/>
-            </a:avLst>
-          </a:prstGeom>
-          <a:solidFill>
-            <a:schemeClr val="accent6">
-              <a:lumMod val="60000"/>
-              <a:lumOff val="40000"/>
-            </a:schemeClr>
-          </a:solidFill>
-          <a:ln>
-            <a:noFill/>
-            <a:prstDash val="sysDash"/>
-          </a:ln>
-        </p:spPr>
-        <p:style>
-          <a:lnRef idx="2">
-            <a:schemeClr val="accent1">
-              <a:shade val="50000"/>
-            </a:schemeClr>
-          </a:lnRef>
-          <a:fillRef idx="1">
-            <a:schemeClr val="accent1"/>
-          </a:fillRef>
-          <a:effectRef idx="0">
-            <a:schemeClr val="accent1"/>
-          </a:effectRef>
-          <a:fontRef idx="minor">
-            <a:schemeClr val="lt1"/>
-          </a:fontRef>
-        </p:style>
-        <p:txBody>
-          <a:bodyPr rtlCol="0" anchor="ctr"/>
-          <a:lstStyle/>
-          <a:p>
-            <a:pPr algn="ctr"/>
-            <a:r>
-              <a:rPr lang="zh-CN" altLang="en-US" sz="1000" dirty="0" smtClean="0">
-                <a:solidFill>
-                  <a:schemeClr val="tx1"/>
-                </a:solidFill>
-                <a:latin typeface="微软雅黑" panose="020B0503020204020204" pitchFamily="34" charset="-122"/>
-                <a:ea typeface="微软雅黑" panose="020B0503020204020204" pitchFamily="34" charset="-122"/>
-              </a:rPr>
-              <a:t>网络分析</a:t>
-            </a:r>
-            <a:endParaRPr lang="zh-CN" altLang="en-US" sz="1000" dirty="0">
-              <a:solidFill>
-                <a:schemeClr val="tx1"/>
-              </a:solidFill>
-              <a:latin typeface="微软雅黑" panose="020B0503020204020204" pitchFamily="34" charset="-122"/>
-              <a:ea typeface="微软雅黑" panose="020B0503020204020204" pitchFamily="34" charset="-122"/>
-            </a:endParaRPr>
-          </a:p>
-        </p:txBody>
-      </p:sp>
-      <p:sp>
-        <p:nvSpPr>
-          <p:cNvPr id="51" name="圆角矩形 50"/>
-          <p:cNvSpPr/>
-          <p:nvPr/>
-        </p:nvSpPr>
-        <p:spPr>
-          <a:xfrm>
-            <a:off x="3080764" y="3626944"/>
-            <a:ext cx="919725" cy="525523"/>
-          </a:xfrm>
-          <a:prstGeom prst="roundRect">
-            <a:avLst>
-              <a:gd name="adj" fmla="val 8880"/>
-            </a:avLst>
-          </a:prstGeom>
-          <a:solidFill>
-            <a:schemeClr val="accent6">
-              <a:lumMod val="60000"/>
-              <a:lumOff val="40000"/>
-            </a:schemeClr>
-          </a:solidFill>
-          <a:ln>
-            <a:noFill/>
-            <a:prstDash val="sysDash"/>
-          </a:ln>
-        </p:spPr>
-        <p:style>
-          <a:lnRef idx="2">
-            <a:schemeClr val="accent1">
-              <a:shade val="50000"/>
-            </a:schemeClr>
-          </a:lnRef>
-          <a:fillRef idx="1">
-            <a:schemeClr val="accent1"/>
-          </a:fillRef>
-          <a:effectRef idx="0">
-            <a:schemeClr val="accent1"/>
-          </a:effectRef>
-          <a:fontRef idx="minor">
-            <a:schemeClr val="lt1"/>
-          </a:fontRef>
-        </p:style>
-        <p:txBody>
-          <a:bodyPr rtlCol="0" anchor="ctr"/>
-          <a:lstStyle/>
-          <a:p>
-            <a:pPr algn="ctr"/>
-            <a:r>
-              <a:rPr lang="zh-CN" altLang="en-US" sz="1000" dirty="0" smtClean="0">
-                <a:solidFill>
-                  <a:schemeClr val="tx1"/>
-                </a:solidFill>
-                <a:latin typeface="微软雅黑" panose="020B0503020204020204" pitchFamily="34" charset="-122"/>
-                <a:ea typeface="微软雅黑" panose="020B0503020204020204" pitchFamily="34" charset="-122"/>
-              </a:rPr>
-              <a:t>深度学习</a:t>
-            </a:r>
-            <a:endParaRPr lang="zh-CN" altLang="en-US" sz="1000" dirty="0">
-              <a:solidFill>
-                <a:schemeClr val="tx1"/>
-              </a:solidFill>
-              <a:latin typeface="微软雅黑" panose="020B0503020204020204" pitchFamily="34" charset="-122"/>
-              <a:ea typeface="微软雅黑" panose="020B0503020204020204" pitchFamily="34" charset="-122"/>
-            </a:endParaRPr>
-          </a:p>
-        </p:txBody>
-      </p:sp>
-      <p:sp>
-        <p:nvSpPr>
-          <p:cNvPr id="52" name="圆角矩形 51"/>
-          <p:cNvSpPr/>
-          <p:nvPr/>
-        </p:nvSpPr>
-        <p:spPr>
-          <a:xfrm>
-            <a:off x="5147093" y="3637378"/>
-            <a:ext cx="919725" cy="525523"/>
-          </a:xfrm>
-          <a:prstGeom prst="roundRect">
-            <a:avLst>
-              <a:gd name="adj" fmla="val 8880"/>
-            </a:avLst>
-          </a:prstGeom>
-          <a:solidFill>
-            <a:schemeClr val="accent6">
-              <a:lumMod val="60000"/>
-              <a:lumOff val="40000"/>
-            </a:schemeClr>
-          </a:solidFill>
-          <a:ln>
-            <a:noFill/>
-            <a:prstDash val="sysDash"/>
-          </a:ln>
-        </p:spPr>
-        <p:style>
-          <a:lnRef idx="2">
-            <a:schemeClr val="accent1">
-              <a:shade val="50000"/>
-            </a:schemeClr>
-          </a:lnRef>
-          <a:fillRef idx="1">
-            <a:schemeClr val="accent1"/>
-          </a:fillRef>
-          <a:effectRef idx="0">
-            <a:schemeClr val="accent1"/>
-          </a:effectRef>
-          <a:fontRef idx="minor">
-            <a:schemeClr val="lt1"/>
-          </a:fontRef>
-        </p:style>
-        <p:txBody>
-          <a:bodyPr rtlCol="0" anchor="ctr"/>
-          <a:lstStyle/>
-          <a:p>
-            <a:pPr algn="ctr"/>
-            <a:r>
-              <a:rPr lang="zh-CN" altLang="en-US" sz="1000" dirty="0" smtClean="0">
-                <a:solidFill>
-                  <a:schemeClr val="tx1"/>
-                </a:solidFill>
-                <a:latin typeface="微软雅黑" panose="020B0503020204020204" pitchFamily="34" charset="-122"/>
-                <a:ea typeface="微软雅黑" panose="020B0503020204020204" pitchFamily="34" charset="-122"/>
-              </a:rPr>
-              <a:t>模型评估</a:t>
-            </a:r>
-            <a:endParaRPr lang="zh-CN" altLang="en-US" sz="1000" dirty="0">
-              <a:solidFill>
-                <a:schemeClr val="tx1"/>
-              </a:solidFill>
-              <a:latin typeface="微软雅黑" panose="020B0503020204020204" pitchFamily="34" charset="-122"/>
-              <a:ea typeface="微软雅黑" panose="020B0503020204020204" pitchFamily="34" charset="-122"/>
-            </a:endParaRPr>
-          </a:p>
-        </p:txBody>
-      </p:sp>
-      <p:sp>
-        <p:nvSpPr>
-          <p:cNvPr id="53" name="圆角矩形 52"/>
-          <p:cNvSpPr/>
-          <p:nvPr/>
-        </p:nvSpPr>
-        <p:spPr>
-          <a:xfrm>
-            <a:off x="6141953" y="3630515"/>
-            <a:ext cx="919725" cy="525523"/>
-          </a:xfrm>
-          <a:prstGeom prst="roundRect">
-            <a:avLst>
-              <a:gd name="adj" fmla="val 8880"/>
-            </a:avLst>
-          </a:prstGeom>
-          <a:solidFill>
-            <a:schemeClr val="accent6">
-              <a:lumMod val="60000"/>
-              <a:lumOff val="40000"/>
-            </a:schemeClr>
-          </a:solidFill>
-          <a:ln>
-            <a:noFill/>
-            <a:prstDash val="sysDash"/>
-          </a:ln>
-        </p:spPr>
-        <p:style>
-          <a:lnRef idx="2">
-            <a:schemeClr val="accent1">
-              <a:shade val="50000"/>
-            </a:schemeClr>
-          </a:lnRef>
-          <a:fillRef idx="1">
-            <a:schemeClr val="accent1"/>
-          </a:fillRef>
-          <a:effectRef idx="0">
-            <a:schemeClr val="accent1"/>
-          </a:effectRef>
-          <a:fontRef idx="minor">
-            <a:schemeClr val="lt1"/>
-          </a:fontRef>
-        </p:style>
-        <p:txBody>
-          <a:bodyPr rtlCol="0" anchor="ctr"/>
-          <a:lstStyle/>
-          <a:p>
-            <a:pPr algn="ctr"/>
-            <a:r>
-              <a:rPr lang="zh-CN" altLang="en-US" sz="1000" dirty="0">
-                <a:solidFill>
-                  <a:schemeClr val="tx1"/>
-                </a:solidFill>
-                <a:latin typeface="微软雅黑" panose="020B0503020204020204" pitchFamily="34" charset="-122"/>
-                <a:ea typeface="微软雅黑" panose="020B0503020204020204" pitchFamily="34" charset="-122"/>
-              </a:rPr>
-              <a:t>交叉验证</a:t>
-            </a:r>
-          </a:p>
-        </p:txBody>
-      </p:sp>
-      <p:sp>
-        <p:nvSpPr>
-          <p:cNvPr id="54" name="圆角矩形 53"/>
-          <p:cNvSpPr/>
-          <p:nvPr/>
-        </p:nvSpPr>
-        <p:spPr>
-          <a:xfrm>
-            <a:off x="7136813" y="3621091"/>
-            <a:ext cx="919725" cy="525523"/>
-          </a:xfrm>
-          <a:prstGeom prst="roundRect">
-            <a:avLst>
-              <a:gd name="adj" fmla="val 8880"/>
-            </a:avLst>
-          </a:prstGeom>
-          <a:solidFill>
-            <a:schemeClr val="accent6">
-              <a:lumMod val="60000"/>
-              <a:lumOff val="40000"/>
-            </a:schemeClr>
-          </a:solidFill>
-          <a:ln>
-            <a:noFill/>
-            <a:prstDash val="sysDash"/>
-          </a:ln>
-        </p:spPr>
-        <p:style>
-          <a:lnRef idx="2">
-            <a:schemeClr val="accent1">
-              <a:shade val="50000"/>
-            </a:schemeClr>
-          </a:lnRef>
-          <a:fillRef idx="1">
-            <a:schemeClr val="accent1"/>
-          </a:fillRef>
-          <a:effectRef idx="0">
-            <a:schemeClr val="accent1"/>
-          </a:effectRef>
-          <a:fontRef idx="minor">
-            <a:schemeClr val="lt1"/>
-          </a:fontRef>
-        </p:style>
-        <p:txBody>
-          <a:bodyPr rtlCol="0" anchor="ctr"/>
-          <a:lstStyle/>
-          <a:p>
-            <a:pPr algn="ctr"/>
-            <a:r>
-              <a:rPr lang="zh-CN" altLang="en-US" sz="1000" dirty="0">
-                <a:solidFill>
-                  <a:schemeClr val="tx1"/>
-                </a:solidFill>
-                <a:latin typeface="微软雅黑" panose="020B0503020204020204" pitchFamily="34" charset="-122"/>
-                <a:ea typeface="微软雅黑" panose="020B0503020204020204" pitchFamily="34" charset="-122"/>
-              </a:rPr>
-              <a:t>自动调</a:t>
-            </a:r>
-            <a:r>
-              <a:rPr lang="zh-CN" altLang="en-US" sz="1000" dirty="0" smtClean="0">
-                <a:solidFill>
-                  <a:schemeClr val="tx1"/>
-                </a:solidFill>
-                <a:latin typeface="微软雅黑" panose="020B0503020204020204" pitchFamily="34" charset="-122"/>
-                <a:ea typeface="微软雅黑" panose="020B0503020204020204" pitchFamily="34" charset="-122"/>
-              </a:rPr>
-              <a:t>参</a:t>
-            </a:r>
-            <a:endParaRPr lang="zh-CN" altLang="en-US" sz="1000" dirty="0">
-              <a:solidFill>
-                <a:schemeClr val="tx1"/>
-              </a:solidFill>
-              <a:latin typeface="微软雅黑" panose="020B0503020204020204" pitchFamily="34" charset="-122"/>
-              <a:ea typeface="微软雅黑" panose="020B0503020204020204" pitchFamily="34" charset="-122"/>
-            </a:endParaRPr>
-          </a:p>
-        </p:txBody>
-      </p:sp>
-      <p:sp>
-        <p:nvSpPr>
-          <p:cNvPr id="56" name="圆角矩形 55"/>
-          <p:cNvSpPr/>
-          <p:nvPr/>
-        </p:nvSpPr>
-        <p:spPr>
-          <a:xfrm>
-            <a:off x="4157590" y="3630515"/>
-            <a:ext cx="919725" cy="525523"/>
-          </a:xfrm>
-          <a:prstGeom prst="roundRect">
-            <a:avLst>
-              <a:gd name="adj" fmla="val 8880"/>
-            </a:avLst>
-          </a:prstGeom>
-          <a:solidFill>
-            <a:schemeClr val="accent6">
-              <a:lumMod val="60000"/>
-              <a:lumOff val="40000"/>
-            </a:schemeClr>
-          </a:solidFill>
-          <a:ln>
-            <a:noFill/>
-            <a:prstDash val="sysDash"/>
-          </a:ln>
-        </p:spPr>
-        <p:style>
-          <a:lnRef idx="2">
-            <a:schemeClr val="accent1">
-              <a:shade val="50000"/>
-            </a:schemeClr>
-          </a:lnRef>
-          <a:fillRef idx="1">
-            <a:schemeClr val="accent1"/>
-          </a:fillRef>
-          <a:effectRef idx="0">
-            <a:schemeClr val="accent1"/>
-          </a:effectRef>
-          <a:fontRef idx="minor">
-            <a:schemeClr val="lt1"/>
-          </a:fontRef>
-        </p:style>
-        <p:txBody>
-          <a:bodyPr rtlCol="0" anchor="ctr"/>
-          <a:lstStyle/>
-          <a:p>
-            <a:pPr algn="ctr"/>
-            <a:r>
-              <a:rPr lang="zh-CN" altLang="en-US" sz="1000" dirty="0" smtClean="0">
-                <a:solidFill>
-                  <a:schemeClr val="tx1"/>
-                </a:solidFill>
-                <a:latin typeface="微软雅黑" panose="020B0503020204020204" pitchFamily="34" charset="-122"/>
-                <a:ea typeface="微软雅黑" panose="020B0503020204020204" pitchFamily="34" charset="-122"/>
-              </a:rPr>
-              <a:t>协同过滤</a:t>
-            </a:r>
-            <a:endParaRPr lang="zh-CN" altLang="en-US" sz="1000" dirty="0">
-              <a:solidFill>
-                <a:schemeClr val="tx1"/>
-              </a:solidFill>
-              <a:latin typeface="微软雅黑" panose="020B0503020204020204" pitchFamily="34" charset="-122"/>
-              <a:ea typeface="微软雅黑" panose="020B0503020204020204" pitchFamily="34" charset="-122"/>
-            </a:endParaRPr>
-          </a:p>
-        </p:txBody>
-      </p:sp>
-      <p:sp>
-        <p:nvSpPr>
-          <p:cNvPr id="57" name="圆角矩形 56"/>
-          <p:cNvSpPr/>
-          <p:nvPr/>
-        </p:nvSpPr>
-        <p:spPr>
-          <a:xfrm>
-            <a:off x="4152650" y="3028119"/>
-            <a:ext cx="919725" cy="525523"/>
-          </a:xfrm>
-          <a:prstGeom prst="roundRect">
-            <a:avLst>
-              <a:gd name="adj" fmla="val 8880"/>
-            </a:avLst>
-          </a:prstGeom>
-          <a:solidFill>
-            <a:schemeClr val="accent6">
-              <a:lumMod val="60000"/>
-              <a:lumOff val="40000"/>
-              <a:alpha val="0"/>
-            </a:schemeClr>
-          </a:solidFill>
-          <a:ln>
-            <a:noFill/>
-            <a:prstDash val="sysDash"/>
-          </a:ln>
-        </p:spPr>
-        <p:style>
-          <a:lnRef idx="2">
-            <a:schemeClr val="accent1">
-              <a:shade val="50000"/>
-            </a:schemeClr>
-          </a:lnRef>
-          <a:fillRef idx="1">
-            <a:schemeClr val="accent1"/>
-          </a:fillRef>
-          <a:effectRef idx="0">
-            <a:schemeClr val="accent1"/>
-          </a:effectRef>
-          <a:fontRef idx="minor">
-            <a:schemeClr val="lt1"/>
-          </a:fontRef>
-        </p:style>
-        <p:txBody>
-          <a:bodyPr rtlCol="0" anchor="ctr"/>
-          <a:lstStyle/>
-          <a:p>
-            <a:pPr algn="ctr"/>
-            <a:r>
-              <a:rPr lang="zh-CN" altLang="en-US" sz="1000" dirty="0" smtClean="0">
-                <a:solidFill>
-                  <a:schemeClr val="tx1"/>
-                </a:solidFill>
-                <a:latin typeface="微软雅黑" panose="020B0503020204020204" pitchFamily="34" charset="-122"/>
-                <a:ea typeface="微软雅黑" panose="020B0503020204020204" pitchFamily="34" charset="-122"/>
-              </a:rPr>
-              <a:t>机器学习</a:t>
-            </a:r>
-            <a:endParaRPr lang="zh-CN" altLang="en-US" sz="1000" dirty="0">
-              <a:solidFill>
-                <a:schemeClr val="tx1"/>
-              </a:solidFill>
-              <a:latin typeface="微软雅黑" panose="020B0503020204020204" pitchFamily="34" charset="-122"/>
-              <a:ea typeface="微软雅黑" panose="020B0503020204020204" pitchFamily="34" charset="-122"/>
-            </a:endParaRPr>
-          </a:p>
-        </p:txBody>
-      </p:sp>
-      <p:sp>
-        <p:nvSpPr>
-          <p:cNvPr id="3" name="矩形 2"/>
-          <p:cNvSpPr/>
-          <p:nvPr/>
-        </p:nvSpPr>
-        <p:spPr>
-          <a:xfrm>
-            <a:off x="4087467" y="2954803"/>
-            <a:ext cx="4051611" cy="1276178"/>
-          </a:xfrm>
-          <a:prstGeom prst="rect">
-            <a:avLst/>
-          </a:prstGeom>
-          <a:solidFill>
-            <a:srgbClr val="61A7E5">
-              <a:alpha val="0"/>
-            </a:srgbClr>
-          </a:solidFill>
-          <a:ln>
-            <a:solidFill>
-              <a:srgbClr val="61A7E5"/>
-            </a:solidFill>
-          </a:ln>
-        </p:spPr>
-        <p:style>
-          <a:lnRef idx="2">
-            <a:schemeClr val="accent1">
-              <a:shade val="50000"/>
-            </a:schemeClr>
-          </a:lnRef>
-          <a:fillRef idx="1">
-            <a:schemeClr val="accent1"/>
-          </a:fillRef>
-          <a:effectRef idx="0">
-            <a:schemeClr val="accent1"/>
-          </a:effectRef>
-          <a:fontRef idx="minor">
-            <a:schemeClr val="lt1"/>
-          </a:fontRef>
-        </p:style>
-        <p:txBody>
-          <a:bodyPr rtlCol="0" anchor="ctr"/>
-          <a:lstStyle/>
-          <a:p>
-            <a:pPr algn="ctr"/>
-            <a:endParaRPr kumimoji="1" lang="zh-CN" altLang="en-US" dirty="0"/>
-          </a:p>
-        </p:txBody>
-      </p:sp>
-      <p:sp>
-        <p:nvSpPr>
-          <p:cNvPr id="59" name="文本框 58"/>
-          <p:cNvSpPr txBox="1"/>
-          <p:nvPr/>
-        </p:nvSpPr>
-        <p:spPr>
-          <a:xfrm>
-            <a:off x="213419" y="3489880"/>
-            <a:ext cx="766395" cy="184666"/>
-          </a:xfrm>
-          <a:prstGeom prst="rect">
-            <a:avLst/>
-          </a:prstGeom>
-          <a:noFill/>
-        </p:spPr>
-        <p:txBody>
-          <a:bodyPr wrap="square" lIns="0" tIns="0" rIns="0" bIns="0" rtlCol="0">
-            <a:spAutoFit/>
-          </a:bodyPr>
-          <a:lstStyle/>
-          <a:p>
-            <a:r>
-              <a:rPr lang="zh-CN" altLang="en-US" sz="1200" b="1" dirty="0" smtClean="0">
-                <a:latin typeface="微软雅黑" panose="020B0503020204020204" pitchFamily="34" charset="-122"/>
-                <a:ea typeface="微软雅黑" panose="020B0503020204020204" pitchFamily="34" charset="-122"/>
-              </a:rPr>
-              <a:t>工作流组件</a:t>
-            </a:r>
-          </a:p>
-        </p:txBody>
-      </p:sp>
-      <p:pic>
-        <p:nvPicPr>
-          <p:cNvPr id="6" name="图片 5"/>
-          <p:cNvPicPr>
-            <a:picLocks noChangeAspect="1"/>
-          </p:cNvPicPr>
-          <p:nvPr/>
-        </p:nvPicPr>
-        <p:blipFill>
-          <a:blip r:embed="rId3">
-            <a:extLst>
-              <a:ext uri="{28A0092B-C50C-407E-A947-70E740481C1C}">
-                <a14:useLocalDpi xmlns:a14="http://schemas.microsoft.com/office/drawing/2010/main" val="0"/>
-              </a:ext>
-            </a:extLst>
-          </a:blip>
-          <a:stretch>
-            <a:fillRect/>
-          </a:stretch>
-        </p:blipFill>
-        <p:spPr>
-          <a:xfrm>
-            <a:off x="10445156" y="5564986"/>
-            <a:ext cx="1289947" cy="386809"/>
-          </a:xfrm>
-          <a:prstGeom prst="rect">
-            <a:avLst/>
-          </a:prstGeom>
-        </p:spPr>
-      </p:pic>
-      <p:sp>
-        <p:nvSpPr>
-          <p:cNvPr id="55" name="圆角矩形 54"/>
-          <p:cNvSpPr/>
-          <p:nvPr/>
-        </p:nvSpPr>
-        <p:spPr>
-          <a:xfrm>
-            <a:off x="6023118" y="4936424"/>
-            <a:ext cx="2111408" cy="525600"/>
-          </a:xfrm>
-          <a:prstGeom prst="roundRect">
-            <a:avLst>
-              <a:gd name="adj" fmla="val 8880"/>
-            </a:avLst>
-          </a:prstGeom>
-          <a:solidFill>
-            <a:schemeClr val="accent5">
-              <a:lumMod val="60000"/>
-              <a:lumOff val="40000"/>
-            </a:schemeClr>
-          </a:solidFill>
-          <a:ln>
-            <a:noFill/>
-            <a:prstDash val="sysDash"/>
-          </a:ln>
-        </p:spPr>
-        <p:style>
-          <a:lnRef idx="2">
-            <a:schemeClr val="accent1">
-              <a:shade val="50000"/>
-            </a:schemeClr>
-          </a:lnRef>
-          <a:fillRef idx="1">
-            <a:schemeClr val="accent1"/>
-          </a:fillRef>
-          <a:effectRef idx="0">
-            <a:schemeClr val="accent1"/>
-          </a:effectRef>
-          <a:fontRef idx="minor">
-            <a:schemeClr val="lt1"/>
-          </a:fontRef>
-        </p:style>
-        <p:txBody>
-          <a:bodyPr rtlCol="0" anchor="ctr"/>
-          <a:lstStyle/>
-          <a:p>
-            <a:pPr algn="ctr"/>
-            <a:r>
-              <a:rPr lang="en-US" altLang="zh-CN" sz="1000" dirty="0" err="1" smtClean="0">
-                <a:solidFill>
-                  <a:schemeClr val="tx1"/>
-                </a:solidFill>
-                <a:latin typeface="微软雅黑" panose="020B0503020204020204" pitchFamily="34" charset="-122"/>
-                <a:ea typeface="微软雅黑" panose="020B0503020204020204" pitchFamily="34" charset="-122"/>
-              </a:rPr>
-              <a:t>Flink</a:t>
-            </a:r>
-            <a:endParaRPr lang="zh-CN" altLang="en-US" sz="1000" dirty="0">
-              <a:solidFill>
-                <a:schemeClr val="tx1"/>
-              </a:solidFill>
-              <a:latin typeface="微软雅黑" panose="020B0503020204020204" pitchFamily="34" charset="-122"/>
-              <a:ea typeface="微软雅黑" panose="020B0503020204020204" pitchFamily="34" charset="-122"/>
-            </a:endParaRPr>
-          </a:p>
-        </p:txBody>
-      </p:sp>
-      <p:sp>
-        <p:nvSpPr>
-          <p:cNvPr id="58" name="圆角矩形 57"/>
-          <p:cNvSpPr/>
-          <p:nvPr/>
-        </p:nvSpPr>
-        <p:spPr>
-          <a:xfrm>
-            <a:off x="5843881" y="5557931"/>
-            <a:ext cx="2290645" cy="648000"/>
-          </a:xfrm>
-          <a:prstGeom prst="roundRect">
-            <a:avLst>
-              <a:gd name="adj" fmla="val 8880"/>
-            </a:avLst>
-          </a:prstGeom>
-          <a:solidFill>
-            <a:schemeClr val="accent4">
-              <a:lumMod val="60000"/>
-              <a:lumOff val="40000"/>
-            </a:schemeClr>
-          </a:solidFill>
-          <a:ln>
-            <a:noFill/>
-            <a:prstDash val="sysDash"/>
-          </a:ln>
-        </p:spPr>
-        <p:style>
-          <a:lnRef idx="2">
-            <a:schemeClr val="accent1">
-              <a:shade val="50000"/>
-            </a:schemeClr>
-          </a:lnRef>
-          <a:fillRef idx="1">
-            <a:schemeClr val="accent1"/>
-          </a:fillRef>
-          <a:effectRef idx="0">
-            <a:schemeClr val="accent1"/>
-          </a:effectRef>
-          <a:fontRef idx="minor">
-            <a:schemeClr val="lt1"/>
-          </a:fontRef>
-        </p:style>
-        <p:txBody>
-          <a:bodyPr rtlCol="0" anchor="ctr"/>
-          <a:lstStyle/>
-          <a:p>
-            <a:pPr algn="ctr"/>
-            <a:r>
-              <a:rPr lang="en-US" altLang="zh-CN" sz="1000" dirty="0" smtClean="0">
-                <a:solidFill>
-                  <a:schemeClr val="tx1"/>
-                </a:solidFill>
-                <a:latin typeface="微软雅黑" panose="020B0503020204020204" pitchFamily="34" charset="-122"/>
-                <a:ea typeface="微软雅黑" panose="020B0503020204020204" pitchFamily="34" charset="-122"/>
-              </a:rPr>
-              <a:t>Geode</a:t>
-            </a:r>
-            <a:r>
-              <a:rPr lang="en-US" altLang="zh-CN" sz="1000" dirty="0" smtClean="0">
-                <a:solidFill>
-                  <a:schemeClr val="tx1"/>
-                </a:solidFill>
-                <a:latin typeface="微软雅黑" panose="020B0503020204020204" pitchFamily="34" charset="-122"/>
-                <a:ea typeface="微软雅黑" panose="020B0503020204020204" pitchFamily="34" charset="-122"/>
-              </a:rPr>
-              <a:t>/Aerospike</a:t>
-            </a:r>
-            <a:endParaRPr lang="zh-CN" altLang="en-US" sz="1000" dirty="0">
-              <a:solidFill>
-                <a:schemeClr val="tx1"/>
-              </a:solidFill>
-              <a:latin typeface="微软雅黑" panose="020B0503020204020204" pitchFamily="34" charset="-122"/>
-              <a:ea typeface="微软雅黑" panose="020B0503020204020204" pitchFamily="34" charset="-122"/>
-            </a:endParaRPr>
-          </a:p>
-        </p:txBody>
-      </p:sp>
-      <p:pic>
-        <p:nvPicPr>
-          <p:cNvPr id="10" name="图片 9"/>
-          <p:cNvPicPr>
-            <a:picLocks noChangeAspect="1"/>
-          </p:cNvPicPr>
-          <p:nvPr/>
-        </p:nvPicPr>
-        <p:blipFill>
-          <a:blip r:embed="rId4">
-            <a:extLst>
-              <a:ext uri="{28A0092B-C50C-407E-A947-70E740481C1C}">
-                <a14:useLocalDpi xmlns:a14="http://schemas.microsoft.com/office/drawing/2010/main" val="0"/>
-              </a:ext>
-            </a:extLst>
-          </a:blip>
-          <a:stretch>
-            <a:fillRect/>
-          </a:stretch>
-        </p:blipFill>
-        <p:spPr>
-          <a:xfrm>
-            <a:off x="10443287" y="6064657"/>
-            <a:ext cx="1244676" cy="217410"/>
-          </a:xfrm>
-          <a:prstGeom prst="rect">
-            <a:avLst/>
-          </a:prstGeom>
-        </p:spPr>
-      </p:pic>
-      <p:pic>
-        <p:nvPicPr>
-          <p:cNvPr id="12" name="图片 11"/>
-          <p:cNvPicPr>
-            <a:picLocks noChangeAspect="1"/>
-          </p:cNvPicPr>
-          <p:nvPr/>
-        </p:nvPicPr>
-        <p:blipFill>
-          <a:blip r:embed="rId5">
-            <a:extLst>
-              <a:ext uri="{28A0092B-C50C-407E-A947-70E740481C1C}">
-                <a14:useLocalDpi xmlns:a14="http://schemas.microsoft.com/office/drawing/2010/main" val="0"/>
-              </a:ext>
-            </a:extLst>
-          </a:blip>
-          <a:stretch>
-            <a:fillRect/>
-          </a:stretch>
-        </p:blipFill>
-        <p:spPr>
-          <a:xfrm>
-            <a:off x="9904035" y="1150174"/>
-            <a:ext cx="1237961" cy="614145"/>
-          </a:xfrm>
-          <a:prstGeom prst="rect">
-            <a:avLst/>
-          </a:prstGeom>
-        </p:spPr>
-      </p:pic>
-      <p:pic>
-        <p:nvPicPr>
-          <p:cNvPr id="13" name="图片 12"/>
-          <p:cNvPicPr>
-            <a:picLocks noChangeAspect="1"/>
-          </p:cNvPicPr>
-          <p:nvPr/>
-        </p:nvPicPr>
-        <p:blipFill>
-          <a:blip r:embed="rId6">
-            <a:extLst>
-              <a:ext uri="{28A0092B-C50C-407E-A947-70E740481C1C}">
-                <a14:useLocalDpi xmlns:a14="http://schemas.microsoft.com/office/drawing/2010/main" val="0"/>
-              </a:ext>
-            </a:extLst>
-          </a:blip>
-          <a:stretch>
-            <a:fillRect/>
-          </a:stretch>
-        </p:blipFill>
-        <p:spPr>
-          <a:xfrm>
-            <a:off x="9872130" y="4107451"/>
-            <a:ext cx="1516977" cy="701769"/>
-          </a:xfrm>
-          <a:prstGeom prst="rect">
-            <a:avLst/>
-          </a:prstGeom>
-        </p:spPr>
-      </p:pic>
-      <p:pic>
-        <p:nvPicPr>
-          <p:cNvPr id="15" name="图片 14"/>
-          <p:cNvPicPr>
-            <a:picLocks noChangeAspect="1"/>
-          </p:cNvPicPr>
-          <p:nvPr/>
-        </p:nvPicPr>
-        <p:blipFill>
-          <a:blip r:embed="rId7">
-            <a:extLst>
-              <a:ext uri="{28A0092B-C50C-407E-A947-70E740481C1C}">
-                <a14:useLocalDpi xmlns:a14="http://schemas.microsoft.com/office/drawing/2010/main" val="0"/>
-              </a:ext>
-            </a:extLst>
-          </a:blip>
-          <a:stretch>
-            <a:fillRect/>
-          </a:stretch>
-        </p:blipFill>
-        <p:spPr>
-          <a:xfrm>
-            <a:off x="8174637" y="5472667"/>
-            <a:ext cx="1285693" cy="607950"/>
-          </a:xfrm>
-          <a:prstGeom prst="rect">
-            <a:avLst/>
-          </a:prstGeom>
-        </p:spPr>
-      </p:pic>
-      <p:pic>
-        <p:nvPicPr>
-          <p:cNvPr id="16" name="图片 15"/>
-          <p:cNvPicPr>
-            <a:picLocks noChangeAspect="1"/>
-          </p:cNvPicPr>
-          <p:nvPr/>
-        </p:nvPicPr>
-        <p:blipFill>
-          <a:blip r:embed="rId8">
-            <a:extLst>
-              <a:ext uri="{28A0092B-C50C-407E-A947-70E740481C1C}">
-                <a14:useLocalDpi xmlns:a14="http://schemas.microsoft.com/office/drawing/2010/main" val="0"/>
-              </a:ext>
-            </a:extLst>
-          </a:blip>
-          <a:stretch>
-            <a:fillRect/>
-          </a:stretch>
-        </p:blipFill>
-        <p:spPr>
-          <a:xfrm>
-            <a:off x="9822483" y="1951670"/>
-            <a:ext cx="1401064" cy="357719"/>
-          </a:xfrm>
-          <a:prstGeom prst="rect">
-            <a:avLst/>
-          </a:prstGeom>
-        </p:spPr>
-      </p:pic>
-      <p:pic>
-        <p:nvPicPr>
-          <p:cNvPr id="17" name="图片 16"/>
-          <p:cNvPicPr>
-            <a:picLocks noChangeAspect="1"/>
-          </p:cNvPicPr>
-          <p:nvPr/>
-        </p:nvPicPr>
-        <p:blipFill>
-          <a:blip r:embed="rId9">
-            <a:extLst>
-              <a:ext uri="{28A0092B-C50C-407E-A947-70E740481C1C}">
-                <a14:useLocalDpi xmlns:a14="http://schemas.microsoft.com/office/drawing/2010/main" val="0"/>
-              </a:ext>
-            </a:extLst>
-          </a:blip>
-          <a:stretch>
-            <a:fillRect/>
-          </a:stretch>
-        </p:blipFill>
-        <p:spPr>
-          <a:xfrm>
-            <a:off x="9663209" y="2990203"/>
-            <a:ext cx="1638134" cy="488919"/>
-          </a:xfrm>
-          <a:prstGeom prst="rect">
-            <a:avLst/>
-          </a:prstGeom>
-        </p:spPr>
-      </p:pic>
-      <p:pic>
-        <p:nvPicPr>
-          <p:cNvPr id="18" name="图片 17"/>
-          <p:cNvPicPr>
-            <a:picLocks noChangeAspect="1"/>
-          </p:cNvPicPr>
-          <p:nvPr/>
-        </p:nvPicPr>
-        <p:blipFill>
-          <a:blip r:embed="rId10">
-            <a:extLst>
-              <a:ext uri="{28A0092B-C50C-407E-A947-70E740481C1C}">
-                <a14:useLocalDpi xmlns:a14="http://schemas.microsoft.com/office/drawing/2010/main" val="0"/>
-              </a:ext>
-            </a:extLst>
-          </a:blip>
-          <a:stretch>
-            <a:fillRect/>
-          </a:stretch>
-        </p:blipFill>
-        <p:spPr>
-          <a:xfrm>
-            <a:off x="8249112" y="3716479"/>
-            <a:ext cx="1287686" cy="826426"/>
-          </a:xfrm>
-          <a:prstGeom prst="rect">
-            <a:avLst/>
-          </a:prstGeom>
-        </p:spPr>
-      </p:pic>
-      <p:pic>
-        <p:nvPicPr>
-          <p:cNvPr id="19" name="图片 18"/>
-          <p:cNvPicPr>
-            <a:picLocks noChangeAspect="1"/>
-          </p:cNvPicPr>
-          <p:nvPr/>
-        </p:nvPicPr>
-        <p:blipFill>
-          <a:blip r:embed="rId11">
-            <a:extLst>
-              <a:ext uri="{28A0092B-C50C-407E-A947-70E740481C1C}">
-                <a14:useLocalDpi xmlns:a14="http://schemas.microsoft.com/office/drawing/2010/main" val="0"/>
-              </a:ext>
-            </a:extLst>
-          </a:blip>
-          <a:stretch>
-            <a:fillRect/>
-          </a:stretch>
-        </p:blipFill>
-        <p:spPr>
-          <a:xfrm>
-            <a:off x="8288315" y="1271895"/>
-            <a:ext cx="1470136" cy="396704"/>
-          </a:xfrm>
-          <a:prstGeom prst="rect">
-            <a:avLst/>
-          </a:prstGeom>
-        </p:spPr>
-      </p:pic>
-      <p:pic>
-        <p:nvPicPr>
-          <p:cNvPr id="21" name="图片 20"/>
-          <p:cNvPicPr>
-            <a:picLocks noChangeAspect="1"/>
-          </p:cNvPicPr>
-          <p:nvPr/>
-        </p:nvPicPr>
-        <p:blipFill>
-          <a:blip r:embed="rId12">
-            <a:extLst>
-              <a:ext uri="{28A0092B-C50C-407E-A947-70E740481C1C}">
-                <a14:useLocalDpi xmlns:a14="http://schemas.microsoft.com/office/drawing/2010/main" val="0"/>
-              </a:ext>
-            </a:extLst>
-          </a:blip>
-          <a:stretch>
-            <a:fillRect/>
-          </a:stretch>
-        </p:blipFill>
-        <p:spPr>
-          <a:xfrm>
-            <a:off x="8364057" y="3116378"/>
-            <a:ext cx="855255" cy="406175"/>
-          </a:xfrm>
-          <a:prstGeom prst="rect">
-            <a:avLst/>
-          </a:prstGeom>
-        </p:spPr>
-      </p:pic>
-      <p:pic>
-        <p:nvPicPr>
-          <p:cNvPr id="22" name="图片 21"/>
-          <p:cNvPicPr>
-            <a:picLocks noChangeAspect="1"/>
-          </p:cNvPicPr>
-          <p:nvPr/>
-        </p:nvPicPr>
-        <p:blipFill>
-          <a:blip r:embed="rId13">
-            <a:extLst>
-              <a:ext uri="{28A0092B-C50C-407E-A947-70E740481C1C}">
-                <a14:useLocalDpi xmlns:a14="http://schemas.microsoft.com/office/drawing/2010/main" val="0"/>
-              </a:ext>
-            </a:extLst>
-          </a:blip>
-          <a:stretch>
-            <a:fillRect/>
-          </a:stretch>
-        </p:blipFill>
-        <p:spPr>
-          <a:xfrm>
-            <a:off x="8345871" y="2486938"/>
-            <a:ext cx="1094168" cy="421040"/>
-          </a:xfrm>
-          <a:prstGeom prst="rect">
-            <a:avLst/>
-          </a:prstGeom>
-        </p:spPr>
-      </p:pic>
-      <p:pic>
-        <p:nvPicPr>
-          <p:cNvPr id="25" name="图片 24"/>
-          <p:cNvPicPr>
-            <a:picLocks noChangeAspect="1"/>
-          </p:cNvPicPr>
-          <p:nvPr/>
-        </p:nvPicPr>
-        <p:blipFill>
-          <a:blip r:embed="rId14">
-            <a:extLst>
-              <a:ext uri="{28A0092B-C50C-407E-A947-70E740481C1C}">
-                <a14:useLocalDpi xmlns:a14="http://schemas.microsoft.com/office/drawing/2010/main" val="0"/>
-              </a:ext>
-            </a:extLst>
-          </a:blip>
-          <a:stretch>
-            <a:fillRect/>
-          </a:stretch>
-        </p:blipFill>
-        <p:spPr>
-          <a:xfrm>
-            <a:off x="8326592" y="1914530"/>
-            <a:ext cx="1332639" cy="359072"/>
-          </a:xfrm>
-          <a:prstGeom prst="rect">
-            <a:avLst/>
-          </a:prstGeom>
-        </p:spPr>
-      </p:pic>
-      <p:pic>
-        <p:nvPicPr>
-          <p:cNvPr id="26" name="图片 25"/>
-          <p:cNvPicPr>
-            <a:picLocks noChangeAspect="1"/>
-          </p:cNvPicPr>
-          <p:nvPr/>
-        </p:nvPicPr>
-        <p:blipFill>
-          <a:blip r:embed="rId15">
-            <a:extLst>
-              <a:ext uri="{28A0092B-C50C-407E-A947-70E740481C1C}">
-                <a14:useLocalDpi xmlns:a14="http://schemas.microsoft.com/office/drawing/2010/main" val="0"/>
-              </a:ext>
-            </a:extLst>
-          </a:blip>
-          <a:stretch>
-            <a:fillRect/>
-          </a:stretch>
-        </p:blipFill>
-        <p:spPr>
-          <a:xfrm>
-            <a:off x="9218238" y="3612050"/>
-            <a:ext cx="1768013" cy="470217"/>
-          </a:xfrm>
-          <a:prstGeom prst="rect">
-            <a:avLst/>
-          </a:prstGeom>
-        </p:spPr>
-      </p:pic>
-      <p:pic>
-        <p:nvPicPr>
-          <p:cNvPr id="27" name="图片 26"/>
-          <p:cNvPicPr>
-            <a:picLocks noChangeAspect="1"/>
-          </p:cNvPicPr>
-          <p:nvPr/>
-        </p:nvPicPr>
-        <p:blipFill>
-          <a:blip r:embed="rId16">
-            <a:extLst>
-              <a:ext uri="{28A0092B-C50C-407E-A947-70E740481C1C}">
-                <a14:useLocalDpi xmlns:a14="http://schemas.microsoft.com/office/drawing/2010/main" val="0"/>
-              </a:ext>
-            </a:extLst>
-          </a:blip>
-          <a:stretch>
-            <a:fillRect/>
-          </a:stretch>
-        </p:blipFill>
-        <p:spPr>
-          <a:xfrm>
-            <a:off x="8252686" y="4660626"/>
-            <a:ext cx="1541395" cy="819891"/>
-          </a:xfrm>
-          <a:prstGeom prst="rect">
-            <a:avLst/>
-          </a:prstGeom>
-        </p:spPr>
-      </p:pic>
-      <p:pic>
-        <p:nvPicPr>
-          <p:cNvPr id="33" name="图片 32"/>
-          <p:cNvPicPr>
-            <a:picLocks noChangeAspect="1"/>
-          </p:cNvPicPr>
-          <p:nvPr/>
-        </p:nvPicPr>
-        <p:blipFill>
-          <a:blip r:embed="rId17">
-            <a:extLst>
-              <a:ext uri="{28A0092B-C50C-407E-A947-70E740481C1C}">
-                <a14:useLocalDpi xmlns:a14="http://schemas.microsoft.com/office/drawing/2010/main" val="0"/>
-              </a:ext>
-            </a:extLst>
-          </a:blip>
-          <a:stretch>
-            <a:fillRect/>
-          </a:stretch>
-        </p:blipFill>
-        <p:spPr>
-          <a:xfrm>
-            <a:off x="8304216" y="6029412"/>
-            <a:ext cx="967515" cy="257225"/>
-          </a:xfrm>
-          <a:prstGeom prst="rect">
-            <a:avLst/>
-          </a:prstGeom>
-        </p:spPr>
-      </p:pic>
-      <p:pic>
-        <p:nvPicPr>
-          <p:cNvPr id="36" name="图片 35"/>
-          <p:cNvPicPr>
-            <a:picLocks noChangeAspect="1"/>
-          </p:cNvPicPr>
-          <p:nvPr/>
-        </p:nvPicPr>
-        <p:blipFill>
-          <a:blip r:embed="rId18">
-            <a:extLst>
-              <a:ext uri="{28A0092B-C50C-407E-A947-70E740481C1C}">
-                <a14:useLocalDpi xmlns:a14="http://schemas.microsoft.com/office/drawing/2010/main" val="0"/>
-              </a:ext>
-            </a:extLst>
-          </a:blip>
-          <a:stretch>
-            <a:fillRect/>
-          </a:stretch>
-        </p:blipFill>
-        <p:spPr>
-          <a:xfrm>
-            <a:off x="9480993" y="5557931"/>
-            <a:ext cx="808156" cy="400921"/>
-          </a:xfrm>
-          <a:prstGeom prst="rect">
-            <a:avLst/>
-          </a:prstGeom>
-        </p:spPr>
-      </p:pic>
-      <p:pic>
-        <p:nvPicPr>
-          <p:cNvPr id="37" name="图片 36"/>
-          <p:cNvPicPr>
-            <a:picLocks noChangeAspect="1"/>
-          </p:cNvPicPr>
-          <p:nvPr/>
-        </p:nvPicPr>
-        <p:blipFill>
-          <a:blip r:embed="rId19">
-            <a:extLst>
-              <a:ext uri="{28A0092B-C50C-407E-A947-70E740481C1C}">
-                <a14:useLocalDpi xmlns:a14="http://schemas.microsoft.com/office/drawing/2010/main" val="0"/>
-              </a:ext>
-            </a:extLst>
-          </a:blip>
-          <a:stretch>
-            <a:fillRect/>
-          </a:stretch>
-        </p:blipFill>
-        <p:spPr>
-          <a:xfrm>
-            <a:off x="9904035" y="4810210"/>
-            <a:ext cx="1518103" cy="778027"/>
-          </a:xfrm>
-          <a:prstGeom prst="rect">
-            <a:avLst/>
-          </a:prstGeom>
-        </p:spPr>
-      </p:pic>
-      <p:pic>
-        <p:nvPicPr>
-          <p:cNvPr id="38" name="图片 37"/>
-          <p:cNvPicPr>
-            <a:picLocks noChangeAspect="1"/>
-          </p:cNvPicPr>
-          <p:nvPr/>
-        </p:nvPicPr>
-        <p:blipFill>
-          <a:blip r:embed="rId20">
-            <a:extLst>
-              <a:ext uri="{28A0092B-C50C-407E-A947-70E740481C1C}">
-                <a14:useLocalDpi xmlns:a14="http://schemas.microsoft.com/office/drawing/2010/main" val="0"/>
-              </a:ext>
-            </a:extLst>
-          </a:blip>
-          <a:stretch>
-            <a:fillRect/>
-          </a:stretch>
-        </p:blipFill>
-        <p:spPr>
-          <a:xfrm>
-            <a:off x="9311842" y="5888429"/>
-            <a:ext cx="1110046" cy="505070"/>
-          </a:xfrm>
-          <a:prstGeom prst="rect">
-            <a:avLst/>
-          </a:prstGeom>
-        </p:spPr>
-      </p:pic>
-      <p:pic>
-        <p:nvPicPr>
-          <p:cNvPr id="90" name="图片 89"/>
-          <p:cNvPicPr>
-            <a:picLocks noChangeAspect="1"/>
-          </p:cNvPicPr>
-          <p:nvPr/>
-        </p:nvPicPr>
-        <p:blipFill>
-          <a:blip r:embed="rId21">
-            <a:extLst>
-              <a:ext uri="{28A0092B-C50C-407E-A947-70E740481C1C}">
-                <a14:useLocalDpi xmlns:a14="http://schemas.microsoft.com/office/drawing/2010/main" val="0"/>
-              </a:ext>
-            </a:extLst>
-          </a:blip>
-          <a:stretch>
-            <a:fillRect/>
-          </a:stretch>
-        </p:blipFill>
-        <p:spPr>
-          <a:xfrm>
-            <a:off x="9906633" y="2601871"/>
-            <a:ext cx="1515505" cy="279515"/>
-          </a:xfrm>
-          <a:prstGeom prst="rect">
-            <a:avLst/>
-          </a:prstGeom>
-        </p:spPr>
-      </p:pic>
     </p:spTree>
   </p:cSld>
   <p:clrMapOvr>
     <a:masterClrMapping/>
   </p:clrMapOvr>
-  <mc:AlternateContent xmlns:mc="http://schemas.openxmlformats.org/markup-compatibility/2006" xmlns:p14="http://schemas.microsoft.com/office/powerpoint/2010/main">
-    <mc:Choice Requires="p14">
-      <p:transition p14:dur="0"/>
+  <mc:AlternateContent xmlns:mc="http://schemas.openxmlformats.org/markup-compatibility/2006">
+    <mc:Choice xmlns:p14="http://schemas.microsoft.com/office/powerpoint/2010/main" Requires="p14">
+      <p:transition p14:dur="10"/>
     </mc:Choice>
-    <mc:Fallback xmlns="">
+    <mc:Fallback>
       <p:transition/>
     </mc:Fallback>
   </mc:AlternateContent>
